--- a/00 PRESENTACIONES compartida alumnos/ED00 - PRESENTACIÓN.pptx
+++ b/00 PRESENTACIONES compartida alumnos/ED00 - PRESENTACIÓN.pptx
@@ -5,10 +5,10 @@
     <p:sldMasterId id="2147483715" r:id="rId1"/>
   </p:sldMasterIdLst>
   <p:notesMasterIdLst>
-    <p:notesMasterId r:id="rId15"/>
+    <p:notesMasterId r:id="rId10"/>
   </p:notesMasterIdLst>
   <p:handoutMasterIdLst>
-    <p:handoutMasterId r:id="rId16"/>
+    <p:handoutMasterId r:id="rId11"/>
   </p:handoutMasterIdLst>
   <p:sldIdLst>
     <p:sldId id="259" r:id="rId2"/>
@@ -18,12 +18,7 @@
     <p:sldId id="304" r:id="rId6"/>
     <p:sldId id="302" r:id="rId7"/>
     <p:sldId id="291" r:id="rId8"/>
-    <p:sldId id="300" r:id="rId9"/>
-    <p:sldId id="301" r:id="rId10"/>
-    <p:sldId id="303" r:id="rId11"/>
-    <p:sldId id="292" r:id="rId12"/>
-    <p:sldId id="293" r:id="rId13"/>
-    <p:sldId id="305" r:id="rId14"/>
+    <p:sldId id="303" r:id="rId9"/>
   </p:sldIdLst>
   <p:sldSz cx="9144000" cy="6858000" type="screen4x3"/>
   <p:notesSz cx="7102475" cy="10233025"/>
@@ -158,13 +153,384 @@
 <file path=ppt/revisionInfo.xml><?xml version="1.0" encoding="utf-8"?>
 <p1510:revInfo xmlns:a="http://schemas.openxmlformats.org/drawingml/2006/main" xmlns:r="http://schemas.openxmlformats.org/officeDocument/2006/relationships" xmlns:p1510="http://schemas.microsoft.com/office/powerpoint/2015/10/main">
   <p1510:revLst>
-    <p1510:client id="{F199ABFC-219D-EA87-6AFE-DB592A70653A}" v="57" dt="2024-11-03T07:12:39.982"/>
+    <p1510:client id="{59AEFF11-939A-7B76-8505-388D2564DBC9}" v="198" dt="2025-09-20T04:35:27.088"/>
+    <p1510:client id="{71577DFB-0ADD-AEC4-E101-3B315205F958}" v="3" dt="2025-09-19T08:46:44.454"/>
+    <p1510:client id="{D741C5D2-9B09-2808-0247-53FFC57DD23C}" v="4" dt="2025-09-19T08:45:45.660"/>
   </p1510:revLst>
 </p1510:revInfo>
 </file>
 
 <file path=ppt/changesInfos/changesInfo1.xml><?xml version="1.0" encoding="utf-8"?>
 <pc:chgInfo xmlns:a="http://schemas.openxmlformats.org/drawingml/2006/main" xmlns:r="http://schemas.openxmlformats.org/officeDocument/2006/relationships" xmlns:ac="http://schemas.microsoft.com/office/drawing/2013/main/command" xmlns:pc="http://schemas.microsoft.com/office/powerpoint/2013/main/command">
+  <pc:docChgLst>
+    <pc:chgData name="MIGUEL TRIGUEROS MUÑOZ" userId="S::miguel.trigueros@aulaxxi.murciaeduca.es::a4ee0321-97d7-430f-98a8-7ed13ff9a4bf" providerId="AD" clId="Web-{F199ABFC-219D-EA87-6AFE-DB592A70653A}"/>
+    <pc:docChg chg="modSld">
+      <pc:chgData name="MIGUEL TRIGUEROS MUÑOZ" userId="S::miguel.trigueros@aulaxxi.murciaeduca.es::a4ee0321-97d7-430f-98a8-7ed13ff9a4bf" providerId="AD" clId="Web-{F199ABFC-219D-EA87-6AFE-DB592A70653A}" dt="2024-11-03T07:12:40.310" v="172"/>
+      <pc:docMkLst>
+        <pc:docMk/>
+      </pc:docMkLst>
+      <pc:sldChg chg="addSp delSp modSp modNotes">
+        <pc:chgData name="MIGUEL TRIGUEROS MUÑOZ" userId="S::miguel.trigueros@aulaxxi.murciaeduca.es::a4ee0321-97d7-430f-98a8-7ed13ff9a4bf" providerId="AD" clId="Web-{F199ABFC-219D-EA87-6AFE-DB592A70653A}" dt="2024-11-03T07:10:10.664" v="136"/>
+        <pc:sldMkLst>
+          <pc:docMk/>
+          <pc:sldMk cId="3228786143" sldId="287"/>
+        </pc:sldMkLst>
+      </pc:sldChg>
+      <pc:sldChg chg="modSp">
+        <pc:chgData name="MIGUEL TRIGUEROS MUÑOZ" userId="S::miguel.trigueros@aulaxxi.murciaeduca.es::a4ee0321-97d7-430f-98a8-7ed13ff9a4bf" providerId="AD" clId="Web-{F199ABFC-219D-EA87-6AFE-DB592A70653A}" dt="2024-11-03T07:11:43.745" v="160"/>
+        <pc:sldMkLst>
+          <pc:docMk/>
+          <pc:sldMk cId="2855820299" sldId="291"/>
+        </pc:sldMkLst>
+      </pc:sldChg>
+      <pc:sldChg chg="modSp">
+        <pc:chgData name="MIGUEL TRIGUEROS MUÑOZ" userId="S::miguel.trigueros@aulaxxi.murciaeduca.es::a4ee0321-97d7-430f-98a8-7ed13ff9a4bf" providerId="AD" clId="Web-{F199ABFC-219D-EA87-6AFE-DB592A70653A}" dt="2024-11-03T07:12:20.387" v="164"/>
+        <pc:sldMkLst>
+          <pc:docMk/>
+          <pc:sldMk cId="412294843" sldId="300"/>
+        </pc:sldMkLst>
+      </pc:sldChg>
+      <pc:sldChg chg="modSp modNotes">
+        <pc:chgData name="MIGUEL TRIGUEROS MUÑOZ" userId="S::miguel.trigueros@aulaxxi.murciaeduca.es::a4ee0321-97d7-430f-98a8-7ed13ff9a4bf" providerId="AD" clId="Web-{F199ABFC-219D-EA87-6AFE-DB592A70653A}" dt="2024-11-03T07:12:40.310" v="172"/>
+        <pc:sldMkLst>
+          <pc:docMk/>
+          <pc:sldMk cId="3375748173" sldId="301"/>
+        </pc:sldMkLst>
+      </pc:sldChg>
+    </pc:docChg>
+  </pc:docChgLst>
+  <pc:docChgLst>
+    <pc:chgData name="MIGUEL TRIGUEROS MUÑOZ" userId="S::miguel.trigueros@aulaxxi.murciaeduca.es::a4ee0321-97d7-430f-98a8-7ed13ff9a4bf" providerId="AD" clId="Web-{71577DFB-0ADD-AEC4-E101-3B315205F958}"/>
+    <pc:docChg chg="modSld">
+      <pc:chgData name="MIGUEL TRIGUEROS MUÑOZ" userId="S::miguel.trigueros@aulaxxi.murciaeduca.es::a4ee0321-97d7-430f-98a8-7ed13ff9a4bf" providerId="AD" clId="Web-{71577DFB-0ADD-AEC4-E101-3B315205F958}" dt="2025-09-19T08:46:44.454" v="2"/>
+      <pc:docMkLst>
+        <pc:docMk/>
+      </pc:docMkLst>
+      <pc:sldChg chg="delSp modSp">
+        <pc:chgData name="MIGUEL TRIGUEROS MUÑOZ" userId="S::miguel.trigueros@aulaxxi.murciaeduca.es::a4ee0321-97d7-430f-98a8-7ed13ff9a4bf" providerId="AD" clId="Web-{71577DFB-0ADD-AEC4-E101-3B315205F958}" dt="2025-09-19T08:46:44.454" v="2"/>
+        <pc:sldMkLst>
+          <pc:docMk/>
+          <pc:sldMk cId="3228786143" sldId="287"/>
+        </pc:sldMkLst>
+        <pc:picChg chg="mod modCrop">
+          <ac:chgData name="MIGUEL TRIGUEROS MUÑOZ" userId="S::miguel.trigueros@aulaxxi.murciaeduca.es::a4ee0321-97d7-430f-98a8-7ed13ff9a4bf" providerId="AD" clId="Web-{71577DFB-0ADD-AEC4-E101-3B315205F958}" dt="2025-09-19T08:46:39.844" v="1"/>
+          <ac:picMkLst>
+            <pc:docMk/>
+            <pc:sldMk cId="3228786143" sldId="287"/>
+            <ac:picMk id="6" creationId="{7694B80B-7C84-7E65-9970-0283991DD694}"/>
+          </ac:picMkLst>
+        </pc:picChg>
+        <pc:cxnChg chg="del">
+          <ac:chgData name="MIGUEL TRIGUEROS MUÑOZ" userId="S::miguel.trigueros@aulaxxi.murciaeduca.es::a4ee0321-97d7-430f-98a8-7ed13ff9a4bf" providerId="AD" clId="Web-{71577DFB-0ADD-AEC4-E101-3B315205F958}" dt="2025-09-19T08:46:44.454" v="2"/>
+          <ac:cxnSpMkLst>
+            <pc:docMk/>
+            <pc:sldMk cId="3228786143" sldId="287"/>
+            <ac:cxnSpMk id="9" creationId="{02A1D881-0FCE-A49B-B5BF-924F034F770E}"/>
+          </ac:cxnSpMkLst>
+        </pc:cxnChg>
+      </pc:sldChg>
+    </pc:docChg>
+  </pc:docChgLst>
+  <pc:docChgLst>
+    <pc:chgData name="MIGUEL TRIGUEROS MUÑOZ" userId="S::miguel.trigueros@aulaxxi.murciaeduca.es::a4ee0321-97d7-430f-98a8-7ed13ff9a4bf" providerId="AD" clId="Web-{D741C5D2-9B09-2808-0247-53FFC57DD23C}"/>
+    <pc:docChg chg="modSld">
+      <pc:chgData name="MIGUEL TRIGUEROS MUÑOZ" userId="S::miguel.trigueros@aulaxxi.murciaeduca.es::a4ee0321-97d7-430f-98a8-7ed13ff9a4bf" providerId="AD" clId="Web-{D741C5D2-9B09-2808-0247-53FFC57DD23C}" dt="2025-09-19T08:45:44.472" v="2" actId="20577"/>
+      <pc:docMkLst>
+        <pc:docMk/>
+      </pc:docMkLst>
+      <pc:sldChg chg="modSp">
+        <pc:chgData name="MIGUEL TRIGUEROS MUÑOZ" userId="S::miguel.trigueros@aulaxxi.murciaeduca.es::a4ee0321-97d7-430f-98a8-7ed13ff9a4bf" providerId="AD" clId="Web-{D741C5D2-9B09-2808-0247-53FFC57DD23C}" dt="2025-09-19T08:45:44.472" v="2" actId="20577"/>
+        <pc:sldMkLst>
+          <pc:docMk/>
+          <pc:sldMk cId="0" sldId="259"/>
+        </pc:sldMkLst>
+        <pc:spChg chg="mod">
+          <ac:chgData name="MIGUEL TRIGUEROS MUÑOZ" userId="S::miguel.trigueros@aulaxxi.murciaeduca.es::a4ee0321-97d7-430f-98a8-7ed13ff9a4bf" providerId="AD" clId="Web-{D741C5D2-9B09-2808-0247-53FFC57DD23C}" dt="2025-09-19T08:45:44.472" v="2" actId="20577"/>
+          <ac:spMkLst>
+            <pc:docMk/>
+            <pc:sldMk cId="0" sldId="259"/>
+            <ac:spMk id="9" creationId="{240F34C7-F9A0-4752-DB66-1C454227EEA0}"/>
+          </ac:spMkLst>
+        </pc:spChg>
+      </pc:sldChg>
+    </pc:docChg>
+  </pc:docChgLst>
+  <pc:docChgLst>
+    <pc:chgData name="MIGUEL TRIGUEROS MUÑOZ" userId="a4ee0321-97d7-430f-98a8-7ed13ff9a4bf" providerId="ADAL" clId="{C9DA032C-484A-4D07-B678-E58F0297B9B2}"/>
+    <pc:docChg chg="custSel modSld">
+      <pc:chgData name="MIGUEL TRIGUEROS MUÑOZ" userId="a4ee0321-97d7-430f-98a8-7ed13ff9a4bf" providerId="ADAL" clId="{C9DA032C-484A-4D07-B678-E58F0297B9B2}" dt="2024-11-03T07:13:52.105" v="123" actId="20577"/>
+      <pc:docMkLst>
+        <pc:docMk/>
+      </pc:docMkLst>
+      <pc:sldChg chg="modNotesTx">
+        <pc:chgData name="MIGUEL TRIGUEROS MUÑOZ" userId="a4ee0321-97d7-430f-98a8-7ed13ff9a4bf" providerId="ADAL" clId="{C9DA032C-484A-4D07-B678-E58F0297B9B2}" dt="2024-11-03T07:13:52.105" v="123" actId="20577"/>
+        <pc:sldMkLst>
+          <pc:docMk/>
+          <pc:sldMk cId="3375748173" sldId="301"/>
+        </pc:sldMkLst>
+      </pc:sldChg>
+    </pc:docChg>
+  </pc:docChgLst>
+  <pc:docChgLst>
+    <pc:chgData name="MIGUEL TRIGUEROS MUÑOZ" userId="S::miguel.trigueros@aulaxxi.murciaeduca.es::a4ee0321-97d7-430f-98a8-7ed13ff9a4bf" providerId="AD" clId="Web-{59AEFF11-939A-7B76-8505-388D2564DBC9}"/>
+    <pc:docChg chg="delSld modSld">
+      <pc:chgData name="MIGUEL TRIGUEROS MUÑOZ" userId="S::miguel.trigueros@aulaxxi.murciaeduca.es::a4ee0321-97d7-430f-98a8-7ed13ff9a4bf" providerId="AD" clId="Web-{59AEFF11-939A-7B76-8505-388D2564DBC9}" dt="2025-09-20T04:35:26.572" v="164"/>
+      <pc:docMkLst>
+        <pc:docMk/>
+      </pc:docMkLst>
+      <pc:sldChg chg="addSp delSp modSp">
+        <pc:chgData name="MIGUEL TRIGUEROS MUÑOZ" userId="S::miguel.trigueros@aulaxxi.murciaeduca.es::a4ee0321-97d7-430f-98a8-7ed13ff9a4bf" providerId="AD" clId="Web-{59AEFF11-939A-7B76-8505-388D2564DBC9}" dt="2025-09-20T04:29:04.699" v="6" actId="1076"/>
+        <pc:sldMkLst>
+          <pc:docMk/>
+          <pc:sldMk cId="3228786143" sldId="287"/>
+        </pc:sldMkLst>
+        <pc:spChg chg="del">
+          <ac:chgData name="MIGUEL TRIGUEROS MUÑOZ" userId="S::miguel.trigueros@aulaxxi.murciaeduca.es::a4ee0321-97d7-430f-98a8-7ed13ff9a4bf" providerId="AD" clId="Web-{59AEFF11-939A-7B76-8505-388D2564DBC9}" dt="2025-09-20T04:27:38.399" v="2"/>
+          <ac:spMkLst>
+            <pc:docMk/>
+            <pc:sldMk cId="3228786143" sldId="287"/>
+            <ac:spMk id="3" creationId="{7F68382F-6E22-7D12-579D-A66C96527D63}"/>
+          </ac:spMkLst>
+        </pc:spChg>
+        <pc:spChg chg="del">
+          <ac:chgData name="MIGUEL TRIGUEROS MUÑOZ" userId="S::miguel.trigueros@aulaxxi.murciaeduca.es::a4ee0321-97d7-430f-98a8-7ed13ff9a4bf" providerId="AD" clId="Web-{59AEFF11-939A-7B76-8505-388D2564DBC9}" dt="2025-09-20T04:28:58.746" v="3"/>
+          <ac:spMkLst>
+            <pc:docMk/>
+            <pc:sldMk cId="3228786143" sldId="287"/>
+            <ac:spMk id="4" creationId="{798847BE-EC01-B5DB-F2B0-ED899E750E99}"/>
+          </ac:spMkLst>
+        </pc:spChg>
+        <pc:spChg chg="del">
+          <ac:chgData name="MIGUEL TRIGUEROS MUÑOZ" userId="S::miguel.trigueros@aulaxxi.murciaeduca.es::a4ee0321-97d7-430f-98a8-7ed13ff9a4bf" providerId="AD" clId="Web-{59AEFF11-939A-7B76-8505-388D2564DBC9}" dt="2025-09-20T04:27:37.055" v="1"/>
+          <ac:spMkLst>
+            <pc:docMk/>
+            <pc:sldMk cId="3228786143" sldId="287"/>
+            <ac:spMk id="7" creationId="{60D068C1-AC89-66AA-A2A1-281F237D37B9}"/>
+          </ac:spMkLst>
+        </pc:spChg>
+        <pc:picChg chg="del">
+          <ac:chgData name="MIGUEL TRIGUEROS MUÑOZ" userId="S::miguel.trigueros@aulaxxi.murciaeduca.es::a4ee0321-97d7-430f-98a8-7ed13ff9a4bf" providerId="AD" clId="Web-{59AEFF11-939A-7B76-8505-388D2564DBC9}" dt="2025-09-20T04:27:34.930" v="0"/>
+          <ac:picMkLst>
+            <pc:docMk/>
+            <pc:sldMk cId="3228786143" sldId="287"/>
+            <ac:picMk id="6" creationId="{7694B80B-7C84-7E65-9970-0283991DD694}"/>
+          </ac:picMkLst>
+        </pc:picChg>
+        <pc:picChg chg="add mod ord">
+          <ac:chgData name="MIGUEL TRIGUEROS MUÑOZ" userId="S::miguel.trigueros@aulaxxi.murciaeduca.es::a4ee0321-97d7-430f-98a8-7ed13ff9a4bf" providerId="AD" clId="Web-{59AEFF11-939A-7B76-8505-388D2564DBC9}" dt="2025-09-20T04:29:04.699" v="6" actId="1076"/>
+          <ac:picMkLst>
+            <pc:docMk/>
+            <pc:sldMk cId="3228786143" sldId="287"/>
+            <ac:picMk id="8" creationId="{3B25C666-E4B9-2E33-7B1E-7EC7E2907892}"/>
+          </ac:picMkLst>
+        </pc:picChg>
+      </pc:sldChg>
+      <pc:sldChg chg="modSp">
+        <pc:chgData name="MIGUEL TRIGUEROS MUÑOZ" userId="S::miguel.trigueros@aulaxxi.murciaeduca.es::a4ee0321-97d7-430f-98a8-7ed13ff9a4bf" providerId="AD" clId="Web-{59AEFF11-939A-7B76-8505-388D2564DBC9}" dt="2025-09-20T04:33:11.070" v="82" actId="20577"/>
+        <pc:sldMkLst>
+          <pc:docMk/>
+          <pc:sldMk cId="2855820299" sldId="291"/>
+        </pc:sldMkLst>
+        <pc:spChg chg="mod">
+          <ac:chgData name="MIGUEL TRIGUEROS MUÑOZ" userId="S::miguel.trigueros@aulaxxi.murciaeduca.es::a4ee0321-97d7-430f-98a8-7ed13ff9a4bf" providerId="AD" clId="Web-{59AEFF11-939A-7B76-8505-388D2564DBC9}" dt="2025-09-20T04:33:11.070" v="82" actId="20577"/>
+          <ac:spMkLst>
+            <pc:docMk/>
+            <pc:sldMk cId="2855820299" sldId="291"/>
+            <ac:spMk id="12" creationId="{F62BE054-AFA4-E0C3-D337-5831DC6586D6}"/>
+          </ac:spMkLst>
+        </pc:spChg>
+        <pc:graphicFrameChg chg="mod modGraphic">
+          <ac:chgData name="MIGUEL TRIGUEROS MUÑOZ" userId="S::miguel.trigueros@aulaxxi.murciaeduca.es::a4ee0321-97d7-430f-98a8-7ed13ff9a4bf" providerId="AD" clId="Web-{59AEFF11-939A-7B76-8505-388D2564DBC9}" dt="2025-09-20T04:32:50.179" v="78"/>
+          <ac:graphicFrameMkLst>
+            <pc:docMk/>
+            <pc:sldMk cId="2855820299" sldId="291"/>
+            <ac:graphicFrameMk id="11" creationId="{6657B4B4-0A17-2143-055A-1048C72EB6C4}"/>
+          </ac:graphicFrameMkLst>
+        </pc:graphicFrameChg>
+      </pc:sldChg>
+      <pc:sldChg chg="del">
+        <pc:chgData name="MIGUEL TRIGUEROS MUÑOZ" userId="S::miguel.trigueros@aulaxxi.murciaeduca.es::a4ee0321-97d7-430f-98a8-7ed13ff9a4bf" providerId="AD" clId="Web-{59AEFF11-939A-7B76-8505-388D2564DBC9}" dt="2025-09-20T04:35:21.650" v="162"/>
+        <pc:sldMkLst>
+          <pc:docMk/>
+          <pc:sldMk cId="1540503682" sldId="292"/>
+        </pc:sldMkLst>
+      </pc:sldChg>
+      <pc:sldChg chg="del">
+        <pc:chgData name="MIGUEL TRIGUEROS MUÑOZ" userId="S::miguel.trigueros@aulaxxi.murciaeduca.es::a4ee0321-97d7-430f-98a8-7ed13ff9a4bf" providerId="AD" clId="Web-{59AEFF11-939A-7B76-8505-388D2564DBC9}" dt="2025-09-20T04:35:24.385" v="163"/>
+        <pc:sldMkLst>
+          <pc:docMk/>
+          <pc:sldMk cId="1546270621" sldId="293"/>
+        </pc:sldMkLst>
+      </pc:sldChg>
+      <pc:sldChg chg="del">
+        <pc:chgData name="MIGUEL TRIGUEROS MUÑOZ" userId="S::miguel.trigueros@aulaxxi.murciaeduca.es::a4ee0321-97d7-430f-98a8-7ed13ff9a4bf" providerId="AD" clId="Web-{59AEFF11-939A-7B76-8505-388D2564DBC9}" dt="2025-09-20T04:31:20.240" v="63"/>
+        <pc:sldMkLst>
+          <pc:docMk/>
+          <pc:sldMk cId="412294843" sldId="300"/>
+        </pc:sldMkLst>
+      </pc:sldChg>
+      <pc:sldChg chg="modSp del">
+        <pc:chgData name="MIGUEL TRIGUEROS MUÑOZ" userId="S::miguel.trigueros@aulaxxi.murciaeduca.es::a4ee0321-97d7-430f-98a8-7ed13ff9a4bf" providerId="AD" clId="Web-{59AEFF11-939A-7B76-8505-388D2564DBC9}" dt="2025-09-20T04:33:19.304" v="83"/>
+        <pc:sldMkLst>
+          <pc:docMk/>
+          <pc:sldMk cId="3375748173" sldId="301"/>
+        </pc:sldMkLst>
+        <pc:spChg chg="mod">
+          <ac:chgData name="MIGUEL TRIGUEROS MUÑOZ" userId="S::miguel.trigueros@aulaxxi.murciaeduca.es::a4ee0321-97d7-430f-98a8-7ed13ff9a4bf" providerId="AD" clId="Web-{59AEFF11-939A-7B76-8505-388D2564DBC9}" dt="2025-09-20T04:32:32.210" v="73" actId="20577"/>
+          <ac:spMkLst>
+            <pc:docMk/>
+            <pc:sldMk cId="3375748173" sldId="301"/>
+            <ac:spMk id="12" creationId="{F62BE054-AFA4-E0C3-D337-5831DC6586D6}"/>
+          </ac:spMkLst>
+        </pc:spChg>
+      </pc:sldChg>
+      <pc:sldChg chg="modSp">
+        <pc:chgData name="MIGUEL TRIGUEROS MUÑOZ" userId="S::miguel.trigueros@aulaxxi.murciaeduca.es::a4ee0321-97d7-430f-98a8-7ed13ff9a4bf" providerId="AD" clId="Web-{59AEFF11-939A-7B76-8505-388D2564DBC9}" dt="2025-09-20T04:34:58.634" v="161" actId="20577"/>
+        <pc:sldMkLst>
+          <pc:docMk/>
+          <pc:sldMk cId="2962578905" sldId="303"/>
+        </pc:sldMkLst>
+        <pc:spChg chg="mod">
+          <ac:chgData name="MIGUEL TRIGUEROS MUÑOZ" userId="S::miguel.trigueros@aulaxxi.murciaeduca.es::a4ee0321-97d7-430f-98a8-7ed13ff9a4bf" providerId="AD" clId="Web-{59AEFF11-939A-7B76-8505-388D2564DBC9}" dt="2025-09-20T04:31:49.287" v="70" actId="20577"/>
+          <ac:spMkLst>
+            <pc:docMk/>
+            <pc:sldMk cId="2962578905" sldId="303"/>
+            <ac:spMk id="2" creationId="{7419A668-FA3E-6FEB-D010-D606DEACA710}"/>
+          </ac:spMkLst>
+        </pc:spChg>
+        <pc:spChg chg="mod">
+          <ac:chgData name="MIGUEL TRIGUEROS MUÑOZ" userId="S::miguel.trigueros@aulaxxi.murciaeduca.es::a4ee0321-97d7-430f-98a8-7ed13ff9a4bf" providerId="AD" clId="Web-{59AEFF11-939A-7B76-8505-388D2564DBC9}" dt="2025-09-20T04:34:58.634" v="161" actId="20577"/>
+          <ac:spMkLst>
+            <pc:docMk/>
+            <pc:sldMk cId="2962578905" sldId="303"/>
+            <ac:spMk id="4" creationId="{89640134-CA35-155E-00AD-935A778722CE}"/>
+          </ac:spMkLst>
+        </pc:spChg>
+      </pc:sldChg>
+      <pc:sldChg chg="del">
+        <pc:chgData name="MIGUEL TRIGUEROS MUÑOZ" userId="S::miguel.trigueros@aulaxxi.murciaeduca.es::a4ee0321-97d7-430f-98a8-7ed13ff9a4bf" providerId="AD" clId="Web-{59AEFF11-939A-7B76-8505-388D2564DBC9}" dt="2025-09-20T04:35:26.572" v="164"/>
+        <pc:sldMkLst>
+          <pc:docMk/>
+          <pc:sldMk cId="2397955613" sldId="305"/>
+        </pc:sldMkLst>
+      </pc:sldChg>
+    </pc:docChg>
+  </pc:docChgLst>
+  <pc:docChgLst>
+    <pc:chgData name="MIGUEL TRIGUEROS MUÑOZ" userId="a4ee0321-97d7-430f-98a8-7ed13ff9a4bf" providerId="ADAL" clId="{078883C6-B170-431A-B618-2377990D26DA}"/>
+    <pc:docChg chg="undo custSel modSld modMainMaster">
+      <pc:chgData name="MIGUEL TRIGUEROS MUÑOZ" userId="a4ee0321-97d7-430f-98a8-7ed13ff9a4bf" providerId="ADAL" clId="{078883C6-B170-431A-B618-2377990D26DA}" dt="2023-09-17T15:57:12.862" v="193" actId="27636"/>
+      <pc:docMkLst>
+        <pc:docMk/>
+      </pc:docMkLst>
+      <pc:sldChg chg="delSp modSp mod delDesignElem">
+        <pc:chgData name="MIGUEL TRIGUEROS MUÑOZ" userId="a4ee0321-97d7-430f-98a8-7ed13ff9a4bf" providerId="ADAL" clId="{078883C6-B170-431A-B618-2377990D26DA}" dt="2023-09-17T15:57:12.163" v="188"/>
+        <pc:sldMkLst>
+          <pc:docMk/>
+          <pc:sldMk cId="0" sldId="259"/>
+        </pc:sldMkLst>
+      </pc:sldChg>
+      <pc:sldChg chg="addSp delSp modSp mod">
+        <pc:chgData name="MIGUEL TRIGUEROS MUÑOZ" userId="a4ee0321-97d7-430f-98a8-7ed13ff9a4bf" providerId="ADAL" clId="{078883C6-B170-431A-B618-2377990D26DA}" dt="2023-09-17T15:57:12.163" v="188"/>
+        <pc:sldMkLst>
+          <pc:docMk/>
+          <pc:sldMk cId="3228786143" sldId="287"/>
+        </pc:sldMkLst>
+      </pc:sldChg>
+      <pc:sldChg chg="delSp modSp mod">
+        <pc:chgData name="MIGUEL TRIGUEROS MUÑOZ" userId="a4ee0321-97d7-430f-98a8-7ed13ff9a4bf" providerId="ADAL" clId="{078883C6-B170-431A-B618-2377990D26DA}" dt="2023-09-17T15:57:12.163" v="188"/>
+        <pc:sldMkLst>
+          <pc:docMk/>
+          <pc:sldMk cId="2308303562" sldId="288"/>
+        </pc:sldMkLst>
+      </pc:sldChg>
+      <pc:sldChg chg="delSp modSp mod">
+        <pc:chgData name="MIGUEL TRIGUEROS MUÑOZ" userId="a4ee0321-97d7-430f-98a8-7ed13ff9a4bf" providerId="ADAL" clId="{078883C6-B170-431A-B618-2377990D26DA}" dt="2023-09-17T15:57:12.163" v="188"/>
+        <pc:sldMkLst>
+          <pc:docMk/>
+          <pc:sldMk cId="941686109" sldId="289"/>
+        </pc:sldMkLst>
+      </pc:sldChg>
+      <pc:sldChg chg="delSp modSp mod">
+        <pc:chgData name="MIGUEL TRIGUEROS MUÑOZ" userId="a4ee0321-97d7-430f-98a8-7ed13ff9a4bf" providerId="ADAL" clId="{078883C6-B170-431A-B618-2377990D26DA}" dt="2023-09-17T15:57:12.855" v="192" actId="27636"/>
+        <pc:sldMkLst>
+          <pc:docMk/>
+          <pc:sldMk cId="2855820299" sldId="291"/>
+        </pc:sldMkLst>
+      </pc:sldChg>
+      <pc:sldChg chg="addSp delSp modSp mod">
+        <pc:chgData name="MIGUEL TRIGUEROS MUÑOZ" userId="a4ee0321-97d7-430f-98a8-7ed13ff9a4bf" providerId="ADAL" clId="{078883C6-B170-431A-B618-2377990D26DA}" dt="2023-09-17T15:57:12.163" v="188"/>
+        <pc:sldMkLst>
+          <pc:docMk/>
+          <pc:sldMk cId="1540503682" sldId="292"/>
+        </pc:sldMkLst>
+      </pc:sldChg>
+      <pc:sldChg chg="delSp modSp mod">
+        <pc:chgData name="MIGUEL TRIGUEROS MUÑOZ" userId="a4ee0321-97d7-430f-98a8-7ed13ff9a4bf" providerId="ADAL" clId="{078883C6-B170-431A-B618-2377990D26DA}" dt="2023-09-17T15:57:12.163" v="188"/>
+        <pc:sldMkLst>
+          <pc:docMk/>
+          <pc:sldMk cId="1546270621" sldId="293"/>
+        </pc:sldMkLst>
+      </pc:sldChg>
+      <pc:sldChg chg="delSp modSp mod">
+        <pc:chgData name="MIGUEL TRIGUEROS MUÑOZ" userId="a4ee0321-97d7-430f-98a8-7ed13ff9a4bf" providerId="ADAL" clId="{078883C6-B170-431A-B618-2377990D26DA}" dt="2023-09-17T15:57:12.821" v="190" actId="27636"/>
+        <pc:sldMkLst>
+          <pc:docMk/>
+          <pc:sldMk cId="3907902554" sldId="295"/>
+        </pc:sldMkLst>
+      </pc:sldChg>
+      <pc:sldChg chg="delSp modSp mod">
+        <pc:chgData name="MIGUEL TRIGUEROS MUÑOZ" userId="a4ee0321-97d7-430f-98a8-7ed13ff9a4bf" providerId="ADAL" clId="{078883C6-B170-431A-B618-2377990D26DA}" dt="2023-09-17T15:57:12.830" v="191" actId="27636"/>
+        <pc:sldMkLst>
+          <pc:docMk/>
+          <pc:sldMk cId="3159862926" sldId="299"/>
+        </pc:sldMkLst>
+      </pc:sldChg>
+      <pc:sldChg chg="delSp modSp mod">
+        <pc:chgData name="MIGUEL TRIGUEROS MUÑOZ" userId="a4ee0321-97d7-430f-98a8-7ed13ff9a4bf" providerId="ADAL" clId="{078883C6-B170-431A-B618-2377990D26DA}" dt="2023-09-17T15:57:12.862" v="193" actId="27636"/>
+        <pc:sldMkLst>
+          <pc:docMk/>
+          <pc:sldMk cId="412294843" sldId="300"/>
+        </pc:sldMkLst>
+      </pc:sldChg>
+      <pc:sldChg chg="delSp modSp mod">
+        <pc:chgData name="MIGUEL TRIGUEROS MUÑOZ" userId="a4ee0321-97d7-430f-98a8-7ed13ff9a4bf" providerId="ADAL" clId="{078883C6-B170-431A-B618-2377990D26DA}" dt="2023-09-17T15:57:12.689" v="189" actId="27636"/>
+        <pc:sldMkLst>
+          <pc:docMk/>
+          <pc:sldMk cId="3375748173" sldId="301"/>
+        </pc:sldMkLst>
+      </pc:sldChg>
+      <pc:sldChg chg="delSp mod delDesignElem">
+        <pc:chgData name="MIGUEL TRIGUEROS MUÑOZ" userId="a4ee0321-97d7-430f-98a8-7ed13ff9a4bf" providerId="ADAL" clId="{078883C6-B170-431A-B618-2377990D26DA}" dt="2023-09-17T15:57:12.163" v="188"/>
+        <pc:sldMkLst>
+          <pc:docMk/>
+          <pc:sldMk cId="628924924" sldId="302"/>
+        </pc:sldMkLst>
+      </pc:sldChg>
+      <pc:sldMasterChg chg="addSp delSp modSp mod modSldLayout">
+        <pc:chgData name="MIGUEL TRIGUEROS MUÑOZ" userId="a4ee0321-97d7-430f-98a8-7ed13ff9a4bf" providerId="ADAL" clId="{078883C6-B170-431A-B618-2377990D26DA}" dt="2023-09-12T11:46:54.318" v="150" actId="207"/>
+        <pc:sldMasterMkLst>
+          <pc:docMk/>
+          <pc:sldMasterMk cId="1921297164" sldId="2147483695"/>
+        </pc:sldMasterMkLst>
+        <pc:sldLayoutChg chg="delSp modSp mod">
+          <pc:chgData name="MIGUEL TRIGUEROS MUÑOZ" userId="a4ee0321-97d7-430f-98a8-7ed13ff9a4bf" providerId="ADAL" clId="{078883C6-B170-431A-B618-2377990D26DA}" dt="2023-09-12T11:45:40.419" v="144" actId="478"/>
+          <pc:sldLayoutMkLst>
+            <pc:docMk/>
+            <pc:sldMasterMk cId="1921297164" sldId="2147483695"/>
+            <pc:sldLayoutMk cId="3747580298" sldId="2147483696"/>
+          </pc:sldLayoutMkLst>
+        </pc:sldLayoutChg>
+      </pc:sldMasterChg>
+      <pc:sldMasterChg chg="addSp">
+        <pc:chgData name="MIGUEL TRIGUEROS MUÑOZ" userId="a4ee0321-97d7-430f-98a8-7ed13ff9a4bf" providerId="ADAL" clId="{078883C6-B170-431A-B618-2377990D26DA}" dt="2023-09-17T15:57:12.163" v="188"/>
+        <pc:sldMasterMkLst>
+          <pc:docMk/>
+          <pc:sldMasterMk cId="4293806566" sldId="2147483715"/>
+        </pc:sldMasterMkLst>
+      </pc:sldMasterChg>
+    </pc:docChg>
+  </pc:docChgLst>
   <pc:docChgLst>
     <pc:chgData name="MIGUEL TRIGUEROS MUÑOZ" userId="a4ee0321-97d7-430f-98a8-7ed13ff9a4bf" providerId="ADAL" clId="{59E135EF-1D0E-4BB6-BDCF-573231D4B58E}"/>
     <pc:docChg chg="modSld">
@@ -178,14 +544,92 @@
           <pc:docMk/>
           <pc:sldMk cId="941686109" sldId="289"/>
         </pc:sldMkLst>
-        <pc:spChg chg="mod">
-          <ac:chgData name="MIGUEL TRIGUEROS MUÑOZ" userId="a4ee0321-97d7-430f-98a8-7ed13ff9a4bf" providerId="ADAL" clId="{59E135EF-1D0E-4BB6-BDCF-573231D4B58E}" dt="2023-09-18T07:59:46.875" v="0" actId="20577"/>
-          <ac:spMkLst>
-            <pc:docMk/>
-            <pc:sldMk cId="941686109" sldId="289"/>
-            <ac:spMk id="3" creationId="{D8584C65-2266-F01C-200A-E5B91AF349CB}"/>
-          </ac:spMkLst>
-        </pc:spChg>
+      </pc:sldChg>
+    </pc:docChg>
+  </pc:docChgLst>
+  <pc:docChgLst>
+    <pc:chgData name="MIGUEL TRIGUEROS MUÑOZ" userId="a4ee0321-97d7-430f-98a8-7ed13ff9a4bf" providerId="ADAL" clId="{8D8EA906-E9D8-4C30-8EB6-22828687E48D}"/>
+    <pc:docChg chg="undo custSel addSld delSld modSld">
+      <pc:chgData name="MIGUEL TRIGUEROS MUÑOZ" userId="a4ee0321-97d7-430f-98a8-7ed13ff9a4bf" providerId="ADAL" clId="{8D8EA906-E9D8-4C30-8EB6-22828687E48D}" dt="2024-09-15T07:35:07.191" v="563" actId="732"/>
+      <pc:docMkLst>
+        <pc:docMk/>
+      </pc:docMkLst>
+      <pc:sldChg chg="addSp delSp modSp mod">
+        <pc:chgData name="MIGUEL TRIGUEROS MUÑOZ" userId="a4ee0321-97d7-430f-98a8-7ed13ff9a4bf" providerId="ADAL" clId="{8D8EA906-E9D8-4C30-8EB6-22828687E48D}" dt="2024-09-15T07:35:07.191" v="563" actId="732"/>
+        <pc:sldMkLst>
+          <pc:docMk/>
+          <pc:sldMk cId="3228786143" sldId="287"/>
+        </pc:sldMkLst>
+      </pc:sldChg>
+      <pc:sldChg chg="modSp mod">
+        <pc:chgData name="MIGUEL TRIGUEROS MUÑOZ" userId="a4ee0321-97d7-430f-98a8-7ed13ff9a4bf" providerId="ADAL" clId="{8D8EA906-E9D8-4C30-8EB6-22828687E48D}" dt="2024-09-14T17:54:17.663" v="56" actId="20577"/>
+        <pc:sldMkLst>
+          <pc:docMk/>
+          <pc:sldMk cId="2855820299" sldId="291"/>
+        </pc:sldMkLst>
+      </pc:sldChg>
+      <pc:sldChg chg="modSp mod">
+        <pc:chgData name="MIGUEL TRIGUEROS MUÑOZ" userId="a4ee0321-97d7-430f-98a8-7ed13ff9a4bf" providerId="ADAL" clId="{8D8EA906-E9D8-4C30-8EB6-22828687E48D}" dt="2024-09-14T17:52:03.286" v="45" actId="1076"/>
+        <pc:sldMkLst>
+          <pc:docMk/>
+          <pc:sldMk cId="1540503682" sldId="292"/>
+        </pc:sldMkLst>
+      </pc:sldChg>
+      <pc:sldChg chg="modSp mod">
+        <pc:chgData name="MIGUEL TRIGUEROS MUÑOZ" userId="a4ee0321-97d7-430f-98a8-7ed13ff9a4bf" providerId="ADAL" clId="{8D8EA906-E9D8-4C30-8EB6-22828687E48D}" dt="2024-09-14T18:01:44.125" v="554" actId="20577"/>
+        <pc:sldMkLst>
+          <pc:docMk/>
+          <pc:sldMk cId="1546270621" sldId="293"/>
+        </pc:sldMkLst>
+      </pc:sldChg>
+      <pc:sldChg chg="addSp delSp modSp del mod">
+        <pc:chgData name="MIGUEL TRIGUEROS MUÑOZ" userId="a4ee0321-97d7-430f-98a8-7ed13ff9a4bf" providerId="ADAL" clId="{8D8EA906-E9D8-4C30-8EB6-22828687E48D}" dt="2024-09-14T17:57:16.238" v="377" actId="47"/>
+        <pc:sldMkLst>
+          <pc:docMk/>
+          <pc:sldMk cId="3907902554" sldId="295"/>
+        </pc:sldMkLst>
+      </pc:sldChg>
+      <pc:sldChg chg="delSp del mod">
+        <pc:chgData name="MIGUEL TRIGUEROS MUÑOZ" userId="a4ee0321-97d7-430f-98a8-7ed13ff9a4bf" providerId="ADAL" clId="{8D8EA906-E9D8-4C30-8EB6-22828687E48D}" dt="2024-09-14T17:53:21.765" v="52" actId="47"/>
+        <pc:sldMkLst>
+          <pc:docMk/>
+          <pc:sldMk cId="3159862926" sldId="299"/>
+        </pc:sldMkLst>
+      </pc:sldChg>
+      <pc:sldChg chg="modSp mod">
+        <pc:chgData name="MIGUEL TRIGUEROS MUÑOZ" userId="a4ee0321-97d7-430f-98a8-7ed13ff9a4bf" providerId="ADAL" clId="{8D8EA906-E9D8-4C30-8EB6-22828687E48D}" dt="2024-09-15T06:37:12.959" v="555" actId="313"/>
+        <pc:sldMkLst>
+          <pc:docMk/>
+          <pc:sldMk cId="412294843" sldId="300"/>
+        </pc:sldMkLst>
+      </pc:sldChg>
+      <pc:sldChg chg="modSp mod">
+        <pc:chgData name="MIGUEL TRIGUEROS MUÑOZ" userId="a4ee0321-97d7-430f-98a8-7ed13ff9a4bf" providerId="ADAL" clId="{8D8EA906-E9D8-4C30-8EB6-22828687E48D}" dt="2024-09-14T17:54:25.757" v="58" actId="20577"/>
+        <pc:sldMkLst>
+          <pc:docMk/>
+          <pc:sldMk cId="3375748173" sldId="301"/>
+        </pc:sldMkLst>
+      </pc:sldChg>
+      <pc:sldChg chg="addSp delSp modSp add mod">
+        <pc:chgData name="MIGUEL TRIGUEROS MUÑOZ" userId="a4ee0321-97d7-430f-98a8-7ed13ff9a4bf" providerId="ADAL" clId="{8D8EA906-E9D8-4C30-8EB6-22828687E48D}" dt="2024-09-14T17:59:38.428" v="501" actId="20577"/>
+        <pc:sldMkLst>
+          <pc:docMk/>
+          <pc:sldMk cId="2962578905" sldId="303"/>
+        </pc:sldMkLst>
+      </pc:sldChg>
+      <pc:sldChg chg="addSp delSp modSp add mod">
+        <pc:chgData name="MIGUEL TRIGUEROS MUÑOZ" userId="a4ee0321-97d7-430f-98a8-7ed13ff9a4bf" providerId="ADAL" clId="{8D8EA906-E9D8-4C30-8EB6-22828687E48D}" dt="2024-09-14T17:58:44.594" v="412" actId="1076"/>
+        <pc:sldMkLst>
+          <pc:docMk/>
+          <pc:sldMk cId="2753333048" sldId="304"/>
+        </pc:sldMkLst>
+      </pc:sldChg>
+      <pc:sldChg chg="addSp delSp modSp add mod">
+        <pc:chgData name="MIGUEL TRIGUEROS MUÑOZ" userId="a4ee0321-97d7-430f-98a8-7ed13ff9a4bf" providerId="ADAL" clId="{8D8EA906-E9D8-4C30-8EB6-22828687E48D}" dt="2024-09-14T18:01:14.321" v="541" actId="1076"/>
+        <pc:sldMkLst>
+          <pc:docMk/>
+          <pc:sldMk cId="2397955613" sldId="305"/>
+        </pc:sldMkLst>
       </pc:sldChg>
     </pc:docChg>
   </pc:docChgLst>
@@ -202,398 +646,6 @@
           <pc:docMk/>
           <pc:sldMk cId="0" sldId="259"/>
         </pc:sldMkLst>
-        <pc:spChg chg="mod ord">
-          <ac:chgData name="MIGUEL TRIGUEROS MUÑOZ" userId="a4ee0321-97d7-430f-98a8-7ed13ff9a4bf" providerId="ADAL" clId="{5EE606CC-6602-43B9-A5AB-6A63FFE98051}" dt="2023-09-09T10:26:45.817" v="63" actId="26606"/>
-          <ac:spMkLst>
-            <pc:docMk/>
-            <pc:sldMk cId="0" sldId="259"/>
-            <ac:spMk id="2" creationId="{00000000-0000-0000-0000-000000000000}"/>
-          </ac:spMkLst>
-        </pc:spChg>
-        <pc:spChg chg="mod ord">
-          <ac:chgData name="MIGUEL TRIGUEROS MUÑOZ" userId="a4ee0321-97d7-430f-98a8-7ed13ff9a4bf" providerId="ADAL" clId="{5EE606CC-6602-43B9-A5AB-6A63FFE98051}" dt="2023-09-09T10:26:45.817" v="63" actId="26606"/>
-          <ac:spMkLst>
-            <pc:docMk/>
-            <pc:sldMk cId="0" sldId="259"/>
-            <ac:spMk id="3" creationId="{00000000-0000-0000-0000-000000000000}"/>
-          </ac:spMkLst>
-        </pc:spChg>
-        <pc:spChg chg="del mod">
-          <ac:chgData name="MIGUEL TRIGUEROS MUÑOZ" userId="a4ee0321-97d7-430f-98a8-7ed13ff9a4bf" providerId="ADAL" clId="{5EE606CC-6602-43B9-A5AB-6A63FFE98051}" dt="2023-09-09T10:25:35.055" v="21" actId="478"/>
-          <ac:spMkLst>
-            <pc:docMk/>
-            <pc:sldMk cId="0" sldId="259"/>
-            <ac:spMk id="4" creationId="{00000000-0000-0000-0000-000000000000}"/>
-          </ac:spMkLst>
-        </pc:spChg>
-        <pc:spChg chg="del mod ord">
-          <ac:chgData name="MIGUEL TRIGUEROS MUÑOZ" userId="a4ee0321-97d7-430f-98a8-7ed13ff9a4bf" providerId="ADAL" clId="{5EE606CC-6602-43B9-A5AB-6A63FFE98051}" dt="2023-09-09T10:25:55.006" v="24" actId="478"/>
-          <ac:spMkLst>
-            <pc:docMk/>
-            <pc:sldMk cId="0" sldId="259"/>
-            <ac:spMk id="5" creationId="{00000000-0000-0000-0000-000000000000}"/>
-          </ac:spMkLst>
-        </pc:spChg>
-        <pc:spChg chg="add del mod ord">
-          <ac:chgData name="MIGUEL TRIGUEROS MUÑOZ" userId="a4ee0321-97d7-430f-98a8-7ed13ff9a4bf" providerId="ADAL" clId="{5EE606CC-6602-43B9-A5AB-6A63FFE98051}" dt="2023-09-09T10:25:45.119" v="23" actId="700"/>
-          <ac:spMkLst>
-            <pc:docMk/>
-            <pc:sldMk cId="0" sldId="259"/>
-            <ac:spMk id="8" creationId="{575BE517-29D4-C65C-5C1B-949B0DEA82BF}"/>
-          </ac:spMkLst>
-        </pc:spChg>
-        <pc:spChg chg="add mod ord">
-          <ac:chgData name="MIGUEL TRIGUEROS MUÑOZ" userId="a4ee0321-97d7-430f-98a8-7ed13ff9a4bf" providerId="ADAL" clId="{5EE606CC-6602-43B9-A5AB-6A63FFE98051}" dt="2023-09-09T10:26:45.817" v="63" actId="26606"/>
-          <ac:spMkLst>
-            <pc:docMk/>
-            <pc:sldMk cId="0" sldId="259"/>
-            <ac:spMk id="9" creationId="{240F34C7-F9A0-4752-DB66-1C454227EEA0}"/>
-          </ac:spMkLst>
-        </pc:spChg>
-        <pc:spChg chg="add mod ord">
-          <ac:chgData name="MIGUEL TRIGUEROS MUÑOZ" userId="a4ee0321-97d7-430f-98a8-7ed13ff9a4bf" providerId="ADAL" clId="{5EE606CC-6602-43B9-A5AB-6A63FFE98051}" dt="2023-09-09T10:26:45.817" v="63" actId="26606"/>
-          <ac:spMkLst>
-            <pc:docMk/>
-            <pc:sldMk cId="0" sldId="259"/>
-            <ac:spMk id="22" creationId="{6A8CBBC8-9A44-24DD-4C7A-71B693A41840}"/>
-          </ac:spMkLst>
-        </pc:spChg>
-        <pc:spChg chg="add del">
-          <ac:chgData name="MIGUEL TRIGUEROS MUÑOZ" userId="a4ee0321-97d7-430f-98a8-7ed13ff9a4bf" providerId="ADAL" clId="{5EE606CC-6602-43B9-A5AB-6A63FFE98051}" dt="2023-09-09T10:22:07.267" v="8" actId="26606"/>
-          <ac:spMkLst>
-            <pc:docMk/>
-            <pc:sldMk cId="0" sldId="259"/>
-            <ac:spMk id="27" creationId="{8CDA3497-1EDA-4EB3-9C27-4D9835D30AAB}"/>
-          </ac:spMkLst>
-        </pc:spChg>
-        <pc:spChg chg="add del">
-          <ac:chgData name="MIGUEL TRIGUEROS MUÑOZ" userId="a4ee0321-97d7-430f-98a8-7ed13ff9a4bf" providerId="ADAL" clId="{5EE606CC-6602-43B9-A5AB-6A63FFE98051}" dt="2023-09-09T10:22:07.267" v="8" actId="26606"/>
-          <ac:spMkLst>
-            <pc:docMk/>
-            <pc:sldMk cId="0" sldId="259"/>
-            <ac:spMk id="29" creationId="{41F9764E-9AA0-49A3-9EA2-885EE9914014}"/>
-          </ac:spMkLst>
-        </pc:spChg>
-        <pc:spChg chg="add del">
-          <ac:chgData name="MIGUEL TRIGUEROS MUÑOZ" userId="a4ee0321-97d7-430f-98a8-7ed13ff9a4bf" providerId="ADAL" clId="{5EE606CC-6602-43B9-A5AB-6A63FFE98051}" dt="2023-09-09T10:22:07.267" v="8" actId="26606"/>
-          <ac:spMkLst>
-            <pc:docMk/>
-            <pc:sldMk cId="0" sldId="259"/>
-            <ac:spMk id="31" creationId="{FA3A4F4A-4DC4-43F2-AC2D-06211A812FC0}"/>
-          </ac:spMkLst>
-        </pc:spChg>
-        <pc:spChg chg="add del">
-          <ac:chgData name="MIGUEL TRIGUEROS MUÑOZ" userId="a4ee0321-97d7-430f-98a8-7ed13ff9a4bf" providerId="ADAL" clId="{5EE606CC-6602-43B9-A5AB-6A63FFE98051}" dt="2023-09-09T10:22:07.267" v="8" actId="26606"/>
-          <ac:spMkLst>
-            <pc:docMk/>
-            <pc:sldMk cId="0" sldId="259"/>
-            <ac:spMk id="33" creationId="{84CFB374-B343-457A-B567-B4D784B1FEAE}"/>
-          </ac:spMkLst>
-        </pc:spChg>
-        <pc:spChg chg="add del">
-          <ac:chgData name="MIGUEL TRIGUEROS MUÑOZ" userId="a4ee0321-97d7-430f-98a8-7ed13ff9a4bf" providerId="ADAL" clId="{5EE606CC-6602-43B9-A5AB-6A63FFE98051}" dt="2023-09-09T10:22:07.267" v="8" actId="26606"/>
-          <ac:spMkLst>
-            <pc:docMk/>
-            <pc:sldMk cId="0" sldId="259"/>
-            <ac:spMk id="35" creationId="{0597FEEE-1E11-4396-BB69-B43FA92F9580}"/>
-          </ac:spMkLst>
-        </pc:spChg>
-        <pc:spChg chg="add del">
-          <ac:chgData name="MIGUEL TRIGUEROS MUÑOZ" userId="a4ee0321-97d7-430f-98a8-7ed13ff9a4bf" providerId="ADAL" clId="{5EE606CC-6602-43B9-A5AB-6A63FFE98051}" dt="2023-09-09T10:22:07.267" v="8" actId="26606"/>
-          <ac:spMkLst>
-            <pc:docMk/>
-            <pc:sldMk cId="0" sldId="259"/>
-            <ac:spMk id="37" creationId="{A2DB2F81-3E68-4044-B7C2-03DEEC50D8F5}"/>
-          </ac:spMkLst>
-        </pc:spChg>
-        <pc:spChg chg="add del">
-          <ac:chgData name="MIGUEL TRIGUEROS MUÑOZ" userId="a4ee0321-97d7-430f-98a8-7ed13ff9a4bf" providerId="ADAL" clId="{5EE606CC-6602-43B9-A5AB-6A63FFE98051}" dt="2023-09-09T10:22:07.267" v="8" actId="26606"/>
-          <ac:spMkLst>
-            <pc:docMk/>
-            <pc:sldMk cId="0" sldId="259"/>
-            <ac:spMk id="39" creationId="{DC2F7294-2397-4C96-AB1E-E66CDEA3B5DF}"/>
-          </ac:spMkLst>
-        </pc:spChg>
-        <pc:spChg chg="add del">
-          <ac:chgData name="MIGUEL TRIGUEROS MUÑOZ" userId="a4ee0321-97d7-430f-98a8-7ed13ff9a4bf" providerId="ADAL" clId="{5EE606CC-6602-43B9-A5AB-6A63FFE98051}" dt="2023-09-09T10:26:38.081" v="60" actId="26606"/>
-          <ac:spMkLst>
-            <pc:docMk/>
-            <pc:sldMk cId="0" sldId="259"/>
-            <ac:spMk id="54" creationId="{66D61E08-70C3-48D8-BEA0-787111DC30DA}"/>
-          </ac:spMkLst>
-        </pc:spChg>
-        <pc:spChg chg="add del">
-          <ac:chgData name="MIGUEL TRIGUEROS MUÑOZ" userId="a4ee0321-97d7-430f-98a8-7ed13ff9a4bf" providerId="ADAL" clId="{5EE606CC-6602-43B9-A5AB-6A63FFE98051}" dt="2023-09-09T10:26:18.810" v="54" actId="26606"/>
-          <ac:spMkLst>
-            <pc:docMk/>
-            <pc:sldMk cId="0" sldId="259"/>
-            <ac:spMk id="55" creationId="{F5F0CD5C-72F3-4090-8A69-8E15CB432AC2}"/>
-          </ac:spMkLst>
-        </pc:spChg>
-        <pc:spChg chg="add del">
-          <ac:chgData name="MIGUEL TRIGUEROS MUÑOZ" userId="a4ee0321-97d7-430f-98a8-7ed13ff9a4bf" providerId="ADAL" clId="{5EE606CC-6602-43B9-A5AB-6A63FFE98051}" dt="2023-09-09T10:26:38.081" v="60" actId="26606"/>
-          <ac:spMkLst>
-            <pc:docMk/>
-            <pc:sldMk cId="0" sldId="259"/>
-            <ac:spMk id="56" creationId="{FC55298F-0AE5-478E-AD2B-03C2614C5833}"/>
-          </ac:spMkLst>
-        </pc:spChg>
-        <pc:spChg chg="add del">
-          <ac:chgData name="MIGUEL TRIGUEROS MUÑOZ" userId="a4ee0321-97d7-430f-98a8-7ed13ff9a4bf" providerId="ADAL" clId="{5EE606CC-6602-43B9-A5AB-6A63FFE98051}" dt="2023-09-09T10:26:18.810" v="54" actId="26606"/>
-          <ac:spMkLst>
-            <pc:docMk/>
-            <pc:sldMk cId="0" sldId="259"/>
-            <ac:spMk id="57" creationId="{217496A2-9394-4FB7-BA0E-717D2D2E7A43}"/>
-          </ac:spMkLst>
-        </pc:spChg>
-        <pc:spChg chg="add del">
-          <ac:chgData name="MIGUEL TRIGUEROS MUÑOZ" userId="a4ee0321-97d7-430f-98a8-7ed13ff9a4bf" providerId="ADAL" clId="{5EE606CC-6602-43B9-A5AB-6A63FFE98051}" dt="2023-09-09T10:26:38.081" v="60" actId="26606"/>
-          <ac:spMkLst>
-            <pc:docMk/>
-            <pc:sldMk cId="0" sldId="259"/>
-            <ac:spMk id="58" creationId="{C180E4EA-0B63-4779-A895-7E90E71088F3}"/>
-          </ac:spMkLst>
-        </pc:spChg>
-        <pc:spChg chg="add del">
-          <ac:chgData name="MIGUEL TRIGUEROS MUÑOZ" userId="a4ee0321-97d7-430f-98a8-7ed13ff9a4bf" providerId="ADAL" clId="{5EE606CC-6602-43B9-A5AB-6A63FFE98051}" dt="2023-09-09T10:26:38.081" v="60" actId="26606"/>
-          <ac:spMkLst>
-            <pc:docMk/>
-            <pc:sldMk cId="0" sldId="259"/>
-            <ac:spMk id="60" creationId="{CEE01D9D-3DE8-4EED-B0D3-8F3C79CC7673}"/>
-          </ac:spMkLst>
-        </pc:spChg>
-        <pc:spChg chg="add del">
-          <ac:chgData name="MIGUEL TRIGUEROS MUÑOZ" userId="a4ee0321-97d7-430f-98a8-7ed13ff9a4bf" providerId="ADAL" clId="{5EE606CC-6602-43B9-A5AB-6A63FFE98051}" dt="2023-09-09T10:26:38.081" v="60" actId="26606"/>
-          <ac:spMkLst>
-            <pc:docMk/>
-            <pc:sldMk cId="0" sldId="259"/>
-            <ac:spMk id="62" creationId="{89AF5CE9-607F-43F4-8983-DCD6DA4051FD}"/>
-          </ac:spMkLst>
-        </pc:spChg>
-        <pc:spChg chg="add del">
-          <ac:chgData name="MIGUEL TRIGUEROS MUÑOZ" userId="a4ee0321-97d7-430f-98a8-7ed13ff9a4bf" providerId="ADAL" clId="{5EE606CC-6602-43B9-A5AB-6A63FFE98051}" dt="2023-09-09T10:26:18.810" v="54" actId="26606"/>
-          <ac:spMkLst>
-            <pc:docMk/>
-            <pc:sldMk cId="0" sldId="259"/>
-            <ac:spMk id="63" creationId="{67374FB5-CBB7-46FF-95B5-2251BC6856ED}"/>
-          </ac:spMkLst>
-        </pc:spChg>
-        <pc:spChg chg="add del">
-          <ac:chgData name="MIGUEL TRIGUEROS MUÑOZ" userId="a4ee0321-97d7-430f-98a8-7ed13ff9a4bf" providerId="ADAL" clId="{5EE606CC-6602-43B9-A5AB-6A63FFE98051}" dt="2023-09-09T10:26:38.081" v="60" actId="26606"/>
-          <ac:spMkLst>
-            <pc:docMk/>
-            <pc:sldMk cId="0" sldId="259"/>
-            <ac:spMk id="64" creationId="{6EEA2DBD-9E1E-4521-8C01-F32AD18A89E3}"/>
-          </ac:spMkLst>
-        </pc:spChg>
-        <pc:spChg chg="add del">
-          <ac:chgData name="MIGUEL TRIGUEROS MUÑOZ" userId="a4ee0321-97d7-430f-98a8-7ed13ff9a4bf" providerId="ADAL" clId="{5EE606CC-6602-43B9-A5AB-6A63FFE98051}" dt="2023-09-09T10:26:18.810" v="54" actId="26606"/>
-          <ac:spMkLst>
-            <pc:docMk/>
-            <pc:sldMk cId="0" sldId="259"/>
-            <ac:spMk id="65" creationId="{34BCEAB7-D9E0-40A4-9254-8593BD346EAB}"/>
-          </ac:spMkLst>
-        </pc:spChg>
-        <pc:spChg chg="add del">
-          <ac:chgData name="MIGUEL TRIGUEROS MUÑOZ" userId="a4ee0321-97d7-430f-98a8-7ed13ff9a4bf" providerId="ADAL" clId="{5EE606CC-6602-43B9-A5AB-6A63FFE98051}" dt="2023-09-09T10:26:38.081" v="60" actId="26606"/>
-          <ac:spMkLst>
-            <pc:docMk/>
-            <pc:sldMk cId="0" sldId="259"/>
-            <ac:spMk id="66" creationId="{15BBD2C1-BA9B-46A9-A27A-33498B169272}"/>
-          </ac:spMkLst>
-        </pc:spChg>
-        <pc:spChg chg="add del">
-          <ac:chgData name="MIGUEL TRIGUEROS MUÑOZ" userId="a4ee0321-97d7-430f-98a8-7ed13ff9a4bf" providerId="ADAL" clId="{5EE606CC-6602-43B9-A5AB-6A63FFE98051}" dt="2023-09-09T10:26:18.810" v="54" actId="26606"/>
-          <ac:spMkLst>
-            <pc:docMk/>
-            <pc:sldMk cId="0" sldId="259"/>
-            <ac:spMk id="67" creationId="{D567A354-BB63-405C-8E5F-2F510E670F16}"/>
-          </ac:spMkLst>
-        </pc:spChg>
-        <pc:spChg chg="add del">
-          <ac:chgData name="MIGUEL TRIGUEROS MUÑOZ" userId="a4ee0321-97d7-430f-98a8-7ed13ff9a4bf" providerId="ADAL" clId="{5EE606CC-6602-43B9-A5AB-6A63FFE98051}" dt="2023-09-09T10:26:18.810" v="54" actId="26606"/>
-          <ac:spMkLst>
-            <pc:docMk/>
-            <pc:sldMk cId="0" sldId="259"/>
-            <ac:spMk id="69" creationId="{9185A8D7-2F20-4F7A-97BE-21DB1654C7F7}"/>
-          </ac:spMkLst>
-        </pc:spChg>
-        <pc:spChg chg="add del">
-          <ac:chgData name="MIGUEL TRIGUEROS MUÑOZ" userId="a4ee0321-97d7-430f-98a8-7ed13ff9a4bf" providerId="ADAL" clId="{5EE606CC-6602-43B9-A5AB-6A63FFE98051}" dt="2023-09-09T10:26:18.810" v="54" actId="26606"/>
-          <ac:spMkLst>
-            <pc:docMk/>
-            <pc:sldMk cId="0" sldId="259"/>
-            <ac:spMk id="71" creationId="{CB65BD56-22B3-4E13-BFCA-B8E8BEB92D6C}"/>
-          </ac:spMkLst>
-        </pc:spChg>
-        <pc:spChg chg="add">
-          <ac:chgData name="MIGUEL TRIGUEROS MUÑOZ" userId="a4ee0321-97d7-430f-98a8-7ed13ff9a4bf" providerId="ADAL" clId="{5EE606CC-6602-43B9-A5AB-6A63FFE98051}" dt="2023-09-09T10:26:45.817" v="63" actId="26606"/>
-          <ac:spMkLst>
-            <pc:docMk/>
-            <pc:sldMk cId="0" sldId="259"/>
-            <ac:spMk id="72" creationId="{66D61E08-70C3-48D8-BEA0-787111DC30DA}"/>
-          </ac:spMkLst>
-        </pc:spChg>
-        <pc:spChg chg="add del">
-          <ac:chgData name="MIGUEL TRIGUEROS MUÑOZ" userId="a4ee0321-97d7-430f-98a8-7ed13ff9a4bf" providerId="ADAL" clId="{5EE606CC-6602-43B9-A5AB-6A63FFE98051}" dt="2023-09-09T10:26:18.810" v="54" actId="26606"/>
-          <ac:spMkLst>
-            <pc:docMk/>
-            <pc:sldMk cId="0" sldId="259"/>
-            <ac:spMk id="73" creationId="{6790ED68-BCA0-4247-A72F-1CB85DF068C3}"/>
-          </ac:spMkLst>
-        </pc:spChg>
-        <pc:spChg chg="add">
-          <ac:chgData name="MIGUEL TRIGUEROS MUÑOZ" userId="a4ee0321-97d7-430f-98a8-7ed13ff9a4bf" providerId="ADAL" clId="{5EE606CC-6602-43B9-A5AB-6A63FFE98051}" dt="2023-09-09T10:26:45.817" v="63" actId="26606"/>
-          <ac:spMkLst>
-            <pc:docMk/>
-            <pc:sldMk cId="0" sldId="259"/>
-            <ac:spMk id="74" creationId="{FC55298F-0AE5-478E-AD2B-03C2614C5833}"/>
-          </ac:spMkLst>
-        </pc:spChg>
-        <pc:spChg chg="add del">
-          <ac:chgData name="MIGUEL TRIGUEROS MUÑOZ" userId="a4ee0321-97d7-430f-98a8-7ed13ff9a4bf" providerId="ADAL" clId="{5EE606CC-6602-43B9-A5AB-6A63FFE98051}" dt="2023-09-09T10:26:18.810" v="54" actId="26606"/>
-          <ac:spMkLst>
-            <pc:docMk/>
-            <pc:sldMk cId="0" sldId="259"/>
-            <ac:spMk id="75" creationId="{DD0F2B3F-DC55-4FA7-B667-1ACD07920937}"/>
-          </ac:spMkLst>
-        </pc:spChg>
-        <pc:spChg chg="add">
-          <ac:chgData name="MIGUEL TRIGUEROS MUÑOZ" userId="a4ee0321-97d7-430f-98a8-7ed13ff9a4bf" providerId="ADAL" clId="{5EE606CC-6602-43B9-A5AB-6A63FFE98051}" dt="2023-09-09T10:26:45.817" v="63" actId="26606"/>
-          <ac:spMkLst>
-            <pc:docMk/>
-            <pc:sldMk cId="0" sldId="259"/>
-            <ac:spMk id="76" creationId="{C180E4EA-0B63-4779-A895-7E90E71088F3}"/>
-          </ac:spMkLst>
-        </pc:spChg>
-        <pc:spChg chg="add">
-          <ac:chgData name="MIGUEL TRIGUEROS MUÑOZ" userId="a4ee0321-97d7-430f-98a8-7ed13ff9a4bf" providerId="ADAL" clId="{5EE606CC-6602-43B9-A5AB-6A63FFE98051}" dt="2023-09-09T10:26:45.817" v="63" actId="26606"/>
-          <ac:spMkLst>
-            <pc:docMk/>
-            <pc:sldMk cId="0" sldId="259"/>
-            <ac:spMk id="77" creationId="{CEE01D9D-3DE8-4EED-B0D3-8F3C79CC7673}"/>
-          </ac:spMkLst>
-        </pc:spChg>
-        <pc:spChg chg="add">
-          <ac:chgData name="MIGUEL TRIGUEROS MUÑOZ" userId="a4ee0321-97d7-430f-98a8-7ed13ff9a4bf" providerId="ADAL" clId="{5EE606CC-6602-43B9-A5AB-6A63FFE98051}" dt="2023-09-09T10:26:45.817" v="63" actId="26606"/>
-          <ac:spMkLst>
-            <pc:docMk/>
-            <pc:sldMk cId="0" sldId="259"/>
-            <ac:spMk id="78" creationId="{89AF5CE9-607F-43F4-8983-DCD6DA4051FD}"/>
-          </ac:spMkLst>
-        </pc:spChg>
-        <pc:spChg chg="add">
-          <ac:chgData name="MIGUEL TRIGUEROS MUÑOZ" userId="a4ee0321-97d7-430f-98a8-7ed13ff9a4bf" providerId="ADAL" clId="{5EE606CC-6602-43B9-A5AB-6A63FFE98051}" dt="2023-09-09T10:26:45.817" v="63" actId="26606"/>
-          <ac:spMkLst>
-            <pc:docMk/>
-            <pc:sldMk cId="0" sldId="259"/>
-            <ac:spMk id="79" creationId="{6EEA2DBD-9E1E-4521-8C01-F32AD18A89E3}"/>
-          </ac:spMkLst>
-        </pc:spChg>
-        <pc:spChg chg="add">
-          <ac:chgData name="MIGUEL TRIGUEROS MUÑOZ" userId="a4ee0321-97d7-430f-98a8-7ed13ff9a4bf" providerId="ADAL" clId="{5EE606CC-6602-43B9-A5AB-6A63FFE98051}" dt="2023-09-09T10:26:45.817" v="63" actId="26606"/>
-          <ac:spMkLst>
-            <pc:docMk/>
-            <pc:sldMk cId="0" sldId="259"/>
-            <ac:spMk id="80" creationId="{15BBD2C1-BA9B-46A9-A27A-33498B169272}"/>
-          </ac:spMkLst>
-        </pc:spChg>
-        <pc:grpChg chg="add del">
-          <ac:chgData name="MIGUEL TRIGUEROS MUÑOZ" userId="a4ee0321-97d7-430f-98a8-7ed13ff9a4bf" providerId="ADAL" clId="{5EE606CC-6602-43B9-A5AB-6A63FFE98051}" dt="2023-09-09T10:22:07.267" v="8" actId="26606"/>
-          <ac:grpSpMkLst>
-            <pc:docMk/>
-            <pc:sldMk cId="0" sldId="259"/>
-            <ac:grpSpMk id="11" creationId="{A5AFB369-4673-4727-A7CD-D86AFE0AE069}"/>
-          </ac:grpSpMkLst>
-        </pc:grpChg>
-        <pc:grpChg chg="add del">
-          <ac:chgData name="MIGUEL TRIGUEROS MUÑOZ" userId="a4ee0321-97d7-430f-98a8-7ed13ff9a4bf" providerId="ADAL" clId="{5EE606CC-6602-43B9-A5AB-6A63FFE98051}" dt="2023-09-09T10:25:45.119" v="23" actId="700"/>
-          <ac:grpSpMkLst>
-            <pc:docMk/>
-            <pc:sldMk cId="0" sldId="259"/>
-            <ac:grpSpMk id="41" creationId="{88C9B83F-64CD-41C1-925F-A08801FFD0BD}"/>
-          </ac:grpSpMkLst>
-        </pc:grpChg>
-        <pc:picChg chg="add del">
-          <ac:chgData name="MIGUEL TRIGUEROS MUÑOZ" userId="a4ee0321-97d7-430f-98a8-7ed13ff9a4bf" providerId="ADAL" clId="{5EE606CC-6602-43B9-A5AB-6A63FFE98051}" dt="2023-09-09T10:22:07.267" v="8" actId="26606"/>
-          <ac:picMkLst>
-            <pc:docMk/>
-            <pc:sldMk cId="0" sldId="259"/>
-            <ac:picMk id="7" creationId="{7597EFD2-A894-F560-37E5-1135C348C7F7}"/>
-          </ac:picMkLst>
-        </pc:picChg>
-        <pc:picChg chg="add mod ord">
-          <ac:chgData name="MIGUEL TRIGUEROS MUÑOZ" userId="a4ee0321-97d7-430f-98a8-7ed13ff9a4bf" providerId="ADAL" clId="{5EE606CC-6602-43B9-A5AB-6A63FFE98051}" dt="2023-09-09T10:26:45.817" v="63" actId="26606"/>
-          <ac:picMkLst>
-            <pc:docMk/>
-            <pc:sldMk cId="0" sldId="259"/>
-            <ac:picMk id="50" creationId="{AF9D512A-DEDE-16F2-EBCB-4D6699A2CE3E}"/>
-          </ac:picMkLst>
-        </pc:picChg>
-        <pc:cxnChg chg="add del">
-          <ac:chgData name="MIGUEL TRIGUEROS MUÑOZ" userId="a4ee0321-97d7-430f-98a8-7ed13ff9a4bf" providerId="ADAL" clId="{5EE606CC-6602-43B9-A5AB-6A63FFE98051}" dt="2023-09-09T10:22:07.267" v="8" actId="26606"/>
-          <ac:cxnSpMkLst>
-            <pc:docMk/>
-            <pc:sldMk cId="0" sldId="259"/>
-            <ac:cxnSpMk id="23" creationId="{27A85E05-9D34-4977-8352-DB3956997445}"/>
-          </ac:cxnSpMkLst>
-        </pc:cxnChg>
-        <pc:cxnChg chg="add del">
-          <ac:chgData name="MIGUEL TRIGUEROS MUÑOZ" userId="a4ee0321-97d7-430f-98a8-7ed13ff9a4bf" providerId="ADAL" clId="{5EE606CC-6602-43B9-A5AB-6A63FFE98051}" dt="2023-09-09T10:22:07.267" v="8" actId="26606"/>
-          <ac:cxnSpMkLst>
-            <pc:docMk/>
-            <pc:sldMk cId="0" sldId="259"/>
-            <ac:cxnSpMk id="25" creationId="{5CDED616-E554-4DB6-9F28-08F38A64A940}"/>
-          </ac:cxnSpMkLst>
-        </pc:cxnChg>
-        <pc:cxnChg chg="add del">
-          <ac:chgData name="MIGUEL TRIGUEROS MUÑOZ" userId="a4ee0321-97d7-430f-98a8-7ed13ff9a4bf" providerId="ADAL" clId="{5EE606CC-6602-43B9-A5AB-6A63FFE98051}" dt="2023-09-09T10:26:38.081" v="60" actId="26606"/>
-          <ac:cxnSpMkLst>
-            <pc:docMk/>
-            <pc:sldMk cId="0" sldId="259"/>
-            <ac:cxnSpMk id="52" creationId="{A57C1A16-B8AB-4D99-A195-A38F556A6486}"/>
-          </ac:cxnSpMkLst>
-        </pc:cxnChg>
-        <pc:cxnChg chg="add del">
-          <ac:chgData name="MIGUEL TRIGUEROS MUÑOZ" userId="a4ee0321-97d7-430f-98a8-7ed13ff9a4bf" providerId="ADAL" clId="{5EE606CC-6602-43B9-A5AB-6A63FFE98051}" dt="2023-09-09T10:26:38.081" v="60" actId="26606"/>
-          <ac:cxnSpMkLst>
-            <pc:docMk/>
-            <pc:sldMk cId="0" sldId="259"/>
-            <ac:cxnSpMk id="53" creationId="{F8A9B20B-D1DD-4573-B5EC-558029519236}"/>
-          </ac:cxnSpMkLst>
-        </pc:cxnChg>
-        <pc:cxnChg chg="add del">
-          <ac:chgData name="MIGUEL TRIGUEROS MUÑOZ" userId="a4ee0321-97d7-430f-98a8-7ed13ff9a4bf" providerId="ADAL" clId="{5EE606CC-6602-43B9-A5AB-6A63FFE98051}" dt="2023-09-09T10:26:18.810" v="54" actId="26606"/>
-          <ac:cxnSpMkLst>
-            <pc:docMk/>
-            <pc:sldMk cId="0" sldId="259"/>
-            <ac:cxnSpMk id="59" creationId="{D02CF681-4765-4E88-802F-B2474DCD516A}"/>
-          </ac:cxnSpMkLst>
-        </pc:cxnChg>
-        <pc:cxnChg chg="add del">
-          <ac:chgData name="MIGUEL TRIGUEROS MUÑOZ" userId="a4ee0321-97d7-430f-98a8-7ed13ff9a4bf" providerId="ADAL" clId="{5EE606CC-6602-43B9-A5AB-6A63FFE98051}" dt="2023-09-09T10:26:18.810" v="54" actId="26606"/>
-          <ac:cxnSpMkLst>
-            <pc:docMk/>
-            <pc:sldMk cId="0" sldId="259"/>
-            <ac:cxnSpMk id="61" creationId="{3D57B2BA-243C-45C7-A5D8-46CA719437FC}"/>
-          </ac:cxnSpMkLst>
-        </pc:cxnChg>
-        <pc:cxnChg chg="add">
-          <ac:chgData name="MIGUEL TRIGUEROS MUÑOZ" userId="a4ee0321-97d7-430f-98a8-7ed13ff9a4bf" providerId="ADAL" clId="{5EE606CC-6602-43B9-A5AB-6A63FFE98051}" dt="2023-09-09T10:26:45.817" v="63" actId="26606"/>
-          <ac:cxnSpMkLst>
-            <pc:docMk/>
-            <pc:sldMk cId="0" sldId="259"/>
-            <ac:cxnSpMk id="68" creationId="{A57C1A16-B8AB-4D99-A195-A38F556A6486}"/>
-          </ac:cxnSpMkLst>
-        </pc:cxnChg>
-        <pc:cxnChg chg="add">
-          <ac:chgData name="MIGUEL TRIGUEROS MUÑOZ" userId="a4ee0321-97d7-430f-98a8-7ed13ff9a4bf" providerId="ADAL" clId="{5EE606CC-6602-43B9-A5AB-6A63FFE98051}" dt="2023-09-09T10:26:45.817" v="63" actId="26606"/>
-          <ac:cxnSpMkLst>
-            <pc:docMk/>
-            <pc:sldMk cId="0" sldId="259"/>
-            <ac:cxnSpMk id="70" creationId="{F8A9B20B-D1DD-4573-B5EC-558029519236}"/>
-          </ac:cxnSpMkLst>
-        </pc:cxnChg>
       </pc:sldChg>
       <pc:sldChg chg="addSp delSp modSp del mod modClrScheme chgLayout">
         <pc:chgData name="MIGUEL TRIGUEROS MUÑOZ" userId="a4ee0321-97d7-430f-98a8-7ed13ff9a4bf" providerId="ADAL" clId="{5EE606CC-6602-43B9-A5AB-6A63FFE98051}" dt="2023-09-09T10:53:24.879" v="297" actId="47"/>
@@ -601,54 +653,6 @@
           <pc:docMk/>
           <pc:sldMk cId="0" sldId="260"/>
         </pc:sldMkLst>
-        <pc:spChg chg="add del mod ord">
-          <ac:chgData name="MIGUEL TRIGUEROS MUÑOZ" userId="a4ee0321-97d7-430f-98a8-7ed13ff9a4bf" providerId="ADAL" clId="{5EE606CC-6602-43B9-A5AB-6A63FFE98051}" dt="2023-09-09T10:30:23.707" v="130" actId="700"/>
-          <ac:spMkLst>
-            <pc:docMk/>
-            <pc:sldMk cId="0" sldId="260"/>
-            <ac:spMk id="2" creationId="{B76C3F7B-F6DE-393B-5C80-19882F8DEB87}"/>
-          </ac:spMkLst>
-        </pc:spChg>
-        <pc:spChg chg="mod ord">
-          <ac:chgData name="MIGUEL TRIGUEROS MUÑOZ" userId="a4ee0321-97d7-430f-98a8-7ed13ff9a4bf" providerId="ADAL" clId="{5EE606CC-6602-43B9-A5AB-6A63FFE98051}" dt="2023-09-09T10:30:39.679" v="133" actId="700"/>
-          <ac:spMkLst>
-            <pc:docMk/>
-            <pc:sldMk cId="0" sldId="260"/>
-            <ac:spMk id="3" creationId="{00000000-0000-0000-0000-000000000000}"/>
-          </ac:spMkLst>
-        </pc:spChg>
-        <pc:spChg chg="mod ord">
-          <ac:chgData name="MIGUEL TRIGUEROS MUÑOZ" userId="a4ee0321-97d7-430f-98a8-7ed13ff9a4bf" providerId="ADAL" clId="{5EE606CC-6602-43B9-A5AB-6A63FFE98051}" dt="2023-09-09T10:30:39.679" v="133" actId="700"/>
-          <ac:spMkLst>
-            <pc:docMk/>
-            <pc:sldMk cId="0" sldId="260"/>
-            <ac:spMk id="4" creationId="{00000000-0000-0000-0000-000000000000}"/>
-          </ac:spMkLst>
-        </pc:spChg>
-        <pc:spChg chg="add del mod ord">
-          <ac:chgData name="MIGUEL TRIGUEROS MUÑOZ" userId="a4ee0321-97d7-430f-98a8-7ed13ff9a4bf" providerId="ADAL" clId="{5EE606CC-6602-43B9-A5AB-6A63FFE98051}" dt="2023-09-09T10:30:39.679" v="133" actId="700"/>
-          <ac:spMkLst>
-            <pc:docMk/>
-            <pc:sldMk cId="0" sldId="260"/>
-            <ac:spMk id="5" creationId="{52BA5197-81A1-25CA-3B3B-C8B94415BAE8}"/>
-          </ac:spMkLst>
-        </pc:spChg>
-        <pc:spChg chg="add mod ord">
-          <ac:chgData name="MIGUEL TRIGUEROS MUÑOZ" userId="a4ee0321-97d7-430f-98a8-7ed13ff9a4bf" providerId="ADAL" clId="{5EE606CC-6602-43B9-A5AB-6A63FFE98051}" dt="2023-09-09T10:30:39.679" v="133" actId="700"/>
-          <ac:spMkLst>
-            <pc:docMk/>
-            <pc:sldMk cId="0" sldId="260"/>
-            <ac:spMk id="6" creationId="{882B3687-7DEE-BA7C-C29F-46FA66747106}"/>
-          </ac:spMkLst>
-        </pc:spChg>
-        <pc:spChg chg="mod ord">
-          <ac:chgData name="MIGUEL TRIGUEROS MUÑOZ" userId="a4ee0321-97d7-430f-98a8-7ed13ff9a4bf" providerId="ADAL" clId="{5EE606CC-6602-43B9-A5AB-6A63FFE98051}" dt="2023-09-09T10:30:39.679" v="133" actId="700"/>
-          <ac:spMkLst>
-            <pc:docMk/>
-            <pc:sldMk cId="0" sldId="260"/>
-            <ac:spMk id="7" creationId="{00000000-0000-0000-0000-000000000000}"/>
-          </ac:spMkLst>
-        </pc:spChg>
       </pc:sldChg>
       <pc:sldChg chg="addSp delSp modSp del mod modClrScheme chgLayout">
         <pc:chgData name="MIGUEL TRIGUEROS MUÑOZ" userId="a4ee0321-97d7-430f-98a8-7ed13ff9a4bf" providerId="ADAL" clId="{5EE606CC-6602-43B9-A5AB-6A63FFE98051}" dt="2023-09-09T10:53:29.731" v="299" actId="47"/>
@@ -656,46 +660,6 @@
           <pc:docMk/>
           <pc:sldMk cId="0" sldId="261"/>
         </pc:sldMkLst>
-        <pc:spChg chg="add del mod ord">
-          <ac:chgData name="MIGUEL TRIGUEROS MUÑOZ" userId="a4ee0321-97d7-430f-98a8-7ed13ff9a4bf" providerId="ADAL" clId="{5EE606CC-6602-43B9-A5AB-6A63FFE98051}" dt="2023-09-09T10:30:39.679" v="133" actId="700"/>
-          <ac:spMkLst>
-            <pc:docMk/>
-            <pc:sldMk cId="0" sldId="261"/>
-            <ac:spMk id="2" creationId="{0F5A8DEB-2844-9F07-0EAD-0E5256357E62}"/>
-          </ac:spMkLst>
-        </pc:spChg>
-        <pc:spChg chg="mod ord">
-          <ac:chgData name="MIGUEL TRIGUEROS MUÑOZ" userId="a4ee0321-97d7-430f-98a8-7ed13ff9a4bf" providerId="ADAL" clId="{5EE606CC-6602-43B9-A5AB-6A63FFE98051}" dt="2023-09-09T10:30:39.844" v="134" actId="27636"/>
-          <ac:spMkLst>
-            <pc:docMk/>
-            <pc:sldMk cId="0" sldId="261"/>
-            <ac:spMk id="3" creationId="{00000000-0000-0000-0000-000000000000}"/>
-          </ac:spMkLst>
-        </pc:spChg>
-        <pc:spChg chg="mod ord">
-          <ac:chgData name="MIGUEL TRIGUEROS MUÑOZ" userId="a4ee0321-97d7-430f-98a8-7ed13ff9a4bf" providerId="ADAL" clId="{5EE606CC-6602-43B9-A5AB-6A63FFE98051}" dt="2023-09-09T10:30:39.846" v="135" actId="27636"/>
-          <ac:spMkLst>
-            <pc:docMk/>
-            <pc:sldMk cId="0" sldId="261"/>
-            <ac:spMk id="4" creationId="{00000000-0000-0000-0000-000000000000}"/>
-          </ac:spMkLst>
-        </pc:spChg>
-        <pc:spChg chg="add mod ord">
-          <ac:chgData name="MIGUEL TRIGUEROS MUÑOZ" userId="a4ee0321-97d7-430f-98a8-7ed13ff9a4bf" providerId="ADAL" clId="{5EE606CC-6602-43B9-A5AB-6A63FFE98051}" dt="2023-09-09T10:30:39.679" v="133" actId="700"/>
-          <ac:spMkLst>
-            <pc:docMk/>
-            <pc:sldMk cId="0" sldId="261"/>
-            <ac:spMk id="5" creationId="{7E779968-78F5-DE88-5DC7-EB4B1B686C69}"/>
-          </ac:spMkLst>
-        </pc:spChg>
-        <pc:spChg chg="mod ord">
-          <ac:chgData name="MIGUEL TRIGUEROS MUÑOZ" userId="a4ee0321-97d7-430f-98a8-7ed13ff9a4bf" providerId="ADAL" clId="{5EE606CC-6602-43B9-A5AB-6A63FFE98051}" dt="2023-09-09T10:30:39.679" v="133" actId="700"/>
-          <ac:spMkLst>
-            <pc:docMk/>
-            <pc:sldMk cId="0" sldId="261"/>
-            <ac:spMk id="6" creationId="{00000000-0000-0000-0000-000000000000}"/>
-          </ac:spMkLst>
-        </pc:spChg>
       </pc:sldChg>
       <pc:sldChg chg="addSp delSp modSp del mod modClrScheme chgLayout">
         <pc:chgData name="MIGUEL TRIGUEROS MUÑOZ" userId="a4ee0321-97d7-430f-98a8-7ed13ff9a4bf" providerId="ADAL" clId="{5EE606CC-6602-43B9-A5AB-6A63FFE98051}" dt="2023-09-09T10:53:31.151" v="300" actId="47"/>
@@ -703,46 +667,6 @@
           <pc:docMk/>
           <pc:sldMk cId="0" sldId="262"/>
         </pc:sldMkLst>
-        <pc:spChg chg="mod ord">
-          <ac:chgData name="MIGUEL TRIGUEROS MUÑOZ" userId="a4ee0321-97d7-430f-98a8-7ed13ff9a4bf" providerId="ADAL" clId="{5EE606CC-6602-43B9-A5AB-6A63FFE98051}" dt="2023-09-09T10:30:39.859" v="137" actId="27636"/>
-          <ac:spMkLst>
-            <pc:docMk/>
-            <pc:sldMk cId="0" sldId="262"/>
-            <ac:spMk id="3" creationId="{00000000-0000-0000-0000-000000000000}"/>
-          </ac:spMkLst>
-        </pc:spChg>
-        <pc:spChg chg="mod ord">
-          <ac:chgData name="MIGUEL TRIGUEROS MUÑOZ" userId="a4ee0321-97d7-430f-98a8-7ed13ff9a4bf" providerId="ADAL" clId="{5EE606CC-6602-43B9-A5AB-6A63FFE98051}" dt="2023-09-09T10:30:39.856" v="136" actId="27636"/>
-          <ac:spMkLst>
-            <pc:docMk/>
-            <pc:sldMk cId="0" sldId="262"/>
-            <ac:spMk id="4" creationId="{00000000-0000-0000-0000-000000000000}"/>
-          </ac:spMkLst>
-        </pc:spChg>
-        <pc:spChg chg="add del mod ord">
-          <ac:chgData name="MIGUEL TRIGUEROS MUÑOZ" userId="a4ee0321-97d7-430f-98a8-7ed13ff9a4bf" providerId="ADAL" clId="{5EE606CC-6602-43B9-A5AB-6A63FFE98051}" dt="2023-09-09T10:30:39.679" v="133" actId="700"/>
-          <ac:spMkLst>
-            <pc:docMk/>
-            <pc:sldMk cId="0" sldId="262"/>
-            <ac:spMk id="5" creationId="{D3499C1B-BA0C-BBAD-203A-A79CF8B495E2}"/>
-          </ac:spMkLst>
-        </pc:spChg>
-        <pc:spChg chg="mod ord">
-          <ac:chgData name="MIGUEL TRIGUEROS MUÑOZ" userId="a4ee0321-97d7-430f-98a8-7ed13ff9a4bf" providerId="ADAL" clId="{5EE606CC-6602-43B9-A5AB-6A63FFE98051}" dt="2023-09-09T10:30:39.679" v="133" actId="700"/>
-          <ac:spMkLst>
-            <pc:docMk/>
-            <pc:sldMk cId="0" sldId="262"/>
-            <ac:spMk id="6" creationId="{00000000-0000-0000-0000-000000000000}"/>
-          </ac:spMkLst>
-        </pc:spChg>
-        <pc:spChg chg="add mod ord">
-          <ac:chgData name="MIGUEL TRIGUEROS MUÑOZ" userId="a4ee0321-97d7-430f-98a8-7ed13ff9a4bf" providerId="ADAL" clId="{5EE606CC-6602-43B9-A5AB-6A63FFE98051}" dt="2023-09-09T10:30:39.679" v="133" actId="700"/>
-          <ac:spMkLst>
-            <pc:docMk/>
-            <pc:sldMk cId="0" sldId="262"/>
-            <ac:spMk id="7" creationId="{D15C4249-A197-09C3-4AB3-ED0D35904ECB}"/>
-          </ac:spMkLst>
-        </pc:spChg>
       </pc:sldChg>
       <pc:sldChg chg="addSp delSp modSp del mod modClrScheme chgLayout">
         <pc:chgData name="MIGUEL TRIGUEROS MUÑOZ" userId="a4ee0321-97d7-430f-98a8-7ed13ff9a4bf" providerId="ADAL" clId="{5EE606CC-6602-43B9-A5AB-6A63FFE98051}" dt="2023-09-09T10:53:31.954" v="301" actId="47"/>
@@ -750,46 +674,6 @@
           <pc:docMk/>
           <pc:sldMk cId="0" sldId="263"/>
         </pc:sldMkLst>
-        <pc:spChg chg="mod ord">
-          <ac:chgData name="MIGUEL TRIGUEROS MUÑOZ" userId="a4ee0321-97d7-430f-98a8-7ed13ff9a4bf" providerId="ADAL" clId="{5EE606CC-6602-43B9-A5AB-6A63FFE98051}" dt="2023-09-09T10:30:39.865" v="138" actId="27636"/>
-          <ac:spMkLst>
-            <pc:docMk/>
-            <pc:sldMk cId="0" sldId="263"/>
-            <ac:spMk id="3" creationId="{00000000-0000-0000-0000-000000000000}"/>
-          </ac:spMkLst>
-        </pc:spChg>
-        <pc:spChg chg="mod ord">
-          <ac:chgData name="MIGUEL TRIGUEROS MUÑOZ" userId="a4ee0321-97d7-430f-98a8-7ed13ff9a4bf" providerId="ADAL" clId="{5EE606CC-6602-43B9-A5AB-6A63FFE98051}" dt="2023-09-09T10:30:39.868" v="139" actId="27636"/>
-          <ac:spMkLst>
-            <pc:docMk/>
-            <pc:sldMk cId="0" sldId="263"/>
-            <ac:spMk id="4" creationId="{00000000-0000-0000-0000-000000000000}"/>
-          </ac:spMkLst>
-        </pc:spChg>
-        <pc:spChg chg="add del mod ord">
-          <ac:chgData name="MIGUEL TRIGUEROS MUÑOZ" userId="a4ee0321-97d7-430f-98a8-7ed13ff9a4bf" providerId="ADAL" clId="{5EE606CC-6602-43B9-A5AB-6A63FFE98051}" dt="2023-09-09T10:30:39.679" v="133" actId="700"/>
-          <ac:spMkLst>
-            <pc:docMk/>
-            <pc:sldMk cId="0" sldId="263"/>
-            <ac:spMk id="5" creationId="{D7F9ACA4-662C-AC95-D642-D74C071EB282}"/>
-          </ac:spMkLst>
-        </pc:spChg>
-        <pc:spChg chg="mod ord">
-          <ac:chgData name="MIGUEL TRIGUEROS MUÑOZ" userId="a4ee0321-97d7-430f-98a8-7ed13ff9a4bf" providerId="ADAL" clId="{5EE606CC-6602-43B9-A5AB-6A63FFE98051}" dt="2023-09-09T10:30:39.679" v="133" actId="700"/>
-          <ac:spMkLst>
-            <pc:docMk/>
-            <pc:sldMk cId="0" sldId="263"/>
-            <ac:spMk id="6" creationId="{00000000-0000-0000-0000-000000000000}"/>
-          </ac:spMkLst>
-        </pc:spChg>
-        <pc:spChg chg="add mod ord">
-          <ac:chgData name="MIGUEL TRIGUEROS MUÑOZ" userId="a4ee0321-97d7-430f-98a8-7ed13ff9a4bf" providerId="ADAL" clId="{5EE606CC-6602-43B9-A5AB-6A63FFE98051}" dt="2023-09-09T10:30:39.679" v="133" actId="700"/>
-          <ac:spMkLst>
-            <pc:docMk/>
-            <pc:sldMk cId="0" sldId="263"/>
-            <ac:spMk id="7" creationId="{96BC1E4E-DF5A-9A6E-BDA5-F817873B00A6}"/>
-          </ac:spMkLst>
-        </pc:spChg>
       </pc:sldChg>
       <pc:sldChg chg="delSp modSp del mod modClrScheme chgLayout">
         <pc:chgData name="MIGUEL TRIGUEROS MUÑOZ" userId="a4ee0321-97d7-430f-98a8-7ed13ff9a4bf" providerId="ADAL" clId="{5EE606CC-6602-43B9-A5AB-6A63FFE98051}" dt="2023-09-09T10:58:24.436" v="385" actId="47"/>
@@ -797,46 +681,6 @@
           <pc:docMk/>
           <pc:sldMk cId="0" sldId="264"/>
         </pc:sldMkLst>
-        <pc:spChg chg="mod ord">
-          <ac:chgData name="MIGUEL TRIGUEROS MUÑOZ" userId="a4ee0321-97d7-430f-98a8-7ed13ff9a4bf" providerId="ADAL" clId="{5EE606CC-6602-43B9-A5AB-6A63FFE98051}" dt="2023-09-09T10:30:39.970" v="157" actId="27636"/>
-          <ac:spMkLst>
-            <pc:docMk/>
-            <pc:sldMk cId="0" sldId="264"/>
-            <ac:spMk id="3" creationId="{00000000-0000-0000-0000-000000000000}"/>
-          </ac:spMkLst>
-        </pc:spChg>
-        <pc:spChg chg="mod ord">
-          <ac:chgData name="MIGUEL TRIGUEROS MUÑOZ" userId="a4ee0321-97d7-430f-98a8-7ed13ff9a4bf" providerId="ADAL" clId="{5EE606CC-6602-43B9-A5AB-6A63FFE98051}" dt="2023-09-09T10:30:39.972" v="158" actId="27636"/>
-          <ac:spMkLst>
-            <pc:docMk/>
-            <pc:sldMk cId="0" sldId="264"/>
-            <ac:spMk id="4" creationId="{00000000-0000-0000-0000-000000000000}"/>
-          </ac:spMkLst>
-        </pc:spChg>
-        <pc:spChg chg="mod ord">
-          <ac:chgData name="MIGUEL TRIGUEROS MUÑOZ" userId="a4ee0321-97d7-430f-98a8-7ed13ff9a4bf" providerId="ADAL" clId="{5EE606CC-6602-43B9-A5AB-6A63FFE98051}" dt="2023-09-09T10:30:39.679" v="133" actId="700"/>
-          <ac:spMkLst>
-            <pc:docMk/>
-            <pc:sldMk cId="0" sldId="264"/>
-            <ac:spMk id="7" creationId="{00000000-0000-0000-0000-000000000000}"/>
-          </ac:spMkLst>
-        </pc:spChg>
-        <pc:spChg chg="mod ord">
-          <ac:chgData name="MIGUEL TRIGUEROS MUÑOZ" userId="a4ee0321-97d7-430f-98a8-7ed13ff9a4bf" providerId="ADAL" clId="{5EE606CC-6602-43B9-A5AB-6A63FFE98051}" dt="2023-09-09T10:30:39.679" v="133" actId="700"/>
-          <ac:spMkLst>
-            <pc:docMk/>
-            <pc:sldMk cId="0" sldId="264"/>
-            <ac:spMk id="8" creationId="{00000000-0000-0000-0000-000000000000}"/>
-          </ac:spMkLst>
-        </pc:spChg>
-        <pc:picChg chg="del">
-          <ac:chgData name="MIGUEL TRIGUEROS MUÑOZ" userId="a4ee0321-97d7-430f-98a8-7ed13ff9a4bf" providerId="ADAL" clId="{5EE606CC-6602-43B9-A5AB-6A63FFE98051}" dt="2023-09-09T10:57:51.865" v="352" actId="21"/>
-          <ac:picMkLst>
-            <pc:docMk/>
-            <pc:sldMk cId="0" sldId="264"/>
-            <ac:picMk id="11266" creationId="{00000000-0000-0000-0000-000000000000}"/>
-          </ac:picMkLst>
-        </pc:picChg>
       </pc:sldChg>
       <pc:sldChg chg="delSp modSp del mod modClrScheme chgLayout">
         <pc:chgData name="MIGUEL TRIGUEROS MUÑOZ" userId="a4ee0321-97d7-430f-98a8-7ed13ff9a4bf" providerId="ADAL" clId="{5EE606CC-6602-43B9-A5AB-6A63FFE98051}" dt="2023-09-09T11:03:15.438" v="421" actId="47"/>
@@ -844,46 +688,6 @@
           <pc:docMk/>
           <pc:sldMk cId="0" sldId="265"/>
         </pc:sldMkLst>
-        <pc:spChg chg="mod ord">
-          <ac:chgData name="MIGUEL TRIGUEROS MUÑOZ" userId="a4ee0321-97d7-430f-98a8-7ed13ff9a4bf" providerId="ADAL" clId="{5EE606CC-6602-43B9-A5AB-6A63FFE98051}" dt="2023-09-09T10:30:39.983" v="160" actId="27636"/>
-          <ac:spMkLst>
-            <pc:docMk/>
-            <pc:sldMk cId="0" sldId="265"/>
-            <ac:spMk id="3" creationId="{00000000-0000-0000-0000-000000000000}"/>
-          </ac:spMkLst>
-        </pc:spChg>
-        <pc:spChg chg="mod ord">
-          <ac:chgData name="MIGUEL TRIGUEROS MUÑOZ" userId="a4ee0321-97d7-430f-98a8-7ed13ff9a4bf" providerId="ADAL" clId="{5EE606CC-6602-43B9-A5AB-6A63FFE98051}" dt="2023-09-09T10:30:39.979" v="159" actId="27636"/>
-          <ac:spMkLst>
-            <pc:docMk/>
-            <pc:sldMk cId="0" sldId="265"/>
-            <ac:spMk id="4" creationId="{00000000-0000-0000-0000-000000000000}"/>
-          </ac:spMkLst>
-        </pc:spChg>
-        <pc:spChg chg="mod ord">
-          <ac:chgData name="MIGUEL TRIGUEROS MUÑOZ" userId="a4ee0321-97d7-430f-98a8-7ed13ff9a4bf" providerId="ADAL" clId="{5EE606CC-6602-43B9-A5AB-6A63FFE98051}" dt="2023-09-09T10:30:39.679" v="133" actId="700"/>
-          <ac:spMkLst>
-            <pc:docMk/>
-            <pc:sldMk cId="0" sldId="265"/>
-            <ac:spMk id="7" creationId="{00000000-0000-0000-0000-000000000000}"/>
-          </ac:spMkLst>
-        </pc:spChg>
-        <pc:spChg chg="mod ord">
-          <ac:chgData name="MIGUEL TRIGUEROS MUÑOZ" userId="a4ee0321-97d7-430f-98a8-7ed13ff9a4bf" providerId="ADAL" clId="{5EE606CC-6602-43B9-A5AB-6A63FFE98051}" dt="2023-09-09T10:30:39.679" v="133" actId="700"/>
-          <ac:spMkLst>
-            <pc:docMk/>
-            <pc:sldMk cId="0" sldId="265"/>
-            <ac:spMk id="8" creationId="{00000000-0000-0000-0000-000000000000}"/>
-          </ac:spMkLst>
-        </pc:spChg>
-        <pc:picChg chg="del">
-          <ac:chgData name="MIGUEL TRIGUEROS MUÑOZ" userId="a4ee0321-97d7-430f-98a8-7ed13ff9a4bf" providerId="ADAL" clId="{5EE606CC-6602-43B9-A5AB-6A63FFE98051}" dt="2023-09-09T11:02:33.948" v="386" actId="478"/>
-          <ac:picMkLst>
-            <pc:docMk/>
-            <pc:sldMk cId="0" sldId="265"/>
-            <ac:picMk id="2" creationId="{00000000-0000-0000-0000-000000000000}"/>
-          </ac:picMkLst>
-        </pc:picChg>
       </pc:sldChg>
       <pc:sldChg chg="delSp modSp del mod modClrScheme chgLayout">
         <pc:chgData name="MIGUEL TRIGUEROS MUÑOZ" userId="a4ee0321-97d7-430f-98a8-7ed13ff9a4bf" providerId="ADAL" clId="{5EE606CC-6602-43B9-A5AB-6A63FFE98051}" dt="2023-09-09T11:06:40.827" v="447" actId="47"/>
@@ -891,46 +695,6 @@
           <pc:docMk/>
           <pc:sldMk cId="0" sldId="266"/>
         </pc:sldMkLst>
-        <pc:spChg chg="mod ord">
-          <ac:chgData name="MIGUEL TRIGUEROS MUÑOZ" userId="a4ee0321-97d7-430f-98a8-7ed13ff9a4bf" providerId="ADAL" clId="{5EE606CC-6602-43B9-A5AB-6A63FFE98051}" dt="2023-09-09T10:30:39.992" v="161" actId="27636"/>
-          <ac:spMkLst>
-            <pc:docMk/>
-            <pc:sldMk cId="0" sldId="266"/>
-            <ac:spMk id="3" creationId="{00000000-0000-0000-0000-000000000000}"/>
-          </ac:spMkLst>
-        </pc:spChg>
-        <pc:spChg chg="mod ord">
-          <ac:chgData name="MIGUEL TRIGUEROS MUÑOZ" userId="a4ee0321-97d7-430f-98a8-7ed13ff9a4bf" providerId="ADAL" clId="{5EE606CC-6602-43B9-A5AB-6A63FFE98051}" dt="2023-09-09T10:30:39.995" v="162" actId="27636"/>
-          <ac:spMkLst>
-            <pc:docMk/>
-            <pc:sldMk cId="0" sldId="266"/>
-            <ac:spMk id="4" creationId="{00000000-0000-0000-0000-000000000000}"/>
-          </ac:spMkLst>
-        </pc:spChg>
-        <pc:spChg chg="mod ord">
-          <ac:chgData name="MIGUEL TRIGUEROS MUÑOZ" userId="a4ee0321-97d7-430f-98a8-7ed13ff9a4bf" providerId="ADAL" clId="{5EE606CC-6602-43B9-A5AB-6A63FFE98051}" dt="2023-09-09T10:30:39.679" v="133" actId="700"/>
-          <ac:spMkLst>
-            <pc:docMk/>
-            <pc:sldMk cId="0" sldId="266"/>
-            <ac:spMk id="7" creationId="{00000000-0000-0000-0000-000000000000}"/>
-          </ac:spMkLst>
-        </pc:spChg>
-        <pc:spChg chg="mod ord">
-          <ac:chgData name="MIGUEL TRIGUEROS MUÑOZ" userId="a4ee0321-97d7-430f-98a8-7ed13ff9a4bf" providerId="ADAL" clId="{5EE606CC-6602-43B9-A5AB-6A63FFE98051}" dt="2023-09-09T10:30:39.679" v="133" actId="700"/>
-          <ac:spMkLst>
-            <pc:docMk/>
-            <pc:sldMk cId="0" sldId="266"/>
-            <ac:spMk id="8" creationId="{00000000-0000-0000-0000-000000000000}"/>
-          </ac:spMkLst>
-        </pc:spChg>
-        <pc:picChg chg="del">
-          <ac:chgData name="MIGUEL TRIGUEROS MUÑOZ" userId="a4ee0321-97d7-430f-98a8-7ed13ff9a4bf" providerId="ADAL" clId="{5EE606CC-6602-43B9-A5AB-6A63FFE98051}" dt="2023-09-09T11:06:08.241" v="442" actId="21"/>
-          <ac:picMkLst>
-            <pc:docMk/>
-            <pc:sldMk cId="0" sldId="266"/>
-            <ac:picMk id="7171" creationId="{00000000-0000-0000-0000-000000000000}"/>
-          </ac:picMkLst>
-        </pc:picChg>
       </pc:sldChg>
       <pc:sldChg chg="delSp modSp del mod modClrScheme chgLayout">
         <pc:chgData name="MIGUEL TRIGUEROS MUÑOZ" userId="a4ee0321-97d7-430f-98a8-7ed13ff9a4bf" providerId="ADAL" clId="{5EE606CC-6602-43B9-A5AB-6A63FFE98051}" dt="2023-09-09T11:07:34.045" v="478" actId="47"/>
@@ -938,46 +702,6 @@
           <pc:docMk/>
           <pc:sldMk cId="0" sldId="267"/>
         </pc:sldMkLst>
-        <pc:spChg chg="mod ord">
-          <ac:chgData name="MIGUEL TRIGUEROS MUÑOZ" userId="a4ee0321-97d7-430f-98a8-7ed13ff9a4bf" providerId="ADAL" clId="{5EE606CC-6602-43B9-A5AB-6A63FFE98051}" dt="2023-09-09T10:30:40.001" v="163" actId="27636"/>
-          <ac:spMkLst>
-            <pc:docMk/>
-            <pc:sldMk cId="0" sldId="267"/>
-            <ac:spMk id="3" creationId="{00000000-0000-0000-0000-000000000000}"/>
-          </ac:spMkLst>
-        </pc:spChg>
-        <pc:spChg chg="mod ord">
-          <ac:chgData name="MIGUEL TRIGUEROS MUÑOZ" userId="a4ee0321-97d7-430f-98a8-7ed13ff9a4bf" providerId="ADAL" clId="{5EE606CC-6602-43B9-A5AB-6A63FFE98051}" dt="2023-09-09T10:30:40.004" v="164" actId="27636"/>
-          <ac:spMkLst>
-            <pc:docMk/>
-            <pc:sldMk cId="0" sldId="267"/>
-            <ac:spMk id="4" creationId="{00000000-0000-0000-0000-000000000000}"/>
-          </ac:spMkLst>
-        </pc:spChg>
-        <pc:spChg chg="mod ord">
-          <ac:chgData name="MIGUEL TRIGUEROS MUÑOZ" userId="a4ee0321-97d7-430f-98a8-7ed13ff9a4bf" providerId="ADAL" clId="{5EE606CC-6602-43B9-A5AB-6A63FFE98051}" dt="2023-09-09T10:30:39.679" v="133" actId="700"/>
-          <ac:spMkLst>
-            <pc:docMk/>
-            <pc:sldMk cId="0" sldId="267"/>
-            <ac:spMk id="7" creationId="{00000000-0000-0000-0000-000000000000}"/>
-          </ac:spMkLst>
-        </pc:spChg>
-        <pc:spChg chg="mod ord">
-          <ac:chgData name="MIGUEL TRIGUEROS MUÑOZ" userId="a4ee0321-97d7-430f-98a8-7ed13ff9a4bf" providerId="ADAL" clId="{5EE606CC-6602-43B9-A5AB-6A63FFE98051}" dt="2023-09-09T10:30:39.679" v="133" actId="700"/>
-          <ac:spMkLst>
-            <pc:docMk/>
-            <pc:sldMk cId="0" sldId="267"/>
-            <ac:spMk id="8" creationId="{00000000-0000-0000-0000-000000000000}"/>
-          </ac:spMkLst>
-        </pc:spChg>
-        <pc:picChg chg="del">
-          <ac:chgData name="MIGUEL TRIGUEROS MUÑOZ" userId="a4ee0321-97d7-430f-98a8-7ed13ff9a4bf" providerId="ADAL" clId="{5EE606CC-6602-43B9-A5AB-6A63FFE98051}" dt="2023-09-09T11:07:12.009" v="469" actId="21"/>
-          <ac:picMkLst>
-            <pc:docMk/>
-            <pc:sldMk cId="0" sldId="267"/>
-            <ac:picMk id="8194" creationId="{00000000-0000-0000-0000-000000000000}"/>
-          </ac:picMkLst>
-        </pc:picChg>
       </pc:sldChg>
       <pc:sldChg chg="addSp delSp modSp del mod modClrScheme chgLayout">
         <pc:chgData name="MIGUEL TRIGUEROS MUÑOZ" userId="a4ee0321-97d7-430f-98a8-7ed13ff9a4bf" providerId="ADAL" clId="{5EE606CC-6602-43B9-A5AB-6A63FFE98051}" dt="2023-09-09T11:13:55.582" v="514" actId="47"/>
@@ -985,54 +709,6 @@
           <pc:docMk/>
           <pc:sldMk cId="0" sldId="268"/>
         </pc:sldMkLst>
-        <pc:spChg chg="mod ord">
-          <ac:chgData name="MIGUEL TRIGUEROS MUÑOZ" userId="a4ee0321-97d7-430f-98a8-7ed13ff9a4bf" providerId="ADAL" clId="{5EE606CC-6602-43B9-A5AB-6A63FFE98051}" dt="2023-09-09T10:30:40.011" v="165" actId="27636"/>
-          <ac:spMkLst>
-            <pc:docMk/>
-            <pc:sldMk cId="0" sldId="268"/>
-            <ac:spMk id="3" creationId="{00000000-0000-0000-0000-000000000000}"/>
-          </ac:spMkLst>
-        </pc:spChg>
-        <pc:spChg chg="mod ord">
-          <ac:chgData name="MIGUEL TRIGUEROS MUÑOZ" userId="a4ee0321-97d7-430f-98a8-7ed13ff9a4bf" providerId="ADAL" clId="{5EE606CC-6602-43B9-A5AB-6A63FFE98051}" dt="2023-09-09T10:30:40.014" v="166" actId="27636"/>
-          <ac:spMkLst>
-            <pc:docMk/>
-            <pc:sldMk cId="0" sldId="268"/>
-            <ac:spMk id="4" creationId="{00000000-0000-0000-0000-000000000000}"/>
-          </ac:spMkLst>
-        </pc:spChg>
-        <pc:spChg chg="mod ord">
-          <ac:chgData name="MIGUEL TRIGUEROS MUÑOZ" userId="a4ee0321-97d7-430f-98a8-7ed13ff9a4bf" providerId="ADAL" clId="{5EE606CC-6602-43B9-A5AB-6A63FFE98051}" dt="2023-09-09T10:30:39.679" v="133" actId="700"/>
-          <ac:spMkLst>
-            <pc:docMk/>
-            <pc:sldMk cId="0" sldId="268"/>
-            <ac:spMk id="7" creationId="{00000000-0000-0000-0000-000000000000}"/>
-          </ac:spMkLst>
-        </pc:spChg>
-        <pc:spChg chg="mod ord">
-          <ac:chgData name="MIGUEL TRIGUEROS MUÑOZ" userId="a4ee0321-97d7-430f-98a8-7ed13ff9a4bf" providerId="ADAL" clId="{5EE606CC-6602-43B9-A5AB-6A63FFE98051}" dt="2023-09-09T10:30:39.679" v="133" actId="700"/>
-          <ac:spMkLst>
-            <pc:docMk/>
-            <pc:sldMk cId="0" sldId="268"/>
-            <ac:spMk id="8" creationId="{00000000-0000-0000-0000-000000000000}"/>
-          </ac:spMkLst>
-        </pc:spChg>
-        <pc:picChg chg="add del mod">
-          <ac:chgData name="MIGUEL TRIGUEROS MUÑOZ" userId="a4ee0321-97d7-430f-98a8-7ed13ff9a4bf" providerId="ADAL" clId="{5EE606CC-6602-43B9-A5AB-6A63FFE98051}" dt="2023-09-09T11:09:13.773" v="486" actId="21"/>
-          <ac:picMkLst>
-            <pc:docMk/>
-            <pc:sldMk cId="0" sldId="268"/>
-            <ac:picMk id="2" creationId="{002E847C-5E56-4543-0110-EC86DC991DCC}"/>
-          </ac:picMkLst>
-        </pc:picChg>
-        <pc:picChg chg="del mod modCrop">
-          <ac:chgData name="MIGUEL TRIGUEROS MUÑOZ" userId="a4ee0321-97d7-430f-98a8-7ed13ff9a4bf" providerId="ADAL" clId="{5EE606CC-6602-43B9-A5AB-6A63FFE98051}" dt="2023-09-09T11:09:13.773" v="486" actId="21"/>
-          <ac:picMkLst>
-            <pc:docMk/>
-            <pc:sldMk cId="0" sldId="268"/>
-            <ac:picMk id="9218" creationId="{00000000-0000-0000-0000-000000000000}"/>
-          </ac:picMkLst>
-        </pc:picChg>
       </pc:sldChg>
       <pc:sldChg chg="addSp delSp modSp del mod modClrScheme chgLayout">
         <pc:chgData name="MIGUEL TRIGUEROS MUÑOZ" userId="a4ee0321-97d7-430f-98a8-7ed13ff9a4bf" providerId="ADAL" clId="{5EE606CC-6602-43B9-A5AB-6A63FFE98051}" dt="2023-09-09T11:13:55.582" v="514" actId="47"/>
@@ -1040,54 +716,6 @@
           <pc:docMk/>
           <pc:sldMk cId="0" sldId="269"/>
         </pc:sldMkLst>
-        <pc:spChg chg="mod ord">
-          <ac:chgData name="MIGUEL TRIGUEROS MUÑOZ" userId="a4ee0321-97d7-430f-98a8-7ed13ff9a4bf" providerId="ADAL" clId="{5EE606CC-6602-43B9-A5AB-6A63FFE98051}" dt="2023-09-09T10:30:40.027" v="168" actId="27636"/>
-          <ac:spMkLst>
-            <pc:docMk/>
-            <pc:sldMk cId="0" sldId="269"/>
-            <ac:spMk id="3" creationId="{00000000-0000-0000-0000-000000000000}"/>
-          </ac:spMkLst>
-        </pc:spChg>
-        <pc:spChg chg="mod ord">
-          <ac:chgData name="MIGUEL TRIGUEROS MUÑOZ" userId="a4ee0321-97d7-430f-98a8-7ed13ff9a4bf" providerId="ADAL" clId="{5EE606CC-6602-43B9-A5AB-6A63FFE98051}" dt="2023-09-09T10:30:40.024" v="167" actId="27636"/>
-          <ac:spMkLst>
-            <pc:docMk/>
-            <pc:sldMk cId="0" sldId="269"/>
-            <ac:spMk id="4" creationId="{00000000-0000-0000-0000-000000000000}"/>
-          </ac:spMkLst>
-        </pc:spChg>
-        <pc:spChg chg="mod ord">
-          <ac:chgData name="MIGUEL TRIGUEROS MUÑOZ" userId="a4ee0321-97d7-430f-98a8-7ed13ff9a4bf" providerId="ADAL" clId="{5EE606CC-6602-43B9-A5AB-6A63FFE98051}" dt="2023-09-09T10:30:39.679" v="133" actId="700"/>
-          <ac:spMkLst>
-            <pc:docMk/>
-            <pc:sldMk cId="0" sldId="269"/>
-            <ac:spMk id="7" creationId="{00000000-0000-0000-0000-000000000000}"/>
-          </ac:spMkLst>
-        </pc:spChg>
-        <pc:spChg chg="mod ord">
-          <ac:chgData name="MIGUEL TRIGUEROS MUÑOZ" userId="a4ee0321-97d7-430f-98a8-7ed13ff9a4bf" providerId="ADAL" clId="{5EE606CC-6602-43B9-A5AB-6A63FFE98051}" dt="2023-09-09T10:30:39.679" v="133" actId="700"/>
-          <ac:spMkLst>
-            <pc:docMk/>
-            <pc:sldMk cId="0" sldId="269"/>
-            <ac:spMk id="8" creationId="{00000000-0000-0000-0000-000000000000}"/>
-          </ac:spMkLst>
-        </pc:spChg>
-        <pc:picChg chg="add del mod modCrop">
-          <ac:chgData name="MIGUEL TRIGUEROS MUÑOZ" userId="a4ee0321-97d7-430f-98a8-7ed13ff9a4bf" providerId="ADAL" clId="{5EE606CC-6602-43B9-A5AB-6A63FFE98051}" dt="2023-09-09T11:12:38.597" v="499" actId="21"/>
-          <ac:picMkLst>
-            <pc:docMk/>
-            <pc:sldMk cId="0" sldId="269"/>
-            <ac:picMk id="2" creationId="{C36B64D2-A2A5-8932-B93A-FBD878042663}"/>
-          </ac:picMkLst>
-        </pc:picChg>
-        <pc:picChg chg="del mod modCrop">
-          <ac:chgData name="MIGUEL TRIGUEROS MUÑOZ" userId="a4ee0321-97d7-430f-98a8-7ed13ff9a4bf" providerId="ADAL" clId="{5EE606CC-6602-43B9-A5AB-6A63FFE98051}" dt="2023-09-09T11:12:38.597" v="499" actId="21"/>
-          <ac:picMkLst>
-            <pc:docMk/>
-            <pc:sldMk cId="0" sldId="269"/>
-            <ac:picMk id="10242" creationId="{00000000-0000-0000-0000-000000000000}"/>
-          </ac:picMkLst>
-        </pc:picChg>
       </pc:sldChg>
       <pc:sldChg chg="modSp del mod modClrScheme chgLayout">
         <pc:chgData name="MIGUEL TRIGUEROS MUÑOZ" userId="a4ee0321-97d7-430f-98a8-7ed13ff9a4bf" providerId="ADAL" clId="{5EE606CC-6602-43B9-A5AB-6A63FFE98051}" dt="2023-09-09T11:26:06.575" v="579" actId="47"/>
@@ -1095,38 +723,6 @@
           <pc:docMk/>
           <pc:sldMk cId="0" sldId="270"/>
         </pc:sldMkLst>
-        <pc:spChg chg="mod ord">
-          <ac:chgData name="MIGUEL TRIGUEROS MUÑOZ" userId="a4ee0321-97d7-430f-98a8-7ed13ff9a4bf" providerId="ADAL" clId="{5EE606CC-6602-43B9-A5AB-6A63FFE98051}" dt="2023-09-09T10:30:40.038" v="170" actId="27636"/>
-          <ac:spMkLst>
-            <pc:docMk/>
-            <pc:sldMk cId="0" sldId="270"/>
-            <ac:spMk id="3" creationId="{00000000-0000-0000-0000-000000000000}"/>
-          </ac:spMkLst>
-        </pc:spChg>
-        <pc:spChg chg="mod ord">
-          <ac:chgData name="MIGUEL TRIGUEROS MUÑOZ" userId="a4ee0321-97d7-430f-98a8-7ed13ff9a4bf" providerId="ADAL" clId="{5EE606CC-6602-43B9-A5AB-6A63FFE98051}" dt="2023-09-09T10:30:40.035" v="169" actId="27636"/>
-          <ac:spMkLst>
-            <pc:docMk/>
-            <pc:sldMk cId="0" sldId="270"/>
-            <ac:spMk id="4" creationId="{00000000-0000-0000-0000-000000000000}"/>
-          </ac:spMkLst>
-        </pc:spChg>
-        <pc:spChg chg="mod ord">
-          <ac:chgData name="MIGUEL TRIGUEROS MUÑOZ" userId="a4ee0321-97d7-430f-98a8-7ed13ff9a4bf" providerId="ADAL" clId="{5EE606CC-6602-43B9-A5AB-6A63FFE98051}" dt="2023-09-09T10:30:39.679" v="133" actId="700"/>
-          <ac:spMkLst>
-            <pc:docMk/>
-            <pc:sldMk cId="0" sldId="270"/>
-            <ac:spMk id="7" creationId="{00000000-0000-0000-0000-000000000000}"/>
-          </ac:spMkLst>
-        </pc:spChg>
-        <pc:spChg chg="mod ord">
-          <ac:chgData name="MIGUEL TRIGUEROS MUÑOZ" userId="a4ee0321-97d7-430f-98a8-7ed13ff9a4bf" providerId="ADAL" clId="{5EE606CC-6602-43B9-A5AB-6A63FFE98051}" dt="2023-09-09T10:30:39.679" v="133" actId="700"/>
-          <ac:spMkLst>
-            <pc:docMk/>
-            <pc:sldMk cId="0" sldId="270"/>
-            <ac:spMk id="8" creationId="{00000000-0000-0000-0000-000000000000}"/>
-          </ac:spMkLst>
-        </pc:spChg>
       </pc:sldChg>
       <pc:sldChg chg="modSp del mod modClrScheme chgLayout">
         <pc:chgData name="MIGUEL TRIGUEROS MUÑOZ" userId="a4ee0321-97d7-430f-98a8-7ed13ff9a4bf" providerId="ADAL" clId="{5EE606CC-6602-43B9-A5AB-6A63FFE98051}" dt="2023-09-09T11:25:58.293" v="577" actId="47"/>
@@ -1134,46 +730,6 @@
           <pc:docMk/>
           <pc:sldMk cId="0" sldId="271"/>
         </pc:sldMkLst>
-        <pc:spChg chg="mod ord">
-          <ac:chgData name="MIGUEL TRIGUEROS MUÑOZ" userId="a4ee0321-97d7-430f-98a8-7ed13ff9a4bf" providerId="ADAL" clId="{5EE606CC-6602-43B9-A5AB-6A63FFE98051}" dt="2023-09-09T10:30:40.047" v="171" actId="27636"/>
-          <ac:spMkLst>
-            <pc:docMk/>
-            <pc:sldMk cId="0" sldId="271"/>
-            <ac:spMk id="3" creationId="{00000000-0000-0000-0000-000000000000}"/>
-          </ac:spMkLst>
-        </pc:spChg>
-        <pc:spChg chg="mod ord">
-          <ac:chgData name="MIGUEL TRIGUEROS MUÑOZ" userId="a4ee0321-97d7-430f-98a8-7ed13ff9a4bf" providerId="ADAL" clId="{5EE606CC-6602-43B9-A5AB-6A63FFE98051}" dt="2023-09-09T10:30:40.050" v="172" actId="27636"/>
-          <ac:spMkLst>
-            <pc:docMk/>
-            <pc:sldMk cId="0" sldId="271"/>
-            <ac:spMk id="4" creationId="{00000000-0000-0000-0000-000000000000}"/>
-          </ac:spMkLst>
-        </pc:spChg>
-        <pc:spChg chg="mod ord">
-          <ac:chgData name="MIGUEL TRIGUEROS MUÑOZ" userId="a4ee0321-97d7-430f-98a8-7ed13ff9a4bf" providerId="ADAL" clId="{5EE606CC-6602-43B9-A5AB-6A63FFE98051}" dt="2023-09-09T10:30:39.679" v="133" actId="700"/>
-          <ac:spMkLst>
-            <pc:docMk/>
-            <pc:sldMk cId="0" sldId="271"/>
-            <ac:spMk id="8" creationId="{00000000-0000-0000-0000-000000000000}"/>
-          </ac:spMkLst>
-        </pc:spChg>
-        <pc:spChg chg="mod ord">
-          <ac:chgData name="MIGUEL TRIGUEROS MUÑOZ" userId="a4ee0321-97d7-430f-98a8-7ed13ff9a4bf" providerId="ADAL" clId="{5EE606CC-6602-43B9-A5AB-6A63FFE98051}" dt="2023-09-09T10:30:40.056" v="173" actId="27636"/>
-          <ac:spMkLst>
-            <pc:docMk/>
-            <pc:sldMk cId="0" sldId="271"/>
-            <ac:spMk id="9" creationId="{00000000-0000-0000-0000-000000000000}"/>
-          </ac:spMkLst>
-        </pc:spChg>
-        <pc:spChg chg="mod ord">
-          <ac:chgData name="MIGUEL TRIGUEROS MUÑOZ" userId="a4ee0321-97d7-430f-98a8-7ed13ff9a4bf" providerId="ADAL" clId="{5EE606CC-6602-43B9-A5AB-6A63FFE98051}" dt="2023-09-09T10:30:39.679" v="133" actId="700"/>
-          <ac:spMkLst>
-            <pc:docMk/>
-            <pc:sldMk cId="0" sldId="271"/>
-            <ac:spMk id="10" creationId="{00000000-0000-0000-0000-000000000000}"/>
-          </ac:spMkLst>
-        </pc:spChg>
       </pc:sldChg>
       <pc:sldChg chg="modSp del mod modClrScheme chgLayout">
         <pc:chgData name="MIGUEL TRIGUEROS MUÑOZ" userId="a4ee0321-97d7-430f-98a8-7ed13ff9a4bf" providerId="ADAL" clId="{5EE606CC-6602-43B9-A5AB-6A63FFE98051}" dt="2023-09-09T11:25:59.490" v="578" actId="47"/>
@@ -1181,46 +737,6 @@
           <pc:docMk/>
           <pc:sldMk cId="0" sldId="272"/>
         </pc:sldMkLst>
-        <pc:spChg chg="mod ord">
-          <ac:chgData name="MIGUEL TRIGUEROS MUÑOZ" userId="a4ee0321-97d7-430f-98a8-7ed13ff9a4bf" providerId="ADAL" clId="{5EE606CC-6602-43B9-A5AB-6A63FFE98051}" dt="2023-09-09T10:30:40.161" v="174" actId="27636"/>
-          <ac:spMkLst>
-            <pc:docMk/>
-            <pc:sldMk cId="0" sldId="272"/>
-            <ac:spMk id="3" creationId="{00000000-0000-0000-0000-000000000000}"/>
-          </ac:spMkLst>
-        </pc:spChg>
-        <pc:spChg chg="mod ord">
-          <ac:chgData name="MIGUEL TRIGUEROS MUÑOZ" userId="a4ee0321-97d7-430f-98a8-7ed13ff9a4bf" providerId="ADAL" clId="{5EE606CC-6602-43B9-A5AB-6A63FFE98051}" dt="2023-09-09T10:30:40.164" v="175" actId="27636"/>
-          <ac:spMkLst>
-            <pc:docMk/>
-            <pc:sldMk cId="0" sldId="272"/>
-            <ac:spMk id="4" creationId="{00000000-0000-0000-0000-000000000000}"/>
-          </ac:spMkLst>
-        </pc:spChg>
-        <pc:spChg chg="mod ord">
-          <ac:chgData name="MIGUEL TRIGUEROS MUÑOZ" userId="a4ee0321-97d7-430f-98a8-7ed13ff9a4bf" providerId="ADAL" clId="{5EE606CC-6602-43B9-A5AB-6A63FFE98051}" dt="2023-09-09T10:30:39.679" v="133" actId="700"/>
-          <ac:spMkLst>
-            <pc:docMk/>
-            <pc:sldMk cId="0" sldId="272"/>
-            <ac:spMk id="8" creationId="{00000000-0000-0000-0000-000000000000}"/>
-          </ac:spMkLst>
-        </pc:spChg>
-        <pc:spChg chg="mod ord">
-          <ac:chgData name="MIGUEL TRIGUEROS MUÑOZ" userId="a4ee0321-97d7-430f-98a8-7ed13ff9a4bf" providerId="ADAL" clId="{5EE606CC-6602-43B9-A5AB-6A63FFE98051}" dt="2023-09-09T10:30:40.169" v="176" actId="27636"/>
-          <ac:spMkLst>
-            <pc:docMk/>
-            <pc:sldMk cId="0" sldId="272"/>
-            <ac:spMk id="9" creationId="{00000000-0000-0000-0000-000000000000}"/>
-          </ac:spMkLst>
-        </pc:spChg>
-        <pc:spChg chg="mod ord">
-          <ac:chgData name="MIGUEL TRIGUEROS MUÑOZ" userId="a4ee0321-97d7-430f-98a8-7ed13ff9a4bf" providerId="ADAL" clId="{5EE606CC-6602-43B9-A5AB-6A63FFE98051}" dt="2023-09-09T10:30:39.679" v="133" actId="700"/>
-          <ac:spMkLst>
-            <pc:docMk/>
-            <pc:sldMk cId="0" sldId="272"/>
-            <ac:spMk id="10" creationId="{00000000-0000-0000-0000-000000000000}"/>
-          </ac:spMkLst>
-        </pc:spChg>
       </pc:sldChg>
       <pc:sldChg chg="modSp del mod modClrScheme chgLayout">
         <pc:chgData name="MIGUEL TRIGUEROS MUÑOZ" userId="a4ee0321-97d7-430f-98a8-7ed13ff9a4bf" providerId="ADAL" clId="{5EE606CC-6602-43B9-A5AB-6A63FFE98051}" dt="2023-09-09T11:26:14.419" v="580" actId="47"/>
@@ -1228,46 +744,6 @@
           <pc:docMk/>
           <pc:sldMk cId="0" sldId="273"/>
         </pc:sldMkLst>
-        <pc:spChg chg="mod ord">
-          <ac:chgData name="MIGUEL TRIGUEROS MUÑOZ" userId="a4ee0321-97d7-430f-98a8-7ed13ff9a4bf" providerId="ADAL" clId="{5EE606CC-6602-43B9-A5AB-6A63FFE98051}" dt="2023-09-09T10:30:40.194" v="178" actId="27636"/>
-          <ac:spMkLst>
-            <pc:docMk/>
-            <pc:sldMk cId="0" sldId="273"/>
-            <ac:spMk id="3" creationId="{00000000-0000-0000-0000-000000000000}"/>
-          </ac:spMkLst>
-        </pc:spChg>
-        <pc:spChg chg="mod ord">
-          <ac:chgData name="MIGUEL TRIGUEROS MUÑOZ" userId="a4ee0321-97d7-430f-98a8-7ed13ff9a4bf" providerId="ADAL" clId="{5EE606CC-6602-43B9-A5AB-6A63FFE98051}" dt="2023-09-09T10:30:40.197" v="179" actId="27636"/>
-          <ac:spMkLst>
-            <pc:docMk/>
-            <pc:sldMk cId="0" sldId="273"/>
-            <ac:spMk id="4" creationId="{00000000-0000-0000-0000-000000000000}"/>
-          </ac:spMkLst>
-        </pc:spChg>
-        <pc:spChg chg="mod ord">
-          <ac:chgData name="MIGUEL TRIGUEROS MUÑOZ" userId="a4ee0321-97d7-430f-98a8-7ed13ff9a4bf" providerId="ADAL" clId="{5EE606CC-6602-43B9-A5AB-6A63FFE98051}" dt="2023-09-09T10:30:39.679" v="133" actId="700"/>
-          <ac:spMkLst>
-            <pc:docMk/>
-            <pc:sldMk cId="0" sldId="273"/>
-            <ac:spMk id="8" creationId="{00000000-0000-0000-0000-000000000000}"/>
-          </ac:spMkLst>
-        </pc:spChg>
-        <pc:spChg chg="mod ord">
-          <ac:chgData name="MIGUEL TRIGUEROS MUÑOZ" userId="a4ee0321-97d7-430f-98a8-7ed13ff9a4bf" providerId="ADAL" clId="{5EE606CC-6602-43B9-A5AB-6A63FFE98051}" dt="2023-09-09T10:30:40.191" v="177" actId="27636"/>
-          <ac:spMkLst>
-            <pc:docMk/>
-            <pc:sldMk cId="0" sldId="273"/>
-            <ac:spMk id="9" creationId="{00000000-0000-0000-0000-000000000000}"/>
-          </ac:spMkLst>
-        </pc:spChg>
-        <pc:spChg chg="mod ord">
-          <ac:chgData name="MIGUEL TRIGUEROS MUÑOZ" userId="a4ee0321-97d7-430f-98a8-7ed13ff9a4bf" providerId="ADAL" clId="{5EE606CC-6602-43B9-A5AB-6A63FFE98051}" dt="2023-09-09T10:30:39.679" v="133" actId="700"/>
-          <ac:spMkLst>
-            <pc:docMk/>
-            <pc:sldMk cId="0" sldId="273"/>
-            <ac:spMk id="10" creationId="{00000000-0000-0000-0000-000000000000}"/>
-          </ac:spMkLst>
-        </pc:spChg>
       </pc:sldChg>
       <pc:sldChg chg="addSp delSp modSp del mod setBg modClrScheme chgLayout">
         <pc:chgData name="MIGUEL TRIGUEROS MUÑOZ" userId="a4ee0321-97d7-430f-98a8-7ed13ff9a4bf" providerId="ADAL" clId="{5EE606CC-6602-43B9-A5AB-6A63FFE98051}" dt="2023-09-09T11:28:59.819" v="620" actId="47"/>
@@ -1275,54 +751,6 @@
           <pc:docMk/>
           <pc:sldMk cId="0" sldId="274"/>
         </pc:sldMkLst>
-        <pc:spChg chg="mod ord">
-          <ac:chgData name="MIGUEL TRIGUEROS MUÑOZ" userId="a4ee0321-97d7-430f-98a8-7ed13ff9a4bf" providerId="ADAL" clId="{5EE606CC-6602-43B9-A5AB-6A63FFE98051}" dt="2023-09-09T11:04:45.043" v="423" actId="26606"/>
-          <ac:spMkLst>
-            <pc:docMk/>
-            <pc:sldMk cId="0" sldId="274"/>
-            <ac:spMk id="3" creationId="{00000000-0000-0000-0000-000000000000}"/>
-          </ac:spMkLst>
-        </pc:spChg>
-        <pc:spChg chg="mod ord">
-          <ac:chgData name="MIGUEL TRIGUEROS MUÑOZ" userId="a4ee0321-97d7-430f-98a8-7ed13ff9a4bf" providerId="ADAL" clId="{5EE606CC-6602-43B9-A5AB-6A63FFE98051}" dt="2023-09-09T11:04:45.043" v="423" actId="26606"/>
-          <ac:spMkLst>
-            <pc:docMk/>
-            <pc:sldMk cId="0" sldId="274"/>
-            <ac:spMk id="4" creationId="{00000000-0000-0000-0000-000000000000}"/>
-          </ac:spMkLst>
-        </pc:spChg>
-        <pc:spChg chg="mod ord">
-          <ac:chgData name="MIGUEL TRIGUEROS MUÑOZ" userId="a4ee0321-97d7-430f-98a8-7ed13ff9a4bf" providerId="ADAL" clId="{5EE606CC-6602-43B9-A5AB-6A63FFE98051}" dt="2023-09-09T11:04:45.043" v="423" actId="26606"/>
-          <ac:spMkLst>
-            <pc:docMk/>
-            <pc:sldMk cId="0" sldId="274"/>
-            <ac:spMk id="7" creationId="{00000000-0000-0000-0000-000000000000}"/>
-          </ac:spMkLst>
-        </pc:spChg>
-        <pc:spChg chg="mod ord">
-          <ac:chgData name="MIGUEL TRIGUEROS MUÑOZ" userId="a4ee0321-97d7-430f-98a8-7ed13ff9a4bf" providerId="ADAL" clId="{5EE606CC-6602-43B9-A5AB-6A63FFE98051}" dt="2023-09-09T11:04:45.043" v="423" actId="26606"/>
-          <ac:spMkLst>
-            <pc:docMk/>
-            <pc:sldMk cId="0" sldId="274"/>
-            <ac:spMk id="9" creationId="{00000000-0000-0000-0000-000000000000}"/>
-          </ac:spMkLst>
-        </pc:spChg>
-        <pc:grpChg chg="add del">
-          <ac:chgData name="MIGUEL TRIGUEROS MUÑOZ" userId="a4ee0321-97d7-430f-98a8-7ed13ff9a4bf" providerId="ADAL" clId="{5EE606CC-6602-43B9-A5AB-6A63FFE98051}" dt="2023-09-09T11:04:45.043" v="423" actId="26606"/>
-          <ac:grpSpMkLst>
-            <pc:docMk/>
-            <pc:sldMk cId="0" sldId="274"/>
-            <ac:grpSpMk id="15367" creationId="{B4DE830A-B531-4A3B-96F6-0ECE88B08555}"/>
-          </ac:grpSpMkLst>
-        </pc:grpChg>
-        <pc:picChg chg="mod">
-          <ac:chgData name="MIGUEL TRIGUEROS MUÑOZ" userId="a4ee0321-97d7-430f-98a8-7ed13ff9a4bf" providerId="ADAL" clId="{5EE606CC-6602-43B9-A5AB-6A63FFE98051}" dt="2023-09-09T11:04:45.043" v="423" actId="26606"/>
-          <ac:picMkLst>
-            <pc:docMk/>
-            <pc:sldMk cId="0" sldId="274"/>
-            <ac:picMk id="15362" creationId="{00000000-0000-0000-0000-000000000000}"/>
-          </ac:picMkLst>
-        </pc:picChg>
       </pc:sldChg>
       <pc:sldChg chg="addSp delSp modSp del mod modClrScheme chgLayout">
         <pc:chgData name="MIGUEL TRIGUEROS MUÑOZ" userId="a4ee0321-97d7-430f-98a8-7ed13ff9a4bf" providerId="ADAL" clId="{5EE606CC-6602-43B9-A5AB-6A63FFE98051}" dt="2023-09-09T10:53:32.810" v="302" actId="47"/>
@@ -1330,54 +758,6 @@
           <pc:docMk/>
           <pc:sldMk cId="0" sldId="275"/>
         </pc:sldMkLst>
-        <pc:spChg chg="mod ord">
-          <ac:chgData name="MIGUEL TRIGUEROS MUÑOZ" userId="a4ee0321-97d7-430f-98a8-7ed13ff9a4bf" providerId="ADAL" clId="{5EE606CC-6602-43B9-A5AB-6A63FFE98051}" dt="2023-09-09T10:30:39.874" v="140" actId="27636"/>
-          <ac:spMkLst>
-            <pc:docMk/>
-            <pc:sldMk cId="0" sldId="275"/>
-            <ac:spMk id="3" creationId="{00000000-0000-0000-0000-000000000000}"/>
-          </ac:spMkLst>
-        </pc:spChg>
-        <pc:spChg chg="mod ord">
-          <ac:chgData name="MIGUEL TRIGUEROS MUÑOZ" userId="a4ee0321-97d7-430f-98a8-7ed13ff9a4bf" providerId="ADAL" clId="{5EE606CC-6602-43B9-A5AB-6A63FFE98051}" dt="2023-09-09T10:30:39.877" v="141" actId="27636"/>
-          <ac:spMkLst>
-            <pc:docMk/>
-            <pc:sldMk cId="0" sldId="275"/>
-            <ac:spMk id="4" creationId="{00000000-0000-0000-0000-000000000000}"/>
-          </ac:spMkLst>
-        </pc:spChg>
-        <pc:spChg chg="add del mod ord">
-          <ac:chgData name="MIGUEL TRIGUEROS MUÑOZ" userId="a4ee0321-97d7-430f-98a8-7ed13ff9a4bf" providerId="ADAL" clId="{5EE606CC-6602-43B9-A5AB-6A63FFE98051}" dt="2023-09-09T10:30:39.679" v="133" actId="700"/>
-          <ac:spMkLst>
-            <pc:docMk/>
-            <pc:sldMk cId="0" sldId="275"/>
-            <ac:spMk id="5" creationId="{C3FA4C78-12EF-09A9-C709-C7291FCB4E09}"/>
-          </ac:spMkLst>
-        </pc:spChg>
-        <pc:spChg chg="mod ord">
-          <ac:chgData name="MIGUEL TRIGUEROS MUÑOZ" userId="a4ee0321-97d7-430f-98a8-7ed13ff9a4bf" providerId="ADAL" clId="{5EE606CC-6602-43B9-A5AB-6A63FFE98051}" dt="2023-09-09T10:30:39.679" v="133" actId="700"/>
-          <ac:spMkLst>
-            <pc:docMk/>
-            <pc:sldMk cId="0" sldId="275"/>
-            <ac:spMk id="6" creationId="{00000000-0000-0000-0000-000000000000}"/>
-          </ac:spMkLst>
-        </pc:spChg>
-        <pc:spChg chg="add mod ord">
-          <ac:chgData name="MIGUEL TRIGUEROS MUÑOZ" userId="a4ee0321-97d7-430f-98a8-7ed13ff9a4bf" providerId="ADAL" clId="{5EE606CC-6602-43B9-A5AB-6A63FFE98051}" dt="2023-09-09T10:30:39.679" v="133" actId="700"/>
-          <ac:spMkLst>
-            <pc:docMk/>
-            <pc:sldMk cId="0" sldId="275"/>
-            <ac:spMk id="7" creationId="{3687FD4E-8FC7-62C3-D6D1-18794EAF296B}"/>
-          </ac:spMkLst>
-        </pc:spChg>
-        <pc:picChg chg="add del">
-          <ac:chgData name="MIGUEL TRIGUEROS MUÑOZ" userId="a4ee0321-97d7-430f-98a8-7ed13ff9a4bf" providerId="ADAL" clId="{5EE606CC-6602-43B9-A5AB-6A63FFE98051}" dt="2023-09-09T10:32:44.866" v="183" actId="478"/>
-          <ac:picMkLst>
-            <pc:docMk/>
-            <pc:sldMk cId="0" sldId="275"/>
-            <ac:picMk id="2" creationId="{00000000-0000-0000-0000-000000000000}"/>
-          </ac:picMkLst>
-        </pc:picChg>
       </pc:sldChg>
       <pc:sldChg chg="addSp delSp modSp del mod modClrScheme chgLayout">
         <pc:chgData name="MIGUEL TRIGUEROS MUÑOZ" userId="a4ee0321-97d7-430f-98a8-7ed13ff9a4bf" providerId="ADAL" clId="{5EE606CC-6602-43B9-A5AB-6A63FFE98051}" dt="2023-09-09T10:53:33.425" v="303" actId="47"/>
@@ -1385,46 +765,6 @@
           <pc:docMk/>
           <pc:sldMk cId="0" sldId="276"/>
         </pc:sldMkLst>
-        <pc:spChg chg="mod ord">
-          <ac:chgData name="MIGUEL TRIGUEROS MUÑOZ" userId="a4ee0321-97d7-430f-98a8-7ed13ff9a4bf" providerId="ADAL" clId="{5EE606CC-6602-43B9-A5AB-6A63FFE98051}" dt="2023-09-09T10:30:39.884" v="142" actId="27636"/>
-          <ac:spMkLst>
-            <pc:docMk/>
-            <pc:sldMk cId="0" sldId="276"/>
-            <ac:spMk id="3" creationId="{00000000-0000-0000-0000-000000000000}"/>
-          </ac:spMkLst>
-        </pc:spChg>
-        <pc:spChg chg="mod ord">
-          <ac:chgData name="MIGUEL TRIGUEROS MUÑOZ" userId="a4ee0321-97d7-430f-98a8-7ed13ff9a4bf" providerId="ADAL" clId="{5EE606CC-6602-43B9-A5AB-6A63FFE98051}" dt="2023-09-09T10:30:39.887" v="143" actId="27636"/>
-          <ac:spMkLst>
-            <pc:docMk/>
-            <pc:sldMk cId="0" sldId="276"/>
-            <ac:spMk id="4" creationId="{00000000-0000-0000-0000-000000000000}"/>
-          </ac:spMkLst>
-        </pc:spChg>
-        <pc:spChg chg="add del mod ord">
-          <ac:chgData name="MIGUEL TRIGUEROS MUÑOZ" userId="a4ee0321-97d7-430f-98a8-7ed13ff9a4bf" providerId="ADAL" clId="{5EE606CC-6602-43B9-A5AB-6A63FFE98051}" dt="2023-09-09T10:30:39.679" v="133" actId="700"/>
-          <ac:spMkLst>
-            <pc:docMk/>
-            <pc:sldMk cId="0" sldId="276"/>
-            <ac:spMk id="5" creationId="{657348D7-2217-D74A-6A70-0D9EDCED30DA}"/>
-          </ac:spMkLst>
-        </pc:spChg>
-        <pc:spChg chg="mod ord">
-          <ac:chgData name="MIGUEL TRIGUEROS MUÑOZ" userId="a4ee0321-97d7-430f-98a8-7ed13ff9a4bf" providerId="ADAL" clId="{5EE606CC-6602-43B9-A5AB-6A63FFE98051}" dt="2023-09-09T10:30:39.679" v="133" actId="700"/>
-          <ac:spMkLst>
-            <pc:docMk/>
-            <pc:sldMk cId="0" sldId="276"/>
-            <ac:spMk id="6" creationId="{00000000-0000-0000-0000-000000000000}"/>
-          </ac:spMkLst>
-        </pc:spChg>
-        <pc:spChg chg="add mod ord">
-          <ac:chgData name="MIGUEL TRIGUEROS MUÑOZ" userId="a4ee0321-97d7-430f-98a8-7ed13ff9a4bf" providerId="ADAL" clId="{5EE606CC-6602-43B9-A5AB-6A63FFE98051}" dt="2023-09-09T10:30:39.679" v="133" actId="700"/>
-          <ac:spMkLst>
-            <pc:docMk/>
-            <pc:sldMk cId="0" sldId="276"/>
-            <ac:spMk id="7" creationId="{076433CA-6EDC-4EBC-3241-934807ABFAEB}"/>
-          </ac:spMkLst>
-        </pc:spChg>
       </pc:sldChg>
       <pc:sldChg chg="addSp delSp modSp del mod modClrScheme chgLayout">
         <pc:chgData name="MIGUEL TRIGUEROS MUÑOZ" userId="a4ee0321-97d7-430f-98a8-7ed13ff9a4bf" providerId="ADAL" clId="{5EE606CC-6602-43B9-A5AB-6A63FFE98051}" dt="2023-09-09T10:53:33.962" v="304" actId="47"/>
@@ -1432,46 +772,6 @@
           <pc:docMk/>
           <pc:sldMk cId="0" sldId="277"/>
         </pc:sldMkLst>
-        <pc:spChg chg="mod ord">
-          <ac:chgData name="MIGUEL TRIGUEROS MUÑOZ" userId="a4ee0321-97d7-430f-98a8-7ed13ff9a4bf" providerId="ADAL" clId="{5EE606CC-6602-43B9-A5AB-6A63FFE98051}" dt="2023-09-09T10:30:39.894" v="144" actId="27636"/>
-          <ac:spMkLst>
-            <pc:docMk/>
-            <pc:sldMk cId="0" sldId="277"/>
-            <ac:spMk id="3" creationId="{00000000-0000-0000-0000-000000000000}"/>
-          </ac:spMkLst>
-        </pc:spChg>
-        <pc:spChg chg="mod ord">
-          <ac:chgData name="MIGUEL TRIGUEROS MUÑOZ" userId="a4ee0321-97d7-430f-98a8-7ed13ff9a4bf" providerId="ADAL" clId="{5EE606CC-6602-43B9-A5AB-6A63FFE98051}" dt="2023-09-09T10:30:39.898" v="145" actId="27636"/>
-          <ac:spMkLst>
-            <pc:docMk/>
-            <pc:sldMk cId="0" sldId="277"/>
-            <ac:spMk id="4" creationId="{00000000-0000-0000-0000-000000000000}"/>
-          </ac:spMkLst>
-        </pc:spChg>
-        <pc:spChg chg="add del mod ord">
-          <ac:chgData name="MIGUEL TRIGUEROS MUÑOZ" userId="a4ee0321-97d7-430f-98a8-7ed13ff9a4bf" providerId="ADAL" clId="{5EE606CC-6602-43B9-A5AB-6A63FFE98051}" dt="2023-09-09T10:30:39.679" v="133" actId="700"/>
-          <ac:spMkLst>
-            <pc:docMk/>
-            <pc:sldMk cId="0" sldId="277"/>
-            <ac:spMk id="5" creationId="{09921C27-8F36-EEF4-270D-342F406AE1CD}"/>
-          </ac:spMkLst>
-        </pc:spChg>
-        <pc:spChg chg="mod ord">
-          <ac:chgData name="MIGUEL TRIGUEROS MUÑOZ" userId="a4ee0321-97d7-430f-98a8-7ed13ff9a4bf" providerId="ADAL" clId="{5EE606CC-6602-43B9-A5AB-6A63FFE98051}" dt="2023-09-09T10:30:39.679" v="133" actId="700"/>
-          <ac:spMkLst>
-            <pc:docMk/>
-            <pc:sldMk cId="0" sldId="277"/>
-            <ac:spMk id="6" creationId="{00000000-0000-0000-0000-000000000000}"/>
-          </ac:spMkLst>
-        </pc:spChg>
-        <pc:spChg chg="add mod ord">
-          <ac:chgData name="MIGUEL TRIGUEROS MUÑOZ" userId="a4ee0321-97d7-430f-98a8-7ed13ff9a4bf" providerId="ADAL" clId="{5EE606CC-6602-43B9-A5AB-6A63FFE98051}" dt="2023-09-09T10:30:39.679" v="133" actId="700"/>
-          <ac:spMkLst>
-            <pc:docMk/>
-            <pc:sldMk cId="0" sldId="277"/>
-            <ac:spMk id="7" creationId="{DFEAF863-AE09-0563-BB66-66472E977466}"/>
-          </ac:spMkLst>
-        </pc:spChg>
       </pc:sldChg>
       <pc:sldChg chg="addSp delSp modSp del mod modClrScheme chgLayout">
         <pc:chgData name="MIGUEL TRIGUEROS MUÑOZ" userId="a4ee0321-97d7-430f-98a8-7ed13ff9a4bf" providerId="ADAL" clId="{5EE606CC-6602-43B9-A5AB-6A63FFE98051}" dt="2023-09-09T10:53:34.786" v="305" actId="47"/>
@@ -1479,46 +779,6 @@
           <pc:docMk/>
           <pc:sldMk cId="0" sldId="278"/>
         </pc:sldMkLst>
-        <pc:spChg chg="mod ord">
-          <ac:chgData name="MIGUEL TRIGUEROS MUÑOZ" userId="a4ee0321-97d7-430f-98a8-7ed13ff9a4bf" providerId="ADAL" clId="{5EE606CC-6602-43B9-A5AB-6A63FFE98051}" dt="2023-09-09T10:30:39.908" v="147" actId="27636"/>
-          <ac:spMkLst>
-            <pc:docMk/>
-            <pc:sldMk cId="0" sldId="278"/>
-            <ac:spMk id="3" creationId="{00000000-0000-0000-0000-000000000000}"/>
-          </ac:spMkLst>
-        </pc:spChg>
-        <pc:spChg chg="mod ord">
-          <ac:chgData name="MIGUEL TRIGUEROS MUÑOZ" userId="a4ee0321-97d7-430f-98a8-7ed13ff9a4bf" providerId="ADAL" clId="{5EE606CC-6602-43B9-A5AB-6A63FFE98051}" dt="2023-09-09T10:30:39.905" v="146" actId="27636"/>
-          <ac:spMkLst>
-            <pc:docMk/>
-            <pc:sldMk cId="0" sldId="278"/>
-            <ac:spMk id="4" creationId="{00000000-0000-0000-0000-000000000000}"/>
-          </ac:spMkLst>
-        </pc:spChg>
-        <pc:spChg chg="add del mod ord">
-          <ac:chgData name="MIGUEL TRIGUEROS MUÑOZ" userId="a4ee0321-97d7-430f-98a8-7ed13ff9a4bf" providerId="ADAL" clId="{5EE606CC-6602-43B9-A5AB-6A63FFE98051}" dt="2023-09-09T10:30:39.679" v="133" actId="700"/>
-          <ac:spMkLst>
-            <pc:docMk/>
-            <pc:sldMk cId="0" sldId="278"/>
-            <ac:spMk id="5" creationId="{3BE6D42B-948C-E216-0E62-6429DD43D589}"/>
-          </ac:spMkLst>
-        </pc:spChg>
-        <pc:spChg chg="mod ord">
-          <ac:chgData name="MIGUEL TRIGUEROS MUÑOZ" userId="a4ee0321-97d7-430f-98a8-7ed13ff9a4bf" providerId="ADAL" clId="{5EE606CC-6602-43B9-A5AB-6A63FFE98051}" dt="2023-09-09T10:30:39.679" v="133" actId="700"/>
-          <ac:spMkLst>
-            <pc:docMk/>
-            <pc:sldMk cId="0" sldId="278"/>
-            <ac:spMk id="6" creationId="{00000000-0000-0000-0000-000000000000}"/>
-          </ac:spMkLst>
-        </pc:spChg>
-        <pc:spChg chg="add mod ord">
-          <ac:chgData name="MIGUEL TRIGUEROS MUÑOZ" userId="a4ee0321-97d7-430f-98a8-7ed13ff9a4bf" providerId="ADAL" clId="{5EE606CC-6602-43B9-A5AB-6A63FFE98051}" dt="2023-09-09T10:30:39.679" v="133" actId="700"/>
-          <ac:spMkLst>
-            <pc:docMk/>
-            <pc:sldMk cId="0" sldId="278"/>
-            <ac:spMk id="7" creationId="{2B82023C-CD04-67D7-AC73-94334D622FC2}"/>
-          </ac:spMkLst>
-        </pc:spChg>
       </pc:sldChg>
       <pc:sldChg chg="addSp delSp modSp del mod modClrScheme chgLayout">
         <pc:chgData name="MIGUEL TRIGUEROS MUÑOZ" userId="a4ee0321-97d7-430f-98a8-7ed13ff9a4bf" providerId="ADAL" clId="{5EE606CC-6602-43B9-A5AB-6A63FFE98051}" dt="2023-09-09T10:53:35.454" v="306" actId="47"/>
@@ -1526,46 +786,6 @@
           <pc:docMk/>
           <pc:sldMk cId="0" sldId="279"/>
         </pc:sldMkLst>
-        <pc:spChg chg="mod ord">
-          <ac:chgData name="MIGUEL TRIGUEROS MUÑOZ" userId="a4ee0321-97d7-430f-98a8-7ed13ff9a4bf" providerId="ADAL" clId="{5EE606CC-6602-43B9-A5AB-6A63FFE98051}" dt="2023-09-09T10:30:39.918" v="149" actId="27636"/>
-          <ac:spMkLst>
-            <pc:docMk/>
-            <pc:sldMk cId="0" sldId="279"/>
-            <ac:spMk id="3" creationId="{00000000-0000-0000-0000-000000000000}"/>
-          </ac:spMkLst>
-        </pc:spChg>
-        <pc:spChg chg="mod ord">
-          <ac:chgData name="MIGUEL TRIGUEROS MUÑOZ" userId="a4ee0321-97d7-430f-98a8-7ed13ff9a4bf" providerId="ADAL" clId="{5EE606CC-6602-43B9-A5AB-6A63FFE98051}" dt="2023-09-09T10:30:39.915" v="148" actId="27636"/>
-          <ac:spMkLst>
-            <pc:docMk/>
-            <pc:sldMk cId="0" sldId="279"/>
-            <ac:spMk id="4" creationId="{00000000-0000-0000-0000-000000000000}"/>
-          </ac:spMkLst>
-        </pc:spChg>
-        <pc:spChg chg="add del mod ord">
-          <ac:chgData name="MIGUEL TRIGUEROS MUÑOZ" userId="a4ee0321-97d7-430f-98a8-7ed13ff9a4bf" providerId="ADAL" clId="{5EE606CC-6602-43B9-A5AB-6A63FFE98051}" dt="2023-09-09T10:30:39.679" v="133" actId="700"/>
-          <ac:spMkLst>
-            <pc:docMk/>
-            <pc:sldMk cId="0" sldId="279"/>
-            <ac:spMk id="5" creationId="{BFC72F6C-C9FD-4BC3-EAD8-B6F9361B201F}"/>
-          </ac:spMkLst>
-        </pc:spChg>
-        <pc:spChg chg="mod ord">
-          <ac:chgData name="MIGUEL TRIGUEROS MUÑOZ" userId="a4ee0321-97d7-430f-98a8-7ed13ff9a4bf" providerId="ADAL" clId="{5EE606CC-6602-43B9-A5AB-6A63FFE98051}" dt="2023-09-09T10:30:39.679" v="133" actId="700"/>
-          <ac:spMkLst>
-            <pc:docMk/>
-            <pc:sldMk cId="0" sldId="279"/>
-            <ac:spMk id="6" creationId="{00000000-0000-0000-0000-000000000000}"/>
-          </ac:spMkLst>
-        </pc:spChg>
-        <pc:spChg chg="add mod ord">
-          <ac:chgData name="MIGUEL TRIGUEROS MUÑOZ" userId="a4ee0321-97d7-430f-98a8-7ed13ff9a4bf" providerId="ADAL" clId="{5EE606CC-6602-43B9-A5AB-6A63FFE98051}" dt="2023-09-09T10:30:39.679" v="133" actId="700"/>
-          <ac:spMkLst>
-            <pc:docMk/>
-            <pc:sldMk cId="0" sldId="279"/>
-            <ac:spMk id="7" creationId="{F8FCF7A4-CD4A-15CE-986A-8F7AE3B1499A}"/>
-          </ac:spMkLst>
-        </pc:spChg>
       </pc:sldChg>
       <pc:sldChg chg="modSp del mod modClrScheme chgLayout">
         <pc:chgData name="MIGUEL TRIGUEROS MUÑOZ" userId="a4ee0321-97d7-430f-98a8-7ed13ff9a4bf" providerId="ADAL" clId="{5EE606CC-6602-43B9-A5AB-6A63FFE98051}" dt="2023-09-09T10:53:40.216" v="309" actId="47"/>
@@ -1573,46 +793,6 @@
           <pc:docMk/>
           <pc:sldMk cId="0" sldId="283"/>
         </pc:sldMkLst>
-        <pc:spChg chg="mod ord">
-          <ac:chgData name="MIGUEL TRIGUEROS MUÑOZ" userId="a4ee0321-97d7-430f-98a8-7ed13ff9a4bf" providerId="ADAL" clId="{5EE606CC-6602-43B9-A5AB-6A63FFE98051}" dt="2023-09-09T10:30:39.950" v="154" actId="27636"/>
-          <ac:spMkLst>
-            <pc:docMk/>
-            <pc:sldMk cId="0" sldId="283"/>
-            <ac:spMk id="3" creationId="{00000000-0000-0000-0000-000000000000}"/>
-          </ac:spMkLst>
-        </pc:spChg>
-        <pc:spChg chg="mod ord">
-          <ac:chgData name="MIGUEL TRIGUEROS MUÑOZ" userId="a4ee0321-97d7-430f-98a8-7ed13ff9a4bf" providerId="ADAL" clId="{5EE606CC-6602-43B9-A5AB-6A63FFE98051}" dt="2023-09-09T10:30:39.959" v="156" actId="27636"/>
-          <ac:spMkLst>
-            <pc:docMk/>
-            <pc:sldMk cId="0" sldId="283"/>
-            <ac:spMk id="4" creationId="{00000000-0000-0000-0000-000000000000}"/>
-          </ac:spMkLst>
-        </pc:spChg>
-        <pc:spChg chg="mod ord">
-          <ac:chgData name="MIGUEL TRIGUEROS MUÑOZ" userId="a4ee0321-97d7-430f-98a8-7ed13ff9a4bf" providerId="ADAL" clId="{5EE606CC-6602-43B9-A5AB-6A63FFE98051}" dt="2023-09-09T10:30:39.954" v="155" actId="27636"/>
-          <ac:spMkLst>
-            <pc:docMk/>
-            <pc:sldMk cId="0" sldId="283"/>
-            <ac:spMk id="7" creationId="{00000000-0000-0000-0000-000000000000}"/>
-          </ac:spMkLst>
-        </pc:spChg>
-        <pc:spChg chg="mod ord">
-          <ac:chgData name="MIGUEL TRIGUEROS MUÑOZ" userId="a4ee0321-97d7-430f-98a8-7ed13ff9a4bf" providerId="ADAL" clId="{5EE606CC-6602-43B9-A5AB-6A63FFE98051}" dt="2023-09-09T10:30:39.679" v="133" actId="700"/>
-          <ac:spMkLst>
-            <pc:docMk/>
-            <pc:sldMk cId="0" sldId="283"/>
-            <ac:spMk id="8" creationId="{00000000-0000-0000-0000-000000000000}"/>
-          </ac:spMkLst>
-        </pc:spChg>
-        <pc:spChg chg="mod ord">
-          <ac:chgData name="MIGUEL TRIGUEROS MUÑOZ" userId="a4ee0321-97d7-430f-98a8-7ed13ff9a4bf" providerId="ADAL" clId="{5EE606CC-6602-43B9-A5AB-6A63FFE98051}" dt="2023-09-09T10:30:39.679" v="133" actId="700"/>
-          <ac:spMkLst>
-            <pc:docMk/>
-            <pc:sldMk cId="0" sldId="283"/>
-            <ac:spMk id="9" creationId="{00000000-0000-0000-0000-000000000000}"/>
-          </ac:spMkLst>
-        </pc:spChg>
       </pc:sldChg>
       <pc:sldChg chg="addSp modSp add del mod chgLayout">
         <pc:chgData name="MIGUEL TRIGUEROS MUÑOZ" userId="a4ee0321-97d7-430f-98a8-7ed13ff9a4bf" providerId="ADAL" clId="{5EE606CC-6602-43B9-A5AB-6A63FFE98051}" dt="2023-09-09T10:53:27.201" v="298" actId="47"/>
@@ -1620,38 +800,6 @@
           <pc:docMk/>
           <pc:sldMk cId="0" sldId="284"/>
         </pc:sldMkLst>
-        <pc:spChg chg="add mod ord">
-          <ac:chgData name="MIGUEL TRIGUEROS MUÑOZ" userId="a4ee0321-97d7-430f-98a8-7ed13ff9a4bf" providerId="ADAL" clId="{5EE606CC-6602-43B9-A5AB-6A63FFE98051}" dt="2023-09-09T10:30:39.679" v="133" actId="700"/>
-          <ac:spMkLst>
-            <pc:docMk/>
-            <pc:sldMk cId="0" sldId="284"/>
-            <ac:spMk id="2" creationId="{340B2EEF-CA04-01DB-EF3F-0D011C127F7F}"/>
-          </ac:spMkLst>
-        </pc:spChg>
-        <pc:spChg chg="mod ord">
-          <ac:chgData name="MIGUEL TRIGUEROS MUÑOZ" userId="a4ee0321-97d7-430f-98a8-7ed13ff9a4bf" providerId="ADAL" clId="{5EE606CC-6602-43B9-A5AB-6A63FFE98051}" dt="2023-09-09T10:30:39.679" v="133" actId="700"/>
-          <ac:spMkLst>
-            <pc:docMk/>
-            <pc:sldMk cId="0" sldId="284"/>
-            <ac:spMk id="3" creationId="{00000000-0000-0000-0000-000000000000}"/>
-          </ac:spMkLst>
-        </pc:spChg>
-        <pc:spChg chg="mod ord">
-          <ac:chgData name="MIGUEL TRIGUEROS MUÑOZ" userId="a4ee0321-97d7-430f-98a8-7ed13ff9a4bf" providerId="ADAL" clId="{5EE606CC-6602-43B9-A5AB-6A63FFE98051}" dt="2023-09-09T10:30:39.679" v="133" actId="700"/>
-          <ac:spMkLst>
-            <pc:docMk/>
-            <pc:sldMk cId="0" sldId="284"/>
-            <ac:spMk id="4" creationId="{00000000-0000-0000-0000-000000000000}"/>
-          </ac:spMkLst>
-        </pc:spChg>
-        <pc:spChg chg="mod ord">
-          <ac:chgData name="MIGUEL TRIGUEROS MUÑOZ" userId="a4ee0321-97d7-430f-98a8-7ed13ff9a4bf" providerId="ADAL" clId="{5EE606CC-6602-43B9-A5AB-6A63FFE98051}" dt="2023-09-09T10:30:39.679" v="133" actId="700"/>
-          <ac:spMkLst>
-            <pc:docMk/>
-            <pc:sldMk cId="0" sldId="284"/>
-            <ac:spMk id="7" creationId="{00000000-0000-0000-0000-000000000000}"/>
-          </ac:spMkLst>
-        </pc:spChg>
       </pc:sldChg>
       <pc:sldChg chg="addSp delSp modSp del mod modClrScheme chgLayout">
         <pc:chgData name="MIGUEL TRIGUEROS MUÑOZ" userId="a4ee0321-97d7-430f-98a8-7ed13ff9a4bf" providerId="ADAL" clId="{5EE606CC-6602-43B9-A5AB-6A63FFE98051}" dt="2023-09-09T10:53:36.553" v="307" actId="47"/>
@@ -1659,46 +807,6 @@
           <pc:docMk/>
           <pc:sldMk cId="0" sldId="285"/>
         </pc:sldMkLst>
-        <pc:spChg chg="mod ord">
-          <ac:chgData name="MIGUEL TRIGUEROS MUÑOZ" userId="a4ee0321-97d7-430f-98a8-7ed13ff9a4bf" providerId="ADAL" clId="{5EE606CC-6602-43B9-A5AB-6A63FFE98051}" dt="2023-09-09T10:30:39.930" v="151" actId="27636"/>
-          <ac:spMkLst>
-            <pc:docMk/>
-            <pc:sldMk cId="0" sldId="285"/>
-            <ac:spMk id="3" creationId="{00000000-0000-0000-0000-000000000000}"/>
-          </ac:spMkLst>
-        </pc:spChg>
-        <pc:spChg chg="mod ord">
-          <ac:chgData name="MIGUEL TRIGUEROS MUÑOZ" userId="a4ee0321-97d7-430f-98a8-7ed13ff9a4bf" providerId="ADAL" clId="{5EE606CC-6602-43B9-A5AB-6A63FFE98051}" dt="2023-09-09T10:30:39.927" v="150" actId="27636"/>
-          <ac:spMkLst>
-            <pc:docMk/>
-            <pc:sldMk cId="0" sldId="285"/>
-            <ac:spMk id="4" creationId="{00000000-0000-0000-0000-000000000000}"/>
-          </ac:spMkLst>
-        </pc:spChg>
-        <pc:spChg chg="add del mod ord">
-          <ac:chgData name="MIGUEL TRIGUEROS MUÑOZ" userId="a4ee0321-97d7-430f-98a8-7ed13ff9a4bf" providerId="ADAL" clId="{5EE606CC-6602-43B9-A5AB-6A63FFE98051}" dt="2023-09-09T10:30:39.679" v="133" actId="700"/>
-          <ac:spMkLst>
-            <pc:docMk/>
-            <pc:sldMk cId="0" sldId="285"/>
-            <ac:spMk id="5" creationId="{34E3AD9D-2692-51E6-43F2-6EBC387EB7A8}"/>
-          </ac:spMkLst>
-        </pc:spChg>
-        <pc:spChg chg="mod ord">
-          <ac:chgData name="MIGUEL TRIGUEROS MUÑOZ" userId="a4ee0321-97d7-430f-98a8-7ed13ff9a4bf" providerId="ADAL" clId="{5EE606CC-6602-43B9-A5AB-6A63FFE98051}" dt="2023-09-09T10:30:39.679" v="133" actId="700"/>
-          <ac:spMkLst>
-            <pc:docMk/>
-            <pc:sldMk cId="0" sldId="285"/>
-            <ac:spMk id="6" creationId="{00000000-0000-0000-0000-000000000000}"/>
-          </ac:spMkLst>
-        </pc:spChg>
-        <pc:spChg chg="add mod ord">
-          <ac:chgData name="MIGUEL TRIGUEROS MUÑOZ" userId="a4ee0321-97d7-430f-98a8-7ed13ff9a4bf" providerId="ADAL" clId="{5EE606CC-6602-43B9-A5AB-6A63FFE98051}" dt="2023-09-09T10:30:39.679" v="133" actId="700"/>
-          <ac:spMkLst>
-            <pc:docMk/>
-            <pc:sldMk cId="0" sldId="285"/>
-            <ac:spMk id="7" creationId="{CA0659CD-6417-D947-29AA-4F96A2E7A9AA}"/>
-          </ac:spMkLst>
-        </pc:spChg>
       </pc:sldChg>
       <pc:sldChg chg="addSp delSp modSp del mod modClrScheme chgLayout">
         <pc:chgData name="MIGUEL TRIGUEROS MUÑOZ" userId="a4ee0321-97d7-430f-98a8-7ed13ff9a4bf" providerId="ADAL" clId="{5EE606CC-6602-43B9-A5AB-6A63FFE98051}" dt="2023-09-09T10:53:38.088" v="308" actId="47"/>
@@ -1706,46 +814,6 @@
           <pc:docMk/>
           <pc:sldMk cId="0" sldId="286"/>
         </pc:sldMkLst>
-        <pc:spChg chg="mod ord">
-          <ac:chgData name="MIGUEL TRIGUEROS MUÑOZ" userId="a4ee0321-97d7-430f-98a8-7ed13ff9a4bf" providerId="ADAL" clId="{5EE606CC-6602-43B9-A5AB-6A63FFE98051}" dt="2023-09-09T10:30:39.942" v="153" actId="27636"/>
-          <ac:spMkLst>
-            <pc:docMk/>
-            <pc:sldMk cId="0" sldId="286"/>
-            <ac:spMk id="3" creationId="{00000000-0000-0000-0000-000000000000}"/>
-          </ac:spMkLst>
-        </pc:spChg>
-        <pc:spChg chg="mod ord">
-          <ac:chgData name="MIGUEL TRIGUEROS MUÑOZ" userId="a4ee0321-97d7-430f-98a8-7ed13ff9a4bf" providerId="ADAL" clId="{5EE606CC-6602-43B9-A5AB-6A63FFE98051}" dt="2023-09-09T10:30:39.938" v="152" actId="27636"/>
-          <ac:spMkLst>
-            <pc:docMk/>
-            <pc:sldMk cId="0" sldId="286"/>
-            <ac:spMk id="4" creationId="{00000000-0000-0000-0000-000000000000}"/>
-          </ac:spMkLst>
-        </pc:spChg>
-        <pc:spChg chg="add del mod ord">
-          <ac:chgData name="MIGUEL TRIGUEROS MUÑOZ" userId="a4ee0321-97d7-430f-98a8-7ed13ff9a4bf" providerId="ADAL" clId="{5EE606CC-6602-43B9-A5AB-6A63FFE98051}" dt="2023-09-09T10:30:39.679" v="133" actId="700"/>
-          <ac:spMkLst>
-            <pc:docMk/>
-            <pc:sldMk cId="0" sldId="286"/>
-            <ac:spMk id="5" creationId="{6455BD83-2998-41CC-4866-15EDB43ABE06}"/>
-          </ac:spMkLst>
-        </pc:spChg>
-        <pc:spChg chg="mod ord">
-          <ac:chgData name="MIGUEL TRIGUEROS MUÑOZ" userId="a4ee0321-97d7-430f-98a8-7ed13ff9a4bf" providerId="ADAL" clId="{5EE606CC-6602-43B9-A5AB-6A63FFE98051}" dt="2023-09-09T10:30:39.679" v="133" actId="700"/>
-          <ac:spMkLst>
-            <pc:docMk/>
-            <pc:sldMk cId="0" sldId="286"/>
-            <ac:spMk id="6" creationId="{00000000-0000-0000-0000-000000000000}"/>
-          </ac:spMkLst>
-        </pc:spChg>
-        <pc:spChg chg="add mod ord">
-          <ac:chgData name="MIGUEL TRIGUEROS MUÑOZ" userId="a4ee0321-97d7-430f-98a8-7ed13ff9a4bf" providerId="ADAL" clId="{5EE606CC-6602-43B9-A5AB-6A63FFE98051}" dt="2023-09-09T10:30:39.679" v="133" actId="700"/>
-          <ac:spMkLst>
-            <pc:docMk/>
-            <pc:sldMk cId="0" sldId="286"/>
-            <ac:spMk id="7" creationId="{D03FF65B-2EF4-886F-7198-8F762BC4DE9D}"/>
-          </ac:spMkLst>
-        </pc:spChg>
       </pc:sldChg>
       <pc:sldChg chg="addSp delSp modSp new mod setBg">
         <pc:chgData name="MIGUEL TRIGUEROS MUÑOZ" userId="a4ee0321-97d7-430f-98a8-7ed13ff9a4bf" providerId="ADAL" clId="{5EE606CC-6602-43B9-A5AB-6A63FFE98051}" dt="2023-09-09T10:41:02.874" v="259" actId="1076"/>
@@ -1753,54 +821,6 @@
           <pc:docMk/>
           <pc:sldMk cId="3228786143" sldId="287"/>
         </pc:sldMkLst>
-        <pc:spChg chg="mod">
-          <ac:chgData name="MIGUEL TRIGUEROS MUÑOZ" userId="a4ee0321-97d7-430f-98a8-7ed13ff9a4bf" providerId="ADAL" clId="{5EE606CC-6602-43B9-A5AB-6A63FFE98051}" dt="2023-09-09T10:40:44.498" v="254" actId="26606"/>
-          <ac:spMkLst>
-            <pc:docMk/>
-            <pc:sldMk cId="3228786143" sldId="287"/>
-            <ac:spMk id="2" creationId="{E9CF1264-BF5B-4194-F2B0-93EC75B4C0C5}"/>
-          </ac:spMkLst>
-        </pc:spChg>
-        <pc:spChg chg="del">
-          <ac:chgData name="MIGUEL TRIGUEROS MUÑOZ" userId="a4ee0321-97d7-430f-98a8-7ed13ff9a4bf" providerId="ADAL" clId="{5EE606CC-6602-43B9-A5AB-6A63FFE98051}" dt="2023-09-09T10:40:30.829" v="252" actId="22"/>
-          <ac:spMkLst>
-            <pc:docMk/>
-            <pc:sldMk cId="3228786143" sldId="287"/>
-            <ac:spMk id="3" creationId="{A0F5D2A3-2F49-5558-B622-4BA657CC043F}"/>
-          </ac:spMkLst>
-        </pc:spChg>
-        <pc:spChg chg="mod">
-          <ac:chgData name="MIGUEL TRIGUEROS MUÑOZ" userId="a4ee0321-97d7-430f-98a8-7ed13ff9a4bf" providerId="ADAL" clId="{5EE606CC-6602-43B9-A5AB-6A63FFE98051}" dt="2023-09-09T10:40:44.498" v="254" actId="26606"/>
-          <ac:spMkLst>
-            <pc:docMk/>
-            <pc:sldMk cId="3228786143" sldId="287"/>
-            <ac:spMk id="4" creationId="{95B09A6F-D254-0ABB-EF68-2588847D61F0}"/>
-          </ac:spMkLst>
-        </pc:spChg>
-        <pc:spChg chg="mod">
-          <ac:chgData name="MIGUEL TRIGUEROS MUÑOZ" userId="a4ee0321-97d7-430f-98a8-7ed13ff9a4bf" providerId="ADAL" clId="{5EE606CC-6602-43B9-A5AB-6A63FFE98051}" dt="2023-09-09T10:40:44.498" v="254" actId="26606"/>
-          <ac:spMkLst>
-            <pc:docMk/>
-            <pc:sldMk cId="3228786143" sldId="287"/>
-            <ac:spMk id="5" creationId="{DC6C32C6-B13F-A10A-166D-317CC144B91C}"/>
-          </ac:spMkLst>
-        </pc:spChg>
-        <pc:grpChg chg="add del">
-          <ac:chgData name="MIGUEL TRIGUEROS MUÑOZ" userId="a4ee0321-97d7-430f-98a8-7ed13ff9a4bf" providerId="ADAL" clId="{5EE606CC-6602-43B9-A5AB-6A63FFE98051}" dt="2023-09-09T10:40:44.498" v="254" actId="26606"/>
-          <ac:grpSpMkLst>
-            <pc:docMk/>
-            <pc:sldMk cId="3228786143" sldId="287"/>
-            <ac:grpSpMk id="12" creationId="{B4DE830A-B531-4A3B-96F6-0ECE88B08555}"/>
-          </ac:grpSpMkLst>
-        </pc:grpChg>
-        <pc:picChg chg="add mod ord">
-          <ac:chgData name="MIGUEL TRIGUEROS MUÑOZ" userId="a4ee0321-97d7-430f-98a8-7ed13ff9a4bf" providerId="ADAL" clId="{5EE606CC-6602-43B9-A5AB-6A63FFE98051}" dt="2023-09-09T10:41:02.874" v="259" actId="1076"/>
-          <ac:picMkLst>
-            <pc:docMk/>
-            <pc:sldMk cId="3228786143" sldId="287"/>
-            <ac:picMk id="7" creationId="{7F1C0BFB-4C4E-4A5D-2A89-E09F4D5E4643}"/>
-          </ac:picMkLst>
-        </pc:picChg>
       </pc:sldChg>
       <pc:sldChg chg="addSp delSp modSp new mod">
         <pc:chgData name="MIGUEL TRIGUEROS MUÑOZ" userId="a4ee0321-97d7-430f-98a8-7ed13ff9a4bf" providerId="ADAL" clId="{5EE606CC-6602-43B9-A5AB-6A63FFE98051}" dt="2023-09-09T10:52:13.727" v="295" actId="14100"/>
@@ -1808,54 +828,6 @@
           <pc:docMk/>
           <pc:sldMk cId="2308303562" sldId="288"/>
         </pc:sldMkLst>
-        <pc:spChg chg="mod">
-          <ac:chgData name="MIGUEL TRIGUEROS MUÑOZ" userId="a4ee0321-97d7-430f-98a8-7ed13ff9a4bf" providerId="ADAL" clId="{5EE606CC-6602-43B9-A5AB-6A63FFE98051}" dt="2023-09-09T10:44:43.384" v="270" actId="20577"/>
-          <ac:spMkLst>
-            <pc:docMk/>
-            <pc:sldMk cId="2308303562" sldId="288"/>
-            <ac:spMk id="2" creationId="{87FC02B2-0FEA-67DC-808E-FD76891B75CE}"/>
-          </ac:spMkLst>
-        </pc:spChg>
-        <pc:spChg chg="del">
-          <ac:chgData name="MIGUEL TRIGUEROS MUÑOZ" userId="a4ee0321-97d7-430f-98a8-7ed13ff9a4bf" providerId="ADAL" clId="{5EE606CC-6602-43B9-A5AB-6A63FFE98051}" dt="2023-09-09T10:45:06.851" v="271"/>
-          <ac:spMkLst>
-            <pc:docMk/>
-            <pc:sldMk cId="2308303562" sldId="288"/>
-            <ac:spMk id="3" creationId="{96D7E5DB-3BD2-F547-B059-0BD11F21E865}"/>
-          </ac:spMkLst>
-        </pc:spChg>
-        <pc:spChg chg="add mod">
-          <ac:chgData name="MIGUEL TRIGUEROS MUÑOZ" userId="a4ee0321-97d7-430f-98a8-7ed13ff9a4bf" providerId="ADAL" clId="{5EE606CC-6602-43B9-A5AB-6A63FFE98051}" dt="2023-09-09T10:50:51.491" v="287" actId="20577"/>
-          <ac:spMkLst>
-            <pc:docMk/>
-            <pc:sldMk cId="2308303562" sldId="288"/>
-            <ac:spMk id="8" creationId="{1E84BDB3-24F8-5DAE-D4BA-32116D23839F}"/>
-          </ac:spMkLst>
-        </pc:spChg>
-        <pc:graphicFrameChg chg="add del mod">
-          <ac:chgData name="MIGUEL TRIGUEROS MUÑOZ" userId="a4ee0321-97d7-430f-98a8-7ed13ff9a4bf" providerId="ADAL" clId="{5EE606CC-6602-43B9-A5AB-6A63FFE98051}" dt="2023-09-09T10:46:57.832" v="277" actId="478"/>
-          <ac:graphicFrameMkLst>
-            <pc:docMk/>
-            <pc:sldMk cId="2308303562" sldId="288"/>
-            <ac:graphicFrameMk id="6" creationId="{968795A8-2A0A-5794-364A-28AF67C485F2}"/>
-          </ac:graphicFrameMkLst>
-        </pc:graphicFrameChg>
-        <pc:graphicFrameChg chg="del mod">
-          <ac:chgData name="MIGUEL TRIGUEROS MUÑOZ" userId="a4ee0321-97d7-430f-98a8-7ed13ff9a4bf" providerId="ADAL" clId="{5EE606CC-6602-43B9-A5AB-6A63FFE98051}" dt="2023-09-09T10:48:27.642" v="284" actId="478"/>
-          <ac:graphicFrameMkLst>
-            <pc:docMk/>
-            <pc:sldMk cId="2308303562" sldId="288"/>
-            <ac:graphicFrameMk id="9" creationId="{4C8F4D14-E5F9-1D0F-6B81-6A9359FEAE40}"/>
-          </ac:graphicFrameMkLst>
-        </pc:graphicFrameChg>
-        <pc:picChg chg="add mod">
-          <ac:chgData name="MIGUEL TRIGUEROS MUÑOZ" userId="a4ee0321-97d7-430f-98a8-7ed13ff9a4bf" providerId="ADAL" clId="{5EE606CC-6602-43B9-A5AB-6A63FFE98051}" dt="2023-09-09T10:52:13.727" v="295" actId="14100"/>
-          <ac:picMkLst>
-            <pc:docMk/>
-            <pc:sldMk cId="2308303562" sldId="288"/>
-            <ac:picMk id="11" creationId="{F5FDB15E-3A42-D5BD-8556-B37B2CD993F6}"/>
-          </ac:picMkLst>
-        </pc:picChg>
       </pc:sldChg>
       <pc:sldChg chg="addSp modSp new mod">
         <pc:chgData name="MIGUEL TRIGUEROS MUÑOZ" userId="a4ee0321-97d7-430f-98a8-7ed13ff9a4bf" providerId="ADAL" clId="{5EE606CC-6602-43B9-A5AB-6A63FFE98051}" dt="2023-09-09T10:57:08.620" v="351"/>
@@ -1863,30 +835,6 @@
           <pc:docMk/>
           <pc:sldMk cId="941686109" sldId="289"/>
         </pc:sldMkLst>
-        <pc:spChg chg="mod">
-          <ac:chgData name="MIGUEL TRIGUEROS MUÑOZ" userId="a4ee0321-97d7-430f-98a8-7ed13ff9a4bf" providerId="ADAL" clId="{5EE606CC-6602-43B9-A5AB-6A63FFE98051}" dt="2023-09-09T10:54:21.890" v="346" actId="20577"/>
-          <ac:spMkLst>
-            <pc:docMk/>
-            <pc:sldMk cId="941686109" sldId="289"/>
-            <ac:spMk id="2" creationId="{F4886B37-24FA-B6E3-2E41-4B0F53DEDF91}"/>
-          </ac:spMkLst>
-        </pc:spChg>
-        <pc:spChg chg="mod">
-          <ac:chgData name="MIGUEL TRIGUEROS MUÑOZ" userId="a4ee0321-97d7-430f-98a8-7ed13ff9a4bf" providerId="ADAL" clId="{5EE606CC-6602-43B9-A5AB-6A63FFE98051}" dt="2023-09-09T10:56:36.346" v="349" actId="20577"/>
-          <ac:spMkLst>
-            <pc:docMk/>
-            <pc:sldMk cId="941686109" sldId="289"/>
-            <ac:spMk id="3" creationId="{D8584C65-2266-F01C-200A-E5B91AF349CB}"/>
-          </ac:spMkLst>
-        </pc:spChg>
-        <pc:picChg chg="add mod">
-          <ac:chgData name="MIGUEL TRIGUEROS MUÑOZ" userId="a4ee0321-97d7-430f-98a8-7ed13ff9a4bf" providerId="ADAL" clId="{5EE606CC-6602-43B9-A5AB-6A63FFE98051}" dt="2023-09-09T10:57:08.620" v="351"/>
-          <ac:picMkLst>
-            <pc:docMk/>
-            <pc:sldMk cId="941686109" sldId="289"/>
-            <ac:picMk id="6" creationId="{5B66C61E-E8C3-1D4E-4F73-8301A6704F71}"/>
-          </ac:picMkLst>
-        </pc:picChg>
       </pc:sldChg>
       <pc:sldChg chg="addSp delSp modSp new del mod">
         <pc:chgData name="MIGUEL TRIGUEROS MUÑOZ" userId="a4ee0321-97d7-430f-98a8-7ed13ff9a4bf" providerId="ADAL" clId="{5EE606CC-6602-43B9-A5AB-6A63FFE98051}" dt="2023-09-12T10:58:48.283" v="1154" actId="2696"/>
@@ -1894,30 +842,6 @@
           <pc:docMk/>
           <pc:sldMk cId="1005199540" sldId="290"/>
         </pc:sldMkLst>
-        <pc:spChg chg="mod">
-          <ac:chgData name="MIGUEL TRIGUEROS MUÑOZ" userId="a4ee0321-97d7-430f-98a8-7ed13ff9a4bf" providerId="ADAL" clId="{5EE606CC-6602-43B9-A5AB-6A63FFE98051}" dt="2023-09-09T10:58:04.778" v="379" actId="20577"/>
-          <ac:spMkLst>
-            <pc:docMk/>
-            <pc:sldMk cId="1005199540" sldId="290"/>
-            <ac:spMk id="2" creationId="{375AD13B-88DF-D515-C9EC-CA5AACAB3DDF}"/>
-          </ac:spMkLst>
-        </pc:spChg>
-        <pc:spChg chg="del">
-          <ac:chgData name="MIGUEL TRIGUEROS MUÑOZ" userId="a4ee0321-97d7-430f-98a8-7ed13ff9a4bf" providerId="ADAL" clId="{5EE606CC-6602-43B9-A5AB-6A63FFE98051}" dt="2023-09-09T10:58:06.916" v="380"/>
-          <ac:spMkLst>
-            <pc:docMk/>
-            <pc:sldMk cId="1005199540" sldId="290"/>
-            <ac:spMk id="3" creationId="{E080F7CF-9FD6-2EF0-E53E-7F4166E1C5E0}"/>
-          </ac:spMkLst>
-        </pc:spChg>
-        <pc:picChg chg="add mod">
-          <ac:chgData name="MIGUEL TRIGUEROS MUÑOZ" userId="a4ee0321-97d7-430f-98a8-7ed13ff9a4bf" providerId="ADAL" clId="{5EE606CC-6602-43B9-A5AB-6A63FFE98051}" dt="2023-09-09T10:58:13.625" v="384" actId="1076"/>
-          <ac:picMkLst>
-            <pc:docMk/>
-            <pc:sldMk cId="1005199540" sldId="290"/>
-            <ac:picMk id="6" creationId="{CD53B881-968F-79FA-6A89-C9F31F56A351}"/>
-          </ac:picMkLst>
-        </pc:picChg>
       </pc:sldChg>
       <pc:sldChg chg="addSp delSp modSp new mod">
         <pc:chgData name="MIGUEL TRIGUEROS MUÑOZ" userId="a4ee0321-97d7-430f-98a8-7ed13ff9a4bf" providerId="ADAL" clId="{5EE606CC-6602-43B9-A5AB-6A63FFE98051}" dt="2023-09-12T11:19:43.983" v="1286" actId="20577"/>
@@ -1925,62 +849,6 @@
           <pc:docMk/>
           <pc:sldMk cId="2855820299" sldId="291"/>
         </pc:sldMkLst>
-        <pc:spChg chg="mod">
-          <ac:chgData name="MIGUEL TRIGUEROS MUÑOZ" userId="a4ee0321-97d7-430f-98a8-7ed13ff9a4bf" providerId="ADAL" clId="{5EE606CC-6602-43B9-A5AB-6A63FFE98051}" dt="2023-09-09T11:23:03.128" v="534" actId="14100"/>
-          <ac:spMkLst>
-            <pc:docMk/>
-            <pc:sldMk cId="2855820299" sldId="291"/>
-            <ac:spMk id="2" creationId="{7419A668-FA3E-6FEB-D010-D606DEACA710}"/>
-          </ac:spMkLst>
-        </pc:spChg>
-        <pc:spChg chg="del">
-          <ac:chgData name="MIGUEL TRIGUEROS MUÑOZ" userId="a4ee0321-97d7-430f-98a8-7ed13ff9a4bf" providerId="ADAL" clId="{5EE606CC-6602-43B9-A5AB-6A63FFE98051}" dt="2023-09-09T11:02:54.032" v="417" actId="22"/>
-          <ac:spMkLst>
-            <pc:docMk/>
-            <pc:sldMk cId="2855820299" sldId="291"/>
-            <ac:spMk id="3" creationId="{A3037ED8-D057-EF2C-4A47-E331D9CB4D5E}"/>
-          </ac:spMkLst>
-        </pc:spChg>
-        <pc:spChg chg="add del mod">
-          <ac:chgData name="MIGUEL TRIGUEROS MUÑOZ" userId="a4ee0321-97d7-430f-98a8-7ed13ff9a4bf" providerId="ADAL" clId="{5EE606CC-6602-43B9-A5AB-6A63FFE98051}" dt="2023-09-12T10:49:43.275" v="629"/>
-          <ac:spMkLst>
-            <pc:docMk/>
-            <pc:sldMk cId="2855820299" sldId="291"/>
-            <ac:spMk id="9" creationId="{3C4397EB-6870-DF8B-7990-38AC446AEC2E}"/>
-          </ac:spMkLst>
-        </pc:spChg>
-        <pc:spChg chg="add del mod">
-          <ac:chgData name="MIGUEL TRIGUEROS MUÑOZ" userId="a4ee0321-97d7-430f-98a8-7ed13ff9a4bf" providerId="ADAL" clId="{5EE606CC-6602-43B9-A5AB-6A63FFE98051}" dt="2023-09-12T11:19:43.983" v="1286" actId="20577"/>
-          <ac:spMkLst>
-            <pc:docMk/>
-            <pc:sldMk cId="2855820299" sldId="291"/>
-            <ac:spMk id="12" creationId="{F62BE054-AFA4-E0C3-D337-5831DC6586D6}"/>
-          </ac:spMkLst>
-        </pc:spChg>
-        <pc:graphicFrameChg chg="add del mod">
-          <ac:chgData name="MIGUEL TRIGUEROS MUÑOZ" userId="a4ee0321-97d7-430f-98a8-7ed13ff9a4bf" providerId="ADAL" clId="{5EE606CC-6602-43B9-A5AB-6A63FFE98051}" dt="2023-09-12T10:49:43.046" v="628"/>
-          <ac:graphicFrameMkLst>
-            <pc:docMk/>
-            <pc:sldMk cId="2855820299" sldId="291"/>
-            <ac:graphicFrameMk id="10" creationId="{BAC47DD0-CF0C-E1B7-EF6E-84F77855F719}"/>
-          </ac:graphicFrameMkLst>
-        </pc:graphicFrameChg>
-        <pc:graphicFrameChg chg="add mod modGraphic">
-          <ac:chgData name="MIGUEL TRIGUEROS MUÑOZ" userId="a4ee0321-97d7-430f-98a8-7ed13ff9a4bf" providerId="ADAL" clId="{5EE606CC-6602-43B9-A5AB-6A63FFE98051}" dt="2023-09-12T10:50:52.066" v="638" actId="1076"/>
-          <ac:graphicFrameMkLst>
-            <pc:docMk/>
-            <pc:sldMk cId="2855820299" sldId="291"/>
-            <ac:graphicFrameMk id="11" creationId="{6657B4B4-0A17-2143-055A-1048C72EB6C4}"/>
-          </ac:graphicFrameMkLst>
-        </pc:graphicFrameChg>
-        <pc:picChg chg="add del mod ord">
-          <ac:chgData name="MIGUEL TRIGUEROS MUÑOZ" userId="a4ee0321-97d7-430f-98a8-7ed13ff9a4bf" providerId="ADAL" clId="{5EE606CC-6602-43B9-A5AB-6A63FFE98051}" dt="2023-09-12T10:48:27.240" v="624" actId="478"/>
-          <ac:picMkLst>
-            <pc:docMk/>
-            <pc:sldMk cId="2855820299" sldId="291"/>
-            <ac:picMk id="7" creationId="{393AC714-0A2D-E08C-FA00-EE2EC935ACE3}"/>
-          </ac:picMkLst>
-        </pc:picChg>
       </pc:sldChg>
       <pc:sldChg chg="addSp modSp new mod">
         <pc:chgData name="MIGUEL TRIGUEROS MUÑOZ" userId="a4ee0321-97d7-430f-98a8-7ed13ff9a4bf" providerId="ADAL" clId="{5EE606CC-6602-43B9-A5AB-6A63FFE98051}" dt="2023-09-12T11:08:06.887" v="1176" actId="1038"/>
@@ -1988,46 +856,6 @@
           <pc:docMk/>
           <pc:sldMk cId="1540503682" sldId="292"/>
         </pc:sldMkLst>
-        <pc:spChg chg="mod">
-          <ac:chgData name="MIGUEL TRIGUEROS MUÑOZ" userId="a4ee0321-97d7-430f-98a8-7ed13ff9a4bf" providerId="ADAL" clId="{5EE606CC-6602-43B9-A5AB-6A63FFE98051}" dt="2023-09-09T11:06:02.478" v="441" actId="20577"/>
-          <ac:spMkLst>
-            <pc:docMk/>
-            <pc:sldMk cId="1540503682" sldId="292"/>
-            <ac:spMk id="2" creationId="{67AAD095-0A4D-20E0-BCD5-E80EBE23748F}"/>
-          </ac:spMkLst>
-        </pc:spChg>
-        <pc:spChg chg="mod">
-          <ac:chgData name="MIGUEL TRIGUEROS MUÑOZ" userId="a4ee0321-97d7-430f-98a8-7ed13ff9a4bf" providerId="ADAL" clId="{5EE606CC-6602-43B9-A5AB-6A63FFE98051}" dt="2023-09-12T11:05:55.680" v="1169" actId="1076"/>
-          <ac:spMkLst>
-            <pc:docMk/>
-            <pc:sldMk cId="1540503682" sldId="292"/>
-            <ac:spMk id="4" creationId="{2EBF2F31-B677-7D20-D4BE-5E809F814CE4}"/>
-          </ac:spMkLst>
-        </pc:spChg>
-        <pc:spChg chg="add mod ord">
-          <ac:chgData name="MIGUEL TRIGUEROS MUÑOZ" userId="a4ee0321-97d7-430f-98a8-7ed13ff9a4bf" providerId="ADAL" clId="{5EE606CC-6602-43B9-A5AB-6A63FFE98051}" dt="2023-09-12T11:08:06.887" v="1176" actId="1038"/>
-          <ac:spMkLst>
-            <pc:docMk/>
-            <pc:sldMk cId="1540503682" sldId="292"/>
-            <ac:spMk id="9" creationId="{C7B729D4-B142-E5C2-9A60-716C18F8996A}"/>
-          </ac:spMkLst>
-        </pc:spChg>
-        <pc:picChg chg="add mod modCrop">
-          <ac:chgData name="MIGUEL TRIGUEROS MUÑOZ" userId="a4ee0321-97d7-430f-98a8-7ed13ff9a4bf" providerId="ADAL" clId="{5EE606CC-6602-43B9-A5AB-6A63FFE98051}" dt="2023-09-12T11:05:26.524" v="1166" actId="1076"/>
-          <ac:picMkLst>
-            <pc:docMk/>
-            <pc:sldMk cId="1540503682" sldId="292"/>
-            <ac:picMk id="6" creationId="{9EFEDA1D-D8B3-6D91-F5AD-F80843F99792}"/>
-          </ac:picMkLst>
-        </pc:picChg>
-        <pc:picChg chg="add mod modCrop">
-          <ac:chgData name="MIGUEL TRIGUEROS MUÑOZ" userId="a4ee0321-97d7-430f-98a8-7ed13ff9a4bf" providerId="ADAL" clId="{5EE606CC-6602-43B9-A5AB-6A63FFE98051}" dt="2023-09-12T11:07:07.708" v="1170" actId="208"/>
-          <ac:picMkLst>
-            <pc:docMk/>
-            <pc:sldMk cId="1540503682" sldId="292"/>
-            <ac:picMk id="8" creationId="{CAB50FA6-987B-D0BC-1018-7A34933A48AF}"/>
-          </ac:picMkLst>
-        </pc:picChg>
       </pc:sldChg>
       <pc:sldChg chg="addSp delSp modSp new mod">
         <pc:chgData name="MIGUEL TRIGUEROS MUÑOZ" userId="a4ee0321-97d7-430f-98a8-7ed13ff9a4bf" providerId="ADAL" clId="{5EE606CC-6602-43B9-A5AB-6A63FFE98051}" dt="2023-09-12T11:09:37.357" v="1185" actId="14100"/>
@@ -2035,38 +863,6 @@
           <pc:docMk/>
           <pc:sldMk cId="1546270621" sldId="293"/>
         </pc:sldMkLst>
-        <pc:spChg chg="mod">
-          <ac:chgData name="MIGUEL TRIGUEROS MUÑOZ" userId="a4ee0321-97d7-430f-98a8-7ed13ff9a4bf" providerId="ADAL" clId="{5EE606CC-6602-43B9-A5AB-6A63FFE98051}" dt="2023-09-09T11:07:01.831" v="467" actId="20577"/>
-          <ac:spMkLst>
-            <pc:docMk/>
-            <pc:sldMk cId="1546270621" sldId="293"/>
-            <ac:spMk id="2" creationId="{8091409C-B562-4DB7-668D-2DA9D7F890C6}"/>
-          </ac:spMkLst>
-        </pc:spChg>
-        <pc:spChg chg="del">
-          <ac:chgData name="MIGUEL TRIGUEROS MUÑOZ" userId="a4ee0321-97d7-430f-98a8-7ed13ff9a4bf" providerId="ADAL" clId="{5EE606CC-6602-43B9-A5AB-6A63FFE98051}" dt="2023-09-09T11:07:14.408" v="470"/>
-          <ac:spMkLst>
-            <pc:docMk/>
-            <pc:sldMk cId="1546270621" sldId="293"/>
-            <ac:spMk id="3" creationId="{368A60A9-96F5-8D5F-DC0F-D484105861AE}"/>
-          </ac:spMkLst>
-        </pc:spChg>
-        <pc:picChg chg="add mod modCrop">
-          <ac:chgData name="MIGUEL TRIGUEROS MUÑOZ" userId="a4ee0321-97d7-430f-98a8-7ed13ff9a4bf" providerId="ADAL" clId="{5EE606CC-6602-43B9-A5AB-6A63FFE98051}" dt="2023-09-12T11:08:57.248" v="1178" actId="1076"/>
-          <ac:picMkLst>
-            <pc:docMk/>
-            <pc:sldMk cId="1546270621" sldId="293"/>
-            <ac:picMk id="6" creationId="{10D1FB7D-06F2-63CB-A868-4AF1A045BEE9}"/>
-          </ac:picMkLst>
-        </pc:picChg>
-        <pc:picChg chg="add mod">
-          <ac:chgData name="MIGUEL TRIGUEROS MUÑOZ" userId="a4ee0321-97d7-430f-98a8-7ed13ff9a4bf" providerId="ADAL" clId="{5EE606CC-6602-43B9-A5AB-6A63FFE98051}" dt="2023-09-12T11:09:37.357" v="1185" actId="14100"/>
-          <ac:picMkLst>
-            <pc:docMk/>
-            <pc:sldMk cId="1546270621" sldId="293"/>
-            <ac:picMk id="7" creationId="{B8A77A59-728A-6CFF-58E3-4585659F0104}"/>
-          </ac:picMkLst>
-        </pc:picChg>
       </pc:sldChg>
       <pc:sldChg chg="addSp delSp modSp add del mod">
         <pc:chgData name="MIGUEL TRIGUEROS MUÑOZ" userId="a4ee0321-97d7-430f-98a8-7ed13ff9a4bf" providerId="ADAL" clId="{5EE606CC-6602-43B9-A5AB-6A63FFE98051}" dt="2023-09-12T11:09:42.546" v="1186" actId="47"/>
@@ -2074,38 +870,6 @@
           <pc:docMk/>
           <pc:sldMk cId="2591886290" sldId="294"/>
         </pc:sldMkLst>
-        <pc:picChg chg="add del mod">
-          <ac:chgData name="MIGUEL TRIGUEROS MUÑOZ" userId="a4ee0321-97d7-430f-98a8-7ed13ff9a4bf" providerId="ADAL" clId="{5EE606CC-6602-43B9-A5AB-6A63FFE98051}" dt="2023-09-12T11:09:26.810" v="1182" actId="21"/>
-          <ac:picMkLst>
-            <pc:docMk/>
-            <pc:sldMk cId="2591886290" sldId="294"/>
-            <ac:picMk id="6" creationId="{3EEBA402-2EB2-6FD8-5D80-BBBBEB4BE8FC}"/>
-          </ac:picMkLst>
-        </pc:picChg>
-        <pc:picChg chg="add del mod">
-          <ac:chgData name="MIGUEL TRIGUEROS MUÑOZ" userId="a4ee0321-97d7-430f-98a8-7ed13ff9a4bf" providerId="ADAL" clId="{5EE606CC-6602-43B9-A5AB-6A63FFE98051}" dt="2023-09-12T11:09:07.897" v="1179" actId="478"/>
-          <ac:picMkLst>
-            <pc:docMk/>
-            <pc:sldMk cId="2591886290" sldId="294"/>
-            <ac:picMk id="7" creationId="{65E26582-C030-FF1A-5BCE-A6C1EE166F34}"/>
-          </ac:picMkLst>
-        </pc:picChg>
-        <pc:picChg chg="add del mod">
-          <ac:chgData name="MIGUEL TRIGUEROS MUÑOZ" userId="a4ee0321-97d7-430f-98a8-7ed13ff9a4bf" providerId="ADAL" clId="{5EE606CC-6602-43B9-A5AB-6A63FFE98051}" dt="2023-09-12T11:09:13.431" v="1180" actId="478"/>
-          <ac:picMkLst>
-            <pc:docMk/>
-            <pc:sldMk cId="2591886290" sldId="294"/>
-            <ac:picMk id="8" creationId="{9C6275B8-7C3A-8FBA-D459-D6360649C3A0}"/>
-          </ac:picMkLst>
-        </pc:picChg>
-        <pc:picChg chg="add del mod modCrop">
-          <ac:chgData name="MIGUEL TRIGUEROS MUÑOZ" userId="a4ee0321-97d7-430f-98a8-7ed13ff9a4bf" providerId="ADAL" clId="{5EE606CC-6602-43B9-A5AB-6A63FFE98051}" dt="2023-09-12T11:09:19.587" v="1181" actId="478"/>
-          <ac:picMkLst>
-            <pc:docMk/>
-            <pc:sldMk cId="2591886290" sldId="294"/>
-            <ac:picMk id="9" creationId="{40F412C1-7540-643A-A6AF-B0D633981989}"/>
-          </ac:picMkLst>
-        </pc:picChg>
       </pc:sldChg>
       <pc:sldChg chg="addSp delSp modSp add mod">
         <pc:chgData name="MIGUEL TRIGUEROS MUÑOZ" userId="a4ee0321-97d7-430f-98a8-7ed13ff9a4bf" providerId="ADAL" clId="{5EE606CC-6602-43B9-A5AB-6A63FFE98051}" dt="2023-09-09T11:24:14.209" v="576" actId="14100"/>
@@ -2113,30 +877,6 @@
           <pc:docMk/>
           <pc:sldMk cId="3907902554" sldId="295"/>
         </pc:sldMkLst>
-        <pc:spChg chg="mod">
-          <ac:chgData name="MIGUEL TRIGUEROS MUÑOZ" userId="a4ee0321-97d7-430f-98a8-7ed13ff9a4bf" providerId="ADAL" clId="{5EE606CC-6602-43B9-A5AB-6A63FFE98051}" dt="2023-09-09T11:23:32.659" v="573" actId="20577"/>
-          <ac:spMkLst>
-            <pc:docMk/>
-            <pc:sldMk cId="3907902554" sldId="295"/>
-            <ac:spMk id="2" creationId="{8091409C-B562-4DB7-668D-2DA9D7F890C6}"/>
-          </ac:spMkLst>
-        </pc:spChg>
-        <pc:spChg chg="del">
-          <ac:chgData name="MIGUEL TRIGUEROS MUÑOZ" userId="a4ee0321-97d7-430f-98a8-7ed13ff9a4bf" providerId="ADAL" clId="{5EE606CC-6602-43B9-A5AB-6A63FFE98051}" dt="2023-09-09T11:24:09.811" v="574" actId="22"/>
-          <ac:spMkLst>
-            <pc:docMk/>
-            <pc:sldMk cId="3907902554" sldId="295"/>
-            <ac:spMk id="3" creationId="{368A60A9-96F5-8D5F-DC0F-D484105861AE}"/>
-          </ac:spMkLst>
-        </pc:spChg>
-        <pc:picChg chg="add mod ord">
-          <ac:chgData name="MIGUEL TRIGUEROS MUÑOZ" userId="a4ee0321-97d7-430f-98a8-7ed13ff9a4bf" providerId="ADAL" clId="{5EE606CC-6602-43B9-A5AB-6A63FFE98051}" dt="2023-09-09T11:24:14.209" v="576" actId="14100"/>
-          <ac:picMkLst>
-            <pc:docMk/>
-            <pc:sldMk cId="3907902554" sldId="295"/>
-            <ac:picMk id="7" creationId="{BFE80768-AAC1-B5CF-F6DF-8F1E82275535}"/>
-          </ac:picMkLst>
-        </pc:picChg>
       </pc:sldChg>
       <pc:sldChg chg="add del">
         <pc:chgData name="MIGUEL TRIGUEROS MUÑOZ" userId="a4ee0321-97d7-430f-98a8-7ed13ff9a4bf" providerId="ADAL" clId="{5EE606CC-6602-43B9-A5AB-6A63FFE98051}" dt="2023-09-09T11:29:01.454" v="623" actId="47"/>
@@ -2165,38 +905,6 @@
           <pc:docMk/>
           <pc:sldMk cId="3159862926" sldId="299"/>
         </pc:sldMkLst>
-        <pc:spChg chg="mod">
-          <ac:chgData name="MIGUEL TRIGUEROS MUÑOZ" userId="a4ee0321-97d7-430f-98a8-7ed13ff9a4bf" providerId="ADAL" clId="{5EE606CC-6602-43B9-A5AB-6A63FFE98051}" dt="2023-09-09T11:28:14.394" v="619" actId="313"/>
-          <ac:spMkLst>
-            <pc:docMk/>
-            <pc:sldMk cId="3159862926" sldId="299"/>
-            <ac:spMk id="2" creationId="{8091409C-B562-4DB7-668D-2DA9D7F890C6}"/>
-          </ac:spMkLst>
-        </pc:spChg>
-        <pc:spChg chg="add mod">
-          <ac:chgData name="MIGUEL TRIGUEROS MUÑOZ" userId="a4ee0321-97d7-430f-98a8-7ed13ff9a4bf" providerId="ADAL" clId="{5EE606CC-6602-43B9-A5AB-6A63FFE98051}" dt="2023-09-09T11:28:02.834" v="614" actId="478"/>
-          <ac:spMkLst>
-            <pc:docMk/>
-            <pc:sldMk cId="3159862926" sldId="299"/>
-            <ac:spMk id="6" creationId="{D387D461-D88B-31F5-6B4C-DD5904E1E33E}"/>
-          </ac:spMkLst>
-        </pc:spChg>
-        <pc:picChg chg="del">
-          <ac:chgData name="MIGUEL TRIGUEROS MUÑOZ" userId="a4ee0321-97d7-430f-98a8-7ed13ff9a4bf" providerId="ADAL" clId="{5EE606CC-6602-43B9-A5AB-6A63FFE98051}" dt="2023-09-09T11:28:02.834" v="614" actId="478"/>
-          <ac:picMkLst>
-            <pc:docMk/>
-            <pc:sldMk cId="3159862926" sldId="299"/>
-            <ac:picMk id="7" creationId="{BFE80768-AAC1-B5CF-F6DF-8F1E82275535}"/>
-          </ac:picMkLst>
-        </pc:picChg>
-        <pc:picChg chg="add mod">
-          <ac:chgData name="MIGUEL TRIGUEROS MUÑOZ" userId="a4ee0321-97d7-430f-98a8-7ed13ff9a4bf" providerId="ADAL" clId="{5EE606CC-6602-43B9-A5AB-6A63FFE98051}" dt="2023-09-12T11:21:24.448" v="1300" actId="1038"/>
-          <ac:picMkLst>
-            <pc:docMk/>
-            <pc:sldMk cId="3159862926" sldId="299"/>
-            <ac:picMk id="9" creationId="{F5C8BAC5-A27D-9192-6B25-DEFF799D58F0}"/>
-          </ac:picMkLst>
-        </pc:picChg>
       </pc:sldChg>
       <pc:sldChg chg="delSp modSp add del mod">
         <pc:chgData name="MIGUEL TRIGUEROS MUÑOZ" userId="a4ee0321-97d7-430f-98a8-7ed13ff9a4bf" providerId="ADAL" clId="{5EE606CC-6602-43B9-A5AB-6A63FFE98051}" dt="2023-09-09T11:13:55.582" v="514" actId="47"/>
@@ -2204,14 +912,6 @@
           <pc:docMk/>
           <pc:sldMk cId="3348584058" sldId="299"/>
         </pc:sldMkLst>
-        <pc:picChg chg="del mod modCrop">
-          <ac:chgData name="MIGUEL TRIGUEROS MUÑOZ" userId="a4ee0321-97d7-430f-98a8-7ed13ff9a4bf" providerId="ADAL" clId="{5EE606CC-6602-43B9-A5AB-6A63FFE98051}" dt="2023-09-09T11:09:06.793" v="483" actId="21"/>
-          <ac:picMkLst>
-            <pc:docMk/>
-            <pc:sldMk cId="3348584058" sldId="299"/>
-            <ac:picMk id="9218" creationId="{00000000-0000-0000-0000-000000000000}"/>
-          </ac:picMkLst>
-        </pc:picChg>
       </pc:sldChg>
       <pc:sldChg chg="modSp add mod">
         <pc:chgData name="MIGUEL TRIGUEROS MUÑOZ" userId="a4ee0321-97d7-430f-98a8-7ed13ff9a4bf" providerId="ADAL" clId="{5EE606CC-6602-43B9-A5AB-6A63FFE98051}" dt="2023-09-12T11:19:59.358" v="1288" actId="207"/>
@@ -2219,22 +919,6 @@
           <pc:docMk/>
           <pc:sldMk cId="412294843" sldId="300"/>
         </pc:sldMkLst>
-        <pc:spChg chg="mod">
-          <ac:chgData name="MIGUEL TRIGUEROS MUÑOZ" userId="a4ee0321-97d7-430f-98a8-7ed13ff9a4bf" providerId="ADAL" clId="{5EE606CC-6602-43B9-A5AB-6A63FFE98051}" dt="2023-09-12T11:19:59.358" v="1288" actId="207"/>
-          <ac:spMkLst>
-            <pc:docMk/>
-            <pc:sldMk cId="412294843" sldId="300"/>
-            <ac:spMk id="12" creationId="{F62BE054-AFA4-E0C3-D337-5831DC6586D6}"/>
-          </ac:spMkLst>
-        </pc:spChg>
-        <pc:graphicFrameChg chg="mod modGraphic">
-          <ac:chgData name="MIGUEL TRIGUEROS MUÑOZ" userId="a4ee0321-97d7-430f-98a8-7ed13ff9a4bf" providerId="ADAL" clId="{5EE606CC-6602-43B9-A5AB-6A63FFE98051}" dt="2023-09-12T10:51:49.923" v="656" actId="1076"/>
-          <ac:graphicFrameMkLst>
-            <pc:docMk/>
-            <pc:sldMk cId="412294843" sldId="300"/>
-            <ac:graphicFrameMk id="11" creationId="{6657B4B4-0A17-2143-055A-1048C72EB6C4}"/>
-          </ac:graphicFrameMkLst>
-        </pc:graphicFrameChg>
       </pc:sldChg>
       <pc:sldChg chg="modSp add mod">
         <pc:chgData name="MIGUEL TRIGUEROS MUÑOZ" userId="a4ee0321-97d7-430f-98a8-7ed13ff9a4bf" providerId="ADAL" clId="{5EE606CC-6602-43B9-A5AB-6A63FFE98051}" dt="2023-09-12T11:20:37.230" v="1297" actId="20577"/>
@@ -2242,14 +926,6 @@
           <pc:docMk/>
           <pc:sldMk cId="3375748173" sldId="301"/>
         </pc:sldMkLst>
-        <pc:spChg chg="mod">
-          <ac:chgData name="MIGUEL TRIGUEROS MUÑOZ" userId="a4ee0321-97d7-430f-98a8-7ed13ff9a4bf" providerId="ADAL" clId="{5EE606CC-6602-43B9-A5AB-6A63FFE98051}" dt="2023-09-12T11:20:37.230" v="1297" actId="20577"/>
-          <ac:spMkLst>
-            <pc:docMk/>
-            <pc:sldMk cId="3375748173" sldId="301"/>
-            <ac:spMk id="12" creationId="{F62BE054-AFA4-E0C3-D337-5831DC6586D6}"/>
-          </ac:spMkLst>
-        </pc:spChg>
       </pc:sldChg>
       <pc:sldChg chg="addSp delSp modSp add mod setBg addAnim modAnim setClrOvrMap">
         <pc:chgData name="MIGUEL TRIGUEROS MUÑOZ" userId="a4ee0321-97d7-430f-98a8-7ed13ff9a4bf" providerId="ADAL" clId="{5EE606CC-6602-43B9-A5AB-6A63FFE98051}" dt="2023-09-12T11:18:58.284" v="1285" actId="1076"/>
@@ -2257,206 +933,6 @@
           <pc:docMk/>
           <pc:sldMk cId="628924924" sldId="302"/>
         </pc:sldMkLst>
-        <pc:spChg chg="mod ord">
-          <ac:chgData name="MIGUEL TRIGUEROS MUÑOZ" userId="a4ee0321-97d7-430f-98a8-7ed13ff9a4bf" providerId="ADAL" clId="{5EE606CC-6602-43B9-A5AB-6A63FFE98051}" dt="2023-09-12T11:18:55.764" v="1284" actId="1076"/>
-          <ac:spMkLst>
-            <pc:docMk/>
-            <pc:sldMk cId="628924924" sldId="302"/>
-            <ac:spMk id="2" creationId="{F4886B37-24FA-B6E3-2E41-4B0F53DEDF91}"/>
-          </ac:spMkLst>
-        </pc:spChg>
-        <pc:spChg chg="del mod">
-          <ac:chgData name="MIGUEL TRIGUEROS MUÑOZ" userId="a4ee0321-97d7-430f-98a8-7ed13ff9a4bf" providerId="ADAL" clId="{5EE606CC-6602-43B9-A5AB-6A63FFE98051}" dt="2023-09-12T11:14:47.461" v="1190" actId="478"/>
-          <ac:spMkLst>
-            <pc:docMk/>
-            <pc:sldMk cId="628924924" sldId="302"/>
-            <ac:spMk id="3" creationId="{D8584C65-2266-F01C-200A-E5B91AF349CB}"/>
-          </ac:spMkLst>
-        </pc:spChg>
-        <pc:spChg chg="mod ord">
-          <ac:chgData name="MIGUEL TRIGUEROS MUÑOZ" userId="a4ee0321-97d7-430f-98a8-7ed13ff9a4bf" providerId="ADAL" clId="{5EE606CC-6602-43B9-A5AB-6A63FFE98051}" dt="2023-09-12T11:17:46.676" v="1276" actId="26606"/>
-          <ac:spMkLst>
-            <pc:docMk/>
-            <pc:sldMk cId="628924924" sldId="302"/>
-            <ac:spMk id="4" creationId="{570D630C-1137-E5A1-753E-F3D2840D2CFA}"/>
-          </ac:spMkLst>
-        </pc:spChg>
-        <pc:spChg chg="mod ord">
-          <ac:chgData name="MIGUEL TRIGUEROS MUÑOZ" userId="a4ee0321-97d7-430f-98a8-7ed13ff9a4bf" providerId="ADAL" clId="{5EE606CC-6602-43B9-A5AB-6A63FFE98051}" dt="2023-09-12T11:17:46.676" v="1276" actId="26606"/>
-          <ac:spMkLst>
-            <pc:docMk/>
-            <pc:sldMk cId="628924924" sldId="302"/>
-            <ac:spMk id="5" creationId="{99174800-6747-B798-4F9F-FD3D94833290}"/>
-          </ac:spMkLst>
-        </pc:spChg>
-        <pc:spChg chg="add del mod">
-          <ac:chgData name="MIGUEL TRIGUEROS MUÑOZ" userId="a4ee0321-97d7-430f-98a8-7ed13ff9a4bf" providerId="ADAL" clId="{5EE606CC-6602-43B9-A5AB-6A63FFE98051}" dt="2023-09-12T11:15:40.984" v="1227" actId="478"/>
-          <ac:spMkLst>
-            <pc:docMk/>
-            <pc:sldMk cId="628924924" sldId="302"/>
-            <ac:spMk id="8" creationId="{7D1C95A4-C079-3078-DD94-57EC23A4D987}"/>
-          </ac:spMkLst>
-        </pc:spChg>
-        <pc:spChg chg="add mod">
-          <ac:chgData name="MIGUEL TRIGUEROS MUÑOZ" userId="a4ee0321-97d7-430f-98a8-7ed13ff9a4bf" providerId="ADAL" clId="{5EE606CC-6602-43B9-A5AB-6A63FFE98051}" dt="2023-09-12T11:18:58.284" v="1285" actId="1076"/>
-          <ac:spMkLst>
-            <pc:docMk/>
-            <pc:sldMk cId="628924924" sldId="302"/>
-            <ac:spMk id="9" creationId="{6B7E19FD-8547-41BB-B671-B0720815D42B}"/>
-          </ac:spMkLst>
-        </pc:spChg>
-        <pc:spChg chg="add del">
-          <ac:chgData name="MIGUEL TRIGUEROS MUÑOZ" userId="a4ee0321-97d7-430f-98a8-7ed13ff9a4bf" providerId="ADAL" clId="{5EE606CC-6602-43B9-A5AB-6A63FFE98051}" dt="2023-09-12T11:16:30.105" v="1265" actId="26606"/>
-          <ac:spMkLst>
-            <pc:docMk/>
-            <pc:sldMk cId="628924924" sldId="302"/>
-            <ac:spMk id="22" creationId="{27577DEC-D9A5-404D-9789-702F4319BEC8}"/>
-          </ac:spMkLst>
-        </pc:spChg>
-        <pc:spChg chg="add del">
-          <ac:chgData name="MIGUEL TRIGUEROS MUÑOZ" userId="a4ee0321-97d7-430f-98a8-7ed13ff9a4bf" providerId="ADAL" clId="{5EE606CC-6602-43B9-A5AB-6A63FFE98051}" dt="2023-09-12T11:17:02.608" v="1268" actId="26606"/>
-          <ac:spMkLst>
-            <pc:docMk/>
-            <pc:sldMk cId="628924924" sldId="302"/>
-            <ac:spMk id="38" creationId="{A65AC7D1-EAA9-48F5-B509-60A7F50BF703}"/>
-          </ac:spMkLst>
-        </pc:spChg>
-        <pc:spChg chg="add del">
-          <ac:chgData name="MIGUEL TRIGUEROS MUÑOZ" userId="a4ee0321-97d7-430f-98a8-7ed13ff9a4bf" providerId="ADAL" clId="{5EE606CC-6602-43B9-A5AB-6A63FFE98051}" dt="2023-09-12T11:17:02.608" v="1268" actId="26606"/>
-          <ac:spMkLst>
-            <pc:docMk/>
-            <pc:sldMk cId="628924924" sldId="302"/>
-            <ac:spMk id="40" creationId="{D6320AF9-619A-4175-865B-5663E1AEF4C5}"/>
-          </ac:spMkLst>
-        </pc:spChg>
-        <pc:spChg chg="add del">
-          <ac:chgData name="MIGUEL TRIGUEROS MUÑOZ" userId="a4ee0321-97d7-430f-98a8-7ed13ff9a4bf" providerId="ADAL" clId="{5EE606CC-6602-43B9-A5AB-6A63FFE98051}" dt="2023-09-12T11:17:02.608" v="1268" actId="26606"/>
-          <ac:spMkLst>
-            <pc:docMk/>
-            <pc:sldMk cId="628924924" sldId="302"/>
-            <ac:spMk id="46" creationId="{7E018740-5C2B-4A41-AC1A-7E68D1EC1954}"/>
-          </ac:spMkLst>
-        </pc:spChg>
-        <pc:spChg chg="add del">
-          <ac:chgData name="MIGUEL TRIGUEROS MUÑOZ" userId="a4ee0321-97d7-430f-98a8-7ed13ff9a4bf" providerId="ADAL" clId="{5EE606CC-6602-43B9-A5AB-6A63FFE98051}" dt="2023-09-12T11:17:02.608" v="1268" actId="26606"/>
-          <ac:spMkLst>
-            <pc:docMk/>
-            <pc:sldMk cId="628924924" sldId="302"/>
-            <ac:spMk id="48" creationId="{166F75A4-C475-4941-8EE2-B80A06A2C1BB}"/>
-          </ac:spMkLst>
-        </pc:spChg>
-        <pc:spChg chg="add del">
-          <ac:chgData name="MIGUEL TRIGUEROS MUÑOZ" userId="a4ee0321-97d7-430f-98a8-7ed13ff9a4bf" providerId="ADAL" clId="{5EE606CC-6602-43B9-A5AB-6A63FFE98051}" dt="2023-09-12T11:17:02.608" v="1268" actId="26606"/>
-          <ac:spMkLst>
-            <pc:docMk/>
-            <pc:sldMk cId="628924924" sldId="302"/>
-            <ac:spMk id="50" creationId="{A032553A-72E8-4B0D-8405-FF9771C9AF05}"/>
-          </ac:spMkLst>
-        </pc:spChg>
-        <pc:spChg chg="add del">
-          <ac:chgData name="MIGUEL TRIGUEROS MUÑOZ" userId="a4ee0321-97d7-430f-98a8-7ed13ff9a4bf" providerId="ADAL" clId="{5EE606CC-6602-43B9-A5AB-6A63FFE98051}" dt="2023-09-12T11:17:02.608" v="1268" actId="26606"/>
-          <ac:spMkLst>
-            <pc:docMk/>
-            <pc:sldMk cId="628924924" sldId="302"/>
-            <ac:spMk id="52" creationId="{765800AC-C3B9-498E-87BC-29FAE4C76B21}"/>
-          </ac:spMkLst>
-        </pc:spChg>
-        <pc:spChg chg="add del">
-          <ac:chgData name="MIGUEL TRIGUEROS MUÑOZ" userId="a4ee0321-97d7-430f-98a8-7ed13ff9a4bf" providerId="ADAL" clId="{5EE606CC-6602-43B9-A5AB-6A63FFE98051}" dt="2023-09-12T11:17:02.608" v="1268" actId="26606"/>
-          <ac:spMkLst>
-            <pc:docMk/>
-            <pc:sldMk cId="628924924" sldId="302"/>
-            <ac:spMk id="54" creationId="{1F9D6ACB-2FF4-49F9-978A-E0D5327FC635}"/>
-          </ac:spMkLst>
-        </pc:spChg>
-        <pc:spChg chg="add del">
-          <ac:chgData name="MIGUEL TRIGUEROS MUÑOZ" userId="a4ee0321-97d7-430f-98a8-7ed13ff9a4bf" providerId="ADAL" clId="{5EE606CC-6602-43B9-A5AB-6A63FFE98051}" dt="2023-09-12T11:17:02.608" v="1268" actId="26606"/>
-          <ac:spMkLst>
-            <pc:docMk/>
-            <pc:sldMk cId="628924924" sldId="302"/>
-            <ac:spMk id="56" creationId="{142BFA2A-77A0-4F60-A32A-685681C84889}"/>
-          </ac:spMkLst>
-        </pc:spChg>
-        <pc:spChg chg="add del">
-          <ac:chgData name="MIGUEL TRIGUEROS MUÑOZ" userId="a4ee0321-97d7-430f-98a8-7ed13ff9a4bf" providerId="ADAL" clId="{5EE606CC-6602-43B9-A5AB-6A63FFE98051}" dt="2023-09-12T11:17:02.578" v="1267" actId="26606"/>
-          <ac:spMkLst>
-            <pc:docMk/>
-            <pc:sldMk cId="628924924" sldId="302"/>
-            <ac:spMk id="61" creationId="{86C16C40-7C29-4ACC-B851-7E08E459B596}"/>
-          </ac:spMkLst>
-        </pc:spChg>
-        <pc:spChg chg="add del">
-          <ac:chgData name="MIGUEL TRIGUEROS MUÑOZ" userId="a4ee0321-97d7-430f-98a8-7ed13ff9a4bf" providerId="ADAL" clId="{5EE606CC-6602-43B9-A5AB-6A63FFE98051}" dt="2023-09-12T11:17:46.676" v="1276" actId="26606"/>
-          <ac:spMkLst>
-            <pc:docMk/>
-            <pc:sldMk cId="628924924" sldId="302"/>
-            <ac:spMk id="62" creationId="{3BCB5F6A-9EB0-40B0-9D13-3023E9A20508}"/>
-          </ac:spMkLst>
-        </pc:spChg>
-        <pc:spChg chg="add">
-          <ac:chgData name="MIGUEL TRIGUEROS MUÑOZ" userId="a4ee0321-97d7-430f-98a8-7ed13ff9a4bf" providerId="ADAL" clId="{5EE606CC-6602-43B9-A5AB-6A63FFE98051}" dt="2023-09-12T11:17:46.676" v="1276" actId="26606"/>
-          <ac:spMkLst>
-            <pc:docMk/>
-            <pc:sldMk cId="628924924" sldId="302"/>
-            <ac:spMk id="67" creationId="{D94A7024-D948-494D-8920-BBA2DA07D15B}"/>
-          </ac:spMkLst>
-        </pc:spChg>
-        <pc:grpChg chg="add del">
-          <ac:chgData name="MIGUEL TRIGUEROS MUÑOZ" userId="a4ee0321-97d7-430f-98a8-7ed13ff9a4bf" providerId="ADAL" clId="{5EE606CC-6602-43B9-A5AB-6A63FFE98051}" dt="2023-09-12T11:16:30.105" v="1265" actId="26606"/>
-          <ac:grpSpMkLst>
-            <pc:docMk/>
-            <pc:sldMk cId="628924924" sldId="302"/>
-            <ac:grpSpMk id="10" creationId="{28460BD8-AE3F-4AC9-9D0B-717052AA5D3A}"/>
-          </ac:grpSpMkLst>
-        </pc:grpChg>
-        <pc:grpChg chg="add del">
-          <ac:chgData name="MIGUEL TRIGUEROS MUÑOZ" userId="a4ee0321-97d7-430f-98a8-7ed13ff9a4bf" providerId="ADAL" clId="{5EE606CC-6602-43B9-A5AB-6A63FFE98051}" dt="2023-09-12T11:16:30.105" v="1265" actId="26606"/>
-          <ac:grpSpMkLst>
-            <pc:docMk/>
-            <pc:sldMk cId="628924924" sldId="302"/>
-            <ac:grpSpMk id="24" creationId="{CEEA9366-CEA8-4F23-B065-4337F0D836FE}"/>
-          </ac:grpSpMkLst>
-        </pc:grpChg>
-        <pc:grpChg chg="add del">
-          <ac:chgData name="MIGUEL TRIGUEROS MUÑOZ" userId="a4ee0321-97d7-430f-98a8-7ed13ff9a4bf" providerId="ADAL" clId="{5EE606CC-6602-43B9-A5AB-6A63FFE98051}" dt="2023-09-12T11:17:02.578" v="1267" actId="26606"/>
-          <ac:grpSpMkLst>
-            <pc:docMk/>
-            <pc:sldMk cId="628924924" sldId="302"/>
-            <ac:grpSpMk id="63" creationId="{648049AD-9827-49E8-8BF5-32E175C8EA8A}"/>
-          </ac:grpSpMkLst>
-        </pc:grpChg>
-        <pc:picChg chg="del">
-          <ac:chgData name="MIGUEL TRIGUEROS MUÑOZ" userId="a4ee0321-97d7-430f-98a8-7ed13ff9a4bf" providerId="ADAL" clId="{5EE606CC-6602-43B9-A5AB-6A63FFE98051}" dt="2023-09-12T11:14:40.613" v="1188" actId="478"/>
-          <ac:picMkLst>
-            <pc:docMk/>
-            <pc:sldMk cId="628924924" sldId="302"/>
-            <ac:picMk id="6" creationId="{5B66C61E-E8C3-1D4E-4F73-8301A6704F71}"/>
-          </ac:picMkLst>
-        </pc:picChg>
-        <pc:picChg chg="add mod ord">
-          <ac:chgData name="MIGUEL TRIGUEROS MUÑOZ" userId="a4ee0321-97d7-430f-98a8-7ed13ff9a4bf" providerId="ADAL" clId="{5EE606CC-6602-43B9-A5AB-6A63FFE98051}" dt="2023-09-12T11:17:46.676" v="1276" actId="26606"/>
-          <ac:picMkLst>
-            <pc:docMk/>
-            <pc:sldMk cId="628924924" sldId="302"/>
-            <ac:picMk id="58" creationId="{FD4B1577-3B27-AB03-E27E-52A7E95BD95F}"/>
-          </ac:picMkLst>
-        </pc:picChg>
-        <pc:cxnChg chg="add del">
-          <ac:chgData name="MIGUEL TRIGUEROS MUÑOZ" userId="a4ee0321-97d7-430f-98a8-7ed13ff9a4bf" providerId="ADAL" clId="{5EE606CC-6602-43B9-A5AB-6A63FFE98051}" dt="2023-09-12T11:17:02.608" v="1268" actId="26606"/>
-          <ac:cxnSpMkLst>
-            <pc:docMk/>
-            <pc:sldMk cId="628924924" sldId="302"/>
-            <ac:cxnSpMk id="42" creationId="{063B6EC6-D752-4EE7-908B-F8F19E8C7FEA}"/>
-          </ac:cxnSpMkLst>
-        </pc:cxnChg>
-        <pc:cxnChg chg="add del">
-          <ac:chgData name="MIGUEL TRIGUEROS MUÑOZ" userId="a4ee0321-97d7-430f-98a8-7ed13ff9a4bf" providerId="ADAL" clId="{5EE606CC-6602-43B9-A5AB-6A63FFE98051}" dt="2023-09-12T11:17:02.608" v="1268" actId="26606"/>
-          <ac:cxnSpMkLst>
-            <pc:docMk/>
-            <pc:sldMk cId="628924924" sldId="302"/>
-            <ac:cxnSpMk id="44" creationId="{EFECD4E8-AD3E-4228-82A2-9461958EA94D}"/>
-          </ac:cxnSpMkLst>
-        </pc:cxnChg>
       </pc:sldChg>
       <pc:sldMasterChg chg="addSp modSp mod modAnim">
         <pc:chgData name="MIGUEL TRIGUEROS MUÑOZ" userId="a4ee0321-97d7-430f-98a8-7ed13ff9a4bf" providerId="ADAL" clId="{5EE606CC-6602-43B9-A5AB-6A63FFE98051}" dt="2023-09-09T10:21:32.239" v="5" actId="27636"/>
@@ -2464,22 +940,6 @@
           <pc:docMk/>
           <pc:sldMasterMk cId="1086456598" sldId="2147483675"/>
         </pc:sldMasterMkLst>
-        <pc:spChg chg="add mod">
-          <ac:chgData name="MIGUEL TRIGUEROS MUÑOZ" userId="a4ee0321-97d7-430f-98a8-7ed13ff9a4bf" providerId="ADAL" clId="{5EE606CC-6602-43B9-A5AB-6A63FFE98051}" dt="2023-09-09T10:21:32.239" v="5" actId="27636"/>
-          <ac:spMkLst>
-            <pc:docMk/>
-            <pc:sldMasterMk cId="1086456598" sldId="2147483675"/>
-            <ac:spMk id="18" creationId="{1ED62F4C-C3AB-64B2-F818-F1BE990E3062}"/>
-          </ac:spMkLst>
-        </pc:spChg>
-        <pc:spChg chg="add">
-          <ac:chgData name="MIGUEL TRIGUEROS MUÑOZ" userId="a4ee0321-97d7-430f-98a8-7ed13ff9a4bf" providerId="ADAL" clId="{5EE606CC-6602-43B9-A5AB-6A63FFE98051}" dt="2023-09-09T10:21:31.100" v="0"/>
-          <ac:spMkLst>
-            <pc:docMk/>
-            <pc:sldMasterMk cId="1086456598" sldId="2147483675"/>
-            <ac:spMk id="19" creationId="{B4D8119A-6F8C-92D7-C49F-018CED4D9AC9}"/>
-          </ac:spMkLst>
-        </pc:spChg>
       </pc:sldMasterChg>
       <pc:sldMasterChg chg="addSp delSp modSp mod delAnim modAnim delSldLayout modSldLayout">
         <pc:chgData name="MIGUEL TRIGUEROS MUÑOZ" userId="a4ee0321-97d7-430f-98a8-7ed13ff9a4bf" providerId="ADAL" clId="{5EE606CC-6602-43B9-A5AB-6A63FFE98051}" dt="2023-09-09T11:28:59.819" v="620" actId="47"/>
@@ -2487,38 +947,6 @@
           <pc:docMk/>
           <pc:sldMasterMk cId="1921297164" sldId="2147483695"/>
         </pc:sldMasterMkLst>
-        <pc:spChg chg="mod">
-          <ac:chgData name="MIGUEL TRIGUEROS MUÑOZ" userId="a4ee0321-97d7-430f-98a8-7ed13ff9a4bf" providerId="ADAL" clId="{5EE606CC-6602-43B9-A5AB-6A63FFE98051}" dt="2023-09-09T10:39:55.871" v="233" actId="14100"/>
-          <ac:spMkLst>
-            <pc:docMk/>
-            <pc:sldMasterMk cId="1921297164" sldId="2147483695"/>
-            <ac:spMk id="2" creationId="{00000000-0000-0000-0000-000000000000}"/>
-          </ac:spMkLst>
-        </pc:spChg>
-        <pc:spChg chg="mod">
-          <ac:chgData name="MIGUEL TRIGUEROS MUÑOZ" userId="a4ee0321-97d7-430f-98a8-7ed13ff9a4bf" providerId="ADAL" clId="{5EE606CC-6602-43B9-A5AB-6A63FFE98051}" dt="2023-09-09T10:39:59.962" v="234" actId="14100"/>
-          <ac:spMkLst>
-            <pc:docMk/>
-            <pc:sldMasterMk cId="1921297164" sldId="2147483695"/>
-            <ac:spMk id="3" creationId="{00000000-0000-0000-0000-000000000000}"/>
-          </ac:spMkLst>
-        </pc:spChg>
-        <pc:spChg chg="add del mod">
-          <ac:chgData name="MIGUEL TRIGUEROS MUÑOZ" userId="a4ee0321-97d7-430f-98a8-7ed13ff9a4bf" providerId="ADAL" clId="{5EE606CC-6602-43B9-A5AB-6A63FFE98051}" dt="2023-09-09T10:38:34.362" v="229" actId="1076"/>
-          <ac:spMkLst>
-            <pc:docMk/>
-            <pc:sldMasterMk cId="1921297164" sldId="2147483695"/>
-            <ac:spMk id="18" creationId="{FC367CCA-2080-24D5-D2DE-D4216A5A770D}"/>
-          </ac:spMkLst>
-        </pc:spChg>
-        <pc:spChg chg="add del">
-          <ac:chgData name="MIGUEL TRIGUEROS MUÑOZ" userId="a4ee0321-97d7-430f-98a8-7ed13ff9a4bf" providerId="ADAL" clId="{5EE606CC-6602-43B9-A5AB-6A63FFE98051}" dt="2023-09-09T10:39:27.894" v="231" actId="478"/>
-          <ac:spMkLst>
-            <pc:docMk/>
-            <pc:sldMasterMk cId="1921297164" sldId="2147483695"/>
-            <ac:spMk id="19" creationId="{614889A3-8104-4DBF-057B-DBF79B950C62}"/>
-          </ac:spMkLst>
-        </pc:spChg>
         <pc:sldLayoutChg chg="modSp">
           <pc:chgData name="MIGUEL TRIGUEROS MUÑOZ" userId="a4ee0321-97d7-430f-98a8-7ed13ff9a4bf" providerId="ADAL" clId="{5EE606CC-6602-43B9-A5AB-6A63FFE98051}" dt="2023-09-09T10:25:26.573" v="18" actId="113"/>
           <pc:sldLayoutMkLst>
@@ -2526,15 +954,6 @@
             <pc:sldMasterMk cId="1921297164" sldId="2147483695"/>
             <pc:sldLayoutMk cId="3747580298" sldId="2147483696"/>
           </pc:sldLayoutMkLst>
-          <pc:spChg chg="mod">
-            <ac:chgData name="MIGUEL TRIGUEROS MUÑOZ" userId="a4ee0321-97d7-430f-98a8-7ed13ff9a4bf" providerId="ADAL" clId="{5EE606CC-6602-43B9-A5AB-6A63FFE98051}" dt="2023-09-09T10:25:26.573" v="18" actId="113"/>
-            <ac:spMkLst>
-              <pc:docMk/>
-              <pc:sldMasterMk cId="1921297164" sldId="2147483695"/>
-              <pc:sldLayoutMk cId="3747580298" sldId="2147483696"/>
-              <ac:spMk id="2" creationId="{00000000-0000-0000-0000-000000000000}"/>
-            </ac:spMkLst>
-          </pc:spChg>
         </pc:sldLayoutChg>
         <pc:sldLayoutChg chg="modSp del">
           <pc:chgData name="MIGUEL TRIGUEROS MUÑOZ" userId="a4ee0321-97d7-430f-98a8-7ed13ff9a4bf" providerId="ADAL" clId="{5EE606CC-6602-43B9-A5AB-6A63FFE98051}" dt="2023-09-09T11:28:59.819" v="620" actId="47"/>
@@ -2543,33 +962,8 @@
             <pc:sldMasterMk cId="1921297164" sldId="2147483695"/>
             <pc:sldLayoutMk cId="3309600775" sldId="2147483712"/>
           </pc:sldLayoutMkLst>
-          <pc:spChg chg="mod">
-            <ac:chgData name="MIGUEL TRIGUEROS MUÑOZ" userId="a4ee0321-97d7-430f-98a8-7ed13ff9a4bf" providerId="ADAL" clId="{5EE606CC-6602-43B9-A5AB-6A63FFE98051}" dt="2023-09-09T10:24:32.506" v="16" actId="207"/>
-            <ac:spMkLst>
-              <pc:docMk/>
-              <pc:sldMasterMk cId="1921297164" sldId="2147483695"/>
-              <pc:sldLayoutMk cId="3309600775" sldId="2147483712"/>
-              <ac:spMk id="9" creationId="{00000000-0000-0000-0000-000000000000}"/>
-            </ac:spMkLst>
-          </pc:spChg>
         </pc:sldLayoutChg>
       </pc:sldMasterChg>
-    </pc:docChg>
-  </pc:docChgLst>
-  <pc:docChgLst>
-    <pc:chgData name="MIGUEL TRIGUEROS MUÑOZ" userId="a4ee0321-97d7-430f-98a8-7ed13ff9a4bf" providerId="ADAL" clId="{C9DA032C-484A-4D07-B678-E58F0297B9B2}"/>
-    <pc:docChg chg="custSel modSld">
-      <pc:chgData name="MIGUEL TRIGUEROS MUÑOZ" userId="a4ee0321-97d7-430f-98a8-7ed13ff9a4bf" providerId="ADAL" clId="{C9DA032C-484A-4D07-B678-E58F0297B9B2}" dt="2024-11-03T07:13:52.105" v="123" actId="20577"/>
-      <pc:docMkLst>
-        <pc:docMk/>
-      </pc:docMkLst>
-      <pc:sldChg chg="modNotesTx">
-        <pc:chgData name="MIGUEL TRIGUEROS MUÑOZ" userId="a4ee0321-97d7-430f-98a8-7ed13ff9a4bf" providerId="ADAL" clId="{C9DA032C-484A-4D07-B678-E58F0297B9B2}" dt="2024-11-03T07:13:52.105" v="123" actId="20577"/>
-        <pc:sldMkLst>
-          <pc:docMk/>
-          <pc:sldMk cId="3375748173" sldId="301"/>
-        </pc:sldMkLst>
-      </pc:sldChg>
     </pc:docChg>
   </pc:docChgLst>
   <pc:docChgLst>
@@ -2585,1077 +979,6 @@
           <pc:docMk/>
           <pc:sldMk cId="3375748173" sldId="301"/>
         </pc:sldMkLst>
-        <pc:spChg chg="mod">
-          <ac:chgData name="MIGUEL TRIGUEROS MUÑOZ" userId="S::miguel.trigueros@aulaxxi.murciaeduca.es::a4ee0321-97d7-430f-98a8-7ed13ff9a4bf" providerId="AD" clId="Web-{ACC4192B-3B25-0B3C-F311-70B5AB31F4C1}" dt="2024-09-17T07:26:25.184" v="0" actId="20577"/>
-          <ac:spMkLst>
-            <pc:docMk/>
-            <pc:sldMk cId="3375748173" sldId="301"/>
-            <ac:spMk id="12" creationId="{F62BE054-AFA4-E0C3-D337-5831DC6586D6}"/>
-          </ac:spMkLst>
-        </pc:spChg>
-      </pc:sldChg>
-    </pc:docChg>
-  </pc:docChgLst>
-  <pc:docChgLst>
-    <pc:chgData name="MIGUEL TRIGUEROS MUÑOZ" userId="S::miguel.trigueros@aulaxxi.murciaeduca.es::a4ee0321-97d7-430f-98a8-7ed13ff9a4bf" providerId="AD" clId="Web-{F199ABFC-219D-EA87-6AFE-DB592A70653A}"/>
-    <pc:docChg chg="modSld">
-      <pc:chgData name="MIGUEL TRIGUEROS MUÑOZ" userId="S::miguel.trigueros@aulaxxi.murciaeduca.es::a4ee0321-97d7-430f-98a8-7ed13ff9a4bf" providerId="AD" clId="Web-{F199ABFC-219D-EA87-6AFE-DB592A70653A}" dt="2024-11-03T07:12:40.310" v="172"/>
-      <pc:docMkLst>
-        <pc:docMk/>
-      </pc:docMkLst>
-      <pc:sldChg chg="addSp delSp modSp modNotes">
-        <pc:chgData name="MIGUEL TRIGUEROS MUÑOZ" userId="S::miguel.trigueros@aulaxxi.murciaeduca.es::a4ee0321-97d7-430f-98a8-7ed13ff9a4bf" providerId="AD" clId="Web-{F199ABFC-219D-EA87-6AFE-DB592A70653A}" dt="2024-11-03T07:10:10.664" v="136"/>
-        <pc:sldMkLst>
-          <pc:docMk/>
-          <pc:sldMk cId="3228786143" sldId="287"/>
-        </pc:sldMkLst>
-        <pc:spChg chg="add mod">
-          <ac:chgData name="MIGUEL TRIGUEROS MUÑOZ" userId="S::miguel.trigueros@aulaxxi.murciaeduca.es::a4ee0321-97d7-430f-98a8-7ed13ff9a4bf" providerId="AD" clId="Web-{F199ABFC-219D-EA87-6AFE-DB592A70653A}" dt="2024-11-03T07:06:45.512" v="1" actId="1076"/>
-          <ac:spMkLst>
-            <pc:docMk/>
-            <pc:sldMk cId="3228786143" sldId="287"/>
-            <ac:spMk id="3" creationId="{7F68382F-6E22-7D12-579D-A66C96527D63}"/>
-          </ac:spMkLst>
-        </pc:spChg>
-        <pc:spChg chg="add mod">
-          <ac:chgData name="MIGUEL TRIGUEROS MUÑOZ" userId="S::miguel.trigueros@aulaxxi.murciaeduca.es::a4ee0321-97d7-430f-98a8-7ed13ff9a4bf" providerId="AD" clId="Web-{F199ABFC-219D-EA87-6AFE-DB592A70653A}" dt="2024-11-03T07:06:53.934" v="4" actId="688"/>
-          <ac:spMkLst>
-            <pc:docMk/>
-            <pc:sldMk cId="3228786143" sldId="287"/>
-            <ac:spMk id="7" creationId="{60D068C1-AC89-66AA-A2A1-281F237D37B9}"/>
-          </ac:spMkLst>
-        </pc:spChg>
-        <pc:cxnChg chg="add del">
-          <ac:chgData name="MIGUEL TRIGUEROS MUÑOZ" userId="S::miguel.trigueros@aulaxxi.murciaeduca.es::a4ee0321-97d7-430f-98a8-7ed13ff9a4bf" providerId="AD" clId="Web-{F199ABFC-219D-EA87-6AFE-DB592A70653A}" dt="2024-11-03T07:10:10.664" v="136"/>
-          <ac:cxnSpMkLst>
-            <pc:docMk/>
-            <pc:sldMk cId="3228786143" sldId="287"/>
-            <ac:cxnSpMk id="8" creationId="{F649A1B2-BCB9-F29A-E8D6-4469D3C1C298}"/>
-          </ac:cxnSpMkLst>
-        </pc:cxnChg>
-        <pc:cxnChg chg="add mod">
-          <ac:chgData name="MIGUEL TRIGUEROS MUÑOZ" userId="S::miguel.trigueros@aulaxxi.murciaeduca.es::a4ee0321-97d7-430f-98a8-7ed13ff9a4bf" providerId="AD" clId="Web-{F199ABFC-219D-EA87-6AFE-DB592A70653A}" dt="2024-11-03T07:10:06.180" v="135"/>
-          <ac:cxnSpMkLst>
-            <pc:docMk/>
-            <pc:sldMk cId="3228786143" sldId="287"/>
-            <ac:cxnSpMk id="9" creationId="{02A1D881-0FCE-A49B-B5BF-924F034F770E}"/>
-          </ac:cxnSpMkLst>
-        </pc:cxnChg>
-      </pc:sldChg>
-      <pc:sldChg chg="modSp">
-        <pc:chgData name="MIGUEL TRIGUEROS MUÑOZ" userId="S::miguel.trigueros@aulaxxi.murciaeduca.es::a4ee0321-97d7-430f-98a8-7ed13ff9a4bf" providerId="AD" clId="Web-{F199ABFC-219D-EA87-6AFE-DB592A70653A}" dt="2024-11-03T07:11:43.745" v="160"/>
-        <pc:sldMkLst>
-          <pc:docMk/>
-          <pc:sldMk cId="2855820299" sldId="291"/>
-        </pc:sldMkLst>
-        <pc:graphicFrameChg chg="mod modGraphic">
-          <ac:chgData name="MIGUEL TRIGUEROS MUÑOZ" userId="S::miguel.trigueros@aulaxxi.murciaeduca.es::a4ee0321-97d7-430f-98a8-7ed13ff9a4bf" providerId="AD" clId="Web-{F199ABFC-219D-EA87-6AFE-DB592A70653A}" dt="2024-11-03T07:11:43.745" v="160"/>
-          <ac:graphicFrameMkLst>
-            <pc:docMk/>
-            <pc:sldMk cId="2855820299" sldId="291"/>
-            <ac:graphicFrameMk id="11" creationId="{6657B4B4-0A17-2143-055A-1048C72EB6C4}"/>
-          </ac:graphicFrameMkLst>
-        </pc:graphicFrameChg>
-      </pc:sldChg>
-      <pc:sldChg chg="modSp">
-        <pc:chgData name="MIGUEL TRIGUEROS MUÑOZ" userId="S::miguel.trigueros@aulaxxi.murciaeduca.es::a4ee0321-97d7-430f-98a8-7ed13ff9a4bf" providerId="AD" clId="Web-{F199ABFC-219D-EA87-6AFE-DB592A70653A}" dt="2024-11-03T07:12:20.387" v="164"/>
-        <pc:sldMkLst>
-          <pc:docMk/>
-          <pc:sldMk cId="412294843" sldId="300"/>
-        </pc:sldMkLst>
-        <pc:graphicFrameChg chg="mod modGraphic">
-          <ac:chgData name="MIGUEL TRIGUEROS MUÑOZ" userId="S::miguel.trigueros@aulaxxi.murciaeduca.es::a4ee0321-97d7-430f-98a8-7ed13ff9a4bf" providerId="AD" clId="Web-{F199ABFC-219D-EA87-6AFE-DB592A70653A}" dt="2024-11-03T07:12:20.387" v="164"/>
-          <ac:graphicFrameMkLst>
-            <pc:docMk/>
-            <pc:sldMk cId="412294843" sldId="300"/>
-            <ac:graphicFrameMk id="11" creationId="{6657B4B4-0A17-2143-055A-1048C72EB6C4}"/>
-          </ac:graphicFrameMkLst>
-        </pc:graphicFrameChg>
-      </pc:sldChg>
-      <pc:sldChg chg="modSp modNotes">
-        <pc:chgData name="MIGUEL TRIGUEROS MUÑOZ" userId="S::miguel.trigueros@aulaxxi.murciaeduca.es::a4ee0321-97d7-430f-98a8-7ed13ff9a4bf" providerId="AD" clId="Web-{F199ABFC-219D-EA87-6AFE-DB592A70653A}" dt="2024-11-03T07:12:40.310" v="172"/>
-        <pc:sldMkLst>
-          <pc:docMk/>
-          <pc:sldMk cId="3375748173" sldId="301"/>
-        </pc:sldMkLst>
-        <pc:spChg chg="mod">
-          <ac:chgData name="MIGUEL TRIGUEROS MUÑOZ" userId="S::miguel.trigueros@aulaxxi.murciaeduca.es::a4ee0321-97d7-430f-98a8-7ed13ff9a4bf" providerId="AD" clId="Web-{F199ABFC-219D-EA87-6AFE-DB592A70653A}" dt="2024-11-03T07:12:39.888" v="167" actId="20577"/>
-          <ac:spMkLst>
-            <pc:docMk/>
-            <pc:sldMk cId="3375748173" sldId="301"/>
-            <ac:spMk id="12" creationId="{F62BE054-AFA4-E0C3-D337-5831DC6586D6}"/>
-          </ac:spMkLst>
-        </pc:spChg>
-      </pc:sldChg>
-    </pc:docChg>
-  </pc:docChgLst>
-  <pc:docChgLst>
-    <pc:chgData name="MIGUEL TRIGUEROS MUÑOZ" userId="a4ee0321-97d7-430f-98a8-7ed13ff9a4bf" providerId="ADAL" clId="{078883C6-B170-431A-B618-2377990D26DA}"/>
-    <pc:docChg chg="undo custSel modSld modMainMaster">
-      <pc:chgData name="MIGUEL TRIGUEROS MUÑOZ" userId="a4ee0321-97d7-430f-98a8-7ed13ff9a4bf" providerId="ADAL" clId="{078883C6-B170-431A-B618-2377990D26DA}" dt="2023-09-17T15:57:12.862" v="193" actId="27636"/>
-      <pc:docMkLst>
-        <pc:docMk/>
-      </pc:docMkLst>
-      <pc:sldChg chg="delSp modSp mod delDesignElem">
-        <pc:chgData name="MIGUEL TRIGUEROS MUÑOZ" userId="a4ee0321-97d7-430f-98a8-7ed13ff9a4bf" providerId="ADAL" clId="{078883C6-B170-431A-B618-2377990D26DA}" dt="2023-09-17T15:57:12.163" v="188"/>
-        <pc:sldMkLst>
-          <pc:docMk/>
-          <pc:sldMk cId="0" sldId="259"/>
-        </pc:sldMkLst>
-        <pc:spChg chg="del">
-          <ac:chgData name="MIGUEL TRIGUEROS MUÑOZ" userId="a4ee0321-97d7-430f-98a8-7ed13ff9a4bf" providerId="ADAL" clId="{078883C6-B170-431A-B618-2377990D26DA}" dt="2023-09-12T11:41:50.931" v="49" actId="478"/>
-          <ac:spMkLst>
-            <pc:docMk/>
-            <pc:sldMk cId="0" sldId="259"/>
-            <ac:spMk id="2" creationId="{00000000-0000-0000-0000-000000000000}"/>
-          </ac:spMkLst>
-        </pc:spChg>
-        <pc:spChg chg="mod">
-          <ac:chgData name="MIGUEL TRIGUEROS MUÑOZ" userId="a4ee0321-97d7-430f-98a8-7ed13ff9a4bf" providerId="ADAL" clId="{078883C6-B170-431A-B618-2377990D26DA}" dt="2023-09-12T11:41:06.225" v="32" actId="20577"/>
-          <ac:spMkLst>
-            <pc:docMk/>
-            <pc:sldMk cId="0" sldId="259"/>
-            <ac:spMk id="22" creationId="{6A8CBBC8-9A44-24DD-4C7A-71B693A41840}"/>
-          </ac:spMkLst>
-        </pc:spChg>
-        <pc:spChg chg="del">
-          <ac:chgData name="MIGUEL TRIGUEROS MUÑOZ" userId="a4ee0321-97d7-430f-98a8-7ed13ff9a4bf" providerId="ADAL" clId="{078883C6-B170-431A-B618-2377990D26DA}" dt="2023-09-17T15:57:12.163" v="188"/>
-          <ac:spMkLst>
-            <pc:docMk/>
-            <pc:sldMk cId="0" sldId="259"/>
-            <ac:spMk id="72" creationId="{66D61E08-70C3-48D8-BEA0-787111DC30DA}"/>
-          </ac:spMkLst>
-        </pc:spChg>
-        <pc:spChg chg="del">
-          <ac:chgData name="MIGUEL TRIGUEROS MUÑOZ" userId="a4ee0321-97d7-430f-98a8-7ed13ff9a4bf" providerId="ADAL" clId="{078883C6-B170-431A-B618-2377990D26DA}" dt="2023-09-17T15:57:12.163" v="188"/>
-          <ac:spMkLst>
-            <pc:docMk/>
-            <pc:sldMk cId="0" sldId="259"/>
-            <ac:spMk id="74" creationId="{FC55298F-0AE5-478E-AD2B-03C2614C5833}"/>
-          </ac:spMkLst>
-        </pc:spChg>
-        <pc:spChg chg="del">
-          <ac:chgData name="MIGUEL TRIGUEROS MUÑOZ" userId="a4ee0321-97d7-430f-98a8-7ed13ff9a4bf" providerId="ADAL" clId="{078883C6-B170-431A-B618-2377990D26DA}" dt="2023-09-17T15:57:12.163" v="188"/>
-          <ac:spMkLst>
-            <pc:docMk/>
-            <pc:sldMk cId="0" sldId="259"/>
-            <ac:spMk id="76" creationId="{C180E4EA-0B63-4779-A895-7E90E71088F3}"/>
-          </ac:spMkLst>
-        </pc:spChg>
-        <pc:spChg chg="del">
-          <ac:chgData name="MIGUEL TRIGUEROS MUÑOZ" userId="a4ee0321-97d7-430f-98a8-7ed13ff9a4bf" providerId="ADAL" clId="{078883C6-B170-431A-B618-2377990D26DA}" dt="2023-09-17T15:57:12.163" v="188"/>
-          <ac:spMkLst>
-            <pc:docMk/>
-            <pc:sldMk cId="0" sldId="259"/>
-            <ac:spMk id="77" creationId="{CEE01D9D-3DE8-4EED-B0D3-8F3C79CC7673}"/>
-          </ac:spMkLst>
-        </pc:spChg>
-        <pc:spChg chg="del">
-          <ac:chgData name="MIGUEL TRIGUEROS MUÑOZ" userId="a4ee0321-97d7-430f-98a8-7ed13ff9a4bf" providerId="ADAL" clId="{078883C6-B170-431A-B618-2377990D26DA}" dt="2023-09-17T15:57:12.163" v="188"/>
-          <ac:spMkLst>
-            <pc:docMk/>
-            <pc:sldMk cId="0" sldId="259"/>
-            <ac:spMk id="78" creationId="{89AF5CE9-607F-43F4-8983-DCD6DA4051FD}"/>
-          </ac:spMkLst>
-        </pc:spChg>
-        <pc:spChg chg="del">
-          <ac:chgData name="MIGUEL TRIGUEROS MUÑOZ" userId="a4ee0321-97d7-430f-98a8-7ed13ff9a4bf" providerId="ADAL" clId="{078883C6-B170-431A-B618-2377990D26DA}" dt="2023-09-17T15:57:12.163" v="188"/>
-          <ac:spMkLst>
-            <pc:docMk/>
-            <pc:sldMk cId="0" sldId="259"/>
-            <ac:spMk id="79" creationId="{6EEA2DBD-9E1E-4521-8C01-F32AD18A89E3}"/>
-          </ac:spMkLst>
-        </pc:spChg>
-        <pc:spChg chg="del">
-          <ac:chgData name="MIGUEL TRIGUEROS MUÑOZ" userId="a4ee0321-97d7-430f-98a8-7ed13ff9a4bf" providerId="ADAL" clId="{078883C6-B170-431A-B618-2377990D26DA}" dt="2023-09-17T15:57:12.163" v="188"/>
-          <ac:spMkLst>
-            <pc:docMk/>
-            <pc:sldMk cId="0" sldId="259"/>
-            <ac:spMk id="80" creationId="{15BBD2C1-BA9B-46A9-A27A-33498B169272}"/>
-          </ac:spMkLst>
-        </pc:spChg>
-        <pc:cxnChg chg="del">
-          <ac:chgData name="MIGUEL TRIGUEROS MUÑOZ" userId="a4ee0321-97d7-430f-98a8-7ed13ff9a4bf" providerId="ADAL" clId="{078883C6-B170-431A-B618-2377990D26DA}" dt="2023-09-17T15:57:12.163" v="188"/>
-          <ac:cxnSpMkLst>
-            <pc:docMk/>
-            <pc:sldMk cId="0" sldId="259"/>
-            <ac:cxnSpMk id="68" creationId="{A57C1A16-B8AB-4D99-A195-A38F556A6486}"/>
-          </ac:cxnSpMkLst>
-        </pc:cxnChg>
-        <pc:cxnChg chg="del">
-          <ac:chgData name="MIGUEL TRIGUEROS MUÑOZ" userId="a4ee0321-97d7-430f-98a8-7ed13ff9a4bf" providerId="ADAL" clId="{078883C6-B170-431A-B618-2377990D26DA}" dt="2023-09-17T15:57:12.163" v="188"/>
-          <ac:cxnSpMkLst>
-            <pc:docMk/>
-            <pc:sldMk cId="0" sldId="259"/>
-            <ac:cxnSpMk id="70" creationId="{F8A9B20B-D1DD-4573-B5EC-558029519236}"/>
-          </ac:cxnSpMkLst>
-        </pc:cxnChg>
-      </pc:sldChg>
-      <pc:sldChg chg="addSp delSp modSp mod">
-        <pc:chgData name="MIGUEL TRIGUEROS MUÑOZ" userId="a4ee0321-97d7-430f-98a8-7ed13ff9a4bf" providerId="ADAL" clId="{078883C6-B170-431A-B618-2377990D26DA}" dt="2023-09-17T15:57:12.163" v="188"/>
-        <pc:sldMkLst>
-          <pc:docMk/>
-          <pc:sldMk cId="3228786143" sldId="287"/>
-        </pc:sldMkLst>
-        <pc:spChg chg="add mod">
-          <ac:chgData name="MIGUEL TRIGUEROS MUÑOZ" userId="a4ee0321-97d7-430f-98a8-7ed13ff9a4bf" providerId="ADAL" clId="{078883C6-B170-431A-B618-2377990D26DA}" dt="2023-09-17T15:57:12.163" v="188"/>
-          <ac:spMkLst>
-            <pc:docMk/>
-            <pc:sldMk cId="3228786143" sldId="287"/>
-            <ac:spMk id="4" creationId="{798847BE-EC01-B5DB-F2B0-ED899E750E99}"/>
-          </ac:spMkLst>
-        </pc:spChg>
-        <pc:spChg chg="del mod">
-          <ac:chgData name="MIGUEL TRIGUEROS MUÑOZ" userId="a4ee0321-97d7-430f-98a8-7ed13ff9a4bf" providerId="ADAL" clId="{078883C6-B170-431A-B618-2377990D26DA}" dt="2023-09-12T11:41:55.029" v="51" actId="478"/>
-          <ac:spMkLst>
-            <pc:docMk/>
-            <pc:sldMk cId="3228786143" sldId="287"/>
-            <ac:spMk id="4" creationId="{95B09A6F-D254-0ABB-EF68-2588847D61F0}"/>
-          </ac:spMkLst>
-        </pc:spChg>
-        <pc:spChg chg="mod">
-          <ac:chgData name="MIGUEL TRIGUEROS MUÑOZ" userId="a4ee0321-97d7-430f-98a8-7ed13ff9a4bf" providerId="ADAL" clId="{078883C6-B170-431A-B618-2377990D26DA}" dt="2023-09-17T15:57:12.163" v="188"/>
-          <ac:spMkLst>
-            <pc:docMk/>
-            <pc:sldMk cId="3228786143" sldId="287"/>
-            <ac:spMk id="5" creationId="{DC6C32C6-B13F-A10A-166D-317CC144B91C}"/>
-          </ac:spMkLst>
-        </pc:spChg>
-        <pc:picChg chg="del mod">
-          <ac:chgData name="MIGUEL TRIGUEROS MUÑOZ" userId="a4ee0321-97d7-430f-98a8-7ed13ff9a4bf" providerId="ADAL" clId="{078883C6-B170-431A-B618-2377990D26DA}" dt="2023-09-16T17:30:25.834" v="154" actId="478"/>
-          <ac:picMkLst>
-            <pc:docMk/>
-            <pc:sldMk cId="3228786143" sldId="287"/>
-            <ac:picMk id="7" creationId="{7F1C0BFB-4C4E-4A5D-2A89-E09F4D5E4643}"/>
-          </ac:picMkLst>
-        </pc:picChg>
-        <pc:picChg chg="add mod">
-          <ac:chgData name="MIGUEL TRIGUEROS MUÑOZ" userId="a4ee0321-97d7-430f-98a8-7ed13ff9a4bf" providerId="ADAL" clId="{078883C6-B170-431A-B618-2377990D26DA}" dt="2023-09-16T17:30:46.431" v="160" actId="1076"/>
-          <ac:picMkLst>
-            <pc:docMk/>
-            <pc:sldMk cId="3228786143" sldId="287"/>
-            <ac:picMk id="8" creationId="{8D9A0C72-BC9F-77B3-A574-2D5234B3DAD3}"/>
-          </ac:picMkLst>
-        </pc:picChg>
-      </pc:sldChg>
-      <pc:sldChg chg="delSp modSp mod">
-        <pc:chgData name="MIGUEL TRIGUEROS MUÑOZ" userId="a4ee0321-97d7-430f-98a8-7ed13ff9a4bf" providerId="ADAL" clId="{078883C6-B170-431A-B618-2377990D26DA}" dt="2023-09-17T15:57:12.163" v="188"/>
-        <pc:sldMkLst>
-          <pc:docMk/>
-          <pc:sldMk cId="2308303562" sldId="288"/>
-        </pc:sldMkLst>
-        <pc:spChg chg="mod">
-          <ac:chgData name="MIGUEL TRIGUEROS MUÑOZ" userId="a4ee0321-97d7-430f-98a8-7ed13ff9a4bf" providerId="ADAL" clId="{078883C6-B170-431A-B618-2377990D26DA}" dt="2023-09-17T15:57:12.163" v="188"/>
-          <ac:spMkLst>
-            <pc:docMk/>
-            <pc:sldMk cId="2308303562" sldId="288"/>
-            <ac:spMk id="2" creationId="{87FC02B2-0FEA-67DC-808E-FD76891B75CE}"/>
-          </ac:spMkLst>
-        </pc:spChg>
-        <pc:spChg chg="del">
-          <ac:chgData name="MIGUEL TRIGUEROS MUÑOZ" userId="a4ee0321-97d7-430f-98a8-7ed13ff9a4bf" providerId="ADAL" clId="{078883C6-B170-431A-B618-2377990D26DA}" dt="2023-09-12T11:41:58.648" v="52" actId="478"/>
-          <ac:spMkLst>
-            <pc:docMk/>
-            <pc:sldMk cId="2308303562" sldId="288"/>
-            <ac:spMk id="4" creationId="{E3CD60C6-CE9A-7AE3-0362-49BCD089569F}"/>
-          </ac:spMkLst>
-        </pc:spChg>
-        <pc:spChg chg="mod">
-          <ac:chgData name="MIGUEL TRIGUEROS MUÑOZ" userId="a4ee0321-97d7-430f-98a8-7ed13ff9a4bf" providerId="ADAL" clId="{078883C6-B170-431A-B618-2377990D26DA}" dt="2023-09-17T15:57:12.163" v="188"/>
-          <ac:spMkLst>
-            <pc:docMk/>
-            <pc:sldMk cId="2308303562" sldId="288"/>
-            <ac:spMk id="5" creationId="{9879E6E8-3D10-F374-CF0F-3E448916DB7F}"/>
-          </ac:spMkLst>
-        </pc:spChg>
-        <pc:spChg chg="mod">
-          <ac:chgData name="MIGUEL TRIGUEROS MUÑOZ" userId="a4ee0321-97d7-430f-98a8-7ed13ff9a4bf" providerId="ADAL" clId="{078883C6-B170-431A-B618-2377990D26DA}" dt="2023-09-17T15:57:12.163" v="188"/>
-          <ac:spMkLst>
-            <pc:docMk/>
-            <pc:sldMk cId="2308303562" sldId="288"/>
-            <ac:spMk id="8" creationId="{1E84BDB3-24F8-5DAE-D4BA-32116D23839F}"/>
-          </ac:spMkLst>
-        </pc:spChg>
-        <pc:picChg chg="mod">
-          <ac:chgData name="MIGUEL TRIGUEROS MUÑOZ" userId="a4ee0321-97d7-430f-98a8-7ed13ff9a4bf" providerId="ADAL" clId="{078883C6-B170-431A-B618-2377990D26DA}" dt="2023-09-16T17:37:25.142" v="163"/>
-          <ac:picMkLst>
-            <pc:docMk/>
-            <pc:sldMk cId="2308303562" sldId="288"/>
-            <ac:picMk id="11" creationId="{F5FDB15E-3A42-D5BD-8556-B37B2CD993F6}"/>
-          </ac:picMkLst>
-        </pc:picChg>
-      </pc:sldChg>
-      <pc:sldChg chg="delSp modSp mod">
-        <pc:chgData name="MIGUEL TRIGUEROS MUÑOZ" userId="a4ee0321-97d7-430f-98a8-7ed13ff9a4bf" providerId="ADAL" clId="{078883C6-B170-431A-B618-2377990D26DA}" dt="2023-09-17T15:57:12.163" v="188"/>
-        <pc:sldMkLst>
-          <pc:docMk/>
-          <pc:sldMk cId="941686109" sldId="289"/>
-        </pc:sldMkLst>
-        <pc:spChg chg="mod">
-          <ac:chgData name="MIGUEL TRIGUEROS MUÑOZ" userId="a4ee0321-97d7-430f-98a8-7ed13ff9a4bf" providerId="ADAL" clId="{078883C6-B170-431A-B618-2377990D26DA}" dt="2023-09-17T15:57:12.163" v="188"/>
-          <ac:spMkLst>
-            <pc:docMk/>
-            <pc:sldMk cId="941686109" sldId="289"/>
-            <ac:spMk id="2" creationId="{F4886B37-24FA-B6E3-2E41-4B0F53DEDF91}"/>
-          </ac:spMkLst>
-        </pc:spChg>
-        <pc:spChg chg="mod">
-          <ac:chgData name="MIGUEL TRIGUEROS MUÑOZ" userId="a4ee0321-97d7-430f-98a8-7ed13ff9a4bf" providerId="ADAL" clId="{078883C6-B170-431A-B618-2377990D26DA}" dt="2023-09-17T15:57:12.163" v="188"/>
-          <ac:spMkLst>
-            <pc:docMk/>
-            <pc:sldMk cId="941686109" sldId="289"/>
-            <ac:spMk id="3" creationId="{D8584C65-2266-F01C-200A-E5B91AF349CB}"/>
-          </ac:spMkLst>
-        </pc:spChg>
-        <pc:spChg chg="del">
-          <ac:chgData name="MIGUEL TRIGUEROS MUÑOZ" userId="a4ee0321-97d7-430f-98a8-7ed13ff9a4bf" providerId="ADAL" clId="{078883C6-B170-431A-B618-2377990D26DA}" dt="2023-09-12T11:42:01.733" v="53" actId="478"/>
-          <ac:spMkLst>
-            <pc:docMk/>
-            <pc:sldMk cId="941686109" sldId="289"/>
-            <ac:spMk id="4" creationId="{570D630C-1137-E5A1-753E-F3D2840D2CFA}"/>
-          </ac:spMkLst>
-        </pc:spChg>
-        <pc:spChg chg="mod">
-          <ac:chgData name="MIGUEL TRIGUEROS MUÑOZ" userId="a4ee0321-97d7-430f-98a8-7ed13ff9a4bf" providerId="ADAL" clId="{078883C6-B170-431A-B618-2377990D26DA}" dt="2023-09-17T15:57:12.163" v="188"/>
-          <ac:spMkLst>
-            <pc:docMk/>
-            <pc:sldMk cId="941686109" sldId="289"/>
-            <ac:spMk id="5" creationId="{99174800-6747-B798-4F9F-FD3D94833290}"/>
-          </ac:spMkLst>
-        </pc:spChg>
-        <pc:picChg chg="mod">
-          <ac:chgData name="MIGUEL TRIGUEROS MUÑOZ" userId="a4ee0321-97d7-430f-98a8-7ed13ff9a4bf" providerId="ADAL" clId="{078883C6-B170-431A-B618-2377990D26DA}" dt="2023-09-16T17:38:46.049" v="169"/>
-          <ac:picMkLst>
-            <pc:docMk/>
-            <pc:sldMk cId="941686109" sldId="289"/>
-            <ac:picMk id="6" creationId="{5B66C61E-E8C3-1D4E-4F73-8301A6704F71}"/>
-          </ac:picMkLst>
-        </pc:picChg>
-      </pc:sldChg>
-      <pc:sldChg chg="delSp modSp mod">
-        <pc:chgData name="MIGUEL TRIGUEROS MUÑOZ" userId="a4ee0321-97d7-430f-98a8-7ed13ff9a4bf" providerId="ADAL" clId="{078883C6-B170-431A-B618-2377990D26DA}" dt="2023-09-17T15:57:12.855" v="192" actId="27636"/>
-        <pc:sldMkLst>
-          <pc:docMk/>
-          <pc:sldMk cId="2855820299" sldId="291"/>
-        </pc:sldMkLst>
-        <pc:spChg chg="mod">
-          <ac:chgData name="MIGUEL TRIGUEROS MUÑOZ" userId="a4ee0321-97d7-430f-98a8-7ed13ff9a4bf" providerId="ADAL" clId="{078883C6-B170-431A-B618-2377990D26DA}" dt="2023-09-17T15:57:12.855" v="192" actId="27636"/>
-          <ac:spMkLst>
-            <pc:docMk/>
-            <pc:sldMk cId="2855820299" sldId="291"/>
-            <ac:spMk id="2" creationId="{7419A668-FA3E-6FEB-D010-D606DEACA710}"/>
-          </ac:spMkLst>
-        </pc:spChg>
-        <pc:spChg chg="del">
-          <ac:chgData name="MIGUEL TRIGUEROS MUÑOZ" userId="a4ee0321-97d7-430f-98a8-7ed13ff9a4bf" providerId="ADAL" clId="{078883C6-B170-431A-B618-2377990D26DA}" dt="2023-09-12T11:42:11.533" v="55" actId="478"/>
-          <ac:spMkLst>
-            <pc:docMk/>
-            <pc:sldMk cId="2855820299" sldId="291"/>
-            <ac:spMk id="4" creationId="{B00EEFE6-5997-8999-68F9-2DD4F3E9E16A}"/>
-          </ac:spMkLst>
-        </pc:spChg>
-        <pc:spChg chg="mod">
-          <ac:chgData name="MIGUEL TRIGUEROS MUÑOZ" userId="a4ee0321-97d7-430f-98a8-7ed13ff9a4bf" providerId="ADAL" clId="{078883C6-B170-431A-B618-2377990D26DA}" dt="2023-09-17T15:57:12.163" v="188"/>
-          <ac:spMkLst>
-            <pc:docMk/>
-            <pc:sldMk cId="2855820299" sldId="291"/>
-            <ac:spMk id="5" creationId="{C514E767-DE37-199B-0C75-795503DBC30A}"/>
-          </ac:spMkLst>
-        </pc:spChg>
-        <pc:spChg chg="mod">
-          <ac:chgData name="MIGUEL TRIGUEROS MUÑOZ" userId="a4ee0321-97d7-430f-98a8-7ed13ff9a4bf" providerId="ADAL" clId="{078883C6-B170-431A-B618-2377990D26DA}" dt="2023-09-16T17:39:30.334" v="182" actId="2710"/>
-          <ac:spMkLst>
-            <pc:docMk/>
-            <pc:sldMk cId="2855820299" sldId="291"/>
-            <ac:spMk id="12" creationId="{F62BE054-AFA4-E0C3-D337-5831DC6586D6}"/>
-          </ac:spMkLst>
-        </pc:spChg>
-        <pc:graphicFrameChg chg="modGraphic">
-          <ac:chgData name="MIGUEL TRIGUEROS MUÑOZ" userId="a4ee0321-97d7-430f-98a8-7ed13ff9a4bf" providerId="ADAL" clId="{078883C6-B170-431A-B618-2377990D26DA}" dt="2023-09-12T11:31:15.422" v="6" actId="20577"/>
-          <ac:graphicFrameMkLst>
-            <pc:docMk/>
-            <pc:sldMk cId="2855820299" sldId="291"/>
-            <ac:graphicFrameMk id="11" creationId="{6657B4B4-0A17-2143-055A-1048C72EB6C4}"/>
-          </ac:graphicFrameMkLst>
-        </pc:graphicFrameChg>
-      </pc:sldChg>
-      <pc:sldChg chg="addSp delSp modSp mod">
-        <pc:chgData name="MIGUEL TRIGUEROS MUÑOZ" userId="a4ee0321-97d7-430f-98a8-7ed13ff9a4bf" providerId="ADAL" clId="{078883C6-B170-431A-B618-2377990D26DA}" dt="2023-09-17T15:57:12.163" v="188"/>
-        <pc:sldMkLst>
-          <pc:docMk/>
-          <pc:sldMk cId="1540503682" sldId="292"/>
-        </pc:sldMkLst>
-        <pc:spChg chg="mod">
-          <ac:chgData name="MIGUEL TRIGUEROS MUÑOZ" userId="a4ee0321-97d7-430f-98a8-7ed13ff9a4bf" providerId="ADAL" clId="{078883C6-B170-431A-B618-2377990D26DA}" dt="2023-09-17T15:57:12.163" v="188"/>
-          <ac:spMkLst>
-            <pc:docMk/>
-            <pc:sldMk cId="1540503682" sldId="292"/>
-            <ac:spMk id="2" creationId="{67AAD095-0A4D-20E0-BCD5-E80EBE23748F}"/>
-          </ac:spMkLst>
-        </pc:spChg>
-        <pc:spChg chg="mod">
-          <ac:chgData name="MIGUEL TRIGUEROS MUÑOZ" userId="a4ee0321-97d7-430f-98a8-7ed13ff9a4bf" providerId="ADAL" clId="{078883C6-B170-431A-B618-2377990D26DA}" dt="2023-09-17T15:57:12.163" v="188"/>
-          <ac:spMkLst>
-            <pc:docMk/>
-            <pc:sldMk cId="1540503682" sldId="292"/>
-            <ac:spMk id="3" creationId="{D6A2645D-285C-F891-19CF-EF0ABC287697}"/>
-          </ac:spMkLst>
-        </pc:spChg>
-        <pc:spChg chg="del mod">
-          <ac:chgData name="MIGUEL TRIGUEROS MUÑOZ" userId="a4ee0321-97d7-430f-98a8-7ed13ff9a4bf" providerId="ADAL" clId="{078883C6-B170-431A-B618-2377990D26DA}" dt="2023-09-12T11:42:20.951" v="59" actId="478"/>
-          <ac:spMkLst>
-            <pc:docMk/>
-            <pc:sldMk cId="1540503682" sldId="292"/>
-            <ac:spMk id="4" creationId="{2EBF2F31-B677-7D20-D4BE-5E809F814CE4}"/>
-          </ac:spMkLst>
-        </pc:spChg>
-        <pc:spChg chg="mod">
-          <ac:chgData name="MIGUEL TRIGUEROS MUÑOZ" userId="a4ee0321-97d7-430f-98a8-7ed13ff9a4bf" providerId="ADAL" clId="{078883C6-B170-431A-B618-2377990D26DA}" dt="2023-09-17T15:57:12.163" v="188"/>
-          <ac:spMkLst>
-            <pc:docMk/>
-            <pc:sldMk cId="1540503682" sldId="292"/>
-            <ac:spMk id="5" creationId="{08ADB1D2-35EF-EBD7-54DA-46527EF8D369}"/>
-          </ac:spMkLst>
-        </pc:spChg>
-        <pc:picChg chg="add del">
-          <ac:chgData name="MIGUEL TRIGUEROS MUÑOZ" userId="a4ee0321-97d7-430f-98a8-7ed13ff9a4bf" providerId="ADAL" clId="{078883C6-B170-431A-B618-2377990D26DA}" dt="2023-09-12T11:42:40.327" v="64" actId="478"/>
-          <ac:picMkLst>
-            <pc:docMk/>
-            <pc:sldMk cId="1540503682" sldId="292"/>
-            <ac:picMk id="8" creationId="{CAB50FA6-987B-D0BC-1018-7A34933A48AF}"/>
-          </ac:picMkLst>
-        </pc:picChg>
-      </pc:sldChg>
-      <pc:sldChg chg="delSp modSp mod">
-        <pc:chgData name="MIGUEL TRIGUEROS MUÑOZ" userId="a4ee0321-97d7-430f-98a8-7ed13ff9a4bf" providerId="ADAL" clId="{078883C6-B170-431A-B618-2377990D26DA}" dt="2023-09-17T15:57:12.163" v="188"/>
-        <pc:sldMkLst>
-          <pc:docMk/>
-          <pc:sldMk cId="1546270621" sldId="293"/>
-        </pc:sldMkLst>
-        <pc:spChg chg="mod">
-          <ac:chgData name="MIGUEL TRIGUEROS MUÑOZ" userId="a4ee0321-97d7-430f-98a8-7ed13ff9a4bf" providerId="ADAL" clId="{078883C6-B170-431A-B618-2377990D26DA}" dt="2023-09-17T15:57:12.163" v="188"/>
-          <ac:spMkLst>
-            <pc:docMk/>
-            <pc:sldMk cId="1546270621" sldId="293"/>
-            <ac:spMk id="2" creationId="{8091409C-B562-4DB7-668D-2DA9D7F890C6}"/>
-          </ac:spMkLst>
-        </pc:spChg>
-        <pc:spChg chg="del">
-          <ac:chgData name="MIGUEL TRIGUEROS MUÑOZ" userId="a4ee0321-97d7-430f-98a8-7ed13ff9a4bf" providerId="ADAL" clId="{078883C6-B170-431A-B618-2377990D26DA}" dt="2023-09-12T11:42:22.925" v="60" actId="478"/>
-          <ac:spMkLst>
-            <pc:docMk/>
-            <pc:sldMk cId="1546270621" sldId="293"/>
-            <ac:spMk id="4" creationId="{A5318096-0ED8-762C-577E-0D638D5DC7F1}"/>
-          </ac:spMkLst>
-        </pc:spChg>
-        <pc:spChg chg="mod">
-          <ac:chgData name="MIGUEL TRIGUEROS MUÑOZ" userId="a4ee0321-97d7-430f-98a8-7ed13ff9a4bf" providerId="ADAL" clId="{078883C6-B170-431A-B618-2377990D26DA}" dt="2023-09-17T15:57:12.163" v="188"/>
-          <ac:spMkLst>
-            <pc:docMk/>
-            <pc:sldMk cId="1546270621" sldId="293"/>
-            <ac:spMk id="5" creationId="{1D74995A-2D56-8D1F-02B9-8A988EC607DA}"/>
-          </ac:spMkLst>
-        </pc:spChg>
-      </pc:sldChg>
-      <pc:sldChg chg="delSp modSp mod">
-        <pc:chgData name="MIGUEL TRIGUEROS MUÑOZ" userId="a4ee0321-97d7-430f-98a8-7ed13ff9a4bf" providerId="ADAL" clId="{078883C6-B170-431A-B618-2377990D26DA}" dt="2023-09-17T15:57:12.821" v="190" actId="27636"/>
-        <pc:sldMkLst>
-          <pc:docMk/>
-          <pc:sldMk cId="3907902554" sldId="295"/>
-        </pc:sldMkLst>
-        <pc:spChg chg="mod">
-          <ac:chgData name="MIGUEL TRIGUEROS MUÑOZ" userId="a4ee0321-97d7-430f-98a8-7ed13ff9a4bf" providerId="ADAL" clId="{078883C6-B170-431A-B618-2377990D26DA}" dt="2023-09-17T15:57:12.821" v="190" actId="27636"/>
-          <ac:spMkLst>
-            <pc:docMk/>
-            <pc:sldMk cId="3907902554" sldId="295"/>
-            <ac:spMk id="2" creationId="{8091409C-B562-4DB7-668D-2DA9D7F890C6}"/>
-          </ac:spMkLst>
-        </pc:spChg>
-        <pc:spChg chg="del">
-          <ac:chgData name="MIGUEL TRIGUEROS MUÑOZ" userId="a4ee0321-97d7-430f-98a8-7ed13ff9a4bf" providerId="ADAL" clId="{078883C6-B170-431A-B618-2377990D26DA}" dt="2023-09-12T11:42:35.310" v="62" actId="478"/>
-          <ac:spMkLst>
-            <pc:docMk/>
-            <pc:sldMk cId="3907902554" sldId="295"/>
-            <ac:spMk id="4" creationId="{A5318096-0ED8-762C-577E-0D638D5DC7F1}"/>
-          </ac:spMkLst>
-        </pc:spChg>
-        <pc:spChg chg="mod">
-          <ac:chgData name="MIGUEL TRIGUEROS MUÑOZ" userId="a4ee0321-97d7-430f-98a8-7ed13ff9a4bf" providerId="ADAL" clId="{078883C6-B170-431A-B618-2377990D26DA}" dt="2023-09-17T15:57:12.163" v="188"/>
-          <ac:spMkLst>
-            <pc:docMk/>
-            <pc:sldMk cId="3907902554" sldId="295"/>
-            <ac:spMk id="5" creationId="{1D74995A-2D56-8D1F-02B9-8A988EC607DA}"/>
-          </ac:spMkLst>
-        </pc:spChg>
-      </pc:sldChg>
-      <pc:sldChg chg="delSp modSp mod">
-        <pc:chgData name="MIGUEL TRIGUEROS MUÑOZ" userId="a4ee0321-97d7-430f-98a8-7ed13ff9a4bf" providerId="ADAL" clId="{078883C6-B170-431A-B618-2377990D26DA}" dt="2023-09-17T15:57:12.830" v="191" actId="27636"/>
-        <pc:sldMkLst>
-          <pc:docMk/>
-          <pc:sldMk cId="3159862926" sldId="299"/>
-        </pc:sldMkLst>
-        <pc:spChg chg="mod">
-          <ac:chgData name="MIGUEL TRIGUEROS MUÑOZ" userId="a4ee0321-97d7-430f-98a8-7ed13ff9a4bf" providerId="ADAL" clId="{078883C6-B170-431A-B618-2377990D26DA}" dt="2023-09-17T15:57:12.830" v="191" actId="27636"/>
-          <ac:spMkLst>
-            <pc:docMk/>
-            <pc:sldMk cId="3159862926" sldId="299"/>
-            <ac:spMk id="2" creationId="{8091409C-B562-4DB7-668D-2DA9D7F890C6}"/>
-          </ac:spMkLst>
-        </pc:spChg>
-        <pc:spChg chg="del">
-          <ac:chgData name="MIGUEL TRIGUEROS MUÑOZ" userId="a4ee0321-97d7-430f-98a8-7ed13ff9a4bf" providerId="ADAL" clId="{078883C6-B170-431A-B618-2377990D26DA}" dt="2023-09-12T11:42:25.102" v="61" actId="478"/>
-          <ac:spMkLst>
-            <pc:docMk/>
-            <pc:sldMk cId="3159862926" sldId="299"/>
-            <ac:spMk id="4" creationId="{A5318096-0ED8-762C-577E-0D638D5DC7F1}"/>
-          </ac:spMkLst>
-        </pc:spChg>
-        <pc:spChg chg="mod">
-          <ac:chgData name="MIGUEL TRIGUEROS MUÑOZ" userId="a4ee0321-97d7-430f-98a8-7ed13ff9a4bf" providerId="ADAL" clId="{078883C6-B170-431A-B618-2377990D26DA}" dt="2023-09-17T15:57:12.163" v="188"/>
-          <ac:spMkLst>
-            <pc:docMk/>
-            <pc:sldMk cId="3159862926" sldId="299"/>
-            <ac:spMk id="5" creationId="{1D74995A-2D56-8D1F-02B9-8A988EC607DA}"/>
-          </ac:spMkLst>
-        </pc:spChg>
-        <pc:spChg chg="mod">
-          <ac:chgData name="MIGUEL TRIGUEROS MUÑOZ" userId="a4ee0321-97d7-430f-98a8-7ed13ff9a4bf" providerId="ADAL" clId="{078883C6-B170-431A-B618-2377990D26DA}" dt="2023-09-17T15:57:12.163" v="188"/>
-          <ac:spMkLst>
-            <pc:docMk/>
-            <pc:sldMk cId="3159862926" sldId="299"/>
-            <ac:spMk id="6" creationId="{D387D461-D88B-31F5-6B4C-DD5904E1E33E}"/>
-          </ac:spMkLst>
-        </pc:spChg>
-      </pc:sldChg>
-      <pc:sldChg chg="delSp modSp mod">
-        <pc:chgData name="MIGUEL TRIGUEROS MUÑOZ" userId="a4ee0321-97d7-430f-98a8-7ed13ff9a4bf" providerId="ADAL" clId="{078883C6-B170-431A-B618-2377990D26DA}" dt="2023-09-17T15:57:12.862" v="193" actId="27636"/>
-        <pc:sldMkLst>
-          <pc:docMk/>
-          <pc:sldMk cId="412294843" sldId="300"/>
-        </pc:sldMkLst>
-        <pc:spChg chg="mod">
-          <ac:chgData name="MIGUEL TRIGUEROS MUÑOZ" userId="a4ee0321-97d7-430f-98a8-7ed13ff9a4bf" providerId="ADAL" clId="{078883C6-B170-431A-B618-2377990D26DA}" dt="2023-09-17T15:57:12.862" v="193" actId="27636"/>
-          <ac:spMkLst>
-            <pc:docMk/>
-            <pc:sldMk cId="412294843" sldId="300"/>
-            <ac:spMk id="2" creationId="{7419A668-FA3E-6FEB-D010-D606DEACA710}"/>
-          </ac:spMkLst>
-        </pc:spChg>
-        <pc:spChg chg="del">
-          <ac:chgData name="MIGUEL TRIGUEROS MUÑOZ" userId="a4ee0321-97d7-430f-98a8-7ed13ff9a4bf" providerId="ADAL" clId="{078883C6-B170-431A-B618-2377990D26DA}" dt="2023-09-12T11:42:14.145" v="56" actId="478"/>
-          <ac:spMkLst>
-            <pc:docMk/>
-            <pc:sldMk cId="412294843" sldId="300"/>
-            <ac:spMk id="4" creationId="{B00EEFE6-5997-8999-68F9-2DD4F3E9E16A}"/>
-          </ac:spMkLst>
-        </pc:spChg>
-        <pc:spChg chg="mod">
-          <ac:chgData name="MIGUEL TRIGUEROS MUÑOZ" userId="a4ee0321-97d7-430f-98a8-7ed13ff9a4bf" providerId="ADAL" clId="{078883C6-B170-431A-B618-2377990D26DA}" dt="2023-09-17T15:57:12.163" v="188"/>
-          <ac:spMkLst>
-            <pc:docMk/>
-            <pc:sldMk cId="412294843" sldId="300"/>
-            <ac:spMk id="5" creationId="{C514E767-DE37-199B-0C75-795503DBC30A}"/>
-          </ac:spMkLst>
-        </pc:spChg>
-        <pc:spChg chg="mod">
-          <ac:chgData name="MIGUEL TRIGUEROS MUÑOZ" userId="a4ee0321-97d7-430f-98a8-7ed13ff9a4bf" providerId="ADAL" clId="{078883C6-B170-431A-B618-2377990D26DA}" dt="2023-09-16T17:39:46.001" v="184" actId="2710"/>
-          <ac:spMkLst>
-            <pc:docMk/>
-            <pc:sldMk cId="412294843" sldId="300"/>
-            <ac:spMk id="12" creationId="{F62BE054-AFA4-E0C3-D337-5831DC6586D6}"/>
-          </ac:spMkLst>
-        </pc:spChg>
-      </pc:sldChg>
-      <pc:sldChg chg="delSp modSp mod">
-        <pc:chgData name="MIGUEL TRIGUEROS MUÑOZ" userId="a4ee0321-97d7-430f-98a8-7ed13ff9a4bf" providerId="ADAL" clId="{078883C6-B170-431A-B618-2377990D26DA}" dt="2023-09-17T15:57:12.689" v="189" actId="27636"/>
-        <pc:sldMkLst>
-          <pc:docMk/>
-          <pc:sldMk cId="3375748173" sldId="301"/>
-        </pc:sldMkLst>
-        <pc:spChg chg="mod">
-          <ac:chgData name="MIGUEL TRIGUEROS MUÑOZ" userId="a4ee0321-97d7-430f-98a8-7ed13ff9a4bf" providerId="ADAL" clId="{078883C6-B170-431A-B618-2377990D26DA}" dt="2023-09-17T15:57:12.689" v="189" actId="27636"/>
-          <ac:spMkLst>
-            <pc:docMk/>
-            <pc:sldMk cId="3375748173" sldId="301"/>
-            <ac:spMk id="2" creationId="{7419A668-FA3E-6FEB-D010-D606DEACA710}"/>
-          </ac:spMkLst>
-        </pc:spChg>
-        <pc:spChg chg="del">
-          <ac:chgData name="MIGUEL TRIGUEROS MUÑOZ" userId="a4ee0321-97d7-430f-98a8-7ed13ff9a4bf" providerId="ADAL" clId="{078883C6-B170-431A-B618-2377990D26DA}" dt="2023-09-12T11:42:17.737" v="57" actId="478"/>
-          <ac:spMkLst>
-            <pc:docMk/>
-            <pc:sldMk cId="3375748173" sldId="301"/>
-            <ac:spMk id="4" creationId="{B00EEFE6-5997-8999-68F9-2DD4F3E9E16A}"/>
-          </ac:spMkLst>
-        </pc:spChg>
-        <pc:spChg chg="mod">
-          <ac:chgData name="MIGUEL TRIGUEROS MUÑOZ" userId="a4ee0321-97d7-430f-98a8-7ed13ff9a4bf" providerId="ADAL" clId="{078883C6-B170-431A-B618-2377990D26DA}" dt="2023-09-17T15:57:12.163" v="188"/>
-          <ac:spMkLst>
-            <pc:docMk/>
-            <pc:sldMk cId="3375748173" sldId="301"/>
-            <ac:spMk id="5" creationId="{C514E767-DE37-199B-0C75-795503DBC30A}"/>
-          </ac:spMkLst>
-        </pc:spChg>
-        <pc:spChg chg="mod">
-          <ac:chgData name="MIGUEL TRIGUEROS MUÑOZ" userId="a4ee0321-97d7-430f-98a8-7ed13ff9a4bf" providerId="ADAL" clId="{078883C6-B170-431A-B618-2377990D26DA}" dt="2023-09-16T17:40:00.242" v="185" actId="2710"/>
-          <ac:spMkLst>
-            <pc:docMk/>
-            <pc:sldMk cId="3375748173" sldId="301"/>
-            <ac:spMk id="12" creationId="{F62BE054-AFA4-E0C3-D337-5831DC6586D6}"/>
-          </ac:spMkLst>
-        </pc:spChg>
-      </pc:sldChg>
-      <pc:sldChg chg="delSp mod delDesignElem">
-        <pc:chgData name="MIGUEL TRIGUEROS MUÑOZ" userId="a4ee0321-97d7-430f-98a8-7ed13ff9a4bf" providerId="ADAL" clId="{078883C6-B170-431A-B618-2377990D26DA}" dt="2023-09-17T15:57:12.163" v="188"/>
-        <pc:sldMkLst>
-          <pc:docMk/>
-          <pc:sldMk cId="628924924" sldId="302"/>
-        </pc:sldMkLst>
-        <pc:spChg chg="del">
-          <ac:chgData name="MIGUEL TRIGUEROS MUÑOZ" userId="a4ee0321-97d7-430f-98a8-7ed13ff9a4bf" providerId="ADAL" clId="{078883C6-B170-431A-B618-2377990D26DA}" dt="2023-09-12T11:42:07.805" v="54" actId="478"/>
-          <ac:spMkLst>
-            <pc:docMk/>
-            <pc:sldMk cId="628924924" sldId="302"/>
-            <ac:spMk id="4" creationId="{570D630C-1137-E5A1-753E-F3D2840D2CFA}"/>
-          </ac:spMkLst>
-        </pc:spChg>
-        <pc:spChg chg="del">
-          <ac:chgData name="MIGUEL TRIGUEROS MUÑOZ" userId="a4ee0321-97d7-430f-98a8-7ed13ff9a4bf" providerId="ADAL" clId="{078883C6-B170-431A-B618-2377990D26DA}" dt="2023-09-17T15:57:12.163" v="188"/>
-          <ac:spMkLst>
-            <pc:docMk/>
-            <pc:sldMk cId="628924924" sldId="302"/>
-            <ac:spMk id="67" creationId="{D94A7024-D948-494D-8920-BBA2DA07D15B}"/>
-          </ac:spMkLst>
-        </pc:spChg>
-      </pc:sldChg>
-      <pc:sldMasterChg chg="addSp delSp modSp mod modSldLayout">
-        <pc:chgData name="MIGUEL TRIGUEROS MUÑOZ" userId="a4ee0321-97d7-430f-98a8-7ed13ff9a4bf" providerId="ADAL" clId="{078883C6-B170-431A-B618-2377990D26DA}" dt="2023-09-12T11:46:54.318" v="150" actId="207"/>
-        <pc:sldMasterMkLst>
-          <pc:docMk/>
-          <pc:sldMasterMk cId="1921297164" sldId="2147483695"/>
-        </pc:sldMasterMkLst>
-        <pc:spChg chg="mod">
-          <ac:chgData name="MIGUEL TRIGUEROS MUÑOZ" userId="a4ee0321-97d7-430f-98a8-7ed13ff9a4bf" providerId="ADAL" clId="{078883C6-B170-431A-B618-2377990D26DA}" dt="2023-09-12T11:43:40.279" v="98" actId="1076"/>
-          <ac:spMkLst>
-            <pc:docMk/>
-            <pc:sldMasterMk cId="1921297164" sldId="2147483695"/>
-            <ac:spMk id="2" creationId="{00000000-0000-0000-0000-000000000000}"/>
-          </ac:spMkLst>
-        </pc:spChg>
-        <pc:spChg chg="del">
-          <ac:chgData name="MIGUEL TRIGUEROS MUÑOZ" userId="a4ee0321-97d7-430f-98a8-7ed13ff9a4bf" providerId="ADAL" clId="{078883C6-B170-431A-B618-2377990D26DA}" dt="2023-09-12T11:45:59.628" v="148" actId="478"/>
-          <ac:spMkLst>
-            <pc:docMk/>
-            <pc:sldMasterMk cId="1921297164" sldId="2147483695"/>
-            <ac:spMk id="4" creationId="{00000000-0000-0000-0000-000000000000}"/>
-          </ac:spMkLst>
-        </pc:spChg>
-        <pc:spChg chg="del mod">
-          <ac:chgData name="MIGUEL TRIGUEROS MUÑOZ" userId="a4ee0321-97d7-430f-98a8-7ed13ff9a4bf" providerId="ADAL" clId="{078883C6-B170-431A-B618-2377990D26DA}" dt="2023-09-12T11:43:52.882" v="99" actId="478"/>
-          <ac:spMkLst>
-            <pc:docMk/>
-            <pc:sldMasterMk cId="1921297164" sldId="2147483695"/>
-            <ac:spMk id="5" creationId="{00000000-0000-0000-0000-000000000000}"/>
-          </ac:spMkLst>
-        </pc:spChg>
-        <pc:spChg chg="mod">
-          <ac:chgData name="MIGUEL TRIGUEROS MUÑOZ" userId="a4ee0321-97d7-430f-98a8-7ed13ff9a4bf" providerId="ADAL" clId="{078883C6-B170-431A-B618-2377990D26DA}" dt="2023-09-12T11:46:54.318" v="150" actId="207"/>
-          <ac:spMkLst>
-            <pc:docMk/>
-            <pc:sldMasterMk cId="1921297164" sldId="2147483695"/>
-            <ac:spMk id="6" creationId="{00000000-0000-0000-0000-000000000000}"/>
-          </ac:spMkLst>
-        </pc:spChg>
-        <pc:spChg chg="mod">
-          <ac:chgData name="MIGUEL TRIGUEROS MUÑOZ" userId="a4ee0321-97d7-430f-98a8-7ed13ff9a4bf" providerId="ADAL" clId="{078883C6-B170-431A-B618-2377990D26DA}" dt="2023-09-12T11:43:34.705" v="97" actId="27636"/>
-          <ac:spMkLst>
-            <pc:docMk/>
-            <pc:sldMasterMk cId="1921297164" sldId="2147483695"/>
-            <ac:spMk id="18" creationId="{FC367CCA-2080-24D5-D2DE-D4216A5A770D}"/>
-          </ac:spMkLst>
-        </pc:spChg>
-        <pc:spChg chg="add mod">
-          <ac:chgData name="MIGUEL TRIGUEROS MUÑOZ" userId="a4ee0321-97d7-430f-98a8-7ed13ff9a4bf" providerId="ADAL" clId="{078883C6-B170-431A-B618-2377990D26DA}" dt="2023-09-12T11:45:53.441" v="146" actId="1076"/>
-          <ac:spMkLst>
-            <pc:docMk/>
-            <pc:sldMasterMk cId="1921297164" sldId="2147483695"/>
-            <ac:spMk id="19" creationId="{317BA6F2-15C9-7267-64F7-9EE516D0FAB6}"/>
-          </ac:spMkLst>
-        </pc:spChg>
-        <pc:sldLayoutChg chg="delSp modSp mod">
-          <pc:chgData name="MIGUEL TRIGUEROS MUÑOZ" userId="a4ee0321-97d7-430f-98a8-7ed13ff9a4bf" providerId="ADAL" clId="{078883C6-B170-431A-B618-2377990D26DA}" dt="2023-09-12T11:45:40.419" v="144" actId="478"/>
-          <pc:sldLayoutMkLst>
-            <pc:docMk/>
-            <pc:sldMasterMk cId="1921297164" sldId="2147483695"/>
-            <pc:sldLayoutMk cId="3747580298" sldId="2147483696"/>
-          </pc:sldLayoutMkLst>
-          <pc:spChg chg="del mod">
-            <ac:chgData name="MIGUEL TRIGUEROS MUÑOZ" userId="a4ee0321-97d7-430f-98a8-7ed13ff9a4bf" providerId="ADAL" clId="{078883C6-B170-431A-B618-2377990D26DA}" dt="2023-09-12T11:45:40.419" v="144" actId="478"/>
-            <ac:spMkLst>
-              <pc:docMk/>
-              <pc:sldMasterMk cId="1921297164" sldId="2147483695"/>
-              <pc:sldLayoutMk cId="3747580298" sldId="2147483696"/>
-              <ac:spMk id="5" creationId="{00000000-0000-0000-0000-000000000000}"/>
-            </ac:spMkLst>
-          </pc:spChg>
-        </pc:sldLayoutChg>
-      </pc:sldMasterChg>
-      <pc:sldMasterChg chg="addSp">
-        <pc:chgData name="MIGUEL TRIGUEROS MUÑOZ" userId="a4ee0321-97d7-430f-98a8-7ed13ff9a4bf" providerId="ADAL" clId="{078883C6-B170-431A-B618-2377990D26DA}" dt="2023-09-17T15:57:12.163" v="188"/>
-        <pc:sldMasterMkLst>
-          <pc:docMk/>
-          <pc:sldMasterMk cId="4293806566" sldId="2147483715"/>
-        </pc:sldMasterMkLst>
-        <pc:spChg chg="add">
-          <ac:chgData name="MIGUEL TRIGUEROS MUÑOZ" userId="a4ee0321-97d7-430f-98a8-7ed13ff9a4bf" providerId="ADAL" clId="{078883C6-B170-431A-B618-2377990D26DA}" dt="2023-09-17T15:57:12.163" v="188"/>
-          <ac:spMkLst>
-            <pc:docMk/>
-            <pc:sldMasterMk cId="4293806566" sldId="2147483715"/>
-            <ac:spMk id="18" creationId="{7F2C694F-D778-9742-C944-F21301238ECC}"/>
-          </ac:spMkLst>
-        </pc:spChg>
-        <pc:spChg chg="add">
-          <ac:chgData name="MIGUEL TRIGUEROS MUÑOZ" userId="a4ee0321-97d7-430f-98a8-7ed13ff9a4bf" providerId="ADAL" clId="{078883C6-B170-431A-B618-2377990D26DA}" dt="2023-09-17T15:57:12.163" v="188"/>
-          <ac:spMkLst>
-            <pc:docMk/>
-            <pc:sldMasterMk cId="4293806566" sldId="2147483715"/>
-            <ac:spMk id="19" creationId="{044C076E-FA8E-508F-59D8-DA1A0E489D6A}"/>
-          </ac:spMkLst>
-        </pc:spChg>
-      </pc:sldMasterChg>
-    </pc:docChg>
-  </pc:docChgLst>
-  <pc:docChgLst>
-    <pc:chgData name="MIGUEL TRIGUEROS MUÑOZ" userId="a4ee0321-97d7-430f-98a8-7ed13ff9a4bf" providerId="ADAL" clId="{8D8EA906-E9D8-4C30-8EB6-22828687E48D}"/>
-    <pc:docChg chg="undo custSel addSld delSld modSld">
-      <pc:chgData name="MIGUEL TRIGUEROS MUÑOZ" userId="a4ee0321-97d7-430f-98a8-7ed13ff9a4bf" providerId="ADAL" clId="{8D8EA906-E9D8-4C30-8EB6-22828687E48D}" dt="2024-09-15T07:35:07.191" v="563" actId="732"/>
-      <pc:docMkLst>
-        <pc:docMk/>
-      </pc:docMkLst>
-      <pc:sldChg chg="addSp delSp modSp mod">
-        <pc:chgData name="MIGUEL TRIGUEROS MUÑOZ" userId="a4ee0321-97d7-430f-98a8-7ed13ff9a4bf" providerId="ADAL" clId="{8D8EA906-E9D8-4C30-8EB6-22828687E48D}" dt="2024-09-15T07:35:07.191" v="563" actId="732"/>
-        <pc:sldMkLst>
-          <pc:docMk/>
-          <pc:sldMk cId="3228786143" sldId="287"/>
-        </pc:sldMkLst>
-        <pc:picChg chg="add mod modCrop">
-          <ac:chgData name="MIGUEL TRIGUEROS MUÑOZ" userId="a4ee0321-97d7-430f-98a8-7ed13ff9a4bf" providerId="ADAL" clId="{8D8EA906-E9D8-4C30-8EB6-22828687E48D}" dt="2024-09-15T07:35:07.191" v="563" actId="732"/>
-          <ac:picMkLst>
-            <pc:docMk/>
-            <pc:sldMk cId="3228786143" sldId="287"/>
-            <ac:picMk id="6" creationId="{7694B80B-7C84-7E65-9970-0283991DD694}"/>
-          </ac:picMkLst>
-        </pc:picChg>
-        <pc:picChg chg="del">
-          <ac:chgData name="MIGUEL TRIGUEROS MUÑOZ" userId="a4ee0321-97d7-430f-98a8-7ed13ff9a4bf" providerId="ADAL" clId="{8D8EA906-E9D8-4C30-8EB6-22828687E48D}" dt="2024-09-15T07:34:21.354" v="556" actId="478"/>
-          <ac:picMkLst>
-            <pc:docMk/>
-            <pc:sldMk cId="3228786143" sldId="287"/>
-            <ac:picMk id="8" creationId="{8D9A0C72-BC9F-77B3-A574-2D5234B3DAD3}"/>
-          </ac:picMkLst>
-        </pc:picChg>
-      </pc:sldChg>
-      <pc:sldChg chg="modSp mod">
-        <pc:chgData name="MIGUEL TRIGUEROS MUÑOZ" userId="a4ee0321-97d7-430f-98a8-7ed13ff9a4bf" providerId="ADAL" clId="{8D8EA906-E9D8-4C30-8EB6-22828687E48D}" dt="2024-09-14T17:54:17.663" v="56" actId="20577"/>
-        <pc:sldMkLst>
-          <pc:docMk/>
-          <pc:sldMk cId="2855820299" sldId="291"/>
-        </pc:sldMkLst>
-        <pc:spChg chg="mod">
-          <ac:chgData name="MIGUEL TRIGUEROS MUÑOZ" userId="a4ee0321-97d7-430f-98a8-7ed13ff9a4bf" providerId="ADAL" clId="{8D8EA906-E9D8-4C30-8EB6-22828687E48D}" dt="2024-09-14T17:54:17.663" v="56" actId="20577"/>
-          <ac:spMkLst>
-            <pc:docMk/>
-            <pc:sldMk cId="2855820299" sldId="291"/>
-            <ac:spMk id="2" creationId="{7419A668-FA3E-6FEB-D010-D606DEACA710}"/>
-          </ac:spMkLst>
-        </pc:spChg>
-      </pc:sldChg>
-      <pc:sldChg chg="modSp mod">
-        <pc:chgData name="MIGUEL TRIGUEROS MUÑOZ" userId="a4ee0321-97d7-430f-98a8-7ed13ff9a4bf" providerId="ADAL" clId="{8D8EA906-E9D8-4C30-8EB6-22828687E48D}" dt="2024-09-14T17:52:03.286" v="45" actId="1076"/>
-        <pc:sldMkLst>
-          <pc:docMk/>
-          <pc:sldMk cId="1540503682" sldId="292"/>
-        </pc:sldMkLst>
-        <pc:picChg chg="mod">
-          <ac:chgData name="MIGUEL TRIGUEROS MUÑOZ" userId="a4ee0321-97d7-430f-98a8-7ed13ff9a4bf" providerId="ADAL" clId="{8D8EA906-E9D8-4C30-8EB6-22828687E48D}" dt="2024-09-14T17:52:03.286" v="45" actId="1076"/>
-          <ac:picMkLst>
-            <pc:docMk/>
-            <pc:sldMk cId="1540503682" sldId="292"/>
-            <ac:picMk id="8" creationId="{CAB50FA6-987B-D0BC-1018-7A34933A48AF}"/>
-          </ac:picMkLst>
-        </pc:picChg>
-      </pc:sldChg>
-      <pc:sldChg chg="modSp mod">
-        <pc:chgData name="MIGUEL TRIGUEROS MUÑOZ" userId="a4ee0321-97d7-430f-98a8-7ed13ff9a4bf" providerId="ADAL" clId="{8D8EA906-E9D8-4C30-8EB6-22828687E48D}" dt="2024-09-14T18:01:44.125" v="554" actId="20577"/>
-        <pc:sldMkLst>
-          <pc:docMk/>
-          <pc:sldMk cId="1546270621" sldId="293"/>
-        </pc:sldMkLst>
-        <pc:spChg chg="mod">
-          <ac:chgData name="MIGUEL TRIGUEROS MUÑOZ" userId="a4ee0321-97d7-430f-98a8-7ed13ff9a4bf" providerId="ADAL" clId="{8D8EA906-E9D8-4C30-8EB6-22828687E48D}" dt="2024-09-14T18:01:44.125" v="554" actId="20577"/>
-          <ac:spMkLst>
-            <pc:docMk/>
-            <pc:sldMk cId="1546270621" sldId="293"/>
-            <ac:spMk id="2" creationId="{8091409C-B562-4DB7-668D-2DA9D7F890C6}"/>
-          </ac:spMkLst>
-        </pc:spChg>
-      </pc:sldChg>
-      <pc:sldChg chg="addSp delSp modSp del mod">
-        <pc:chgData name="MIGUEL TRIGUEROS MUÑOZ" userId="a4ee0321-97d7-430f-98a8-7ed13ff9a4bf" providerId="ADAL" clId="{8D8EA906-E9D8-4C30-8EB6-22828687E48D}" dt="2024-09-14T17:57:16.238" v="377" actId="47"/>
-        <pc:sldMkLst>
-          <pc:docMk/>
-          <pc:sldMk cId="3907902554" sldId="295"/>
-        </pc:sldMkLst>
-        <pc:spChg chg="del">
-          <ac:chgData name="MIGUEL TRIGUEROS MUÑOZ" userId="a4ee0321-97d7-430f-98a8-7ed13ff9a4bf" providerId="ADAL" clId="{8D8EA906-E9D8-4C30-8EB6-22828687E48D}" dt="2024-09-14T17:57:10.464" v="376" actId="478"/>
-          <ac:spMkLst>
-            <pc:docMk/>
-            <pc:sldMk cId="3907902554" sldId="295"/>
-            <ac:spMk id="2" creationId="{8091409C-B562-4DB7-668D-2DA9D7F890C6}"/>
-          </ac:spMkLst>
-        </pc:spChg>
-        <pc:spChg chg="add del mod">
-          <ac:chgData name="MIGUEL TRIGUEROS MUÑOZ" userId="a4ee0321-97d7-430f-98a8-7ed13ff9a4bf" providerId="ADAL" clId="{8D8EA906-E9D8-4C30-8EB6-22828687E48D}" dt="2024-09-14T17:57:08.770" v="375" actId="478"/>
-          <ac:spMkLst>
-            <pc:docMk/>
-            <pc:sldMk cId="3907902554" sldId="295"/>
-            <ac:spMk id="4" creationId="{AD40073B-573F-956A-1C74-0881BC90981D}"/>
-          </ac:spMkLst>
-        </pc:spChg>
-        <pc:spChg chg="add mod">
-          <ac:chgData name="MIGUEL TRIGUEROS MUÑOZ" userId="a4ee0321-97d7-430f-98a8-7ed13ff9a4bf" providerId="ADAL" clId="{8D8EA906-E9D8-4C30-8EB6-22828687E48D}" dt="2024-09-14T17:57:10.464" v="376" actId="478"/>
-          <ac:spMkLst>
-            <pc:docMk/>
-            <pc:sldMk cId="3907902554" sldId="295"/>
-            <ac:spMk id="8" creationId="{0C890B86-9764-9539-A99F-AA900DCD1CCE}"/>
-          </ac:spMkLst>
-        </pc:spChg>
-        <pc:picChg chg="del">
-          <ac:chgData name="MIGUEL TRIGUEROS MUÑOZ" userId="a4ee0321-97d7-430f-98a8-7ed13ff9a4bf" providerId="ADAL" clId="{8D8EA906-E9D8-4C30-8EB6-22828687E48D}" dt="2024-09-14T17:57:07.071" v="374" actId="478"/>
-          <ac:picMkLst>
-            <pc:docMk/>
-            <pc:sldMk cId="3907902554" sldId="295"/>
-            <ac:picMk id="7" creationId="{BFE80768-AAC1-B5CF-F6DF-8F1E82275535}"/>
-          </ac:picMkLst>
-        </pc:picChg>
-      </pc:sldChg>
-      <pc:sldChg chg="delSp del mod">
-        <pc:chgData name="MIGUEL TRIGUEROS MUÑOZ" userId="a4ee0321-97d7-430f-98a8-7ed13ff9a4bf" providerId="ADAL" clId="{8D8EA906-E9D8-4C30-8EB6-22828687E48D}" dt="2024-09-14T17:53:21.765" v="52" actId="47"/>
-        <pc:sldMkLst>
-          <pc:docMk/>
-          <pc:sldMk cId="3159862926" sldId="299"/>
-        </pc:sldMkLst>
-        <pc:spChg chg="del">
-          <ac:chgData name="MIGUEL TRIGUEROS MUÑOZ" userId="a4ee0321-97d7-430f-98a8-7ed13ff9a4bf" providerId="ADAL" clId="{8D8EA906-E9D8-4C30-8EB6-22828687E48D}" dt="2024-09-14T17:53:20.116" v="51" actId="478"/>
-          <ac:spMkLst>
-            <pc:docMk/>
-            <pc:sldMk cId="3159862926" sldId="299"/>
-            <ac:spMk id="6" creationId="{D387D461-D88B-31F5-6B4C-DD5904E1E33E}"/>
-          </ac:spMkLst>
-        </pc:spChg>
-        <pc:picChg chg="del">
-          <ac:chgData name="MIGUEL TRIGUEROS MUÑOZ" userId="a4ee0321-97d7-430f-98a8-7ed13ff9a4bf" providerId="ADAL" clId="{8D8EA906-E9D8-4C30-8EB6-22828687E48D}" dt="2024-09-14T17:53:17.675" v="50" actId="478"/>
-          <ac:picMkLst>
-            <pc:docMk/>
-            <pc:sldMk cId="3159862926" sldId="299"/>
-            <ac:picMk id="9" creationId="{F5C8BAC5-A27D-9192-6B25-DEFF799D58F0}"/>
-          </ac:picMkLst>
-        </pc:picChg>
-      </pc:sldChg>
-      <pc:sldChg chg="modSp mod">
-        <pc:chgData name="MIGUEL TRIGUEROS MUÑOZ" userId="a4ee0321-97d7-430f-98a8-7ed13ff9a4bf" providerId="ADAL" clId="{8D8EA906-E9D8-4C30-8EB6-22828687E48D}" dt="2024-09-15T06:37:12.959" v="555" actId="313"/>
-        <pc:sldMkLst>
-          <pc:docMk/>
-          <pc:sldMk cId="412294843" sldId="300"/>
-        </pc:sldMkLst>
-        <pc:spChg chg="mod">
-          <ac:chgData name="MIGUEL TRIGUEROS MUÑOZ" userId="a4ee0321-97d7-430f-98a8-7ed13ff9a4bf" providerId="ADAL" clId="{8D8EA906-E9D8-4C30-8EB6-22828687E48D}" dt="2024-09-14T17:54:21.642" v="57" actId="20577"/>
-          <ac:spMkLst>
-            <pc:docMk/>
-            <pc:sldMk cId="412294843" sldId="300"/>
-            <ac:spMk id="2" creationId="{7419A668-FA3E-6FEB-D010-D606DEACA710}"/>
-          </ac:spMkLst>
-        </pc:spChg>
-        <pc:spChg chg="mod">
-          <ac:chgData name="MIGUEL TRIGUEROS MUÑOZ" userId="a4ee0321-97d7-430f-98a8-7ed13ff9a4bf" providerId="ADAL" clId="{8D8EA906-E9D8-4C30-8EB6-22828687E48D}" dt="2024-09-15T06:37:12.959" v="555" actId="313"/>
-          <ac:spMkLst>
-            <pc:docMk/>
-            <pc:sldMk cId="412294843" sldId="300"/>
-            <ac:spMk id="12" creationId="{F62BE054-AFA4-E0C3-D337-5831DC6586D6}"/>
-          </ac:spMkLst>
-        </pc:spChg>
-        <pc:graphicFrameChg chg="mod">
-          <ac:chgData name="MIGUEL TRIGUEROS MUÑOZ" userId="a4ee0321-97d7-430f-98a8-7ed13ff9a4bf" providerId="ADAL" clId="{8D8EA906-E9D8-4C30-8EB6-22828687E48D}" dt="2024-09-14T17:52:29.396" v="46" actId="1076"/>
-          <ac:graphicFrameMkLst>
-            <pc:docMk/>
-            <pc:sldMk cId="412294843" sldId="300"/>
-            <ac:graphicFrameMk id="11" creationId="{6657B4B4-0A17-2143-055A-1048C72EB6C4}"/>
-          </ac:graphicFrameMkLst>
-        </pc:graphicFrameChg>
-      </pc:sldChg>
-      <pc:sldChg chg="modSp mod">
-        <pc:chgData name="MIGUEL TRIGUEROS MUÑOZ" userId="a4ee0321-97d7-430f-98a8-7ed13ff9a4bf" providerId="ADAL" clId="{8D8EA906-E9D8-4C30-8EB6-22828687E48D}" dt="2024-09-14T17:54:25.757" v="58" actId="20577"/>
-        <pc:sldMkLst>
-          <pc:docMk/>
-          <pc:sldMk cId="3375748173" sldId="301"/>
-        </pc:sldMkLst>
-        <pc:spChg chg="mod">
-          <ac:chgData name="MIGUEL TRIGUEROS MUÑOZ" userId="a4ee0321-97d7-430f-98a8-7ed13ff9a4bf" providerId="ADAL" clId="{8D8EA906-E9D8-4C30-8EB6-22828687E48D}" dt="2024-09-14T17:54:25.757" v="58" actId="20577"/>
-          <ac:spMkLst>
-            <pc:docMk/>
-            <pc:sldMk cId="3375748173" sldId="301"/>
-            <ac:spMk id="2" creationId="{7419A668-FA3E-6FEB-D010-D606DEACA710}"/>
-          </ac:spMkLst>
-        </pc:spChg>
-        <pc:spChg chg="mod">
-          <ac:chgData name="MIGUEL TRIGUEROS MUÑOZ" userId="a4ee0321-97d7-430f-98a8-7ed13ff9a4bf" providerId="ADAL" clId="{8D8EA906-E9D8-4C30-8EB6-22828687E48D}" dt="2024-09-14T17:51:26.514" v="43" actId="20577"/>
-          <ac:spMkLst>
-            <pc:docMk/>
-            <pc:sldMk cId="3375748173" sldId="301"/>
-            <ac:spMk id="12" creationId="{F62BE054-AFA4-E0C3-D337-5831DC6586D6}"/>
-          </ac:spMkLst>
-        </pc:spChg>
-        <pc:graphicFrameChg chg="mod">
-          <ac:chgData name="MIGUEL TRIGUEROS MUÑOZ" userId="a4ee0321-97d7-430f-98a8-7ed13ff9a4bf" providerId="ADAL" clId="{8D8EA906-E9D8-4C30-8EB6-22828687E48D}" dt="2024-09-14T17:52:41.068" v="48" actId="1076"/>
-          <ac:graphicFrameMkLst>
-            <pc:docMk/>
-            <pc:sldMk cId="3375748173" sldId="301"/>
-            <ac:graphicFrameMk id="11" creationId="{6657B4B4-0A17-2143-055A-1048C72EB6C4}"/>
-          </ac:graphicFrameMkLst>
-        </pc:graphicFrameChg>
-      </pc:sldChg>
-      <pc:sldChg chg="addSp delSp modSp add mod">
-        <pc:chgData name="MIGUEL TRIGUEROS MUÑOZ" userId="a4ee0321-97d7-430f-98a8-7ed13ff9a4bf" providerId="ADAL" clId="{8D8EA906-E9D8-4C30-8EB6-22828687E48D}" dt="2024-09-14T17:59:38.428" v="501" actId="20577"/>
-        <pc:sldMkLst>
-          <pc:docMk/>
-          <pc:sldMk cId="2962578905" sldId="303"/>
-        </pc:sldMkLst>
-        <pc:spChg chg="mod">
-          <ac:chgData name="MIGUEL TRIGUEROS MUÑOZ" userId="a4ee0321-97d7-430f-98a8-7ed13ff9a4bf" providerId="ADAL" clId="{8D8EA906-E9D8-4C30-8EB6-22828687E48D}" dt="2024-09-14T17:56:59.659" v="373" actId="20577"/>
-          <ac:spMkLst>
-            <pc:docMk/>
-            <pc:sldMk cId="2962578905" sldId="303"/>
-            <ac:spMk id="2" creationId="{7419A668-FA3E-6FEB-D010-D606DEACA710}"/>
-          </ac:spMkLst>
-        </pc:spChg>
-        <pc:spChg chg="add mod">
-          <ac:chgData name="MIGUEL TRIGUEROS MUÑOZ" userId="a4ee0321-97d7-430f-98a8-7ed13ff9a4bf" providerId="ADAL" clId="{8D8EA906-E9D8-4C30-8EB6-22828687E48D}" dt="2024-09-14T17:59:38.428" v="501" actId="20577"/>
-          <ac:spMkLst>
-            <pc:docMk/>
-            <pc:sldMk cId="2962578905" sldId="303"/>
-            <ac:spMk id="4" creationId="{89640134-CA35-155E-00AD-935A778722CE}"/>
-          </ac:spMkLst>
-        </pc:spChg>
-        <pc:spChg chg="del">
-          <ac:chgData name="MIGUEL TRIGUEROS MUÑOZ" userId="a4ee0321-97d7-430f-98a8-7ed13ff9a4bf" providerId="ADAL" clId="{8D8EA906-E9D8-4C30-8EB6-22828687E48D}" dt="2024-09-14T17:54:42.913" v="62" actId="478"/>
-          <ac:spMkLst>
-            <pc:docMk/>
-            <pc:sldMk cId="2962578905" sldId="303"/>
-            <ac:spMk id="12" creationId="{F62BE054-AFA4-E0C3-D337-5831DC6586D6}"/>
-          </ac:spMkLst>
-        </pc:spChg>
-        <pc:graphicFrameChg chg="del">
-          <ac:chgData name="MIGUEL TRIGUEROS MUÑOZ" userId="a4ee0321-97d7-430f-98a8-7ed13ff9a4bf" providerId="ADAL" clId="{8D8EA906-E9D8-4C30-8EB6-22828687E48D}" dt="2024-09-14T17:54:35.248" v="60" actId="478"/>
-          <ac:graphicFrameMkLst>
-            <pc:docMk/>
-            <pc:sldMk cId="2962578905" sldId="303"/>
-            <ac:graphicFrameMk id="11" creationId="{6657B4B4-0A17-2143-055A-1048C72EB6C4}"/>
-          </ac:graphicFrameMkLst>
-        </pc:graphicFrameChg>
-      </pc:sldChg>
-      <pc:sldChg chg="addSp delSp modSp add mod">
-        <pc:chgData name="MIGUEL TRIGUEROS MUÑOZ" userId="a4ee0321-97d7-430f-98a8-7ed13ff9a4bf" providerId="ADAL" clId="{8D8EA906-E9D8-4C30-8EB6-22828687E48D}" dt="2024-09-14T17:58:44.594" v="412" actId="1076"/>
-        <pc:sldMkLst>
-          <pc:docMk/>
-          <pc:sldMk cId="2753333048" sldId="304"/>
-        </pc:sldMkLst>
-        <pc:spChg chg="mod">
-          <ac:chgData name="MIGUEL TRIGUEROS MUÑOZ" userId="a4ee0321-97d7-430f-98a8-7ed13ff9a4bf" providerId="ADAL" clId="{8D8EA906-E9D8-4C30-8EB6-22828687E48D}" dt="2024-09-14T17:58:24.265" v="405" actId="20577"/>
-          <ac:spMkLst>
-            <pc:docMk/>
-            <pc:sldMk cId="2753333048" sldId="304"/>
-            <ac:spMk id="2" creationId="{F4886B37-24FA-B6E3-2E41-4B0F53DEDF91}"/>
-          </ac:spMkLst>
-        </pc:spChg>
-        <pc:spChg chg="del">
-          <ac:chgData name="MIGUEL TRIGUEROS MUÑOZ" userId="a4ee0321-97d7-430f-98a8-7ed13ff9a4bf" providerId="ADAL" clId="{8D8EA906-E9D8-4C30-8EB6-22828687E48D}" dt="2024-09-14T17:58:27.609" v="406" actId="478"/>
-          <ac:spMkLst>
-            <pc:docMk/>
-            <pc:sldMk cId="2753333048" sldId="304"/>
-            <ac:spMk id="3" creationId="{D8584C65-2266-F01C-200A-E5B91AF349CB}"/>
-          </ac:spMkLst>
-        </pc:spChg>
-        <pc:spChg chg="add del mod">
-          <ac:chgData name="MIGUEL TRIGUEROS MUÑOZ" userId="a4ee0321-97d7-430f-98a8-7ed13ff9a4bf" providerId="ADAL" clId="{8D8EA906-E9D8-4C30-8EB6-22828687E48D}" dt="2024-09-14T17:58:39.177" v="410"/>
-          <ac:spMkLst>
-            <pc:docMk/>
-            <pc:sldMk cId="2753333048" sldId="304"/>
-            <ac:spMk id="7" creationId="{28D94534-12FC-B109-1C83-0E2E0872E4D1}"/>
-          </ac:spMkLst>
-        </pc:spChg>
-        <pc:picChg chg="del">
-          <ac:chgData name="MIGUEL TRIGUEROS MUÑOZ" userId="a4ee0321-97d7-430f-98a8-7ed13ff9a4bf" providerId="ADAL" clId="{8D8EA906-E9D8-4C30-8EB6-22828687E48D}" dt="2024-09-14T17:58:32.691" v="408" actId="478"/>
-          <ac:picMkLst>
-            <pc:docMk/>
-            <pc:sldMk cId="2753333048" sldId="304"/>
-            <ac:picMk id="6" creationId="{5B66C61E-E8C3-1D4E-4F73-8301A6704F71}"/>
-          </ac:picMkLst>
-        </pc:picChg>
-        <pc:picChg chg="add mod">
-          <ac:chgData name="MIGUEL TRIGUEROS MUÑOZ" userId="a4ee0321-97d7-430f-98a8-7ed13ff9a4bf" providerId="ADAL" clId="{8D8EA906-E9D8-4C30-8EB6-22828687E48D}" dt="2024-09-14T17:58:44.594" v="412" actId="1076"/>
-          <ac:picMkLst>
-            <pc:docMk/>
-            <pc:sldMk cId="2753333048" sldId="304"/>
-            <ac:picMk id="8" creationId="{541FCA85-57BA-02C2-A5A7-A9CFCCC77571}"/>
-          </ac:picMkLst>
-        </pc:picChg>
-      </pc:sldChg>
-      <pc:sldChg chg="addSp delSp modSp add mod">
-        <pc:chgData name="MIGUEL TRIGUEROS MUÑOZ" userId="a4ee0321-97d7-430f-98a8-7ed13ff9a4bf" providerId="ADAL" clId="{8D8EA906-E9D8-4C30-8EB6-22828687E48D}" dt="2024-09-14T18:01:14.321" v="541" actId="1076"/>
-        <pc:sldMkLst>
-          <pc:docMk/>
-          <pc:sldMk cId="2397955613" sldId="305"/>
-        </pc:sldMkLst>
-        <pc:spChg chg="add mod">
-          <ac:chgData name="MIGUEL TRIGUEROS MUÑOZ" userId="a4ee0321-97d7-430f-98a8-7ed13ff9a4bf" providerId="ADAL" clId="{8D8EA906-E9D8-4C30-8EB6-22828687E48D}" dt="2024-09-14T18:01:06.701" v="538" actId="478"/>
-          <ac:spMkLst>
-            <pc:docMk/>
-            <pc:sldMk cId="2397955613" sldId="305"/>
-            <ac:spMk id="8" creationId="{0D3EBE77-9668-CE72-0FDC-65EFBFCA509F}"/>
-          </ac:spMkLst>
-        </pc:spChg>
-        <pc:picChg chg="add del mod">
-          <ac:chgData name="MIGUEL TRIGUEROS MUÑOZ" userId="a4ee0321-97d7-430f-98a8-7ed13ff9a4bf" providerId="ADAL" clId="{8D8EA906-E9D8-4C30-8EB6-22828687E48D}" dt="2024-09-14T18:00:58.003" v="537" actId="21"/>
-          <ac:picMkLst>
-            <pc:docMk/>
-            <pc:sldMk cId="2397955613" sldId="305"/>
-            <ac:picMk id="3" creationId="{E05D7BCB-1EC2-D666-62C5-883F94050FB6}"/>
-          </ac:picMkLst>
-        </pc:picChg>
-        <pc:picChg chg="del">
-          <ac:chgData name="MIGUEL TRIGUEROS MUÑOZ" userId="a4ee0321-97d7-430f-98a8-7ed13ff9a4bf" providerId="ADAL" clId="{8D8EA906-E9D8-4C30-8EB6-22828687E48D}" dt="2024-09-14T18:01:06.701" v="538" actId="478"/>
-          <ac:picMkLst>
-            <pc:docMk/>
-            <pc:sldMk cId="2397955613" sldId="305"/>
-            <ac:picMk id="6" creationId="{10D1FB7D-06F2-63CB-A868-4AF1A045BEE9}"/>
-          </ac:picMkLst>
-        </pc:picChg>
-        <pc:picChg chg="del">
-          <ac:chgData name="MIGUEL TRIGUEROS MUÑOZ" userId="a4ee0321-97d7-430f-98a8-7ed13ff9a4bf" providerId="ADAL" clId="{8D8EA906-E9D8-4C30-8EB6-22828687E48D}" dt="2024-09-14T18:01:06.701" v="538" actId="478"/>
-          <ac:picMkLst>
-            <pc:docMk/>
-            <pc:sldMk cId="2397955613" sldId="305"/>
-            <ac:picMk id="7" creationId="{B8A77A59-728A-6CFF-58E3-4585659F0104}"/>
-          </ac:picMkLst>
-        </pc:picChg>
-        <pc:picChg chg="add mod">
-          <ac:chgData name="MIGUEL TRIGUEROS MUÑOZ" userId="a4ee0321-97d7-430f-98a8-7ed13ff9a4bf" providerId="ADAL" clId="{8D8EA906-E9D8-4C30-8EB6-22828687E48D}" dt="2024-09-14T18:01:14.321" v="541" actId="1076"/>
-          <ac:picMkLst>
-            <pc:docMk/>
-            <pc:sldMk cId="2397955613" sldId="305"/>
-            <ac:picMk id="9" creationId="{E05D7BCB-1EC2-D666-62C5-883F94050FB6}"/>
-          </ac:picMkLst>
-        </pc:picChg>
       </pc:sldChg>
     </pc:docChg>
   </pc:docChgLst>
@@ -4516,145 +1839,6 @@
     <p:extLst>
       <p:ext uri="{BB962C8B-B14F-4D97-AF65-F5344CB8AC3E}">
         <p14:creationId xmlns:p14="http://schemas.microsoft.com/office/powerpoint/2010/main" val="1287775622"/>
-      </p:ext>
-    </p:extLst>
-  </p:cSld>
-  <p:clrMapOvr>
-    <a:masterClrMapping/>
-  </p:clrMapOvr>
-</p:notes>
-</file>
-
-<file path=ppt/notesSlides/notesSlide3.xml><?xml version="1.0" encoding="utf-8"?>
-<p:notes xmlns:a="http://schemas.openxmlformats.org/drawingml/2006/main" xmlns:r="http://schemas.openxmlformats.org/officeDocument/2006/relationships" xmlns:p="http://schemas.openxmlformats.org/presentationml/2006/main">
-  <p:cSld>
-    <p:spTree>
-      <p:nvGrpSpPr>
-        <p:cNvPr id="1" name=""/>
-        <p:cNvGrpSpPr/>
-        <p:nvPr/>
-      </p:nvGrpSpPr>
-      <p:grpSpPr>
-        <a:xfrm>
-          <a:off x="0" y="0"/>
-          <a:ext cx="0" cy="0"/>
-          <a:chOff x="0" y="0"/>
-          <a:chExt cx="0" cy="0"/>
-        </a:xfrm>
-      </p:grpSpPr>
-      <p:sp>
-        <p:nvSpPr>
-          <p:cNvPr id="2" name="Marcador de imagen de diapositiva 1"/>
-          <p:cNvSpPr>
-            <a:spLocks noGrp="1" noRot="1" noChangeAspect="1"/>
-          </p:cNvSpPr>
-          <p:nvPr>
-            <p:ph type="sldImg"/>
-          </p:nvPr>
-        </p:nvSpPr>
-        <p:spPr/>
-      </p:sp>
-      <p:sp>
-        <p:nvSpPr>
-          <p:cNvPr id="3" name="Marcador de notas 2"/>
-          <p:cNvSpPr>
-            <a:spLocks noGrp="1"/>
-          </p:cNvSpPr>
-          <p:nvPr>
-            <p:ph type="body" idx="1"/>
-          </p:nvPr>
-        </p:nvSpPr>
-        <p:spPr/>
-        <p:txBody>
-          <a:bodyPr/>
-          <a:lstStyle/>
-          <a:p>
-            <a:r>
-              <a:rPr lang="en-US" dirty="0">
-                <a:cs typeface="Calibri"/>
-              </a:rPr>
-              <a:t>En la version definitive de la PROGRAMACIÓN DIDÁCTICA, las </a:t>
-            </a:r>
-            <a:r>
-              <a:rPr lang="en-US" dirty="0" err="1">
-                <a:cs typeface="Calibri"/>
-              </a:rPr>
-              <a:t>calificaciones</a:t>
-            </a:r>
-            <a:r>
-              <a:rPr lang="en-US" dirty="0">
-                <a:cs typeface="Calibri"/>
-              </a:rPr>
-              <a:t> </a:t>
-            </a:r>
-            <a:r>
-              <a:rPr lang="en-US" dirty="0" err="1">
-                <a:cs typeface="Calibri"/>
-              </a:rPr>
-              <a:t>posibles</a:t>
-            </a:r>
-            <a:r>
-              <a:rPr lang="en-US" dirty="0">
-                <a:cs typeface="Calibri"/>
-              </a:rPr>
-              <a:t> para </a:t>
-            </a:r>
-            <a:r>
-              <a:rPr lang="en-US">
-                <a:cs typeface="Calibri"/>
-              </a:rPr>
-              <a:t>las practices son 0 3 6 9 10</a:t>
-            </a:r>
-          </a:p>
-        </p:txBody>
-      </p:sp>
-      <p:sp>
-        <p:nvSpPr>
-          <p:cNvPr id="4" name="Marcador de fecha 3"/>
-          <p:cNvSpPr>
-            <a:spLocks noGrp="1"/>
-          </p:cNvSpPr>
-          <p:nvPr>
-            <p:ph type="dt" idx="1"/>
-          </p:nvPr>
-        </p:nvSpPr>
-        <p:spPr/>
-        <p:txBody>
-          <a:bodyPr/>
-          <a:lstStyle/>
-          <a:p>
-            <a:endParaRPr lang="es-ES"/>
-          </a:p>
-        </p:txBody>
-      </p:sp>
-      <p:sp>
-        <p:nvSpPr>
-          <p:cNvPr id="5" name="Marcador de número de diapositiva 4"/>
-          <p:cNvSpPr>
-            <a:spLocks noGrp="1"/>
-          </p:cNvSpPr>
-          <p:nvPr>
-            <p:ph type="sldNum" sz="quarter" idx="5"/>
-          </p:nvPr>
-        </p:nvSpPr>
-        <p:spPr/>
-        <p:txBody>
-          <a:bodyPr/>
-          <a:lstStyle/>
-          <a:p>
-            <a:fld id="{42F4D880-7463-40FC-B558-11B8E7B3C5D4}" type="slidenum">
-              <a:rPr lang="es-ES" smtClean="0"/>
-              <a:pPr/>
-              <a:t>9</a:t>
-            </a:fld>
-            <a:endParaRPr lang="es-ES"/>
-          </a:p>
-        </p:txBody>
-      </p:sp>
-    </p:spTree>
-    <p:extLst>
-      <p:ext uri="{BB962C8B-B14F-4D97-AF65-F5344CB8AC3E}">
-        <p14:creationId xmlns:p14="http://schemas.microsoft.com/office/powerpoint/2010/main" val="4003810025"/>
       </p:ext>
     </p:extLst>
   </p:cSld>
@@ -5459,7 +2643,7 @@
             <a:fld id="{B61BEF0D-F0BB-DE4B-95CE-6DB70DBA9567}" type="datetimeFigureOut">
               <a:rPr lang="en-US" smtClean="0"/>
               <a:pPr/>
-              <a:t>11/3/2024</a:t>
+              <a:t>9/19/2025</a:t>
             </a:fld>
             <a:endParaRPr lang="en-US" dirty="0"/>
           </a:p>
@@ -5713,7 +2897,7 @@
             <a:fld id="{B61BEF0D-F0BB-DE4B-95CE-6DB70DBA9567}" type="datetimeFigureOut">
               <a:rPr lang="en-US" smtClean="0"/>
               <a:pPr/>
-              <a:t>11/3/2024</a:t>
+              <a:t>9/19/2025</a:t>
             </a:fld>
             <a:endParaRPr lang="en-US" dirty="0"/>
           </a:p>
@@ -6035,7 +3219,7 @@
             <a:fld id="{B61BEF0D-F0BB-DE4B-95CE-6DB70DBA9567}" type="datetimeFigureOut">
               <a:rPr lang="en-US" smtClean="0"/>
               <a:pPr/>
-              <a:t>11/3/2024</a:t>
+              <a:t>9/19/2025</a:t>
             </a:fld>
             <a:endParaRPr lang="en-US" dirty="0"/>
           </a:p>
@@ -6376,7 +3560,7 @@
             <a:fld id="{B61BEF0D-F0BB-DE4B-95CE-6DB70DBA9567}" type="datetimeFigureOut">
               <a:rPr lang="en-US" smtClean="0"/>
               <a:pPr/>
-              <a:t>11/3/2024</a:t>
+              <a:t>9/19/2025</a:t>
             </a:fld>
             <a:endParaRPr lang="en-US" dirty="0"/>
           </a:p>
@@ -6698,7 +3882,7 @@
             <a:fld id="{B61BEF0D-F0BB-DE4B-95CE-6DB70DBA9567}" type="datetimeFigureOut">
               <a:rPr lang="en-US" smtClean="0"/>
               <a:pPr/>
-              <a:t>11/3/2024</a:t>
+              <a:t>9/19/2025</a:t>
             </a:fld>
             <a:endParaRPr lang="en-US" dirty="0"/>
           </a:p>
@@ -7099,7 +4283,7 @@
             <a:fld id="{B61BEF0D-F0BB-DE4B-95CE-6DB70DBA9567}" type="datetimeFigureOut">
               <a:rPr lang="en-US" smtClean="0"/>
               <a:pPr/>
-              <a:t>11/3/2024</a:t>
+              <a:t>9/19/2025</a:t>
             </a:fld>
             <a:endParaRPr lang="en-US" dirty="0"/>
           </a:p>
@@ -7276,7 +4460,7 @@
           <a:p>
             <a:fld id="{70DDF080-5E8C-48AD-84E5-6C08B304C14E}" type="datetimeFigureOut">
               <a:rPr lang="en-US" smtClean="0"/>
-              <a:t>11/3/2024</a:t>
+              <a:t>9/19/2025</a:t>
             </a:fld>
             <a:endParaRPr lang="en-US" dirty="0"/>
           </a:p>
@@ -7464,7 +4648,7 @@
             <a:fld id="{B61BEF0D-F0BB-DE4B-95CE-6DB70DBA9567}" type="datetimeFigureOut">
               <a:rPr lang="en-US" smtClean="0"/>
               <a:pPr/>
-              <a:t>11/3/2024</a:t>
+              <a:t>9/19/2025</a:t>
             </a:fld>
             <a:endParaRPr lang="en-US" dirty="0"/>
           </a:p>
@@ -9297,7 +6481,7 @@
           <a:p>
             <a:fld id="{70DDF080-5E8C-48AD-84E5-6C08B304C14E}" type="datetimeFigureOut">
               <a:rPr lang="en-US" smtClean="0"/>
-              <a:t>11/3/2024</a:t>
+              <a:t>9/19/2025</a:t>
             </a:fld>
             <a:endParaRPr lang="en-US" dirty="0"/>
           </a:p>
@@ -9552,7 +6736,7 @@
             <a:fld id="{B61BEF0D-F0BB-DE4B-95CE-6DB70DBA9567}" type="datetimeFigureOut">
               <a:rPr lang="en-US" smtClean="0"/>
               <a:pPr/>
-              <a:t>11/3/2024</a:t>
+              <a:t>9/19/2025</a:t>
             </a:fld>
             <a:endParaRPr lang="en-US" dirty="0"/>
           </a:p>
@@ -9857,7 +7041,7 @@
             <a:fld id="{B61BEF0D-F0BB-DE4B-95CE-6DB70DBA9567}" type="datetimeFigureOut">
               <a:rPr lang="en-US" smtClean="0"/>
               <a:pPr/>
-              <a:t>11/3/2024</a:t>
+              <a:t>9/19/2025</a:t>
             </a:fld>
             <a:endParaRPr lang="en-US" dirty="0"/>
           </a:p>
@@ -10244,7 +7428,7 @@
             <a:fld id="{B61BEF0D-F0BB-DE4B-95CE-6DB70DBA9567}" type="datetimeFigureOut">
               <a:rPr lang="en-US" smtClean="0"/>
               <a:pPr/>
-              <a:t>11/3/2024</a:t>
+              <a:t>9/19/2025</a:t>
             </a:fld>
             <a:endParaRPr lang="en-US" dirty="0"/>
           </a:p>
@@ -10375,7 +7559,7 @@
             <a:fld id="{B61BEF0D-F0BB-DE4B-95CE-6DB70DBA9567}" type="datetimeFigureOut">
               <a:rPr lang="en-US" smtClean="0"/>
               <a:pPr/>
-              <a:t>11/3/2024</a:t>
+              <a:t>9/19/2025</a:t>
             </a:fld>
             <a:endParaRPr lang="en-US" dirty="0"/>
           </a:p>
@@ -10478,7 +7662,7 @@
             <a:fld id="{B61BEF0D-F0BB-DE4B-95CE-6DB70DBA9567}" type="datetimeFigureOut">
               <a:rPr lang="en-US" smtClean="0"/>
               <a:pPr/>
-              <a:t>11/3/2024</a:t>
+              <a:t>9/19/2025</a:t>
             </a:fld>
             <a:endParaRPr lang="en-US" dirty="0"/>
           </a:p>
@@ -10740,7 +7924,7 @@
           <a:p>
             <a:fld id="{70DDF080-5E8C-48AD-84E5-6C08B304C14E}" type="datetimeFigureOut">
               <a:rPr lang="en-US" smtClean="0"/>
-              <a:t>11/3/2024</a:t>
+              <a:t>9/19/2025</a:t>
             </a:fld>
             <a:endParaRPr lang="en-US" dirty="0"/>
           </a:p>
@@ -11011,7 +8195,7 @@
             <a:fld id="{B61BEF0D-F0BB-DE4B-95CE-6DB70DBA9567}" type="datetimeFigureOut">
               <a:rPr lang="en-US" smtClean="0"/>
               <a:pPr/>
-              <a:t>11/3/2024</a:t>
+              <a:t>9/19/2025</a:t>
             </a:fld>
             <a:endParaRPr lang="en-US" dirty="0"/>
           </a:p>
@@ -11833,7 +9017,7 @@
             <a:fld id="{B61BEF0D-F0BB-DE4B-95CE-6DB70DBA9567}" type="datetimeFigureOut">
               <a:rPr lang="en-US" dirty="0"/>
               <a:pPr/>
-              <a:t>11/3/2024</a:t>
+              <a:t>9/19/2025</a:t>
             </a:fld>
             <a:endParaRPr lang="en-US" dirty="0"/>
           </a:p>
@@ -12613,8 +9797,8 @@
           <a:lstStyle/>
           <a:p>
             <a:r>
-              <a:rPr lang="es-ES" sz="2900"/>
-              <a:t>PRESENTACIÓN</a:t>
+              <a:rPr lang="es-ES" sz="2900" dirty="0"/>
+              <a:t>PRESENTÓN</a:t>
             </a:r>
           </a:p>
         </p:txBody>
@@ -12703,722 +9887,6 @@
         </p:txBody>
       </p:sp>
     </p:spTree>
-  </p:cSld>
-  <p:clrMapOvr>
-    <a:masterClrMapping/>
-  </p:clrMapOvr>
-</p:sld>
-</file>
-
-<file path=ppt/slides/slide10.xml><?xml version="1.0" encoding="utf-8"?>
-<p:sld xmlns:a="http://schemas.openxmlformats.org/drawingml/2006/main" xmlns:r="http://schemas.openxmlformats.org/officeDocument/2006/relationships" xmlns:p="http://schemas.openxmlformats.org/presentationml/2006/main">
-  <p:cSld>
-    <p:spTree>
-      <p:nvGrpSpPr>
-        <p:cNvPr id="1" name=""/>
-        <p:cNvGrpSpPr/>
-        <p:nvPr/>
-      </p:nvGrpSpPr>
-      <p:grpSpPr>
-        <a:xfrm>
-          <a:off x="0" y="0"/>
-          <a:ext cx="0" cy="0"/>
-          <a:chOff x="0" y="0"/>
-          <a:chExt cx="0" cy="0"/>
-        </a:xfrm>
-      </p:grpSpPr>
-      <p:sp>
-        <p:nvSpPr>
-          <p:cNvPr id="2" name="Título 1">
-            <a:extLst>
-              <a:ext uri="{FF2B5EF4-FFF2-40B4-BE49-F238E27FC236}">
-                <a16:creationId xmlns:a16="http://schemas.microsoft.com/office/drawing/2014/main" id="{7419A668-FA3E-6FEB-D010-D606DEACA710}"/>
-              </a:ext>
-            </a:extLst>
-          </p:cNvPr>
-          <p:cNvSpPr>
-            <a:spLocks noGrp="1"/>
-          </p:cNvSpPr>
-          <p:nvPr>
-            <p:ph type="title"/>
-          </p:nvPr>
-        </p:nvSpPr>
-        <p:spPr>
-          <a:xfrm>
-            <a:off x="609599" y="609600"/>
-            <a:ext cx="7706817" cy="1320800"/>
-          </a:xfrm>
-        </p:spPr>
-        <p:txBody>
-          <a:bodyPr>
-            <a:normAutofit/>
-          </a:bodyPr>
-          <a:lstStyle/>
-          <a:p>
-            <a:r>
-              <a:rPr lang="es-ES" dirty="0"/>
-              <a:t>Convocatorias:</a:t>
-            </a:r>
-          </a:p>
-        </p:txBody>
-      </p:sp>
-      <p:sp>
-        <p:nvSpPr>
-          <p:cNvPr id="5" name="Marcador de número de diapositiva 4">
-            <a:extLst>
-              <a:ext uri="{FF2B5EF4-FFF2-40B4-BE49-F238E27FC236}">
-                <a16:creationId xmlns:a16="http://schemas.microsoft.com/office/drawing/2014/main" id="{C514E767-DE37-199B-0C75-795503DBC30A}"/>
-              </a:ext>
-            </a:extLst>
-          </p:cNvPr>
-          <p:cNvSpPr>
-            <a:spLocks noGrp="1"/>
-          </p:cNvSpPr>
-          <p:nvPr>
-            <p:ph type="sldNum" sz="quarter" idx="12"/>
-          </p:nvPr>
-        </p:nvSpPr>
-        <p:spPr/>
-        <p:txBody>
-          <a:bodyPr/>
-          <a:lstStyle/>
-          <a:p>
-            <a:fld id="{132FADFE-3B8F-471C-ABF0-DBC7717ECBBC}" type="slidenum">
-              <a:rPr lang="es-ES" smtClean="0"/>
-              <a:pPr/>
-              <a:t>10</a:t>
-            </a:fld>
-            <a:endParaRPr lang="es-ES" dirty="0"/>
-          </a:p>
-        </p:txBody>
-      </p:sp>
-      <p:sp>
-        <p:nvSpPr>
-          <p:cNvPr id="4" name="Marcador de contenido 3">
-            <a:extLst>
-              <a:ext uri="{FF2B5EF4-FFF2-40B4-BE49-F238E27FC236}">
-                <a16:creationId xmlns:a16="http://schemas.microsoft.com/office/drawing/2014/main" id="{89640134-CA35-155E-00AD-935A778722CE}"/>
-              </a:ext>
-            </a:extLst>
-          </p:cNvPr>
-          <p:cNvSpPr>
-            <a:spLocks noGrp="1"/>
-          </p:cNvSpPr>
-          <p:nvPr>
-            <p:ph idx="1"/>
-          </p:nvPr>
-        </p:nvSpPr>
-        <p:spPr>
-          <a:xfrm>
-            <a:off x="607234" y="1270000"/>
-            <a:ext cx="6773078" cy="3880773"/>
-          </a:xfrm>
-        </p:spPr>
-        <p:txBody>
-          <a:bodyPr/>
-          <a:lstStyle/>
-          <a:p>
-            <a:r>
-              <a:rPr lang="es-ES" dirty="0"/>
-              <a:t>Dispones de dos convocatorias:</a:t>
-            </a:r>
-          </a:p>
-          <a:p>
-            <a:pPr lvl="1"/>
-            <a:r>
-              <a:rPr lang="es-ES" dirty="0"/>
-              <a:t>Ordinaria 1: la nota final de cada UT (PE + P + C)</a:t>
-            </a:r>
-          </a:p>
-          <a:p>
-            <a:pPr lvl="2"/>
-            <a:r>
-              <a:rPr lang="es-ES" dirty="0"/>
-              <a:t>Vas eliminando materia</a:t>
-            </a:r>
-          </a:p>
-          <a:p>
-            <a:pPr lvl="1"/>
-            <a:r>
-              <a:rPr lang="es-ES" dirty="0"/>
-              <a:t>Ordinaria 2: en junio</a:t>
-            </a:r>
-          </a:p>
-          <a:p>
-            <a:pPr lvl="2"/>
-            <a:r>
-              <a:rPr lang="es-ES" dirty="0"/>
-              <a:t>Examen final, en el que te presentas a las UT que no superaste en su momento</a:t>
-            </a:r>
-          </a:p>
-          <a:p>
-            <a:pPr lvl="2"/>
-            <a:r>
-              <a:rPr lang="es-ES" dirty="0"/>
-              <a:t>Se podrá solicitar la realización de las prácticas pendientes</a:t>
-            </a:r>
-          </a:p>
-        </p:txBody>
-      </p:sp>
-    </p:spTree>
-    <p:extLst>
-      <p:ext uri="{BB962C8B-B14F-4D97-AF65-F5344CB8AC3E}">
-        <p14:creationId xmlns:p14="http://schemas.microsoft.com/office/powerpoint/2010/main" val="2962578905"/>
-      </p:ext>
-    </p:extLst>
-  </p:cSld>
-  <p:clrMapOvr>
-    <a:masterClrMapping/>
-  </p:clrMapOvr>
-</p:sld>
-</file>
-
-<file path=ppt/slides/slide11.xml><?xml version="1.0" encoding="utf-8"?>
-<p:sld xmlns:a="http://schemas.openxmlformats.org/drawingml/2006/main" xmlns:r="http://schemas.openxmlformats.org/officeDocument/2006/relationships" xmlns:p="http://schemas.openxmlformats.org/presentationml/2006/main">
-  <p:cSld>
-    <p:spTree>
-      <p:nvGrpSpPr>
-        <p:cNvPr id="1" name=""/>
-        <p:cNvGrpSpPr/>
-        <p:nvPr/>
-      </p:nvGrpSpPr>
-      <p:grpSpPr>
-        <a:xfrm>
-          <a:off x="0" y="0"/>
-          <a:ext cx="0" cy="0"/>
-          <a:chOff x="0" y="0"/>
-          <a:chExt cx="0" cy="0"/>
-        </a:xfrm>
-      </p:grpSpPr>
-      <p:sp>
-        <p:nvSpPr>
-          <p:cNvPr id="9" name="Rectángulo 8">
-            <a:extLst>
-              <a:ext uri="{FF2B5EF4-FFF2-40B4-BE49-F238E27FC236}">
-                <a16:creationId xmlns:a16="http://schemas.microsoft.com/office/drawing/2014/main" id="{C7B729D4-B142-E5C2-9A60-716C18F8996A}"/>
-              </a:ext>
-            </a:extLst>
-          </p:cNvPr>
-          <p:cNvSpPr/>
-          <p:nvPr/>
-        </p:nvSpPr>
-        <p:spPr>
-          <a:xfrm>
-            <a:off x="7005719" y="5170948"/>
-            <a:ext cx="1526721" cy="1235540"/>
-          </a:xfrm>
-          <a:prstGeom prst="rect">
-            <a:avLst/>
-          </a:prstGeom>
-          <a:solidFill>
-            <a:schemeClr val="bg1"/>
-          </a:solidFill>
-          <a:ln>
-            <a:noFill/>
-          </a:ln>
-        </p:spPr>
-        <p:style>
-          <a:lnRef idx="2">
-            <a:schemeClr val="accent1">
-              <a:shade val="15000"/>
-            </a:schemeClr>
-          </a:lnRef>
-          <a:fillRef idx="1">
-            <a:schemeClr val="accent1"/>
-          </a:fillRef>
-          <a:effectRef idx="0">
-            <a:schemeClr val="accent1"/>
-          </a:effectRef>
-          <a:fontRef idx="minor">
-            <a:schemeClr val="lt1"/>
-          </a:fontRef>
-        </p:style>
-        <p:txBody>
-          <a:bodyPr rtlCol="0" anchor="ctr"/>
-          <a:lstStyle/>
-          <a:p>
-            <a:pPr algn="ctr"/>
-            <a:endParaRPr lang="es-ES"/>
-          </a:p>
-        </p:txBody>
-      </p:sp>
-      <p:sp>
-        <p:nvSpPr>
-          <p:cNvPr id="2" name="Título 1">
-            <a:extLst>
-              <a:ext uri="{FF2B5EF4-FFF2-40B4-BE49-F238E27FC236}">
-                <a16:creationId xmlns:a16="http://schemas.microsoft.com/office/drawing/2014/main" id="{67AAD095-0A4D-20E0-BCD5-E80EBE23748F}"/>
-              </a:ext>
-            </a:extLst>
-          </p:cNvPr>
-          <p:cNvSpPr>
-            <a:spLocks noGrp="1"/>
-          </p:cNvSpPr>
-          <p:nvPr>
-            <p:ph type="title"/>
-          </p:nvPr>
-        </p:nvSpPr>
-        <p:spPr/>
-        <p:txBody>
-          <a:bodyPr/>
-          <a:lstStyle/>
-          <a:p>
-            <a:r>
-              <a:rPr lang="es-ES" dirty="0"/>
-              <a:t>Normas Evaluación</a:t>
-            </a:r>
-          </a:p>
-        </p:txBody>
-      </p:sp>
-      <p:sp>
-        <p:nvSpPr>
-          <p:cNvPr id="3" name="Marcador de contenido 2">
-            <a:extLst>
-              <a:ext uri="{FF2B5EF4-FFF2-40B4-BE49-F238E27FC236}">
-                <a16:creationId xmlns:a16="http://schemas.microsoft.com/office/drawing/2014/main" id="{D6A2645D-285C-F891-19CF-EF0ABC287697}"/>
-              </a:ext>
-            </a:extLst>
-          </p:cNvPr>
-          <p:cNvSpPr>
-            <a:spLocks noGrp="1"/>
-          </p:cNvSpPr>
-          <p:nvPr>
-            <p:ph idx="1"/>
-          </p:nvPr>
-        </p:nvSpPr>
-        <p:spPr/>
-        <p:txBody>
-          <a:bodyPr/>
-          <a:lstStyle/>
-          <a:p>
-            <a:endParaRPr lang="es-ES"/>
-          </a:p>
-        </p:txBody>
-      </p:sp>
-      <p:sp>
-        <p:nvSpPr>
-          <p:cNvPr id="5" name="Marcador de número de diapositiva 4">
-            <a:extLst>
-              <a:ext uri="{FF2B5EF4-FFF2-40B4-BE49-F238E27FC236}">
-                <a16:creationId xmlns:a16="http://schemas.microsoft.com/office/drawing/2014/main" id="{08ADB1D2-35EF-EBD7-54DA-46527EF8D369}"/>
-              </a:ext>
-            </a:extLst>
-          </p:cNvPr>
-          <p:cNvSpPr>
-            <a:spLocks noGrp="1"/>
-          </p:cNvSpPr>
-          <p:nvPr>
-            <p:ph type="sldNum" sz="quarter" idx="12"/>
-          </p:nvPr>
-        </p:nvSpPr>
-        <p:spPr/>
-        <p:txBody>
-          <a:bodyPr/>
-          <a:lstStyle/>
-          <a:p>
-            <a:fld id="{132FADFE-3B8F-471C-ABF0-DBC7717ECBBC}" type="slidenum">
-              <a:rPr lang="es-ES" smtClean="0"/>
-              <a:pPr/>
-              <a:t>11</a:t>
-            </a:fld>
-            <a:endParaRPr lang="es-ES" dirty="0"/>
-          </a:p>
-        </p:txBody>
-      </p:sp>
-      <p:pic>
-        <p:nvPicPr>
-          <p:cNvPr id="6" name="Picture 3">
-            <a:extLst>
-              <a:ext uri="{FF2B5EF4-FFF2-40B4-BE49-F238E27FC236}">
-                <a16:creationId xmlns:a16="http://schemas.microsoft.com/office/drawing/2014/main" id="{9EFEDA1D-D8B3-6D91-F5AD-F80843F99792}"/>
-              </a:ext>
-            </a:extLst>
-          </p:cNvPr>
-          <p:cNvPicPr>
-            <a:picLocks noChangeAspect="1" noChangeArrowheads="1"/>
-          </p:cNvPicPr>
-          <p:nvPr/>
-        </p:nvPicPr>
-        <p:blipFill rotWithShape="1">
-          <a:blip r:embed="rId2" cstate="print"/>
-          <a:srcRect b="17648"/>
-          <a:stretch/>
-        </p:blipFill>
-        <p:spPr bwMode="auto">
-          <a:xfrm>
-            <a:off x="469505" y="1366039"/>
-            <a:ext cx="8064896" cy="4450629"/>
-          </a:xfrm>
-          <a:prstGeom prst="rect">
-            <a:avLst/>
-          </a:prstGeom>
-          <a:noFill/>
-          <a:ln w="9525">
-            <a:noFill/>
-            <a:miter lim="800000"/>
-            <a:headEnd/>
-            <a:tailEnd/>
-          </a:ln>
-        </p:spPr>
-      </p:pic>
-      <p:pic>
-        <p:nvPicPr>
-          <p:cNvPr id="8" name="Imagen 7">
-            <a:extLst>
-              <a:ext uri="{FF2B5EF4-FFF2-40B4-BE49-F238E27FC236}">
-                <a16:creationId xmlns:a16="http://schemas.microsoft.com/office/drawing/2014/main" id="{CAB50FA6-987B-D0BC-1018-7A34933A48AF}"/>
-              </a:ext>
-            </a:extLst>
-          </p:cNvPr>
-          <p:cNvPicPr>
-            <a:picLocks noChangeAspect="1"/>
-          </p:cNvPicPr>
-          <p:nvPr/>
-        </p:nvPicPr>
-        <p:blipFill rotWithShape="1">
-          <a:blip r:embed="rId3"/>
-          <a:srcRect t="17786" b="19965"/>
-          <a:stretch/>
-        </p:blipFill>
-        <p:spPr>
-          <a:xfrm>
-            <a:off x="755576" y="5809107"/>
-            <a:ext cx="7725853" cy="504056"/>
-          </a:xfrm>
-          <a:prstGeom prst="rect">
-            <a:avLst/>
-          </a:prstGeom>
-          <a:ln>
-            <a:solidFill>
-              <a:schemeClr val="bg1"/>
-            </a:solidFill>
-          </a:ln>
-        </p:spPr>
-      </p:pic>
-    </p:spTree>
-    <p:extLst>
-      <p:ext uri="{BB962C8B-B14F-4D97-AF65-F5344CB8AC3E}">
-        <p14:creationId xmlns:p14="http://schemas.microsoft.com/office/powerpoint/2010/main" val="1540503682"/>
-      </p:ext>
-    </p:extLst>
-  </p:cSld>
-  <p:clrMapOvr>
-    <a:masterClrMapping/>
-  </p:clrMapOvr>
-</p:sld>
-</file>
-
-<file path=ppt/slides/slide12.xml><?xml version="1.0" encoding="utf-8"?>
-<p:sld xmlns:a="http://schemas.openxmlformats.org/drawingml/2006/main" xmlns:r="http://schemas.openxmlformats.org/officeDocument/2006/relationships" xmlns:p="http://schemas.openxmlformats.org/presentationml/2006/main">
-  <p:cSld>
-    <p:spTree>
-      <p:nvGrpSpPr>
-        <p:cNvPr id="1" name=""/>
-        <p:cNvGrpSpPr/>
-        <p:nvPr/>
-      </p:nvGrpSpPr>
-      <p:grpSpPr>
-        <a:xfrm>
-          <a:off x="0" y="0"/>
-          <a:ext cx="0" cy="0"/>
-          <a:chOff x="0" y="0"/>
-          <a:chExt cx="0" cy="0"/>
-        </a:xfrm>
-      </p:grpSpPr>
-      <p:sp>
-        <p:nvSpPr>
-          <p:cNvPr id="2" name="Título 1">
-            <a:extLst>
-              <a:ext uri="{FF2B5EF4-FFF2-40B4-BE49-F238E27FC236}">
-                <a16:creationId xmlns:a16="http://schemas.microsoft.com/office/drawing/2014/main" id="{8091409C-B562-4DB7-668D-2DA9D7F890C6}"/>
-              </a:ext>
-            </a:extLst>
-          </p:cNvPr>
-          <p:cNvSpPr>
-            <a:spLocks noGrp="1"/>
-          </p:cNvSpPr>
-          <p:nvPr>
-            <p:ph type="title"/>
-          </p:nvPr>
-        </p:nvSpPr>
-        <p:spPr>
-          <a:xfrm>
-            <a:off x="609599" y="609600"/>
-            <a:ext cx="7346777" cy="1320800"/>
-          </a:xfrm>
-        </p:spPr>
-        <p:txBody>
-          <a:bodyPr/>
-          <a:lstStyle/>
-          <a:p>
-            <a:r>
-              <a:rPr lang="es-ES" dirty="0"/>
-              <a:t>Normas de Evaluación</a:t>
-            </a:r>
-          </a:p>
-        </p:txBody>
-      </p:sp>
-      <p:pic>
-        <p:nvPicPr>
-          <p:cNvPr id="6" name="Picture 2">
-            <a:extLst>
-              <a:ext uri="{FF2B5EF4-FFF2-40B4-BE49-F238E27FC236}">
-                <a16:creationId xmlns:a16="http://schemas.microsoft.com/office/drawing/2014/main" id="{10D1FB7D-06F2-63CB-A868-4AF1A045BEE9}"/>
-              </a:ext>
-            </a:extLst>
-          </p:cNvPr>
-          <p:cNvPicPr>
-            <a:picLocks noGrp="1" noChangeAspect="1" noChangeArrowheads="1"/>
-          </p:cNvPicPr>
-          <p:nvPr>
-            <p:ph idx="1"/>
-          </p:nvPr>
-        </p:nvPicPr>
-        <p:blipFill rotWithShape="1">
-          <a:blip r:embed="rId2" cstate="print"/>
-          <a:srcRect b="73581"/>
-          <a:stretch/>
-        </p:blipFill>
-        <p:spPr bwMode="auto">
-          <a:xfrm>
-            <a:off x="323528" y="1376181"/>
-            <a:ext cx="8071705" cy="1440160"/>
-          </a:xfrm>
-          <a:prstGeom prst="rect">
-            <a:avLst/>
-          </a:prstGeom>
-          <a:noFill/>
-          <a:ln w="9525">
-            <a:noFill/>
-            <a:miter lim="800000"/>
-            <a:headEnd/>
-            <a:tailEnd/>
-          </a:ln>
-        </p:spPr>
-      </p:pic>
-      <p:sp>
-        <p:nvSpPr>
-          <p:cNvPr id="5" name="Marcador de número de diapositiva 4">
-            <a:extLst>
-              <a:ext uri="{FF2B5EF4-FFF2-40B4-BE49-F238E27FC236}">
-                <a16:creationId xmlns:a16="http://schemas.microsoft.com/office/drawing/2014/main" id="{1D74995A-2D56-8D1F-02B9-8A988EC607DA}"/>
-              </a:ext>
-            </a:extLst>
-          </p:cNvPr>
-          <p:cNvSpPr>
-            <a:spLocks noGrp="1"/>
-          </p:cNvSpPr>
-          <p:nvPr>
-            <p:ph type="sldNum" sz="quarter" idx="12"/>
-          </p:nvPr>
-        </p:nvSpPr>
-        <p:spPr/>
-        <p:txBody>
-          <a:bodyPr/>
-          <a:lstStyle/>
-          <a:p>
-            <a:fld id="{132FADFE-3B8F-471C-ABF0-DBC7717ECBBC}" type="slidenum">
-              <a:rPr lang="es-ES" smtClean="0"/>
-              <a:pPr/>
-              <a:t>12</a:t>
-            </a:fld>
-            <a:endParaRPr lang="es-ES" dirty="0"/>
-          </a:p>
-        </p:txBody>
-      </p:sp>
-      <p:pic>
-        <p:nvPicPr>
-          <p:cNvPr id="7" name="Picture 2">
-            <a:extLst>
-              <a:ext uri="{FF2B5EF4-FFF2-40B4-BE49-F238E27FC236}">
-                <a16:creationId xmlns:a16="http://schemas.microsoft.com/office/drawing/2014/main" id="{B8A77A59-728A-6CFF-58E3-4585659F0104}"/>
-              </a:ext>
-            </a:extLst>
-          </p:cNvPr>
-          <p:cNvPicPr>
-            <a:picLocks noChangeAspect="1" noChangeArrowheads="1"/>
-          </p:cNvPicPr>
-          <p:nvPr/>
-        </p:nvPicPr>
-        <p:blipFill rotWithShape="1">
-          <a:blip r:embed="rId3" cstate="print"/>
-          <a:srcRect b="88158"/>
-          <a:stretch/>
-        </p:blipFill>
-        <p:spPr bwMode="auto">
-          <a:xfrm>
-            <a:off x="323528" y="2899844"/>
-            <a:ext cx="8071705" cy="596797"/>
-          </a:xfrm>
-          <a:prstGeom prst="rect">
-            <a:avLst/>
-          </a:prstGeom>
-          <a:noFill/>
-          <a:ln w="9525">
-            <a:noFill/>
-            <a:miter lim="800000"/>
-            <a:headEnd/>
-            <a:tailEnd/>
-          </a:ln>
-        </p:spPr>
-      </p:pic>
-    </p:spTree>
-    <p:extLst>
-      <p:ext uri="{BB962C8B-B14F-4D97-AF65-F5344CB8AC3E}">
-        <p14:creationId xmlns:p14="http://schemas.microsoft.com/office/powerpoint/2010/main" val="1546270621"/>
-      </p:ext>
-    </p:extLst>
-  </p:cSld>
-  <p:clrMapOvr>
-    <a:masterClrMapping/>
-  </p:clrMapOvr>
-</p:sld>
-</file>
-
-<file path=ppt/slides/slide13.xml><?xml version="1.0" encoding="utf-8"?>
-<p:sld xmlns:a="http://schemas.openxmlformats.org/drawingml/2006/main" xmlns:r="http://schemas.openxmlformats.org/officeDocument/2006/relationships" xmlns:p="http://schemas.openxmlformats.org/presentationml/2006/main">
-  <p:cSld>
-    <p:spTree>
-      <p:nvGrpSpPr>
-        <p:cNvPr id="1" name=""/>
-        <p:cNvGrpSpPr/>
-        <p:nvPr/>
-      </p:nvGrpSpPr>
-      <p:grpSpPr>
-        <a:xfrm>
-          <a:off x="0" y="0"/>
-          <a:ext cx="0" cy="0"/>
-          <a:chOff x="0" y="0"/>
-          <a:chExt cx="0" cy="0"/>
-        </a:xfrm>
-      </p:grpSpPr>
-      <p:sp>
-        <p:nvSpPr>
-          <p:cNvPr id="2" name="Título 1">
-            <a:extLst>
-              <a:ext uri="{FF2B5EF4-FFF2-40B4-BE49-F238E27FC236}">
-                <a16:creationId xmlns:a16="http://schemas.microsoft.com/office/drawing/2014/main" id="{8091409C-B562-4DB7-668D-2DA9D7F890C6}"/>
-              </a:ext>
-            </a:extLst>
-          </p:cNvPr>
-          <p:cNvSpPr>
-            <a:spLocks noGrp="1"/>
-          </p:cNvSpPr>
-          <p:nvPr>
-            <p:ph type="title"/>
-          </p:nvPr>
-        </p:nvSpPr>
-        <p:spPr/>
-        <p:txBody>
-          <a:bodyPr/>
-          <a:lstStyle/>
-          <a:p>
-            <a:r>
-              <a:rPr lang="es-ES" dirty="0"/>
-              <a:t>Normas Evaluación</a:t>
-            </a:r>
-          </a:p>
-        </p:txBody>
-      </p:sp>
-      <p:sp>
-        <p:nvSpPr>
-          <p:cNvPr id="5" name="Marcador de número de diapositiva 4">
-            <a:extLst>
-              <a:ext uri="{FF2B5EF4-FFF2-40B4-BE49-F238E27FC236}">
-                <a16:creationId xmlns:a16="http://schemas.microsoft.com/office/drawing/2014/main" id="{1D74995A-2D56-8D1F-02B9-8A988EC607DA}"/>
-              </a:ext>
-            </a:extLst>
-          </p:cNvPr>
-          <p:cNvSpPr>
-            <a:spLocks noGrp="1"/>
-          </p:cNvSpPr>
-          <p:nvPr>
-            <p:ph type="sldNum" sz="quarter" idx="12"/>
-          </p:nvPr>
-        </p:nvSpPr>
-        <p:spPr/>
-        <p:txBody>
-          <a:bodyPr/>
-          <a:lstStyle/>
-          <a:p>
-            <a:fld id="{132FADFE-3B8F-471C-ABF0-DBC7717ECBBC}" type="slidenum">
-              <a:rPr lang="es-ES" smtClean="0"/>
-              <a:pPr/>
-              <a:t>13</a:t>
-            </a:fld>
-            <a:endParaRPr lang="es-ES" dirty="0"/>
-          </a:p>
-        </p:txBody>
-      </p:sp>
-      <p:sp>
-        <p:nvSpPr>
-          <p:cNvPr id="8" name="Marcador de contenido 7">
-            <a:extLst>
-              <a:ext uri="{FF2B5EF4-FFF2-40B4-BE49-F238E27FC236}">
-                <a16:creationId xmlns:a16="http://schemas.microsoft.com/office/drawing/2014/main" id="{0D3EBE77-9668-CE72-0FDC-65EFBFCA509F}"/>
-              </a:ext>
-            </a:extLst>
-          </p:cNvPr>
-          <p:cNvSpPr>
-            <a:spLocks noGrp="1"/>
-          </p:cNvSpPr>
-          <p:nvPr>
-            <p:ph idx="1"/>
-          </p:nvPr>
-        </p:nvSpPr>
-        <p:spPr/>
-        <p:txBody>
-          <a:bodyPr/>
-          <a:lstStyle/>
-          <a:p>
-            <a:endParaRPr lang="es-ES"/>
-          </a:p>
-        </p:txBody>
-      </p:sp>
-      <p:pic>
-        <p:nvPicPr>
-          <p:cNvPr id="9" name="Picture 2">
-            <a:extLst>
-              <a:ext uri="{FF2B5EF4-FFF2-40B4-BE49-F238E27FC236}">
-                <a16:creationId xmlns:a16="http://schemas.microsoft.com/office/drawing/2014/main" id="{E05D7BCB-1EC2-D666-62C5-883F94050FB6}"/>
-              </a:ext>
-            </a:extLst>
-          </p:cNvPr>
-          <p:cNvPicPr>
-            <a:picLocks noChangeAspect="1" noChangeArrowheads="1"/>
-          </p:cNvPicPr>
-          <p:nvPr/>
-        </p:nvPicPr>
-        <p:blipFill>
-          <a:blip r:embed="rId2" cstate="print"/>
-          <a:srcRect/>
-          <a:stretch>
-            <a:fillRect/>
-          </a:stretch>
-        </p:blipFill>
-        <p:spPr bwMode="auto">
-          <a:xfrm>
-            <a:off x="176152" y="1595306"/>
-            <a:ext cx="8967848" cy="2448272"/>
-          </a:xfrm>
-          <a:prstGeom prst="rect">
-            <a:avLst/>
-          </a:prstGeom>
-          <a:noFill/>
-          <a:ln w="9525">
-            <a:noFill/>
-            <a:miter lim="800000"/>
-            <a:headEnd/>
-            <a:tailEnd/>
-          </a:ln>
-        </p:spPr>
-      </p:pic>
-    </p:spTree>
-    <p:extLst>
-      <p:ext uri="{BB962C8B-B14F-4D97-AF65-F5344CB8AC3E}">
-        <p14:creationId xmlns:p14="http://schemas.microsoft.com/office/powerpoint/2010/main" val="2397955613"/>
-      </p:ext>
-    </p:extLst>
   </p:cSld>
   <p:clrMapOvr>
     <a:masterClrMapping/>
@@ -13477,31 +9945,38 @@
           </a:p>
         </p:txBody>
       </p:sp>
-      <p:sp>
-        <p:nvSpPr>
-          <p:cNvPr id="4" name="Marcador de contenido 3">
+      <p:pic>
+        <p:nvPicPr>
+          <p:cNvPr id="8" name="Marcador de contenido 7" descr="Tabla&#10;&#10;El contenido generado por IA puede ser incorrecto.">
             <a:extLst>
               <a:ext uri="{FF2B5EF4-FFF2-40B4-BE49-F238E27FC236}">
-                <a16:creationId xmlns:a16="http://schemas.microsoft.com/office/drawing/2014/main" id="{798847BE-EC01-B5DB-F2B0-ED899E750E99}"/>
+                <a16:creationId xmlns:a16="http://schemas.microsoft.com/office/drawing/2014/main" id="{3B25C666-E4B9-2E33-7B1E-7EC7E2907892}"/>
               </a:ext>
             </a:extLst>
           </p:cNvPr>
-          <p:cNvSpPr>
-            <a:spLocks noGrp="1"/>
-          </p:cNvSpPr>
+          <p:cNvPicPr>
+            <a:picLocks noGrp="1" noChangeAspect="1"/>
+          </p:cNvPicPr>
           <p:nvPr>
             <p:ph idx="1"/>
           </p:nvPr>
-        </p:nvSpPr>
-        <p:spPr/>
-        <p:txBody>
-          <a:bodyPr/>
-          <a:lstStyle/>
-          <a:p>
-            <a:endParaRPr lang="es-ES" dirty="0"/>
-          </a:p>
-        </p:txBody>
-      </p:sp>
+        </p:nvPicPr>
+        <p:blipFill>
+          <a:blip r:embed="rId3"/>
+          <a:stretch>
+            <a:fillRect/>
+          </a:stretch>
+        </p:blipFill>
+        <p:spPr>
+          <a:xfrm>
+            <a:off x="432903" y="2298285"/>
+            <a:ext cx="8711018" cy="3285122"/>
+          </a:xfrm>
+          <a:prstGeom prst="rect">
+            <a:avLst/>
+          </a:prstGeom>
+        </p:spPr>
+      </p:pic>
       <p:sp>
         <p:nvSpPr>
           <p:cNvPr id="5" name="Marcador de número de diapositiva 4">
@@ -13532,163 +10007,6 @@
           </a:p>
         </p:txBody>
       </p:sp>
-      <p:pic>
-        <p:nvPicPr>
-          <p:cNvPr id="6" name="Imagen 5">
-            <a:extLst>
-              <a:ext uri="{FF2B5EF4-FFF2-40B4-BE49-F238E27FC236}">
-                <a16:creationId xmlns:a16="http://schemas.microsoft.com/office/drawing/2014/main" id="{7694B80B-7C84-7E65-9970-0283991DD694}"/>
-              </a:ext>
-            </a:extLst>
-          </p:cNvPr>
-          <p:cNvPicPr>
-            <a:picLocks noChangeAspect="1"/>
-          </p:cNvPicPr>
-          <p:nvPr/>
-        </p:nvPicPr>
-        <p:blipFill>
-          <a:blip r:embed="rId3"/>
-          <a:srcRect t="1515" r="1141"/>
-          <a:stretch/>
-        </p:blipFill>
-        <p:spPr>
-          <a:xfrm>
-            <a:off x="150589" y="1556792"/>
-            <a:ext cx="8741891" cy="4680520"/>
-          </a:xfrm>
-          <a:prstGeom prst="rect">
-            <a:avLst/>
-          </a:prstGeom>
-        </p:spPr>
-      </p:pic>
-      <p:sp>
-        <p:nvSpPr>
-          <p:cNvPr id="3" name="Flecha: hacia abajo 2">
-            <a:extLst>
-              <a:ext uri="{FF2B5EF4-FFF2-40B4-BE49-F238E27FC236}">
-                <a16:creationId xmlns:a16="http://schemas.microsoft.com/office/drawing/2014/main" id="{7F68382F-6E22-7D12-579D-A66C96527D63}"/>
-              </a:ext>
-            </a:extLst>
-          </p:cNvPr>
-          <p:cNvSpPr/>
-          <p:nvPr/>
-        </p:nvSpPr>
-        <p:spPr>
-          <a:xfrm>
-            <a:off x="617998" y="2488804"/>
-            <a:ext cx="353961" cy="490100"/>
-          </a:xfrm>
-          <a:prstGeom prst="downArrow">
-            <a:avLst/>
-          </a:prstGeom>
-        </p:spPr>
-        <p:style>
-          <a:lnRef idx="2">
-            <a:schemeClr val="accent1">
-              <a:shade val="15000"/>
-            </a:schemeClr>
-          </a:lnRef>
-          <a:fillRef idx="1">
-            <a:schemeClr val="accent1"/>
-          </a:fillRef>
-          <a:effectRef idx="0">
-            <a:schemeClr val="accent1"/>
-          </a:effectRef>
-          <a:fontRef idx="minor">
-            <a:schemeClr val="lt1"/>
-          </a:fontRef>
-        </p:style>
-        <p:txBody>
-          <a:bodyPr rtlCol="0" anchor="ctr"/>
-          <a:lstStyle/>
-          <a:p>
-            <a:pPr algn="ctr"/>
-            <a:endParaRPr lang="es-ES"/>
-          </a:p>
-        </p:txBody>
-      </p:sp>
-      <p:sp>
-        <p:nvSpPr>
-          <p:cNvPr id="7" name="Flecha: hacia abajo 6">
-            <a:extLst>
-              <a:ext uri="{FF2B5EF4-FFF2-40B4-BE49-F238E27FC236}">
-                <a16:creationId xmlns:a16="http://schemas.microsoft.com/office/drawing/2014/main" id="{60D068C1-AC89-66AA-A2A1-281F237D37B9}"/>
-              </a:ext>
-            </a:extLst>
-          </p:cNvPr>
-          <p:cNvSpPr/>
-          <p:nvPr/>
-        </p:nvSpPr>
-        <p:spPr>
-          <a:xfrm rot="10800000">
-            <a:off x="5394534" y="2488804"/>
-            <a:ext cx="353961" cy="490100"/>
-          </a:xfrm>
-          <a:prstGeom prst="downArrow">
-            <a:avLst/>
-          </a:prstGeom>
-        </p:spPr>
-        <p:style>
-          <a:lnRef idx="2">
-            <a:schemeClr val="accent1">
-              <a:shade val="15000"/>
-            </a:schemeClr>
-          </a:lnRef>
-          <a:fillRef idx="1">
-            <a:schemeClr val="accent1"/>
-          </a:fillRef>
-          <a:effectRef idx="0">
-            <a:schemeClr val="accent1"/>
-          </a:effectRef>
-          <a:fontRef idx="minor">
-            <a:schemeClr val="lt1"/>
-          </a:fontRef>
-        </p:style>
-        <p:txBody>
-          <a:bodyPr rtlCol="0" anchor="ctr"/>
-          <a:lstStyle/>
-          <a:p>
-            <a:pPr algn="ctr"/>
-            <a:endParaRPr lang="es-ES"/>
-          </a:p>
-        </p:txBody>
-      </p:sp>
-      <p:cxnSp>
-        <p:nvCxnSpPr>
-          <p:cNvPr id="9" name="Conector recto de flecha 8">
-            <a:extLst>
-              <a:ext uri="{FF2B5EF4-FFF2-40B4-BE49-F238E27FC236}">
-                <a16:creationId xmlns:a16="http://schemas.microsoft.com/office/drawing/2014/main" id="{02A1D881-0FCE-A49B-B5BF-924F034F770E}"/>
-              </a:ext>
-            </a:extLst>
-          </p:cNvPr>
-          <p:cNvCxnSpPr/>
-          <p:nvPr/>
-        </p:nvCxnSpPr>
-        <p:spPr>
-          <a:xfrm flipV="1">
-            <a:off x="1763859" y="5982566"/>
-            <a:ext cx="2757054" cy="13856"/>
-          </a:xfrm>
-          <a:prstGeom prst="straightConnector1">
-            <a:avLst/>
-          </a:prstGeom>
-        </p:spPr>
-        <p:style>
-          <a:lnRef idx="3">
-            <a:schemeClr val="accent5"/>
-          </a:lnRef>
-          <a:fillRef idx="0">
-            <a:schemeClr val="accent5"/>
-          </a:fillRef>
-          <a:effectRef idx="2">
-            <a:schemeClr val="accent5"/>
-          </a:effectRef>
-          <a:fontRef idx="minor">
-            <a:schemeClr val="tx1"/>
-          </a:fontRef>
-        </p:style>
-      </p:cxnSp>
     </p:spTree>
     <p:extLst>
       <p:ext uri="{BB962C8B-B14F-4D97-AF65-F5344CB8AC3E}">
@@ -14704,28 +11022,28 @@
             <p:ph idx="1"/>
             <p:extLst>
               <p:ext uri="{D42A27DB-BD31-4B8C-83A1-F6EECF244321}">
-                <p14:modId xmlns:p14="http://schemas.microsoft.com/office/powerpoint/2010/main" val="3870213962"/>
+                <p14:modId xmlns:p14="http://schemas.microsoft.com/office/powerpoint/2010/main" val="1451996179"/>
               </p:ext>
             </p:extLst>
           </p:nvPr>
         </p:nvGraphicFramePr>
         <p:xfrm>
           <a:off x="527743" y="1371095"/>
-          <a:ext cx="8088514" cy="2736305"/>
+          <a:ext cx="8088513" cy="2165027"/>
         </p:xfrm>
         <a:graphic>
           <a:graphicData uri="http://schemas.openxmlformats.org/drawingml/2006/table">
             <a:tbl>
               <a:tblPr/>
               <a:tblGrid>
-                <a:gridCol w="6185938">
+                <a:gridCol w="3047097">
                   <a:extLst>
                     <a:ext uri="{9D8B030D-6E8A-4147-A177-3AD203B41FA5}">
                       <a16:colId xmlns:a16="http://schemas.microsoft.com/office/drawing/2014/main" val="2181452732"/>
                     </a:ext>
                   </a:extLst>
                 </a:gridCol>
-                <a:gridCol w="1902576">
+                <a:gridCol w="5041416">
                   <a:extLst>
                     <a:ext uri="{9D8B030D-6E8A-4147-A177-3AD203B41FA5}">
                       <a16:colId xmlns:a16="http://schemas.microsoft.com/office/drawing/2014/main" val="2131511089"/>
@@ -14733,7 +11051,7 @@
                   </a:extLst>
                 </a:gridCol>
               </a:tblGrid>
-              <a:tr h="959905">
+              <a:tr h="446907">
                 <a:tc>
                   <a:txBody>
                     <a:bodyPr/>
@@ -14750,24 +11068,13 @@
                           <a:spcPts val="300"/>
                         </a:spcAft>
                       </a:pPr>
-                      <a:r>
-                        <a:rPr lang="es-ES" sz="1600" b="1" dirty="0">
-                          <a:solidFill>
-                            <a:srgbClr val="FFFFFF"/>
-                          </a:solidFill>
-                          <a:effectLst/>
-                          <a:latin typeface="Open Sans" panose="020B0606030504020204" pitchFamily="34" charset="0"/>
-                          <a:ea typeface="Open Sans" panose="020B0606030504020204" pitchFamily="34" charset="0"/>
-                        </a:rPr>
-                        <a:t>CRITERIO DE CALIFICACIÓN</a:t>
-                      </a:r>
-                      <a:endParaRPr lang="es-ES" sz="1600" dirty="0">
+                      <a:endParaRPr lang="es-ES" sz="1600" b="1" dirty="0">
                         <a:solidFill>
-                          <a:srgbClr val="695D46"/>
+                          <a:srgbClr val="FFFFFF"/>
                         </a:solidFill>
                         <a:effectLst/>
-                        <a:latin typeface="Open Sans" panose="020B0606030504020204" pitchFamily="34" charset="0"/>
-                        <a:ea typeface="Open Sans" panose="020B0606030504020204" pitchFamily="34" charset="0"/>
+                        <a:latin typeface="Open Sans"/>
+                        <a:ea typeface="Open Sans"/>
                       </a:endParaRPr>
                     </a:p>
                   </a:txBody>
@@ -14818,7 +11125,7 @@
                     <a:bodyPr/>
                     <a:lstStyle/>
                     <a:p>
-                      <a:pPr marL="0" algn="ctr" defTabSz="457200" rtl="0" eaLnBrk="1" latinLnBrk="0" hangingPunct="1">
+                      <a:pPr marL="0" lvl="0" algn="ctr">
                         <a:lnSpc>
                           <a:spcPct val="150000"/>
                         </a:lnSpc>
@@ -14828,19 +11135,19 @@
                         <a:spcAft>
                           <a:spcPts val="300"/>
                         </a:spcAft>
+                        <a:buNone/>
                       </a:pPr>
                       <a:r>
-                        <a:rPr lang="es-ES" sz="1600" b="1" kern="1200" dirty="0">
+                        <a:rPr lang="es-ES" sz="1600" b="1" i="0" u="none" strike="noStrike" kern="1200" noProof="0" dirty="0">
                           <a:solidFill>
                             <a:srgbClr val="FFFFFF"/>
                           </a:solidFill>
                           <a:effectLst/>
-                          <a:latin typeface="Open Sans" panose="020B0606030504020204" pitchFamily="34" charset="0"/>
-                          <a:ea typeface="Open Sans" panose="020B0606030504020204" pitchFamily="34" charset="0"/>
-                          <a:cs typeface="+mn-cs"/>
+                          <a:latin typeface="Open Sans"/>
                         </a:rPr>
-                        <a:t>PORCENTAJE</a:t>
+                        <a:t>CRITERIO DE CALIFICACIÓN</a:t>
                       </a:r>
+                      <a:endParaRPr lang="es-ES" dirty="0"/>
                     </a:p>
                   </a:txBody>
                   <a:tcPr marL="63500" marR="63500" marT="0" marB="0">
@@ -14891,7 +11198,7 @@
                   </a:ext>
                 </a:extLst>
               </a:tr>
-              <a:tr h="615324">
+              <a:tr h="406279">
                 <a:tc>
                   <a:txBody>
                     <a:bodyPr/>
@@ -14914,10 +11221,10 @@
                             <a:srgbClr val="695D46"/>
                           </a:solidFill>
                           <a:effectLst/>
-                          <a:latin typeface="Open Sans" panose="020B0606030504020204" pitchFamily="34" charset="0"/>
-                          <a:ea typeface="Open Sans" panose="020B0606030504020204" pitchFamily="34" charset="0"/>
+                          <a:latin typeface="Open Sans"/>
+                          <a:ea typeface="Open Sans"/>
                         </a:rPr>
-                        <a:t>Tareas Prácticas de cada Unidad de Trabajo</a:t>
+                        <a:t>1</a:t>
                       </a:r>
                     </a:p>
                   </a:txBody>
@@ -14980,7 +11287,7 @@
                         </a:spcAft>
                       </a:pPr>
                       <a:r>
-                        <a:rPr lang="es-ES" sz="1600">
+                        <a:rPr lang="es-ES" sz="1600" dirty="0">
                           <a:solidFill>
                             <a:srgbClr val="695D46"/>
                           </a:solidFill>
@@ -14988,7 +11295,7 @@
                           <a:latin typeface="Open Sans"/>
                           <a:ea typeface="Open Sans"/>
                         </a:rPr>
-                        <a:t>30 %</a:t>
+                        <a:t>SUPERA todas las actividades</a:t>
                       </a:r>
                       <a:endParaRPr lang="es-ES" sz="1600" dirty="0">
                         <a:solidFill>
@@ -15066,7 +11373,7 @@
                         </a:spcAft>
                       </a:pPr>
                       <a:r>
-                        <a:rPr lang="es-ES" sz="1600">
+                        <a:rPr lang="es-ES" sz="1600" dirty="0">
                           <a:solidFill>
                             <a:srgbClr val="695D46"/>
                           </a:solidFill>
@@ -15074,176 +11381,7 @@
                           <a:latin typeface="Open Sans"/>
                           <a:ea typeface="Open Sans"/>
                         </a:rPr>
-                        <a:t>Exámenes Teórico-Prácticos</a:t>
-                      </a:r>
-                      <a:endParaRPr lang="es-ES" sz="1600" dirty="0">
-                        <a:solidFill>
-                          <a:srgbClr val="695D46"/>
-                        </a:solidFill>
-                        <a:effectLst/>
-                        <a:latin typeface="Open Sans"/>
-                        <a:ea typeface="Open Sans"/>
-                      </a:endParaRPr>
-                    </a:p>
-                  </a:txBody>
-                  <a:tcPr marL="63500" marR="63500" marT="0" marB="0">
-                    <a:lnL w="12700" cap="flat" cmpd="sng" algn="ctr">
-                      <a:solidFill>
-                        <a:srgbClr val="000000"/>
-                      </a:solidFill>
-                      <a:prstDash val="solid"/>
-                      <a:round/>
-                      <a:headEnd type="none" w="med" len="med"/>
-                      <a:tailEnd type="none" w="med" len="med"/>
-                    </a:lnL>
-                    <a:lnR w="12700" cap="flat" cmpd="sng" algn="ctr">
-                      <a:solidFill>
-                        <a:srgbClr val="000000"/>
-                      </a:solidFill>
-                      <a:prstDash val="solid"/>
-                      <a:round/>
-                      <a:headEnd type="none" w="med" len="med"/>
-                      <a:tailEnd type="none" w="med" len="med"/>
-                    </a:lnR>
-                    <a:lnT w="12700" cap="flat" cmpd="sng" algn="ctr">
-                      <a:solidFill>
-                        <a:srgbClr val="000000"/>
-                      </a:solidFill>
-                      <a:prstDash val="solid"/>
-                      <a:round/>
-                      <a:headEnd type="none" w="med" len="med"/>
-                      <a:tailEnd type="none" w="med" len="med"/>
-                    </a:lnT>
-                    <a:lnB w="12700" cap="flat" cmpd="sng" algn="ctr">
-                      <a:solidFill>
-                        <a:srgbClr val="000000"/>
-                      </a:solidFill>
-                      <a:prstDash val="solid"/>
-                      <a:round/>
-                      <a:headEnd type="none" w="med" len="med"/>
-                      <a:tailEnd type="none" w="med" len="med"/>
-                    </a:lnB>
-                    <a:solidFill>
-                      <a:srgbClr val="FFFFFF"/>
-                    </a:solidFill>
-                  </a:tcPr>
-                </a:tc>
-                <a:tc>
-                  <a:txBody>
-                    <a:bodyPr/>
-                    <a:lstStyle/>
-                    <a:p>
-                      <a:pPr indent="457200" algn="ctr">
-                        <a:lnSpc>
-                          <a:spcPct val="150000"/>
-                        </a:lnSpc>
-                        <a:spcBef>
-                          <a:spcPts val="600"/>
-                        </a:spcBef>
-                        <a:spcAft>
-                          <a:spcPts val="600"/>
-                        </a:spcAft>
-                      </a:pPr>
-                      <a:r>
-                        <a:rPr lang="es-ES" sz="1600" strike="sngStrike">
-                          <a:solidFill>
-                            <a:srgbClr val="695D46"/>
-                          </a:solidFill>
-                          <a:effectLst/>
-                          <a:latin typeface="Open Sans"/>
-                          <a:ea typeface="Open Sans"/>
-                        </a:rPr>
-                        <a:t>65 </a:t>
-                      </a:r>
-                      <a:r>
-                        <a:rPr lang="es-ES" sz="1600" strike="noStrike">
-                          <a:solidFill>
-                            <a:srgbClr val="695D46"/>
-                          </a:solidFill>
-                          <a:effectLst/>
-                          <a:latin typeface="Open Sans"/>
-                          <a:ea typeface="Open Sans"/>
-                        </a:rPr>
-                        <a:t>70 %</a:t>
-                      </a:r>
-                      <a:endParaRPr lang="es-ES"/>
-                    </a:p>
-                  </a:txBody>
-                  <a:tcPr marL="63500" marR="63500" marT="0" marB="0">
-                    <a:lnL w="12700" cap="flat" cmpd="sng" algn="ctr">
-                      <a:solidFill>
-                        <a:srgbClr val="000000"/>
-                      </a:solidFill>
-                      <a:prstDash val="solid"/>
-                      <a:round/>
-                      <a:headEnd type="none" w="med" len="med"/>
-                      <a:tailEnd type="none" w="med" len="med"/>
-                    </a:lnL>
-                    <a:lnR w="12700" cap="flat" cmpd="sng" algn="ctr">
-                      <a:solidFill>
-                        <a:srgbClr val="000000"/>
-                      </a:solidFill>
-                      <a:prstDash val="solid"/>
-                      <a:round/>
-                      <a:headEnd type="none" w="med" len="med"/>
-                      <a:tailEnd type="none" w="med" len="med"/>
-                    </a:lnR>
-                    <a:lnT w="12700" cap="flat" cmpd="sng" algn="ctr">
-                      <a:solidFill>
-                        <a:srgbClr val="000000"/>
-                      </a:solidFill>
-                      <a:prstDash val="solid"/>
-                      <a:round/>
-                      <a:headEnd type="none" w="med" len="med"/>
-                      <a:tailEnd type="none" w="med" len="med"/>
-                    </a:lnT>
-                    <a:lnB w="12700" cap="flat" cmpd="sng" algn="ctr">
-                      <a:solidFill>
-                        <a:srgbClr val="000000"/>
-                      </a:solidFill>
-                      <a:prstDash val="solid"/>
-                      <a:round/>
-                      <a:headEnd type="none" w="med" len="med"/>
-                      <a:tailEnd type="none" w="med" len="med"/>
-                    </a:lnB>
-                    <a:solidFill>
-                      <a:srgbClr val="FFFFFF"/>
-                    </a:solidFill>
-                  </a:tcPr>
-                </a:tc>
-                <a:extLst>
-                  <a:ext uri="{0D108BD9-81ED-4DB2-BD59-A6C34878D82A}">
-                    <a16:rowId xmlns:a16="http://schemas.microsoft.com/office/drawing/2014/main" val="2627387469"/>
-                  </a:ext>
-                </a:extLst>
-              </a:tr>
-              <a:tr h="580538">
-                <a:tc>
-                  <a:txBody>
-                    <a:bodyPr/>
-                    <a:lstStyle/>
-                    <a:p>
-                      <a:pPr indent="457200" algn="ctr">
-                        <a:lnSpc>
-                          <a:spcPct val="150000"/>
-                        </a:lnSpc>
-                        <a:spcBef>
-                          <a:spcPts val="600"/>
-                        </a:spcBef>
-                        <a:spcAft>
-                          <a:spcPts val="600"/>
-                        </a:spcAft>
-                      </a:pPr>
-                      <a:r>
-                        <a:rPr lang="es-ES" sz="1600" dirty="0">
-                          <a:solidFill>
-                            <a:srgbClr val="695D46"/>
-                          </a:solidFill>
-                          <a:effectLst/>
-                          <a:latin typeface="Open Sans" panose="020B0606030504020204" pitchFamily="34" charset="0"/>
-                          <a:ea typeface="Open Sans" panose="020B0606030504020204" pitchFamily="34" charset="0"/>
-                        </a:rPr>
-                        <a:t>Actitud y Participación (CPPS)</a:t>
+                        <a:t>2</a:t>
                       </a:r>
                     </a:p>
                   </a:txBody>
@@ -15306,7 +11444,7 @@
                         </a:spcAft>
                       </a:pPr>
                       <a:r>
-                        <a:rPr lang="es-ES" sz="1600">
+                        <a:rPr lang="es-ES" sz="1600" strike="sngStrike" dirty="0">
                           <a:solidFill>
                             <a:srgbClr val="695D46"/>
                           </a:solidFill>
@@ -15314,16 +11452,20 @@
                           <a:latin typeface="Open Sans"/>
                           <a:ea typeface="Open Sans"/>
                         </a:rPr>
-                        <a:t>+ 5 %</a:t>
+                        <a:t>65 </a:t>
                       </a:r>
-                      <a:endParaRPr lang="es-ES" sz="1600" dirty="0">
-                        <a:solidFill>
-                          <a:srgbClr val="695D46"/>
-                        </a:solidFill>
-                        <a:effectLst/>
-                        <a:latin typeface="Open Sans"/>
-                        <a:ea typeface="Open Sans"/>
-                      </a:endParaRPr>
+                      <a:r>
+                        <a:rPr lang="es-ES" sz="1600" strike="noStrike" dirty="0">
+                          <a:solidFill>
+                            <a:srgbClr val="695D46"/>
+                          </a:solidFill>
+                          <a:effectLst/>
+                          <a:latin typeface="Open Sans"/>
+                          <a:ea typeface="Open Sans"/>
+                        </a:rPr>
+                        <a:t>70 %</a:t>
+                      </a:r>
+                      <a:endParaRPr lang="es-ES" dirty="0"/>
                     </a:p>
                   </a:txBody>
                   <a:tcPr marL="63500" marR="63500" marT="0" marB="0">
@@ -15370,381 +11512,11 @@
                 </a:tc>
                 <a:extLst>
                   <a:ext uri="{0D108BD9-81ED-4DB2-BD59-A6C34878D82A}">
-                    <a16:rowId xmlns:a16="http://schemas.microsoft.com/office/drawing/2014/main" val="2471589620"/>
+                    <a16:rowId xmlns:a16="http://schemas.microsoft.com/office/drawing/2014/main" val="2627387469"/>
                   </a:ext>
                 </a:extLst>
               </a:tr>
-            </a:tbl>
-          </a:graphicData>
-        </a:graphic>
-      </p:graphicFrame>
-      <p:sp>
-        <p:nvSpPr>
-          <p:cNvPr id="5" name="Marcador de número de diapositiva 4">
-            <a:extLst>
-              <a:ext uri="{FF2B5EF4-FFF2-40B4-BE49-F238E27FC236}">
-                <a16:creationId xmlns:a16="http://schemas.microsoft.com/office/drawing/2014/main" id="{C514E767-DE37-199B-0C75-795503DBC30A}"/>
-              </a:ext>
-            </a:extLst>
-          </p:cNvPr>
-          <p:cNvSpPr>
-            <a:spLocks noGrp="1"/>
-          </p:cNvSpPr>
-          <p:nvPr>
-            <p:ph type="sldNum" sz="quarter" idx="12"/>
-          </p:nvPr>
-        </p:nvSpPr>
-        <p:spPr/>
-        <p:txBody>
-          <a:bodyPr/>
-          <a:lstStyle/>
-          <a:p>
-            <a:fld id="{132FADFE-3B8F-471C-ABF0-DBC7717ECBBC}" type="slidenum">
-              <a:rPr lang="es-ES" smtClean="0"/>
-              <a:pPr/>
-              <a:t>7</a:t>
-            </a:fld>
-            <a:endParaRPr lang="es-ES" dirty="0"/>
-          </a:p>
-        </p:txBody>
-      </p:sp>
-      <p:sp>
-        <p:nvSpPr>
-          <p:cNvPr id="12" name="CuadroTexto 11">
-            <a:extLst>
-              <a:ext uri="{FF2B5EF4-FFF2-40B4-BE49-F238E27FC236}">
-                <a16:creationId xmlns:a16="http://schemas.microsoft.com/office/drawing/2014/main" id="{F62BE054-AFA4-E0C3-D337-5831DC6586D6}"/>
-              </a:ext>
-            </a:extLst>
-          </p:cNvPr>
-          <p:cNvSpPr txBox="1"/>
-          <p:nvPr/>
-        </p:nvSpPr>
-        <p:spPr>
-          <a:xfrm>
-            <a:off x="527744" y="4365104"/>
-            <a:ext cx="8220720" cy="1668855"/>
-          </a:xfrm>
-          <a:prstGeom prst="rect">
-            <a:avLst/>
-          </a:prstGeom>
-          <a:noFill/>
-        </p:spPr>
-        <p:txBody>
-          <a:bodyPr wrap="square" rtlCol="0">
-            <a:spAutoFit/>
-          </a:bodyPr>
-          <a:lstStyle/>
-          <a:p>
-            <a:pPr marL="285750" indent="-285750">
-              <a:lnSpc>
-                <a:spcPct val="200000"/>
-              </a:lnSpc>
-              <a:buFont typeface="Arial" panose="020B0604020202020204" pitchFamily="34" charset="0"/>
-              <a:buChar char="•"/>
-            </a:pPr>
-            <a:r>
-              <a:rPr lang="es-ES" dirty="0"/>
-              <a:t>Debo superar cada unidad de trabajo de manera independiente: nota &gt;= 5</a:t>
-            </a:r>
-          </a:p>
-          <a:p>
-            <a:pPr marL="285750" indent="-285750">
-              <a:lnSpc>
-                <a:spcPct val="200000"/>
-              </a:lnSpc>
-              <a:buFont typeface="Arial" panose="020B0604020202020204" pitchFamily="34" charset="0"/>
-              <a:buChar char="•"/>
-            </a:pPr>
-            <a:r>
-              <a:rPr lang="es-ES" dirty="0"/>
-              <a:t>Nota del módulo: media ponderada de la nota de cada unidad de trabajo</a:t>
-            </a:r>
-          </a:p>
-          <a:p>
-            <a:pPr marL="285750" indent="-285750">
-              <a:lnSpc>
-                <a:spcPct val="200000"/>
-              </a:lnSpc>
-              <a:buFont typeface="Arial" panose="020B0604020202020204" pitchFamily="34" charset="0"/>
-              <a:buChar char="•"/>
-            </a:pPr>
-            <a:r>
-              <a:rPr lang="es-ES" dirty="0"/>
-              <a:t>Evaluaciones intermedias: solo informativas</a:t>
-            </a:r>
-          </a:p>
-        </p:txBody>
-      </p:sp>
-    </p:spTree>
-    <p:extLst>
-      <p:ext uri="{BB962C8B-B14F-4D97-AF65-F5344CB8AC3E}">
-        <p14:creationId xmlns:p14="http://schemas.microsoft.com/office/powerpoint/2010/main" val="2855820299"/>
-      </p:ext>
-    </p:extLst>
-  </p:cSld>
-  <p:clrMapOvr>
-    <a:masterClrMapping/>
-  </p:clrMapOvr>
-</p:sld>
-</file>
-
-<file path=ppt/slides/slide8.xml><?xml version="1.0" encoding="utf-8"?>
-<p:sld xmlns:a="http://schemas.openxmlformats.org/drawingml/2006/main" xmlns:r="http://schemas.openxmlformats.org/officeDocument/2006/relationships" xmlns:p="http://schemas.openxmlformats.org/presentationml/2006/main">
-  <p:cSld>
-    <p:spTree>
-      <p:nvGrpSpPr>
-        <p:cNvPr id="1" name=""/>
-        <p:cNvGrpSpPr/>
-        <p:nvPr/>
-      </p:nvGrpSpPr>
-      <p:grpSpPr>
-        <a:xfrm>
-          <a:off x="0" y="0"/>
-          <a:ext cx="0" cy="0"/>
-          <a:chOff x="0" y="0"/>
-          <a:chExt cx="0" cy="0"/>
-        </a:xfrm>
-      </p:grpSpPr>
-      <p:sp>
-        <p:nvSpPr>
-          <p:cNvPr id="2" name="Título 1">
-            <a:extLst>
-              <a:ext uri="{FF2B5EF4-FFF2-40B4-BE49-F238E27FC236}">
-                <a16:creationId xmlns:a16="http://schemas.microsoft.com/office/drawing/2014/main" id="{7419A668-FA3E-6FEB-D010-D606DEACA710}"/>
-              </a:ext>
-            </a:extLst>
-          </p:cNvPr>
-          <p:cNvSpPr>
-            <a:spLocks noGrp="1"/>
-          </p:cNvSpPr>
-          <p:nvPr>
-            <p:ph type="title"/>
-          </p:nvPr>
-        </p:nvSpPr>
-        <p:spPr>
-          <a:xfrm>
-            <a:off x="609599" y="609600"/>
-            <a:ext cx="7922841" cy="1320800"/>
-          </a:xfrm>
-        </p:spPr>
-        <p:txBody>
-          <a:bodyPr>
-            <a:normAutofit/>
-          </a:bodyPr>
-          <a:lstStyle/>
-          <a:p>
-            <a:r>
-              <a:rPr lang="es-ES" dirty="0"/>
-              <a:t>Criterios de calificación</a:t>
-            </a:r>
-          </a:p>
-        </p:txBody>
-      </p:sp>
-      <p:graphicFrame>
-        <p:nvGraphicFramePr>
-          <p:cNvPr id="11" name="Marcador de contenido 10">
-            <a:extLst>
-              <a:ext uri="{FF2B5EF4-FFF2-40B4-BE49-F238E27FC236}">
-                <a16:creationId xmlns:a16="http://schemas.microsoft.com/office/drawing/2014/main" id="{6657B4B4-0A17-2143-055A-1048C72EB6C4}"/>
-              </a:ext>
-            </a:extLst>
-          </p:cNvPr>
-          <p:cNvGraphicFramePr>
-            <a:graphicFrameLocks noGrp="1"/>
-          </p:cNvGraphicFramePr>
-          <p:nvPr>
-            <p:ph idx="1"/>
-            <p:extLst>
-              <p:ext uri="{D42A27DB-BD31-4B8C-83A1-F6EECF244321}">
-                <p14:modId xmlns:p14="http://schemas.microsoft.com/office/powerpoint/2010/main" val="3067938349"/>
-              </p:ext>
-            </p:extLst>
-          </p:nvPr>
-        </p:nvGraphicFramePr>
-        <p:xfrm>
-          <a:off x="899592" y="1412776"/>
-          <a:ext cx="6564537" cy="1429458"/>
-        </p:xfrm>
-        <a:graphic>
-          <a:graphicData uri="http://schemas.openxmlformats.org/drawingml/2006/table">
-            <a:tbl>
-              <a:tblPr/>
-              <a:tblGrid>
-                <a:gridCol w="5020430">
-                  <a:extLst>
-                    <a:ext uri="{9D8B030D-6E8A-4147-A177-3AD203B41FA5}">
-                      <a16:colId xmlns:a16="http://schemas.microsoft.com/office/drawing/2014/main" val="2181452732"/>
-                    </a:ext>
-                  </a:extLst>
-                </a:gridCol>
-                <a:gridCol w="1544107">
-                  <a:extLst>
-                    <a:ext uri="{9D8B030D-6E8A-4147-A177-3AD203B41FA5}">
-                      <a16:colId xmlns:a16="http://schemas.microsoft.com/office/drawing/2014/main" val="2131511089"/>
-                    </a:ext>
-                  </a:extLst>
-                </a:gridCol>
-              </a:tblGrid>
-              <a:tr h="448953">
-                <a:tc>
-                  <a:txBody>
-                    <a:bodyPr/>
-                    <a:lstStyle/>
-                    <a:p>
-                      <a:pPr algn="ctr">
-                        <a:lnSpc>
-                          <a:spcPct val="150000"/>
-                        </a:lnSpc>
-                        <a:spcBef>
-                          <a:spcPts val="1200"/>
-                        </a:spcBef>
-                        <a:spcAft>
-                          <a:spcPts val="300"/>
-                        </a:spcAft>
-                      </a:pPr>
-                      <a:r>
-                        <a:rPr lang="es-ES" sz="1600" b="1" dirty="0">
-                          <a:solidFill>
-                            <a:srgbClr val="FFFFFF"/>
-                          </a:solidFill>
-                          <a:effectLst/>
-                          <a:latin typeface="Open Sans" panose="020B0606030504020204" pitchFamily="34" charset="0"/>
-                          <a:ea typeface="Open Sans" panose="020B0606030504020204" pitchFamily="34" charset="0"/>
-                        </a:rPr>
-                        <a:t>CRITERIO DE CALIFICACIÓN</a:t>
-                      </a:r>
-                      <a:endParaRPr lang="es-ES" sz="1600" dirty="0">
-                        <a:solidFill>
-                          <a:srgbClr val="695D46"/>
-                        </a:solidFill>
-                        <a:effectLst/>
-                        <a:latin typeface="Open Sans" panose="020B0606030504020204" pitchFamily="34" charset="0"/>
-                        <a:ea typeface="Open Sans" panose="020B0606030504020204" pitchFamily="34" charset="0"/>
-                      </a:endParaRPr>
-                    </a:p>
-                  </a:txBody>
-                  <a:tcPr marL="63500" marR="63500" marT="0" marB="0" anchor="ctr">
-                    <a:lnL w="12700" cap="flat" cmpd="sng" algn="ctr">
-                      <a:solidFill>
-                        <a:srgbClr val="000000"/>
-                      </a:solidFill>
-                      <a:prstDash val="solid"/>
-                      <a:round/>
-                      <a:headEnd type="none" w="med" len="med"/>
-                      <a:tailEnd type="none" w="med" len="med"/>
-                    </a:lnL>
-                    <a:lnR w="12700" cap="flat" cmpd="sng" algn="ctr">
-                      <a:solidFill>
-                        <a:srgbClr val="000000"/>
-                      </a:solidFill>
-                      <a:prstDash val="solid"/>
-                      <a:round/>
-                      <a:headEnd type="none" w="med" len="med"/>
-                      <a:tailEnd type="none" w="med" len="med"/>
-                    </a:lnR>
-                    <a:lnT w="12700" cap="flat" cmpd="sng" algn="ctr">
-                      <a:solidFill>
-                        <a:srgbClr val="000000"/>
-                      </a:solidFill>
-                      <a:prstDash val="solid"/>
-                      <a:round/>
-                      <a:headEnd type="none" w="med" len="med"/>
-                      <a:tailEnd type="none" w="med" len="med"/>
-                    </a:lnT>
-                    <a:lnB w="12700" cap="flat" cmpd="sng" algn="ctr">
-                      <a:solidFill>
-                        <a:srgbClr val="000000"/>
-                      </a:solidFill>
-                      <a:prstDash val="solid"/>
-                      <a:round/>
-                      <a:headEnd type="none" w="med" len="med"/>
-                      <a:tailEnd type="none" w="med" len="med"/>
-                    </a:lnB>
-                    <a:solidFill>
-                      <a:srgbClr val="008575"/>
-                    </a:solidFill>
-                  </a:tcPr>
-                </a:tc>
-                <a:tc>
-                  <a:txBody>
-                    <a:bodyPr/>
-                    <a:lstStyle/>
-                    <a:p>
-                      <a:pPr marL="0" algn="ctr" defTabSz="457200" rtl="0" eaLnBrk="1" latinLnBrk="0" hangingPunct="1">
-                        <a:lnSpc>
-                          <a:spcPct val="150000"/>
-                        </a:lnSpc>
-                        <a:spcBef>
-                          <a:spcPts val="1200"/>
-                        </a:spcBef>
-                        <a:spcAft>
-                          <a:spcPts val="300"/>
-                        </a:spcAft>
-                      </a:pPr>
-                      <a:r>
-                        <a:rPr lang="es-ES" sz="1600" b="1" kern="1200" dirty="0">
-                          <a:solidFill>
-                            <a:srgbClr val="FFFFFF"/>
-                          </a:solidFill>
-                          <a:effectLst/>
-                          <a:latin typeface="Open Sans" panose="020B0606030504020204" pitchFamily="34" charset="0"/>
-                          <a:ea typeface="Open Sans" panose="020B0606030504020204" pitchFamily="34" charset="0"/>
-                          <a:cs typeface="+mn-cs"/>
-                        </a:rPr>
-                        <a:t>PORCENTAJE</a:t>
-                      </a:r>
-                    </a:p>
-                  </a:txBody>
-                  <a:tcPr marL="63500" marR="63500" marT="0" marB="0">
-                    <a:lnL w="12700" cap="flat" cmpd="sng" algn="ctr">
-                      <a:solidFill>
-                        <a:srgbClr val="000000"/>
-                      </a:solidFill>
-                      <a:prstDash val="solid"/>
-                      <a:round/>
-                      <a:headEnd type="none" w="med" len="med"/>
-                      <a:tailEnd type="none" w="med" len="med"/>
-                    </a:lnL>
-                    <a:lnR w="12700" cap="flat" cmpd="sng" algn="ctr">
-                      <a:solidFill>
-                        <a:srgbClr val="000000"/>
-                      </a:solidFill>
-                      <a:prstDash val="solid"/>
-                      <a:round/>
-                      <a:headEnd type="none" w="med" len="med"/>
-                      <a:tailEnd type="none" w="med" len="med"/>
-                    </a:lnR>
-                    <a:lnT w="12700" cap="flat" cmpd="sng" algn="ctr">
-                      <a:solidFill>
-                        <a:srgbClr val="000000"/>
-                      </a:solidFill>
-                      <a:prstDash val="solid"/>
-                      <a:round/>
-                      <a:headEnd type="none" w="med" len="med"/>
-                      <a:tailEnd type="none" w="med" len="med"/>
-                    </a:lnT>
-                    <a:lnB w="12700" cap="flat" cmpd="sng" algn="ctr">
-                      <a:solidFill>
-                        <a:srgbClr val="000000"/>
-                      </a:solidFill>
-                      <a:prstDash val="solid"/>
-                      <a:round/>
-                      <a:headEnd type="none" w="med" len="med"/>
-                      <a:tailEnd type="none" w="med" len="med"/>
-                    </a:lnB>
-                    <a:solidFill>
-                      <a:srgbClr val="008575"/>
-                    </a:solidFill>
-                  </a:tcPr>
-                </a:tc>
-                <a:extLst>
-                  <a:ext uri="{0D108BD9-81ED-4DB2-BD59-A6C34878D82A}">
-                    <a16:rowId xmlns:a16="http://schemas.microsoft.com/office/drawing/2014/main" val="1699341641"/>
-                  </a:ext>
-                </a:extLst>
-              </a:tr>
-              <a:tr h="287790">
+              <a:tr h="731303">
                 <a:tc>
                   <a:txBody>
                     <a:bodyPr/>
@@ -15767,10 +11539,10 @@
                             <a:srgbClr val="695D46"/>
                           </a:solidFill>
                           <a:effectLst/>
-                          <a:latin typeface="Open Sans" panose="020B0606030504020204" pitchFamily="34" charset="0"/>
-                          <a:ea typeface="Open Sans" panose="020B0606030504020204" pitchFamily="34" charset="0"/>
+                          <a:latin typeface="Open Sans"/>
+                          <a:ea typeface="Open Sans"/>
                         </a:rPr>
-                        <a:t>Tareas Prácticas de cada Unidad de Trabajo</a:t>
+                        <a:t>3</a:t>
                       </a:r>
                     </a:p>
                   </a:txBody>
@@ -15838,308 +11610,10 @@
                             <a:srgbClr val="695D46"/>
                           </a:solidFill>
                           <a:effectLst/>
-                          <a:latin typeface="Open Sans" panose="020B0606030504020204" pitchFamily="34" charset="0"/>
-                          <a:ea typeface="Open Sans" panose="020B0606030504020204" pitchFamily="34" charset="0"/>
-                        </a:rPr>
-                        <a:t>30 %</a:t>
-                      </a:r>
-                    </a:p>
-                  </a:txBody>
-                  <a:tcPr marL="63500" marR="63500" marT="0" marB="0">
-                    <a:lnL w="12700" cap="flat" cmpd="sng" algn="ctr">
-                      <a:solidFill>
-                        <a:srgbClr val="000000"/>
-                      </a:solidFill>
-                      <a:prstDash val="solid"/>
-                      <a:round/>
-                      <a:headEnd type="none" w="med" len="med"/>
-                      <a:tailEnd type="none" w="med" len="med"/>
-                    </a:lnL>
-                    <a:lnR w="12700" cap="flat" cmpd="sng" algn="ctr">
-                      <a:solidFill>
-                        <a:srgbClr val="000000"/>
-                      </a:solidFill>
-                      <a:prstDash val="solid"/>
-                      <a:round/>
-                      <a:headEnd type="none" w="med" len="med"/>
-                      <a:tailEnd type="none" w="med" len="med"/>
-                    </a:lnR>
-                    <a:lnT w="12700" cap="flat" cmpd="sng" algn="ctr">
-                      <a:solidFill>
-                        <a:srgbClr val="000000"/>
-                      </a:solidFill>
-                      <a:prstDash val="solid"/>
-                      <a:round/>
-                      <a:headEnd type="none" w="med" len="med"/>
-                      <a:tailEnd type="none" w="med" len="med"/>
-                    </a:lnT>
-                    <a:lnB w="12700" cap="flat" cmpd="sng" algn="ctr">
-                      <a:solidFill>
-                        <a:srgbClr val="000000"/>
-                      </a:solidFill>
-                      <a:prstDash val="solid"/>
-                      <a:round/>
-                      <a:headEnd type="none" w="med" len="med"/>
-                      <a:tailEnd type="none" w="med" len="med"/>
-                    </a:lnB>
-                    <a:solidFill>
-                      <a:srgbClr val="FFFFFF"/>
-                    </a:solidFill>
-                  </a:tcPr>
-                </a:tc>
-                <a:extLst>
-                  <a:ext uri="{0D108BD9-81ED-4DB2-BD59-A6C34878D82A}">
-                    <a16:rowId xmlns:a16="http://schemas.microsoft.com/office/drawing/2014/main" val="1433665430"/>
-                  </a:ext>
-                </a:extLst>
-              </a:tr>
-              <a:tr h="271521">
-                <a:tc>
-                  <a:txBody>
-                    <a:bodyPr/>
-                    <a:lstStyle/>
-                    <a:p>
-                      <a:pPr indent="457200" algn="ctr">
-                        <a:lnSpc>
-                          <a:spcPct val="150000"/>
-                        </a:lnSpc>
-                        <a:spcBef>
-                          <a:spcPts val="600"/>
-                        </a:spcBef>
-                        <a:spcAft>
-                          <a:spcPts val="600"/>
-                        </a:spcAft>
-                      </a:pPr>
-                      <a:r>
-                        <a:rPr lang="es-ES" sz="1600">
-                          <a:solidFill>
-                            <a:srgbClr val="695D46"/>
-                          </a:solidFill>
-                          <a:effectLst/>
-                          <a:latin typeface="Open Sans" panose="020B0606030504020204" pitchFamily="34" charset="0"/>
-                          <a:ea typeface="Open Sans" panose="020B0606030504020204" pitchFamily="34" charset="0"/>
-                        </a:rPr>
-                        <a:t>Exámenes Teórico-Prácticos</a:t>
-                      </a:r>
-                    </a:p>
-                  </a:txBody>
-                  <a:tcPr marL="63500" marR="63500" marT="0" marB="0">
-                    <a:lnL w="12700" cap="flat" cmpd="sng" algn="ctr">
-                      <a:solidFill>
-                        <a:srgbClr val="000000"/>
-                      </a:solidFill>
-                      <a:prstDash val="solid"/>
-                      <a:round/>
-                      <a:headEnd type="none" w="med" len="med"/>
-                      <a:tailEnd type="none" w="med" len="med"/>
-                    </a:lnL>
-                    <a:lnR w="12700" cap="flat" cmpd="sng" algn="ctr">
-                      <a:solidFill>
-                        <a:srgbClr val="000000"/>
-                      </a:solidFill>
-                      <a:prstDash val="solid"/>
-                      <a:round/>
-                      <a:headEnd type="none" w="med" len="med"/>
-                      <a:tailEnd type="none" w="med" len="med"/>
-                    </a:lnR>
-                    <a:lnT w="12700" cap="flat" cmpd="sng" algn="ctr">
-                      <a:solidFill>
-                        <a:srgbClr val="000000"/>
-                      </a:solidFill>
-                      <a:prstDash val="solid"/>
-                      <a:round/>
-                      <a:headEnd type="none" w="med" len="med"/>
-                      <a:tailEnd type="none" w="med" len="med"/>
-                    </a:lnT>
-                    <a:lnB w="12700" cap="flat" cmpd="sng" algn="ctr">
-                      <a:solidFill>
-                        <a:srgbClr val="000000"/>
-                      </a:solidFill>
-                      <a:prstDash val="solid"/>
-                      <a:round/>
-                      <a:headEnd type="none" w="med" len="med"/>
-                      <a:tailEnd type="none" w="med" len="med"/>
-                    </a:lnB>
-                    <a:solidFill>
-                      <a:srgbClr val="FFFFFF"/>
-                    </a:solidFill>
-                  </a:tcPr>
-                </a:tc>
-                <a:tc>
-                  <a:txBody>
-                    <a:bodyPr/>
-                    <a:lstStyle/>
-                    <a:p>
-                      <a:pPr indent="457200" algn="ctr">
-                        <a:lnSpc>
-                          <a:spcPct val="150000"/>
-                        </a:lnSpc>
-                        <a:spcBef>
-                          <a:spcPts val="600"/>
-                        </a:spcBef>
-                        <a:spcAft>
-                          <a:spcPts val="600"/>
-                        </a:spcAft>
-                      </a:pPr>
-                      <a:r>
-                        <a:rPr lang="es-ES" sz="1600">
-                          <a:solidFill>
-                            <a:srgbClr val="695D46"/>
-                          </a:solidFill>
-                          <a:effectLst/>
                           <a:latin typeface="Open Sans"/>
                           <a:ea typeface="Open Sans"/>
                         </a:rPr>
-                        <a:t>70 %</a:t>
-                      </a:r>
-                    </a:p>
-                  </a:txBody>
-                  <a:tcPr marL="63500" marR="63500" marT="0" marB="0">
-                    <a:lnL w="12700" cap="flat" cmpd="sng" algn="ctr">
-                      <a:solidFill>
-                        <a:srgbClr val="000000"/>
-                      </a:solidFill>
-                      <a:prstDash val="solid"/>
-                      <a:round/>
-                      <a:headEnd type="none" w="med" len="med"/>
-                      <a:tailEnd type="none" w="med" len="med"/>
-                    </a:lnL>
-                    <a:lnR w="12700" cap="flat" cmpd="sng" algn="ctr">
-                      <a:solidFill>
-                        <a:srgbClr val="000000"/>
-                      </a:solidFill>
-                      <a:prstDash val="solid"/>
-                      <a:round/>
-                      <a:headEnd type="none" w="med" len="med"/>
-                      <a:tailEnd type="none" w="med" len="med"/>
-                    </a:lnR>
-                    <a:lnT w="12700" cap="flat" cmpd="sng" algn="ctr">
-                      <a:solidFill>
-                        <a:srgbClr val="000000"/>
-                      </a:solidFill>
-                      <a:prstDash val="solid"/>
-                      <a:round/>
-                      <a:headEnd type="none" w="med" len="med"/>
-                      <a:tailEnd type="none" w="med" len="med"/>
-                    </a:lnT>
-                    <a:lnB w="12700" cap="flat" cmpd="sng" algn="ctr">
-                      <a:solidFill>
-                        <a:srgbClr val="000000"/>
-                      </a:solidFill>
-                      <a:prstDash val="solid"/>
-                      <a:round/>
-                      <a:headEnd type="none" w="med" len="med"/>
-                      <a:tailEnd type="none" w="med" len="med"/>
-                    </a:lnB>
-                    <a:solidFill>
-                      <a:srgbClr val="FFFFFF"/>
-                    </a:solidFill>
-                  </a:tcPr>
-                </a:tc>
-                <a:extLst>
-                  <a:ext uri="{0D108BD9-81ED-4DB2-BD59-A6C34878D82A}">
-                    <a16:rowId xmlns:a16="http://schemas.microsoft.com/office/drawing/2014/main" val="2627387469"/>
-                  </a:ext>
-                </a:extLst>
-              </a:tr>
-              <a:tr h="271521">
-                <a:tc>
-                  <a:txBody>
-                    <a:bodyPr/>
-                    <a:lstStyle/>
-                    <a:p>
-                      <a:pPr indent="457200" algn="ctr">
-                        <a:lnSpc>
-                          <a:spcPct val="150000"/>
-                        </a:lnSpc>
-                        <a:spcBef>
-                          <a:spcPts val="600"/>
-                        </a:spcBef>
-                        <a:spcAft>
-                          <a:spcPts val="600"/>
-                        </a:spcAft>
-                      </a:pPr>
-                      <a:r>
-                        <a:rPr lang="es-ES" sz="1600">
-                          <a:solidFill>
-                            <a:srgbClr val="695D46"/>
-                          </a:solidFill>
-                          <a:effectLst/>
-                          <a:latin typeface="Open Sans" panose="020B0606030504020204" pitchFamily="34" charset="0"/>
-                          <a:ea typeface="Open Sans" panose="020B0606030504020204" pitchFamily="34" charset="0"/>
-                        </a:rPr>
-                        <a:t>Actitud y Participación</a:t>
-                      </a:r>
-                    </a:p>
-                  </a:txBody>
-                  <a:tcPr marL="63500" marR="63500" marT="0" marB="0">
-                    <a:lnL w="12700" cap="flat" cmpd="sng" algn="ctr">
-                      <a:solidFill>
-                        <a:srgbClr val="000000"/>
-                      </a:solidFill>
-                      <a:prstDash val="solid"/>
-                      <a:round/>
-                      <a:headEnd type="none" w="med" len="med"/>
-                      <a:tailEnd type="none" w="med" len="med"/>
-                    </a:lnL>
-                    <a:lnR w="12700" cap="flat" cmpd="sng" algn="ctr">
-                      <a:solidFill>
-                        <a:srgbClr val="000000"/>
-                      </a:solidFill>
-                      <a:prstDash val="solid"/>
-                      <a:round/>
-                      <a:headEnd type="none" w="med" len="med"/>
-                      <a:tailEnd type="none" w="med" len="med"/>
-                    </a:lnR>
-                    <a:lnT w="12700" cap="flat" cmpd="sng" algn="ctr">
-                      <a:solidFill>
-                        <a:srgbClr val="000000"/>
-                      </a:solidFill>
-                      <a:prstDash val="solid"/>
-                      <a:round/>
-                      <a:headEnd type="none" w="med" len="med"/>
-                      <a:tailEnd type="none" w="med" len="med"/>
-                    </a:lnT>
-                    <a:lnB w="12700" cap="flat" cmpd="sng" algn="ctr">
-                      <a:solidFill>
-                        <a:srgbClr val="000000"/>
-                      </a:solidFill>
-                      <a:prstDash val="solid"/>
-                      <a:round/>
-                      <a:headEnd type="none" w="med" len="med"/>
-                      <a:tailEnd type="none" w="med" len="med"/>
-                    </a:lnB>
-                    <a:solidFill>
-                      <a:srgbClr val="FFFFFF"/>
-                    </a:solidFill>
-                  </a:tcPr>
-                </a:tc>
-                <a:tc>
-                  <a:txBody>
-                    <a:bodyPr/>
-                    <a:lstStyle/>
-                    <a:p>
-                      <a:pPr indent="457200" algn="ctr">
-                        <a:lnSpc>
-                          <a:spcPct val="150000"/>
-                        </a:lnSpc>
-                        <a:spcBef>
-                          <a:spcPts val="600"/>
-                        </a:spcBef>
-                        <a:spcAft>
-                          <a:spcPts val="600"/>
-                        </a:spcAft>
-                      </a:pPr>
-                      <a:r>
-                        <a:rPr lang="es-ES" sz="1600">
-                          <a:solidFill>
-                            <a:srgbClr val="695D46"/>
-                          </a:solidFill>
-                          <a:effectLst/>
-                          <a:latin typeface="Open Sans"/>
-                          <a:ea typeface="Open Sans"/>
-                        </a:rPr>
-                        <a:t>+5 %</a:t>
+                        <a:t>+ 5 %</a:t>
                       </a:r>
                     </a:p>
                   </a:txBody>
@@ -16219,7 +11693,7 @@
             <a:fld id="{132FADFE-3B8F-471C-ABF0-DBC7717ECBBC}" type="slidenum">
               <a:rPr lang="es-ES" smtClean="0"/>
               <a:pPr/>
-              <a:t>8</a:t>
+              <a:t>7</a:t>
             </a:fld>
             <a:endParaRPr lang="es-ES" dirty="0"/>
           </a:p>
@@ -16239,8 +11713,8 @@
         </p:nvSpPr>
         <p:spPr>
           <a:xfrm>
-            <a:off x="726201" y="3015900"/>
-            <a:ext cx="8088514" cy="2222853"/>
+            <a:off x="571918" y="3625191"/>
+            <a:ext cx="8220720" cy="2776850"/>
           </a:xfrm>
           <a:prstGeom prst="rect">
             <a:avLst/>
@@ -16248,10 +11722,65 @@
           <a:noFill/>
         </p:spPr>
         <p:txBody>
-          <a:bodyPr wrap="square" rtlCol="0">
+          <a:bodyPr wrap="square" lIns="91440" tIns="45720" rIns="91440" bIns="45720" rtlCol="0" anchor="t">
             <a:spAutoFit/>
           </a:bodyPr>
           <a:lstStyle/>
+          <a:p>
+            <a:pPr marL="285750" indent="-285750">
+              <a:lnSpc>
+                <a:spcPct val="150000"/>
+              </a:lnSpc>
+              <a:buFont typeface="Arial,Sans-Serif" panose="020B0604020202020204" pitchFamily="34" charset="0"/>
+              <a:buChar char="•"/>
+            </a:pPr>
+            <a:r>
+              <a:rPr lang="es-ES" dirty="0"/>
+              <a:t>Sin faltas de ortografía</a:t>
+            </a:r>
+            <a:endParaRPr lang="en-US" dirty="0"/>
+          </a:p>
+          <a:p>
+            <a:pPr marL="285750" indent="-285750">
+              <a:lnSpc>
+                <a:spcPct val="150000"/>
+              </a:lnSpc>
+              <a:buFont typeface="Arial,Sans-Serif" panose="020B0604020202020204" pitchFamily="34" charset="0"/>
+              <a:buChar char="•"/>
+            </a:pPr>
+            <a:r>
+              <a:rPr lang="es-ES" dirty="0"/>
+              <a:t>Sin copiar</a:t>
+            </a:r>
+            <a:endParaRPr lang="en-US" dirty="0"/>
+          </a:p>
+          <a:p>
+            <a:pPr marL="285750" indent="-285750">
+              <a:lnSpc>
+                <a:spcPct val="150000"/>
+              </a:lnSpc>
+              <a:buFont typeface="Arial,Sans-Serif" panose="020B0604020202020204" pitchFamily="34" charset="0"/>
+              <a:buChar char="•"/>
+            </a:pPr>
+            <a:r>
+              <a:rPr lang="es-ES" dirty="0"/>
+              <a:t>Siguiendo las indicaciones de formato (si no, nota máxima 4)</a:t>
+            </a:r>
+            <a:endParaRPr lang="en-US" dirty="0"/>
+          </a:p>
+          <a:p>
+            <a:pPr marL="285750" indent="-285750">
+              <a:lnSpc>
+                <a:spcPct val="150000"/>
+              </a:lnSpc>
+              <a:buFont typeface="Arial,Sans-Serif" panose="020B0604020202020204" pitchFamily="34" charset="0"/>
+              <a:buChar char="•"/>
+            </a:pPr>
+            <a:r>
+              <a:rPr lang="es-ES" dirty="0"/>
+              <a:t>Notas: 0 – 3 – 6 – 9 - 10</a:t>
+            </a:r>
+          </a:p>
           <a:p>
             <a:pPr marL="285750" indent="-285750">
               <a:lnSpc>
@@ -16262,11 +11791,11 @@
             </a:pPr>
             <a:r>
               <a:rPr lang="es-ES" dirty="0"/>
-              <a:t>EXÁMENES</a:t>
-            </a:r>
-          </a:p>
-          <a:p>
-            <a:pPr marL="742950" lvl="1" indent="-285750">
+              <a:t>Nota del módulo: media ponderada de las actividades evaluables</a:t>
+            </a:r>
+          </a:p>
+          <a:p>
+            <a:pPr marL="285750" indent="-285750">
               <a:lnSpc>
                 <a:spcPct val="200000"/>
               </a:lnSpc>
@@ -16274,42 +11803,8 @@
               <a:buChar char="•"/>
             </a:pPr>
             <a:r>
-              <a:rPr lang="es-ES" b="1" dirty="0">
-                <a:solidFill>
-                  <a:srgbClr val="FF0000"/>
-                </a:solidFill>
-              </a:rPr>
-              <a:t>Nota de cada examen mínimo un 5</a:t>
-            </a:r>
-            <a:r>
               <a:rPr lang="es-ES" dirty="0"/>
-              <a:t> (T + P)</a:t>
-            </a:r>
-          </a:p>
-          <a:p>
-            <a:pPr marL="742950" lvl="1" indent="-285750">
-              <a:lnSpc>
-                <a:spcPct val="200000"/>
-              </a:lnSpc>
-              <a:buFont typeface="Arial" panose="020B0604020202020204" pitchFamily="34" charset="0"/>
-              <a:buChar char="•"/>
-            </a:pPr>
-            <a:r>
-              <a:rPr lang="es-ES" dirty="0"/>
-              <a:t>Sin faltas de ortografía</a:t>
-            </a:r>
-          </a:p>
-          <a:p>
-            <a:pPr marL="742950" lvl="1" indent="-285750">
-              <a:lnSpc>
-                <a:spcPct val="200000"/>
-              </a:lnSpc>
-              <a:buFont typeface="Arial" panose="020B0604020202020204" pitchFamily="34" charset="0"/>
-              <a:buChar char="•"/>
-            </a:pPr>
-            <a:r>
-              <a:rPr lang="es-ES" dirty="0"/>
-              <a:t>Sin copiar</a:t>
+              <a:t>Evaluaciones intermedias: solo informativas</a:t>
             </a:r>
           </a:p>
         </p:txBody>
@@ -16317,7 +11812,7 @@
     </p:spTree>
     <p:extLst>
       <p:ext uri="{BB962C8B-B14F-4D97-AF65-F5344CB8AC3E}">
-        <p14:creationId xmlns:p14="http://schemas.microsoft.com/office/powerpoint/2010/main" val="412294843"/>
+        <p14:creationId xmlns:p14="http://schemas.microsoft.com/office/powerpoint/2010/main" val="2855820299"/>
       </p:ext>
     </p:extLst>
   </p:cSld>
@@ -16327,7 +11822,7 @@
 </p:sld>
 </file>
 
-<file path=ppt/slides/slide9.xml><?xml version="1.0" encoding="utf-8"?>
+<file path=ppt/slides/slide8.xml><?xml version="1.0" encoding="utf-8"?>
 <p:sld xmlns:a="http://schemas.openxmlformats.org/drawingml/2006/main" xmlns:r="http://schemas.openxmlformats.org/officeDocument/2006/relationships" xmlns:p="http://schemas.openxmlformats.org/presentationml/2006/main">
   <p:cSld>
     <p:spTree>
@@ -16374,665 +11869,11 @@
           <a:p>
             <a:r>
               <a:rPr lang="es-ES" dirty="0"/>
-              <a:t>Criterios de calificación</a:t>
-            </a:r>
-          </a:p>
-        </p:txBody>
-      </p:sp>
-      <p:graphicFrame>
-        <p:nvGraphicFramePr>
-          <p:cNvPr id="11" name="Marcador de contenido 10">
-            <a:extLst>
-              <a:ext uri="{FF2B5EF4-FFF2-40B4-BE49-F238E27FC236}">
-                <a16:creationId xmlns:a16="http://schemas.microsoft.com/office/drawing/2014/main" id="{6657B4B4-0A17-2143-055A-1048C72EB6C4}"/>
-              </a:ext>
-            </a:extLst>
-          </p:cNvPr>
-          <p:cNvGraphicFramePr>
-            <a:graphicFrameLocks noGrp="1"/>
-          </p:cNvGraphicFramePr>
-          <p:nvPr>
-            <p:ph idx="1"/>
-            <p:extLst>
-              <p:ext uri="{D42A27DB-BD31-4B8C-83A1-F6EECF244321}">
-                <p14:modId xmlns:p14="http://schemas.microsoft.com/office/powerpoint/2010/main" val="2499709104"/>
-              </p:ext>
-            </p:extLst>
-          </p:nvPr>
-        </p:nvGraphicFramePr>
-        <p:xfrm>
-          <a:off x="1043608" y="1484784"/>
-          <a:ext cx="6564537" cy="1429458"/>
-        </p:xfrm>
-        <a:graphic>
-          <a:graphicData uri="http://schemas.openxmlformats.org/drawingml/2006/table">
-            <a:tbl>
-              <a:tblPr/>
-              <a:tblGrid>
-                <a:gridCol w="5020430">
-                  <a:extLst>
-                    <a:ext uri="{9D8B030D-6E8A-4147-A177-3AD203B41FA5}">
-                      <a16:colId xmlns:a16="http://schemas.microsoft.com/office/drawing/2014/main" val="2181452732"/>
-                    </a:ext>
-                  </a:extLst>
-                </a:gridCol>
-                <a:gridCol w="1544107">
-                  <a:extLst>
-                    <a:ext uri="{9D8B030D-6E8A-4147-A177-3AD203B41FA5}">
-                      <a16:colId xmlns:a16="http://schemas.microsoft.com/office/drawing/2014/main" val="2131511089"/>
-                    </a:ext>
-                  </a:extLst>
-                </a:gridCol>
-              </a:tblGrid>
-              <a:tr h="448953">
-                <a:tc>
-                  <a:txBody>
-                    <a:bodyPr/>
-                    <a:lstStyle/>
-                    <a:p>
-                      <a:pPr algn="ctr">
-                        <a:lnSpc>
-                          <a:spcPct val="150000"/>
-                        </a:lnSpc>
-                        <a:spcBef>
-                          <a:spcPts val="1200"/>
-                        </a:spcBef>
-                        <a:spcAft>
-                          <a:spcPts val="300"/>
-                        </a:spcAft>
-                      </a:pPr>
-                      <a:r>
-                        <a:rPr lang="es-ES" sz="1600" b="1" dirty="0">
-                          <a:solidFill>
-                            <a:srgbClr val="FFFFFF"/>
-                          </a:solidFill>
-                          <a:effectLst/>
-                          <a:latin typeface="Open Sans" panose="020B0606030504020204" pitchFamily="34" charset="0"/>
-                          <a:ea typeface="Open Sans" panose="020B0606030504020204" pitchFamily="34" charset="0"/>
-                        </a:rPr>
-                        <a:t>CRITERIO DE CALIFICACIÓN</a:t>
-                      </a:r>
-                      <a:endParaRPr lang="es-ES" sz="1600" dirty="0">
-                        <a:solidFill>
-                          <a:srgbClr val="695D46"/>
-                        </a:solidFill>
-                        <a:effectLst/>
-                        <a:latin typeface="Open Sans" panose="020B0606030504020204" pitchFamily="34" charset="0"/>
-                        <a:ea typeface="Open Sans" panose="020B0606030504020204" pitchFamily="34" charset="0"/>
-                      </a:endParaRPr>
-                    </a:p>
-                  </a:txBody>
-                  <a:tcPr marL="63500" marR="63500" marT="0" marB="0" anchor="ctr">
-                    <a:lnL w="12700" cap="flat" cmpd="sng" algn="ctr">
-                      <a:solidFill>
-                        <a:srgbClr val="000000"/>
-                      </a:solidFill>
-                      <a:prstDash val="solid"/>
-                      <a:round/>
-                      <a:headEnd type="none" w="med" len="med"/>
-                      <a:tailEnd type="none" w="med" len="med"/>
-                    </a:lnL>
-                    <a:lnR w="12700" cap="flat" cmpd="sng" algn="ctr">
-                      <a:solidFill>
-                        <a:srgbClr val="000000"/>
-                      </a:solidFill>
-                      <a:prstDash val="solid"/>
-                      <a:round/>
-                      <a:headEnd type="none" w="med" len="med"/>
-                      <a:tailEnd type="none" w="med" len="med"/>
-                    </a:lnR>
-                    <a:lnT w="12700" cap="flat" cmpd="sng" algn="ctr">
-                      <a:solidFill>
-                        <a:srgbClr val="000000"/>
-                      </a:solidFill>
-                      <a:prstDash val="solid"/>
-                      <a:round/>
-                      <a:headEnd type="none" w="med" len="med"/>
-                      <a:tailEnd type="none" w="med" len="med"/>
-                    </a:lnT>
-                    <a:lnB w="12700" cap="flat" cmpd="sng" algn="ctr">
-                      <a:solidFill>
-                        <a:srgbClr val="000000"/>
-                      </a:solidFill>
-                      <a:prstDash val="solid"/>
-                      <a:round/>
-                      <a:headEnd type="none" w="med" len="med"/>
-                      <a:tailEnd type="none" w="med" len="med"/>
-                    </a:lnB>
-                    <a:solidFill>
-                      <a:srgbClr val="008575"/>
-                    </a:solidFill>
-                  </a:tcPr>
-                </a:tc>
-                <a:tc>
-                  <a:txBody>
-                    <a:bodyPr/>
-                    <a:lstStyle/>
-                    <a:p>
-                      <a:pPr marL="0" algn="ctr" defTabSz="457200" rtl="0" eaLnBrk="1" latinLnBrk="0" hangingPunct="1">
-                        <a:lnSpc>
-                          <a:spcPct val="150000"/>
-                        </a:lnSpc>
-                        <a:spcBef>
-                          <a:spcPts val="1200"/>
-                        </a:spcBef>
-                        <a:spcAft>
-                          <a:spcPts val="300"/>
-                        </a:spcAft>
-                      </a:pPr>
-                      <a:r>
-                        <a:rPr lang="es-ES" sz="1600" b="1" kern="1200" dirty="0">
-                          <a:solidFill>
-                            <a:srgbClr val="FFFFFF"/>
-                          </a:solidFill>
-                          <a:effectLst/>
-                          <a:latin typeface="Open Sans" panose="020B0606030504020204" pitchFamily="34" charset="0"/>
-                          <a:ea typeface="Open Sans" panose="020B0606030504020204" pitchFamily="34" charset="0"/>
-                          <a:cs typeface="+mn-cs"/>
-                        </a:rPr>
-                        <a:t>PORCENTAJE</a:t>
-                      </a:r>
-                    </a:p>
-                  </a:txBody>
-                  <a:tcPr marL="63500" marR="63500" marT="0" marB="0">
-                    <a:lnL w="12700" cap="flat" cmpd="sng" algn="ctr">
-                      <a:solidFill>
-                        <a:srgbClr val="000000"/>
-                      </a:solidFill>
-                      <a:prstDash val="solid"/>
-                      <a:round/>
-                      <a:headEnd type="none" w="med" len="med"/>
-                      <a:tailEnd type="none" w="med" len="med"/>
-                    </a:lnL>
-                    <a:lnR w="12700" cap="flat" cmpd="sng" algn="ctr">
-                      <a:solidFill>
-                        <a:srgbClr val="000000"/>
-                      </a:solidFill>
-                      <a:prstDash val="solid"/>
-                      <a:round/>
-                      <a:headEnd type="none" w="med" len="med"/>
-                      <a:tailEnd type="none" w="med" len="med"/>
-                    </a:lnR>
-                    <a:lnT w="12700" cap="flat" cmpd="sng" algn="ctr">
-                      <a:solidFill>
-                        <a:srgbClr val="000000"/>
-                      </a:solidFill>
-                      <a:prstDash val="solid"/>
-                      <a:round/>
-                      <a:headEnd type="none" w="med" len="med"/>
-                      <a:tailEnd type="none" w="med" len="med"/>
-                    </a:lnT>
-                    <a:lnB w="12700" cap="flat" cmpd="sng" algn="ctr">
-                      <a:solidFill>
-                        <a:srgbClr val="000000"/>
-                      </a:solidFill>
-                      <a:prstDash val="solid"/>
-                      <a:round/>
-                      <a:headEnd type="none" w="med" len="med"/>
-                      <a:tailEnd type="none" w="med" len="med"/>
-                    </a:lnB>
-                    <a:solidFill>
-                      <a:srgbClr val="008575"/>
-                    </a:solidFill>
-                  </a:tcPr>
-                </a:tc>
-                <a:extLst>
-                  <a:ext uri="{0D108BD9-81ED-4DB2-BD59-A6C34878D82A}">
-                    <a16:rowId xmlns:a16="http://schemas.microsoft.com/office/drawing/2014/main" val="1699341641"/>
-                  </a:ext>
-                </a:extLst>
-              </a:tr>
-              <a:tr h="287790">
-                <a:tc>
-                  <a:txBody>
-                    <a:bodyPr/>
-                    <a:lstStyle/>
-                    <a:p>
-                      <a:pPr indent="457200" algn="ctr">
-                        <a:lnSpc>
-                          <a:spcPct val="150000"/>
-                        </a:lnSpc>
-                        <a:spcBef>
-                          <a:spcPts val="600"/>
-                        </a:spcBef>
-                        <a:spcAft>
-                          <a:spcPts val="600"/>
-                        </a:spcAft>
-                      </a:pPr>
-                      <a:r>
-                        <a:rPr lang="es-ES" sz="1600" dirty="0">
-                          <a:solidFill>
-                            <a:srgbClr val="695D46"/>
-                          </a:solidFill>
-                          <a:effectLst/>
-                          <a:latin typeface="Open Sans" panose="020B0606030504020204" pitchFamily="34" charset="0"/>
-                          <a:ea typeface="Open Sans" panose="020B0606030504020204" pitchFamily="34" charset="0"/>
-                        </a:rPr>
-                        <a:t>Tareas Prácticas de cada Unidad de Trabajo</a:t>
-                      </a:r>
-                    </a:p>
-                  </a:txBody>
-                  <a:tcPr marL="63500" marR="63500" marT="0" marB="0">
-                    <a:lnL w="12700" cap="flat" cmpd="sng" algn="ctr">
-                      <a:solidFill>
-                        <a:srgbClr val="000000"/>
-                      </a:solidFill>
-                      <a:prstDash val="solid"/>
-                      <a:round/>
-                      <a:headEnd type="none" w="med" len="med"/>
-                      <a:tailEnd type="none" w="med" len="med"/>
-                    </a:lnL>
-                    <a:lnR w="12700" cap="flat" cmpd="sng" algn="ctr">
-                      <a:solidFill>
-                        <a:srgbClr val="000000"/>
-                      </a:solidFill>
-                      <a:prstDash val="solid"/>
-                      <a:round/>
-                      <a:headEnd type="none" w="med" len="med"/>
-                      <a:tailEnd type="none" w="med" len="med"/>
-                    </a:lnR>
-                    <a:lnT w="12700" cap="flat" cmpd="sng" algn="ctr">
-                      <a:solidFill>
-                        <a:srgbClr val="000000"/>
-                      </a:solidFill>
-                      <a:prstDash val="solid"/>
-                      <a:round/>
-                      <a:headEnd type="none" w="med" len="med"/>
-                      <a:tailEnd type="none" w="med" len="med"/>
-                    </a:lnT>
-                    <a:lnB w="12700" cap="flat" cmpd="sng" algn="ctr">
-                      <a:solidFill>
-                        <a:srgbClr val="000000"/>
-                      </a:solidFill>
-                      <a:prstDash val="solid"/>
-                      <a:round/>
-                      <a:headEnd type="none" w="med" len="med"/>
-                      <a:tailEnd type="none" w="med" len="med"/>
-                    </a:lnB>
-                    <a:solidFill>
-                      <a:srgbClr val="FFFFFF"/>
-                    </a:solidFill>
-                  </a:tcPr>
-                </a:tc>
-                <a:tc>
-                  <a:txBody>
-                    <a:bodyPr/>
-                    <a:lstStyle/>
-                    <a:p>
-                      <a:pPr indent="457200" algn="ctr">
-                        <a:lnSpc>
-                          <a:spcPct val="150000"/>
-                        </a:lnSpc>
-                        <a:spcBef>
-                          <a:spcPts val="600"/>
-                        </a:spcBef>
-                        <a:spcAft>
-                          <a:spcPts val="600"/>
-                        </a:spcAft>
-                      </a:pPr>
-                      <a:r>
-                        <a:rPr lang="es-ES" sz="1600" dirty="0">
-                          <a:solidFill>
-                            <a:srgbClr val="695D46"/>
-                          </a:solidFill>
-                          <a:effectLst/>
-                          <a:latin typeface="Open Sans" panose="020B0606030504020204" pitchFamily="34" charset="0"/>
-                          <a:ea typeface="Open Sans" panose="020B0606030504020204" pitchFamily="34" charset="0"/>
-                        </a:rPr>
-                        <a:t>30 %</a:t>
-                      </a:r>
-                    </a:p>
-                  </a:txBody>
-                  <a:tcPr marL="63500" marR="63500" marT="0" marB="0">
-                    <a:lnL w="12700" cap="flat" cmpd="sng" algn="ctr">
-                      <a:solidFill>
-                        <a:srgbClr val="000000"/>
-                      </a:solidFill>
-                      <a:prstDash val="solid"/>
-                      <a:round/>
-                      <a:headEnd type="none" w="med" len="med"/>
-                      <a:tailEnd type="none" w="med" len="med"/>
-                    </a:lnL>
-                    <a:lnR w="12700" cap="flat" cmpd="sng" algn="ctr">
-                      <a:solidFill>
-                        <a:srgbClr val="000000"/>
-                      </a:solidFill>
-                      <a:prstDash val="solid"/>
-                      <a:round/>
-                      <a:headEnd type="none" w="med" len="med"/>
-                      <a:tailEnd type="none" w="med" len="med"/>
-                    </a:lnR>
-                    <a:lnT w="12700" cap="flat" cmpd="sng" algn="ctr">
-                      <a:solidFill>
-                        <a:srgbClr val="000000"/>
-                      </a:solidFill>
-                      <a:prstDash val="solid"/>
-                      <a:round/>
-                      <a:headEnd type="none" w="med" len="med"/>
-                      <a:tailEnd type="none" w="med" len="med"/>
-                    </a:lnT>
-                    <a:lnB w="12700" cap="flat" cmpd="sng" algn="ctr">
-                      <a:solidFill>
-                        <a:srgbClr val="000000"/>
-                      </a:solidFill>
-                      <a:prstDash val="solid"/>
-                      <a:round/>
-                      <a:headEnd type="none" w="med" len="med"/>
-                      <a:tailEnd type="none" w="med" len="med"/>
-                    </a:lnB>
-                    <a:solidFill>
-                      <a:srgbClr val="FFFFFF"/>
-                    </a:solidFill>
-                  </a:tcPr>
-                </a:tc>
-                <a:extLst>
-                  <a:ext uri="{0D108BD9-81ED-4DB2-BD59-A6C34878D82A}">
-                    <a16:rowId xmlns:a16="http://schemas.microsoft.com/office/drawing/2014/main" val="1433665430"/>
-                  </a:ext>
-                </a:extLst>
-              </a:tr>
-              <a:tr h="271521">
-                <a:tc>
-                  <a:txBody>
-                    <a:bodyPr/>
-                    <a:lstStyle/>
-                    <a:p>
-                      <a:pPr indent="457200" algn="ctr">
-                        <a:lnSpc>
-                          <a:spcPct val="150000"/>
-                        </a:lnSpc>
-                        <a:spcBef>
-                          <a:spcPts val="600"/>
-                        </a:spcBef>
-                        <a:spcAft>
-                          <a:spcPts val="600"/>
-                        </a:spcAft>
-                      </a:pPr>
-                      <a:r>
-                        <a:rPr lang="es-ES" sz="1600">
-                          <a:solidFill>
-                            <a:srgbClr val="695D46"/>
-                          </a:solidFill>
-                          <a:effectLst/>
-                          <a:latin typeface="Open Sans" panose="020B0606030504020204" pitchFamily="34" charset="0"/>
-                          <a:ea typeface="Open Sans" panose="020B0606030504020204" pitchFamily="34" charset="0"/>
-                        </a:rPr>
-                        <a:t>Exámenes Teórico-Prácticos</a:t>
-                      </a:r>
-                    </a:p>
-                  </a:txBody>
-                  <a:tcPr marL="63500" marR="63500" marT="0" marB="0">
-                    <a:lnL w="12700" cap="flat" cmpd="sng" algn="ctr">
-                      <a:solidFill>
-                        <a:srgbClr val="000000"/>
-                      </a:solidFill>
-                      <a:prstDash val="solid"/>
-                      <a:round/>
-                      <a:headEnd type="none" w="med" len="med"/>
-                      <a:tailEnd type="none" w="med" len="med"/>
-                    </a:lnL>
-                    <a:lnR w="12700" cap="flat" cmpd="sng" algn="ctr">
-                      <a:solidFill>
-                        <a:srgbClr val="000000"/>
-                      </a:solidFill>
-                      <a:prstDash val="solid"/>
-                      <a:round/>
-                      <a:headEnd type="none" w="med" len="med"/>
-                      <a:tailEnd type="none" w="med" len="med"/>
-                    </a:lnR>
-                    <a:lnT w="12700" cap="flat" cmpd="sng" algn="ctr">
-                      <a:solidFill>
-                        <a:srgbClr val="000000"/>
-                      </a:solidFill>
-                      <a:prstDash val="solid"/>
-                      <a:round/>
-                      <a:headEnd type="none" w="med" len="med"/>
-                      <a:tailEnd type="none" w="med" len="med"/>
-                    </a:lnT>
-                    <a:lnB w="12700" cap="flat" cmpd="sng" algn="ctr">
-                      <a:solidFill>
-                        <a:srgbClr val="000000"/>
-                      </a:solidFill>
-                      <a:prstDash val="solid"/>
-                      <a:round/>
-                      <a:headEnd type="none" w="med" len="med"/>
-                      <a:tailEnd type="none" w="med" len="med"/>
-                    </a:lnB>
-                    <a:solidFill>
-                      <a:srgbClr val="FFFFFF"/>
-                    </a:solidFill>
-                  </a:tcPr>
-                </a:tc>
-                <a:tc>
-                  <a:txBody>
-                    <a:bodyPr/>
-                    <a:lstStyle/>
-                    <a:p>
-                      <a:pPr indent="457200" algn="ctr">
-                        <a:lnSpc>
-                          <a:spcPct val="150000"/>
-                        </a:lnSpc>
-                        <a:spcBef>
-                          <a:spcPts val="600"/>
-                        </a:spcBef>
-                        <a:spcAft>
-                          <a:spcPts val="600"/>
-                        </a:spcAft>
-                      </a:pPr>
-                      <a:r>
-                        <a:rPr lang="es-ES" sz="1600" dirty="0">
-                          <a:solidFill>
-                            <a:srgbClr val="695D46"/>
-                          </a:solidFill>
-                          <a:effectLst/>
-                          <a:latin typeface="Open Sans" panose="020B0606030504020204" pitchFamily="34" charset="0"/>
-                          <a:ea typeface="Open Sans" panose="020B0606030504020204" pitchFamily="34" charset="0"/>
-                        </a:rPr>
-                        <a:t>65 %</a:t>
-                      </a:r>
-                    </a:p>
-                  </a:txBody>
-                  <a:tcPr marL="63500" marR="63500" marT="0" marB="0">
-                    <a:lnL w="12700" cap="flat" cmpd="sng" algn="ctr">
-                      <a:solidFill>
-                        <a:srgbClr val="000000"/>
-                      </a:solidFill>
-                      <a:prstDash val="solid"/>
-                      <a:round/>
-                      <a:headEnd type="none" w="med" len="med"/>
-                      <a:tailEnd type="none" w="med" len="med"/>
-                    </a:lnL>
-                    <a:lnR w="12700" cap="flat" cmpd="sng" algn="ctr">
-                      <a:solidFill>
-                        <a:srgbClr val="000000"/>
-                      </a:solidFill>
-                      <a:prstDash val="solid"/>
-                      <a:round/>
-                      <a:headEnd type="none" w="med" len="med"/>
-                      <a:tailEnd type="none" w="med" len="med"/>
-                    </a:lnR>
-                    <a:lnT w="12700" cap="flat" cmpd="sng" algn="ctr">
-                      <a:solidFill>
-                        <a:srgbClr val="000000"/>
-                      </a:solidFill>
-                      <a:prstDash val="solid"/>
-                      <a:round/>
-                      <a:headEnd type="none" w="med" len="med"/>
-                      <a:tailEnd type="none" w="med" len="med"/>
-                    </a:lnT>
-                    <a:lnB w="12700" cap="flat" cmpd="sng" algn="ctr">
-                      <a:solidFill>
-                        <a:srgbClr val="000000"/>
-                      </a:solidFill>
-                      <a:prstDash val="solid"/>
-                      <a:round/>
-                      <a:headEnd type="none" w="med" len="med"/>
-                      <a:tailEnd type="none" w="med" len="med"/>
-                    </a:lnB>
-                    <a:solidFill>
-                      <a:srgbClr val="FFFFFF"/>
-                    </a:solidFill>
-                  </a:tcPr>
-                </a:tc>
-                <a:extLst>
-                  <a:ext uri="{0D108BD9-81ED-4DB2-BD59-A6C34878D82A}">
-                    <a16:rowId xmlns:a16="http://schemas.microsoft.com/office/drawing/2014/main" val="2627387469"/>
-                  </a:ext>
-                </a:extLst>
-              </a:tr>
-              <a:tr h="271521">
-                <a:tc>
-                  <a:txBody>
-                    <a:bodyPr/>
-                    <a:lstStyle/>
-                    <a:p>
-                      <a:pPr indent="457200" algn="ctr">
-                        <a:lnSpc>
-                          <a:spcPct val="150000"/>
-                        </a:lnSpc>
-                        <a:spcBef>
-                          <a:spcPts val="600"/>
-                        </a:spcBef>
-                        <a:spcAft>
-                          <a:spcPts val="600"/>
-                        </a:spcAft>
-                      </a:pPr>
-                      <a:r>
-                        <a:rPr lang="es-ES" sz="1600">
-                          <a:solidFill>
-                            <a:srgbClr val="695D46"/>
-                          </a:solidFill>
-                          <a:effectLst/>
-                          <a:latin typeface="Open Sans" panose="020B0606030504020204" pitchFamily="34" charset="0"/>
-                          <a:ea typeface="Open Sans" panose="020B0606030504020204" pitchFamily="34" charset="0"/>
-                        </a:rPr>
-                        <a:t>Actitud y Participación</a:t>
-                      </a:r>
-                    </a:p>
-                  </a:txBody>
-                  <a:tcPr marL="63500" marR="63500" marT="0" marB="0">
-                    <a:lnL w="12700" cap="flat" cmpd="sng" algn="ctr">
-                      <a:solidFill>
-                        <a:srgbClr val="000000"/>
-                      </a:solidFill>
-                      <a:prstDash val="solid"/>
-                      <a:round/>
-                      <a:headEnd type="none" w="med" len="med"/>
-                      <a:tailEnd type="none" w="med" len="med"/>
-                    </a:lnL>
-                    <a:lnR w="12700" cap="flat" cmpd="sng" algn="ctr">
-                      <a:solidFill>
-                        <a:srgbClr val="000000"/>
-                      </a:solidFill>
-                      <a:prstDash val="solid"/>
-                      <a:round/>
-                      <a:headEnd type="none" w="med" len="med"/>
-                      <a:tailEnd type="none" w="med" len="med"/>
-                    </a:lnR>
-                    <a:lnT w="12700" cap="flat" cmpd="sng" algn="ctr">
-                      <a:solidFill>
-                        <a:srgbClr val="000000"/>
-                      </a:solidFill>
-                      <a:prstDash val="solid"/>
-                      <a:round/>
-                      <a:headEnd type="none" w="med" len="med"/>
-                      <a:tailEnd type="none" w="med" len="med"/>
-                    </a:lnT>
-                    <a:lnB w="12700" cap="flat" cmpd="sng" algn="ctr">
-                      <a:solidFill>
-                        <a:srgbClr val="000000"/>
-                      </a:solidFill>
-                      <a:prstDash val="solid"/>
-                      <a:round/>
-                      <a:headEnd type="none" w="med" len="med"/>
-                      <a:tailEnd type="none" w="med" len="med"/>
-                    </a:lnB>
-                    <a:solidFill>
-                      <a:srgbClr val="FFFFFF"/>
-                    </a:solidFill>
-                  </a:tcPr>
-                </a:tc>
-                <a:tc>
-                  <a:txBody>
-                    <a:bodyPr/>
-                    <a:lstStyle/>
-                    <a:p>
-                      <a:pPr indent="457200" algn="ctr">
-                        <a:lnSpc>
-                          <a:spcPct val="150000"/>
-                        </a:lnSpc>
-                        <a:spcBef>
-                          <a:spcPts val="600"/>
-                        </a:spcBef>
-                        <a:spcAft>
-                          <a:spcPts val="600"/>
-                        </a:spcAft>
-                      </a:pPr>
-                      <a:r>
-                        <a:rPr lang="es-ES" sz="1600" dirty="0">
-                          <a:solidFill>
-                            <a:srgbClr val="695D46"/>
-                          </a:solidFill>
-                          <a:effectLst/>
-                          <a:latin typeface="Open Sans" panose="020B0606030504020204" pitchFamily="34" charset="0"/>
-                          <a:ea typeface="Open Sans" panose="020B0606030504020204" pitchFamily="34" charset="0"/>
-                        </a:rPr>
-                        <a:t>5 %</a:t>
-                      </a:r>
-                    </a:p>
-                  </a:txBody>
-                  <a:tcPr marL="63500" marR="63500" marT="0" marB="0">
-                    <a:lnL w="12700" cap="flat" cmpd="sng" algn="ctr">
-                      <a:solidFill>
-                        <a:srgbClr val="000000"/>
-                      </a:solidFill>
-                      <a:prstDash val="solid"/>
-                      <a:round/>
-                      <a:headEnd type="none" w="med" len="med"/>
-                      <a:tailEnd type="none" w="med" len="med"/>
-                    </a:lnL>
-                    <a:lnR w="12700" cap="flat" cmpd="sng" algn="ctr">
-                      <a:solidFill>
-                        <a:srgbClr val="000000"/>
-                      </a:solidFill>
-                      <a:prstDash val="solid"/>
-                      <a:round/>
-                      <a:headEnd type="none" w="med" len="med"/>
-                      <a:tailEnd type="none" w="med" len="med"/>
-                    </a:lnR>
-                    <a:lnT w="12700" cap="flat" cmpd="sng" algn="ctr">
-                      <a:solidFill>
-                        <a:srgbClr val="000000"/>
-                      </a:solidFill>
-                      <a:prstDash val="solid"/>
-                      <a:round/>
-                      <a:headEnd type="none" w="med" len="med"/>
-                      <a:tailEnd type="none" w="med" len="med"/>
-                    </a:lnT>
-                    <a:lnB w="12700" cap="flat" cmpd="sng" algn="ctr">
-                      <a:solidFill>
-                        <a:srgbClr val="000000"/>
-                      </a:solidFill>
-                      <a:prstDash val="solid"/>
-                      <a:round/>
-                      <a:headEnd type="none" w="med" len="med"/>
-                      <a:tailEnd type="none" w="med" len="med"/>
-                    </a:lnB>
-                    <a:solidFill>
-                      <a:srgbClr val="FFFFFF"/>
-                    </a:solidFill>
-                  </a:tcPr>
-                </a:tc>
-                <a:extLst>
-                  <a:ext uri="{0D108BD9-81ED-4DB2-BD59-A6C34878D82A}">
-                    <a16:rowId xmlns:a16="http://schemas.microsoft.com/office/drawing/2014/main" val="2471589620"/>
-                  </a:ext>
-                </a:extLst>
-              </a:tr>
-            </a:tbl>
-          </a:graphicData>
-        </a:graphic>
-      </p:graphicFrame>
+              <a:t>Convocatorias - recuperaciones:</a:t>
+            </a:r>
+          </a:p>
+        </p:txBody>
+      </p:sp>
       <p:sp>
         <p:nvSpPr>
           <p:cNvPr id="5" name="Marcador de número de diapositiva 4">
@@ -17057,7 +11898,7 @@
             <a:fld id="{132FADFE-3B8F-471C-ABF0-DBC7717ECBBC}" type="slidenum">
               <a:rPr lang="es-ES" smtClean="0"/>
               <a:pPr/>
-              <a:t>9</a:t>
+              <a:t>8</a:t>
             </a:fld>
             <a:endParaRPr lang="es-ES" dirty="0"/>
           </a:p>
@@ -17065,158 +11906,78 @@
       </p:sp>
       <p:sp>
         <p:nvSpPr>
-          <p:cNvPr id="12" name="CuadroTexto 11">
+          <p:cNvPr id="4" name="Marcador de contenido 3">
             <a:extLst>
               <a:ext uri="{FF2B5EF4-FFF2-40B4-BE49-F238E27FC236}">
-                <a16:creationId xmlns:a16="http://schemas.microsoft.com/office/drawing/2014/main" id="{F62BE054-AFA4-E0C3-D337-5831DC6586D6}"/>
+                <a16:creationId xmlns:a16="http://schemas.microsoft.com/office/drawing/2014/main" id="{89640134-CA35-155E-00AD-935A778722CE}"/>
               </a:ext>
             </a:extLst>
           </p:cNvPr>
-          <p:cNvSpPr txBox="1"/>
-          <p:nvPr/>
+          <p:cNvSpPr>
+            <a:spLocks noGrp="1"/>
+          </p:cNvSpPr>
+          <p:nvPr>
+            <p:ph idx="1"/>
+          </p:nvPr>
         </p:nvSpPr>
         <p:spPr>
           <a:xfrm>
-            <a:off x="726201" y="3015900"/>
-            <a:ext cx="8088514" cy="3365473"/>
+            <a:off x="607234" y="1270000"/>
+            <a:ext cx="6773078" cy="3880773"/>
           </a:xfrm>
-          <a:prstGeom prst="rect">
-            <a:avLst/>
-          </a:prstGeom>
-          <a:noFill/>
         </p:spPr>
         <p:txBody>
-          <a:bodyPr wrap="square" lIns="91440" tIns="45720" rIns="91440" bIns="45720" rtlCol="0" anchor="t">
-            <a:spAutoFit/>
+          <a:bodyPr vert="horz" lIns="91440" tIns="45720" rIns="91440" bIns="45720" rtlCol="0" anchor="t">
+            <a:normAutofit/>
           </a:bodyPr>
           <a:lstStyle/>
           <a:p>
-            <a:pPr marL="285750" indent="-285750">
-              <a:lnSpc>
-                <a:spcPct val="150000"/>
-              </a:lnSpc>
-              <a:buFont typeface="Arial" panose="020B0604020202020204" pitchFamily="34" charset="0"/>
-              <a:buChar char="•"/>
-            </a:pPr>
             <a:r>
               <a:rPr lang="es-ES" dirty="0"/>
-              <a:t>PRÁCTICAS</a:t>
-            </a:r>
-          </a:p>
-          <a:p>
-            <a:pPr marL="742950" lvl="1" indent="-285750">
-              <a:lnSpc>
-                <a:spcPct val="150000"/>
-              </a:lnSpc>
-              <a:buFont typeface="Arial" panose="020B0604020202020204" pitchFamily="34" charset="0"/>
-              <a:buChar char="•"/>
-            </a:pPr>
-            <a:r>
-              <a:rPr lang="es-ES" b="1" dirty="0">
-                <a:solidFill>
-                  <a:srgbClr val="FF0000"/>
-                </a:solidFill>
-              </a:rPr>
-              <a:t>Media de prácticas mínimo un 5</a:t>
-            </a:r>
-          </a:p>
-          <a:p>
-            <a:pPr marL="742950" lvl="1" indent="-285750">
-              <a:lnSpc>
-                <a:spcPct val="150000"/>
-              </a:lnSpc>
-              <a:buFont typeface="Arial" panose="020B0604020202020204" pitchFamily="34" charset="0"/>
-              <a:buChar char="•"/>
-            </a:pPr>
-            <a:r>
-              <a:rPr lang="es-ES" b="1" dirty="0">
-                <a:solidFill>
-                  <a:srgbClr val="FF0000"/>
-                </a:solidFill>
-              </a:rPr>
-              <a:t>Entregar todas</a:t>
-            </a:r>
-            <a:endParaRPr lang="es-ES" dirty="0"/>
-          </a:p>
-          <a:p>
-            <a:pPr marL="742950" lvl="1" indent="-285750">
-              <a:lnSpc>
-                <a:spcPct val="150000"/>
-              </a:lnSpc>
-              <a:buFont typeface="Arial" panose="020B0604020202020204" pitchFamily="34" charset="0"/>
-              <a:buChar char="•"/>
-            </a:pPr>
+              <a:t>Dispones de dos convocatorias:</a:t>
+            </a:r>
+          </a:p>
+          <a:p>
+            <a:pPr lvl="1"/>
             <a:r>
               <a:rPr lang="es-ES" dirty="0"/>
-              <a:t>Obtener mínimo un 4 en cada una</a:t>
-            </a:r>
-          </a:p>
-          <a:p>
-            <a:pPr marL="742950" lvl="1" indent="-285750">
-              <a:lnSpc>
-                <a:spcPct val="150000"/>
-              </a:lnSpc>
-              <a:buFont typeface="Arial" panose="020B0604020202020204" pitchFamily="34" charset="0"/>
-              <a:buChar char="•"/>
-            </a:pPr>
+              <a:t>Ordinaria 1: con dos oportunidades</a:t>
+            </a:r>
+          </a:p>
+          <a:p>
+            <a:pPr lvl="2"/>
             <a:r>
               <a:rPr lang="es-ES" dirty="0"/>
-              <a:t>Sin faltas de ortografía</a:t>
-            </a:r>
-          </a:p>
-          <a:p>
-            <a:pPr marL="742950" lvl="1" indent="-285750">
-              <a:lnSpc>
-                <a:spcPct val="150000"/>
-              </a:lnSpc>
-              <a:buFont typeface="Arial" panose="020B0604020202020204" pitchFamily="34" charset="0"/>
-              <a:buChar char="•"/>
-            </a:pPr>
+              <a:t>Si la actividad no está superada, se ofrecerá </a:t>
+            </a:r>
+            <a:r>
+              <a:rPr lang="es-ES" dirty="0" err="1"/>
+              <a:t>feedback</a:t>
+            </a:r>
             <a:r>
               <a:rPr lang="es-ES" dirty="0"/>
-              <a:t>Sin copiar</a:t>
-            </a:r>
-          </a:p>
-          <a:p>
-            <a:pPr marL="742950" lvl="1" indent="-285750">
-              <a:lnSpc>
-                <a:spcPct val="150000"/>
-              </a:lnSpc>
-              <a:buFont typeface="Arial" panose="020B0604020202020204" pitchFamily="34" charset="0"/>
-              <a:buChar char="•"/>
-            </a:pPr>
+              <a:t> para la recuperación</a:t>
+            </a:r>
+          </a:p>
+          <a:p>
+            <a:pPr lvl="1"/>
             <a:r>
               <a:rPr lang="es-ES" dirty="0"/>
-              <a:t>Siguiendo las indicaciones de formato (si no, nota máxima 4)</a:t>
-            </a:r>
-          </a:p>
-          <a:p>
-            <a:pPr marL="742950" lvl="1" indent="-285750">
-              <a:lnSpc>
-                <a:spcPct val="150000"/>
-              </a:lnSpc>
-              <a:buFont typeface="Arial" panose="020B0604020202020204" pitchFamily="34" charset="0"/>
-              <a:buChar char="•"/>
-            </a:pPr>
+              <a:t>Ordinaria 2: en junio</a:t>
+            </a:r>
+          </a:p>
+          <a:p>
+            <a:pPr lvl="2"/>
             <a:r>
               <a:rPr lang="es-ES" dirty="0"/>
-              <a:t>Notas: 0 – 3 – </a:t>
-            </a:r>
-            <a:r>
-              <a:rPr lang="es-ES" strike="sngStrike" dirty="0"/>
-              <a:t>7</a:t>
-            </a:r>
+              <a:t>Realización de las actividades no superadas</a:t>
+            </a:r>
+          </a:p>
+          <a:p>
+            <a:pPr lvl="2"/>
             <a:r>
               <a:rPr lang="es-ES" dirty="0"/>
-              <a:t> </a:t>
-            </a:r>
-            <a:r>
-              <a:rPr lang="es-ES"/>
-              <a:t>6 </a:t>
-            </a:r>
-            <a:r>
-              <a:rPr lang="es-ES" dirty="0"/>
-              <a:t>– 9 - 10</a:t>
+              <a:t>Se podría realizar un examen final</a:t>
             </a:r>
           </a:p>
         </p:txBody>
@@ -17224,7 +11985,7 @@
     </p:spTree>
     <p:extLst>
       <p:ext uri="{BB962C8B-B14F-4D97-AF65-F5344CB8AC3E}">
-        <p14:creationId xmlns:p14="http://schemas.microsoft.com/office/powerpoint/2010/main" val="3375748173"/>
+        <p14:creationId xmlns:p14="http://schemas.microsoft.com/office/powerpoint/2010/main" val="2962578905"/>
       </p:ext>
     </p:extLst>
   </p:cSld>
